--- a/images/anchors.pptx
+++ b/images/anchors.pptx
@@ -4848,7 +4848,7 @@
 <dgm:dataModel xmlns:dgm="http://schemas.openxmlformats.org/drawingml/2006/diagram" xmlns:a="http://schemas.openxmlformats.org/drawingml/2006/main">
   <dgm:ptLst>
     <dgm:pt modelId="{373A95AD-8651-49D1-9C6D-D0522859B904}" type="doc">
-      <dgm:prSet loTypeId="urn:microsoft.com/office/officeart/2008/layout/BubblePictureList" loCatId="picture" qsTypeId="urn:microsoft.com/office/officeart/2005/8/quickstyle/simple4" qsCatId="simple" csTypeId="urn:microsoft.com/office/officeart/2005/8/colors/colorful1" csCatId="colorful" phldr="1"/>
+      <dgm:prSet loTypeId="urn:microsoft.com/office/officeart/2005/8/layout/cycle2" loCatId="cycle" qsTypeId="urn:microsoft.com/office/officeart/2005/8/quickstyle/3d2" qsCatId="3D" csTypeId="urn:microsoft.com/office/officeart/2005/8/colors/colorful1" csCatId="colorful" phldr="1"/>
       <dgm:spPr/>
       <dgm:t>
         <a:bodyPr/>
@@ -4865,10 +4865,6 @@
         <a:bodyPr/>
         <a:lstStyle/>
         <a:p>
-          <a:r>
-            <a:rPr lang="en-US" sz="1600" dirty="0" smtClean="0"/>
-            <a:t>Research </a:t>
-          </a:r>
           <a:endParaRPr lang="en-US" sz="1600" dirty="0"/>
         </a:p>
       </dgm:t>
@@ -4969,12 +4965,122 @@
         </a:p>
       </dgm:t>
     </dgm:pt>
-    <dgm:pt modelId="{A9C72E59-B08B-42CE-9F63-86FD3FC593CB}" type="pres">
-      <dgm:prSet presAssocID="{373A95AD-8651-49D1-9C6D-D0522859B904}" presName="Name0" presStyleCnt="0">
+    <dgm:pt modelId="{7DAEEAD7-688B-404E-BEA3-65BEF271C626}">
+      <dgm:prSet phldrT="[Text]"/>
+      <dgm:spPr/>
+      <dgm:t>
+        <a:bodyPr/>
+        <a:lstStyle/>
+        <a:p>
+          <a:r>
+            <a:rPr lang="en-US" dirty="0" smtClean="0"/>
+            <a:t> </a:t>
+          </a:r>
+          <a:endParaRPr lang="en-US" dirty="0"/>
+        </a:p>
+      </dgm:t>
+    </dgm:pt>
+    <dgm:pt modelId="{F334B9D6-E926-4DEB-8D23-A1789FC76711}" type="parTrans" cxnId="{9EB10856-C72C-417B-BB48-55998185322E}">
+      <dgm:prSet/>
+      <dgm:spPr/>
+      <dgm:t>
+        <a:bodyPr/>
+        <a:lstStyle/>
+        <a:p>
+          <a:endParaRPr lang="en-US"/>
+        </a:p>
+      </dgm:t>
+    </dgm:pt>
+    <dgm:pt modelId="{8CEC66FF-9DEC-4840-B387-07859C247235}" type="sibTrans" cxnId="{9EB10856-C72C-417B-BB48-55998185322E}">
+      <dgm:prSet/>
+      <dgm:spPr/>
+      <dgm:t>
+        <a:bodyPr/>
+        <a:lstStyle/>
+        <a:p>
+          <a:endParaRPr lang="en-US"/>
+        </a:p>
+      </dgm:t>
+    </dgm:pt>
+    <dgm:pt modelId="{B0EEE06D-9352-4C73-BB2B-81C96AF011EB}">
+      <dgm:prSet phldrT="[Text]"/>
+      <dgm:spPr/>
+      <dgm:t>
+        <a:bodyPr/>
+        <a:lstStyle/>
+        <a:p>
+          <a:r>
+            <a:rPr lang="en-US" dirty="0" smtClean="0"/>
+            <a:t> </a:t>
+          </a:r>
+          <a:endParaRPr lang="en-US" dirty="0"/>
+        </a:p>
+      </dgm:t>
+    </dgm:pt>
+    <dgm:pt modelId="{13A7455A-CD1B-46B6-9F1F-0605D4C77C12}" type="parTrans" cxnId="{36482ED2-52B4-4386-B7FF-4354A85AA248}">
+      <dgm:prSet/>
+      <dgm:spPr/>
+      <dgm:t>
+        <a:bodyPr/>
+        <a:lstStyle/>
+        <a:p>
+          <a:endParaRPr lang="en-US"/>
+        </a:p>
+      </dgm:t>
+    </dgm:pt>
+    <dgm:pt modelId="{AFC2F98E-68E5-49F9-BB35-0F2BE0502E91}" type="sibTrans" cxnId="{36482ED2-52B4-4386-B7FF-4354A85AA248}">
+      <dgm:prSet/>
+      <dgm:spPr/>
+      <dgm:t>
+        <a:bodyPr/>
+        <a:lstStyle/>
+        <a:p>
+          <a:endParaRPr lang="en-US"/>
+        </a:p>
+      </dgm:t>
+    </dgm:pt>
+    <dgm:pt modelId="{0E4839F9-F128-4F4F-A3BF-88B15231B93F}">
+      <dgm:prSet phldrT="[Text]"/>
+      <dgm:spPr/>
+      <dgm:t>
+        <a:bodyPr/>
+        <a:lstStyle/>
+        <a:p>
+          <a:r>
+            <a:rPr lang="en-US" dirty="0" smtClean="0"/>
+            <a:t> </a:t>
+          </a:r>
+          <a:endParaRPr lang="en-US" dirty="0"/>
+        </a:p>
+      </dgm:t>
+    </dgm:pt>
+    <dgm:pt modelId="{B9CCC9F4-B5F1-48FE-847E-EBB88F06BF10}" type="parTrans" cxnId="{ED36127B-9674-478A-B715-C44FEC21CEE5}">
+      <dgm:prSet/>
+      <dgm:spPr/>
+      <dgm:t>
+        <a:bodyPr/>
+        <a:lstStyle/>
+        <a:p>
+          <a:endParaRPr lang="en-US"/>
+        </a:p>
+      </dgm:t>
+    </dgm:pt>
+    <dgm:pt modelId="{11F21FCF-3899-483D-9001-052421D196AE}" type="sibTrans" cxnId="{ED36127B-9674-478A-B715-C44FEC21CEE5}">
+      <dgm:prSet/>
+      <dgm:spPr/>
+      <dgm:t>
+        <a:bodyPr/>
+        <a:lstStyle/>
+        <a:p>
+          <a:endParaRPr lang="en-US"/>
+        </a:p>
+      </dgm:t>
+    </dgm:pt>
+    <dgm:pt modelId="{26A8E1E0-F959-41A1-9D9A-19D7EA7D1C83}" type="pres">
+      <dgm:prSet presAssocID="{373A95AD-8651-49D1-9C6D-D0522859B904}" presName="cycle" presStyleCnt="0">
         <dgm:presLayoutVars>
-          <dgm:chMax val="8"/>
-          <dgm:chPref val="8"/>
           <dgm:dir/>
+          <dgm:resizeHandles val="exact"/>
         </dgm:presLayoutVars>
       </dgm:prSet>
       <dgm:spPr/>
@@ -4986,11 +5092,9 @@
         </a:p>
       </dgm:t>
     </dgm:pt>
-    <dgm:pt modelId="{9088CEB1-8723-45F3-BBCE-4476473605D5}" type="pres">
-      <dgm:prSet presAssocID="{9D427DDB-022D-470E-9D58-EE40886559D5}" presName="parent_text_1" presStyleLbl="revTx" presStyleIdx="0" presStyleCnt="3" custScaleX="127610" custScaleY="145587" custLinFactNeighborY="-28882">
+    <dgm:pt modelId="{67000C64-BDB0-489A-A930-02BB18171916}" type="pres">
+      <dgm:prSet presAssocID="{9D427DDB-022D-470E-9D58-EE40886559D5}" presName="node" presStyleLbl="node1" presStyleIdx="0" presStyleCnt="6">
         <dgm:presLayoutVars>
-          <dgm:chMax val="0"/>
-          <dgm:chPref val="0"/>
           <dgm:bulletEnabled val="1"/>
         </dgm:presLayoutVars>
       </dgm:prSet>
@@ -5003,24 +5107,8 @@
         </a:p>
       </dgm:t>
     </dgm:pt>
-    <dgm:pt modelId="{F20D931B-08D8-472A-A12E-9D62857D1D79}" type="pres">
-      <dgm:prSet presAssocID="{9D427DDB-022D-470E-9D58-EE40886559D5}" presName="image_accent_1" presStyleCnt="0"/>
-      <dgm:spPr/>
-    </dgm:pt>
-    <dgm:pt modelId="{84F46DD8-2357-4A3E-99AB-F0EE1936F519}" type="pres">
-      <dgm:prSet presAssocID="{9D427DDB-022D-470E-9D58-EE40886559D5}" presName="imageAccentRepeatNode" presStyleLbl="alignNode1" presStyleIdx="0" presStyleCnt="6"/>
-      <dgm:spPr/>
-    </dgm:pt>
-    <dgm:pt modelId="{0EDCF1AF-0A96-4C9A-AF4B-419E3C778C80}" type="pres">
-      <dgm:prSet presAssocID="{9D427DDB-022D-470E-9D58-EE40886559D5}" presName="accent_1" presStyleLbl="alignNode1" presStyleIdx="1" presStyleCnt="6"/>
-      <dgm:spPr/>
-    </dgm:pt>
-    <dgm:pt modelId="{E9B848F0-6E64-4BF3-987F-D0655A5EF2F3}" type="pres">
-      <dgm:prSet presAssocID="{A82BC04C-E6C2-4B1B-BEF5-1F979631D76D}" presName="image_1" presStyleCnt="0"/>
-      <dgm:spPr/>
-    </dgm:pt>
-    <dgm:pt modelId="{DC219B51-B4D3-48FD-89E8-F4C51984E6F7}" type="pres">
-      <dgm:prSet presAssocID="{A82BC04C-E6C2-4B1B-BEF5-1F979631D76D}" presName="imageRepeatNode" presStyleLbl="fgImgPlace1" presStyleIdx="0" presStyleCnt="3"/>
+    <dgm:pt modelId="{FB0BCADF-94EE-4341-AFE5-E02113DEC334}" type="pres">
+      <dgm:prSet presAssocID="{A82BC04C-E6C2-4B1B-BEF5-1F979631D76D}" presName="sibTrans" presStyleLbl="sibTrans2D1" presStyleIdx="0" presStyleCnt="6"/>
       <dgm:spPr/>
       <dgm:t>
         <a:bodyPr/>
@@ -5030,11 +5118,20 @@
         </a:p>
       </dgm:t>
     </dgm:pt>
-    <dgm:pt modelId="{43482FEE-E6EF-49C8-85A0-8DA72D335FB3}" type="pres">
-      <dgm:prSet presAssocID="{190D2D77-951B-47FB-AF03-C5EBC03C020A}" presName="parent_text_2" presStyleLbl="revTx" presStyleIdx="1" presStyleCnt="3">
+    <dgm:pt modelId="{2249D66E-AB71-4960-93C1-29ACBC47F170}" type="pres">
+      <dgm:prSet presAssocID="{A82BC04C-E6C2-4B1B-BEF5-1F979631D76D}" presName="connectorText" presStyleLbl="sibTrans2D1" presStyleIdx="0" presStyleCnt="6"/>
+      <dgm:spPr/>
+      <dgm:t>
+        <a:bodyPr/>
+        <a:lstStyle/>
+        <a:p>
+          <a:endParaRPr lang="en-US"/>
+        </a:p>
+      </dgm:t>
+    </dgm:pt>
+    <dgm:pt modelId="{7F96307D-491E-48C8-B5B0-41EED41BAAB8}" type="pres">
+      <dgm:prSet presAssocID="{190D2D77-951B-47FB-AF03-C5EBC03C020A}" presName="node" presStyleLbl="node1" presStyleIdx="1" presStyleCnt="6" custRadScaleRad="152926" custRadScaleInc="36387">
         <dgm:presLayoutVars>
-          <dgm:chMax val="0"/>
-          <dgm:chPref val="0"/>
           <dgm:bulletEnabled val="1"/>
         </dgm:presLayoutVars>
       </dgm:prSet>
@@ -5047,20 +5144,8 @@
         </a:p>
       </dgm:t>
     </dgm:pt>
-    <dgm:pt modelId="{22073511-1786-4D90-8DB1-D539EA6C8A21}" type="pres">
-      <dgm:prSet presAssocID="{190D2D77-951B-47FB-AF03-C5EBC03C020A}" presName="image_accent_2" presStyleCnt="0"/>
-      <dgm:spPr/>
-    </dgm:pt>
-    <dgm:pt modelId="{D86B54E6-F2D6-4F87-8163-96BF725CF952}" type="pres">
-      <dgm:prSet presAssocID="{190D2D77-951B-47FB-AF03-C5EBC03C020A}" presName="imageAccentRepeatNode" presStyleLbl="alignNode1" presStyleIdx="2" presStyleCnt="6"/>
-      <dgm:spPr/>
-    </dgm:pt>
-    <dgm:pt modelId="{7CA66227-46F4-496A-AA50-719A5CD778DC}" type="pres">
-      <dgm:prSet presAssocID="{76A64321-FD6D-4FD1-8307-04639F009FB3}" presName="image_2" presStyleCnt="0"/>
-      <dgm:spPr/>
-    </dgm:pt>
-    <dgm:pt modelId="{804CD868-D08E-471B-B824-45F95B979FC6}" type="pres">
-      <dgm:prSet presAssocID="{76A64321-FD6D-4FD1-8307-04639F009FB3}" presName="imageRepeatNode" presStyleLbl="fgImgPlace1" presStyleIdx="1" presStyleCnt="3"/>
+    <dgm:pt modelId="{0A7A086E-6363-4412-9191-7BEA44A56FF0}" type="pres">
+      <dgm:prSet presAssocID="{76A64321-FD6D-4FD1-8307-04639F009FB3}" presName="sibTrans" presStyleLbl="sibTrans2D1" presStyleIdx="1" presStyleCnt="6"/>
       <dgm:spPr/>
       <dgm:t>
         <a:bodyPr/>
@@ -5070,19 +5155,20 @@
         </a:p>
       </dgm:t>
     </dgm:pt>
-    <dgm:pt modelId="{A5971B93-852E-4E31-A4A0-5EE90F4553CB}" type="pres">
-      <dgm:prSet presAssocID="{5B54F67F-3620-4EF1-AE33-D80DA4DA1A22}" presName="image_accent_3" presStyleCnt="0"/>
+    <dgm:pt modelId="{F3030B4A-BA4A-4224-BFC0-85894E02782B}" type="pres">
+      <dgm:prSet presAssocID="{76A64321-FD6D-4FD1-8307-04639F009FB3}" presName="connectorText" presStyleLbl="sibTrans2D1" presStyleIdx="1" presStyleCnt="6"/>
       <dgm:spPr/>
+      <dgm:t>
+        <a:bodyPr/>
+        <a:lstStyle/>
+        <a:p>
+          <a:endParaRPr lang="en-US"/>
+        </a:p>
+      </dgm:t>
     </dgm:pt>
-    <dgm:pt modelId="{EE778415-85CD-48EC-B7ED-C10F24AD4418}" type="pres">
-      <dgm:prSet presAssocID="{5B54F67F-3620-4EF1-AE33-D80DA4DA1A22}" presName="imageAccentRepeatNode" presStyleLbl="alignNode1" presStyleIdx="3" presStyleCnt="6"/>
-      <dgm:spPr/>
-    </dgm:pt>
-    <dgm:pt modelId="{825BA40A-DD63-42F2-B6D4-BF88B1800D59}" type="pres">
-      <dgm:prSet presAssocID="{5B54F67F-3620-4EF1-AE33-D80DA4DA1A22}" presName="parent_text_3" presStyleLbl="revTx" presStyleIdx="2" presStyleCnt="3">
+    <dgm:pt modelId="{0A459F09-CEB9-4F43-A984-4A7EECE53EF0}" type="pres">
+      <dgm:prSet presAssocID="{5B54F67F-3620-4EF1-AE33-D80DA4DA1A22}" presName="node" presStyleLbl="node1" presStyleIdx="2" presStyleCnt="6" custRadScaleRad="152926" custRadScaleInc="-36387">
         <dgm:presLayoutVars>
-          <dgm:chMax val="0"/>
-          <dgm:chPref val="0"/>
           <dgm:bulletEnabled val="1"/>
         </dgm:presLayoutVars>
       </dgm:prSet>
@@ -5095,20 +5181,130 @@
         </a:p>
       </dgm:t>
     </dgm:pt>
-    <dgm:pt modelId="{23E68F47-CB50-4C23-A285-ED482D38A5A7}" type="pres">
-      <dgm:prSet presAssocID="{5B54F67F-3620-4EF1-AE33-D80DA4DA1A22}" presName="accent_2" presStyleLbl="alignNode1" presStyleIdx="4" presStyleCnt="6"/>
+    <dgm:pt modelId="{C18DF143-5BE2-45E3-91E7-19A412EDDA4C}" type="pres">
+      <dgm:prSet presAssocID="{5CC04077-0D0E-4333-8667-08FDBE396E42}" presName="sibTrans" presStyleLbl="sibTrans2D1" presStyleIdx="2" presStyleCnt="6"/>
       <dgm:spPr/>
+      <dgm:t>
+        <a:bodyPr/>
+        <a:lstStyle/>
+        <a:p>
+          <a:endParaRPr lang="en-US"/>
+        </a:p>
+      </dgm:t>
     </dgm:pt>
-    <dgm:pt modelId="{03004298-F242-4821-8A0F-DB3B96B5F280}" type="pres">
-      <dgm:prSet presAssocID="{5B54F67F-3620-4EF1-AE33-D80DA4DA1A22}" presName="accent_3" presStyleLbl="alignNode1" presStyleIdx="5" presStyleCnt="6"/>
+    <dgm:pt modelId="{FDE9E828-6CDF-4D6E-8EE3-4CACC6AE3B2B}" type="pres">
+      <dgm:prSet presAssocID="{5CC04077-0D0E-4333-8667-08FDBE396E42}" presName="connectorText" presStyleLbl="sibTrans2D1" presStyleIdx="2" presStyleCnt="6"/>
       <dgm:spPr/>
+      <dgm:t>
+        <a:bodyPr/>
+        <a:lstStyle/>
+        <a:p>
+          <a:endParaRPr lang="en-US"/>
+        </a:p>
+      </dgm:t>
     </dgm:pt>
-    <dgm:pt modelId="{D689A608-987D-4323-9051-4F8398DEACAE}" type="pres">
-      <dgm:prSet presAssocID="{5CC04077-0D0E-4333-8667-08FDBE396E42}" presName="image_3" presStyleCnt="0"/>
+    <dgm:pt modelId="{9F649EF1-D8DC-46DD-B9AD-5857994A138E}" type="pres">
+      <dgm:prSet presAssocID="{7DAEEAD7-688B-404E-BEA3-65BEF271C626}" presName="node" presStyleLbl="node1" presStyleIdx="3" presStyleCnt="6">
+        <dgm:presLayoutVars>
+          <dgm:bulletEnabled val="1"/>
+        </dgm:presLayoutVars>
+      </dgm:prSet>
       <dgm:spPr/>
+      <dgm:t>
+        <a:bodyPr/>
+        <a:lstStyle/>
+        <a:p>
+          <a:endParaRPr lang="en-US"/>
+        </a:p>
+      </dgm:t>
     </dgm:pt>
-    <dgm:pt modelId="{A10ADB7F-F587-40D3-AF8D-0531D80F77BC}" type="pres">
-      <dgm:prSet presAssocID="{5CC04077-0D0E-4333-8667-08FDBE396E42}" presName="imageRepeatNode" presStyleLbl="fgImgPlace1" presStyleIdx="2" presStyleCnt="3"/>
+    <dgm:pt modelId="{E6C0F717-9BE1-412D-B419-5DE9D94CF0B6}" type="pres">
+      <dgm:prSet presAssocID="{8CEC66FF-9DEC-4840-B387-07859C247235}" presName="sibTrans" presStyleLbl="sibTrans2D1" presStyleIdx="3" presStyleCnt="6"/>
+      <dgm:spPr/>
+      <dgm:t>
+        <a:bodyPr/>
+        <a:lstStyle/>
+        <a:p>
+          <a:endParaRPr lang="en-US"/>
+        </a:p>
+      </dgm:t>
+    </dgm:pt>
+    <dgm:pt modelId="{BC9201E3-91CC-4827-9F07-CA929A728425}" type="pres">
+      <dgm:prSet presAssocID="{8CEC66FF-9DEC-4840-B387-07859C247235}" presName="connectorText" presStyleLbl="sibTrans2D1" presStyleIdx="3" presStyleCnt="6"/>
+      <dgm:spPr/>
+      <dgm:t>
+        <a:bodyPr/>
+        <a:lstStyle/>
+        <a:p>
+          <a:endParaRPr lang="en-US"/>
+        </a:p>
+      </dgm:t>
+    </dgm:pt>
+    <dgm:pt modelId="{398A3B7B-60DC-4EA3-9A5F-34BA4706F225}" type="pres">
+      <dgm:prSet presAssocID="{B0EEE06D-9352-4C73-BB2B-81C96AF011EB}" presName="node" presStyleLbl="node1" presStyleIdx="4" presStyleCnt="6" custRadScaleRad="152926" custRadScaleInc="36386">
+        <dgm:presLayoutVars>
+          <dgm:bulletEnabled val="1"/>
+        </dgm:presLayoutVars>
+      </dgm:prSet>
+      <dgm:spPr/>
+      <dgm:t>
+        <a:bodyPr/>
+        <a:lstStyle/>
+        <a:p>
+          <a:endParaRPr lang="en-US"/>
+        </a:p>
+      </dgm:t>
+    </dgm:pt>
+    <dgm:pt modelId="{84B0F0E4-57DA-4F0C-A191-4F2F46AD1212}" type="pres">
+      <dgm:prSet presAssocID="{AFC2F98E-68E5-49F9-BB35-0F2BE0502E91}" presName="sibTrans" presStyleLbl="sibTrans2D1" presStyleIdx="4" presStyleCnt="6"/>
+      <dgm:spPr/>
+      <dgm:t>
+        <a:bodyPr/>
+        <a:lstStyle/>
+        <a:p>
+          <a:endParaRPr lang="en-US"/>
+        </a:p>
+      </dgm:t>
+    </dgm:pt>
+    <dgm:pt modelId="{30B80190-5B25-41F4-809F-C2C6C36A0D74}" type="pres">
+      <dgm:prSet presAssocID="{AFC2F98E-68E5-49F9-BB35-0F2BE0502E91}" presName="connectorText" presStyleLbl="sibTrans2D1" presStyleIdx="4" presStyleCnt="6"/>
+      <dgm:spPr/>
+      <dgm:t>
+        <a:bodyPr/>
+        <a:lstStyle/>
+        <a:p>
+          <a:endParaRPr lang="en-US"/>
+        </a:p>
+      </dgm:t>
+    </dgm:pt>
+    <dgm:pt modelId="{6D96EF14-C466-4955-83EA-9A07BAB0A161}" type="pres">
+      <dgm:prSet presAssocID="{0E4839F9-F128-4F4F-A3BF-88B15231B93F}" presName="node" presStyleLbl="node1" presStyleIdx="5" presStyleCnt="6" custRadScaleRad="152926" custRadScaleInc="-36386">
+        <dgm:presLayoutVars>
+          <dgm:bulletEnabled val="1"/>
+        </dgm:presLayoutVars>
+      </dgm:prSet>
+      <dgm:spPr/>
+      <dgm:t>
+        <a:bodyPr/>
+        <a:lstStyle/>
+        <a:p>
+          <a:endParaRPr lang="en-US"/>
+        </a:p>
+      </dgm:t>
+    </dgm:pt>
+    <dgm:pt modelId="{492712EC-E3E5-4145-AD7D-7EA22D95B992}" type="pres">
+      <dgm:prSet presAssocID="{11F21FCF-3899-483D-9001-052421D196AE}" presName="sibTrans" presStyleLbl="sibTrans2D1" presStyleIdx="5" presStyleCnt="6"/>
+      <dgm:spPr/>
+      <dgm:t>
+        <a:bodyPr/>
+        <a:lstStyle/>
+        <a:p>
+          <a:endParaRPr lang="en-US"/>
+        </a:p>
+      </dgm:t>
+    </dgm:pt>
+    <dgm:pt modelId="{34ED343E-8026-45FC-9465-361FF751BE06}" type="pres">
+      <dgm:prSet presAssocID="{11F21FCF-3899-483D-9001-052421D196AE}" presName="connectorText" presStyleLbl="sibTrans2D1" presStyleIdx="5" presStyleCnt="6"/>
       <dgm:spPr/>
       <dgm:t>
         <a:bodyPr/>
@@ -5120,34 +5316,49 @@
     </dgm:pt>
   </dgm:ptLst>
   <dgm:cxnLst>
-    <dgm:cxn modelId="{EAA412B1-69FE-4E70-BFC9-E5988AFEC838}" type="presOf" srcId="{5CC04077-0D0E-4333-8667-08FDBE396E42}" destId="{A10ADB7F-F587-40D3-AF8D-0531D80F77BC}" srcOrd="0" destOrd="0" presId="urn:microsoft.com/office/officeart/2008/layout/BubblePictureList"/>
-    <dgm:cxn modelId="{7BD1A838-0D6D-4CDD-9811-D97B532B803D}" type="presOf" srcId="{A82BC04C-E6C2-4B1B-BEF5-1F979631D76D}" destId="{DC219B51-B4D3-48FD-89E8-F4C51984E6F7}" srcOrd="0" destOrd="0" presId="urn:microsoft.com/office/officeart/2008/layout/BubblePictureList"/>
+    <dgm:cxn modelId="{EE3BC4FB-AF29-43BE-8FFF-752DC5DD025A}" type="presOf" srcId="{AFC2F98E-68E5-49F9-BB35-0F2BE0502E91}" destId="{30B80190-5B25-41F4-809F-C2C6C36A0D74}" srcOrd="1" destOrd="0" presId="urn:microsoft.com/office/officeart/2005/8/layout/cycle2"/>
+    <dgm:cxn modelId="{6DE919EB-619D-4256-BF0E-68E4C032A857}" type="presOf" srcId="{0E4839F9-F128-4F4F-A3BF-88B15231B93F}" destId="{6D96EF14-C466-4955-83EA-9A07BAB0A161}" srcOrd="0" destOrd="0" presId="urn:microsoft.com/office/officeart/2005/8/layout/cycle2"/>
+    <dgm:cxn modelId="{04AA84F8-8C9B-48E3-A5EE-E5C905048EB4}" type="presOf" srcId="{5CC04077-0D0E-4333-8667-08FDBE396E42}" destId="{FDE9E828-6CDF-4D6E-8EE3-4CACC6AE3B2B}" srcOrd="1" destOrd="0" presId="urn:microsoft.com/office/officeart/2005/8/layout/cycle2"/>
+    <dgm:cxn modelId="{C178ED8B-8811-4EB7-B165-3B2D2B842BB0}" type="presOf" srcId="{11F21FCF-3899-483D-9001-052421D196AE}" destId="{34ED343E-8026-45FC-9465-361FF751BE06}" srcOrd="1" destOrd="0" presId="urn:microsoft.com/office/officeart/2005/8/layout/cycle2"/>
+    <dgm:cxn modelId="{C571F637-A4F6-4E77-9766-23B62F7A7773}" type="presOf" srcId="{11F21FCF-3899-483D-9001-052421D196AE}" destId="{492712EC-E3E5-4145-AD7D-7EA22D95B992}" srcOrd="0" destOrd="0" presId="urn:microsoft.com/office/officeart/2005/8/layout/cycle2"/>
+    <dgm:cxn modelId="{0E6226C0-4836-46C4-A5E6-FE31B6157563}" type="presOf" srcId="{190D2D77-951B-47FB-AF03-C5EBC03C020A}" destId="{7F96307D-491E-48C8-B5B0-41EED41BAAB8}" srcOrd="0" destOrd="0" presId="urn:microsoft.com/office/officeart/2005/8/layout/cycle2"/>
+    <dgm:cxn modelId="{E3F6F4A8-6CF9-4DB1-AEF3-5692E24C6D29}" type="presOf" srcId="{8CEC66FF-9DEC-4840-B387-07859C247235}" destId="{BC9201E3-91CC-4827-9F07-CA929A728425}" srcOrd="1" destOrd="0" presId="urn:microsoft.com/office/officeart/2005/8/layout/cycle2"/>
+    <dgm:cxn modelId="{8BA3F032-CBCE-4ADB-9E03-F9D22A981CEC}" srcId="{373A95AD-8651-49D1-9C6D-D0522859B904}" destId="{9D427DDB-022D-470E-9D58-EE40886559D5}" srcOrd="0" destOrd="0" parTransId="{0B22ACFC-2594-4172-80B2-79DC4DE77EE4}" sibTransId="{A82BC04C-E6C2-4B1B-BEF5-1F979631D76D}"/>
+    <dgm:cxn modelId="{ECA618CE-AC50-4472-B570-1D616E406780}" type="presOf" srcId="{5CC04077-0D0E-4333-8667-08FDBE396E42}" destId="{C18DF143-5BE2-45E3-91E7-19A412EDDA4C}" srcOrd="0" destOrd="0" presId="urn:microsoft.com/office/officeart/2005/8/layout/cycle2"/>
+    <dgm:cxn modelId="{462649BE-A96F-4992-A915-FABAAB84BE3D}" type="presOf" srcId="{A82BC04C-E6C2-4B1B-BEF5-1F979631D76D}" destId="{FB0BCADF-94EE-4341-AFE5-E02113DEC334}" srcOrd="0" destOrd="0" presId="urn:microsoft.com/office/officeart/2005/8/layout/cycle2"/>
+    <dgm:cxn modelId="{36482ED2-52B4-4386-B7FF-4354A85AA248}" srcId="{373A95AD-8651-49D1-9C6D-D0522859B904}" destId="{B0EEE06D-9352-4C73-BB2B-81C96AF011EB}" srcOrd="4" destOrd="0" parTransId="{13A7455A-CD1B-46B6-9F1F-0605D4C77C12}" sibTransId="{AFC2F98E-68E5-49F9-BB35-0F2BE0502E91}"/>
+    <dgm:cxn modelId="{FB7A8DE7-C084-48FD-A892-BED97D141DE2}" type="presOf" srcId="{373A95AD-8651-49D1-9C6D-D0522859B904}" destId="{26A8E1E0-F959-41A1-9D9A-19D7EA7D1C83}" srcOrd="0" destOrd="0" presId="urn:microsoft.com/office/officeart/2005/8/layout/cycle2"/>
+    <dgm:cxn modelId="{9EB10856-C72C-417B-BB48-55998185322E}" srcId="{373A95AD-8651-49D1-9C6D-D0522859B904}" destId="{7DAEEAD7-688B-404E-BEA3-65BEF271C626}" srcOrd="3" destOrd="0" parTransId="{F334B9D6-E926-4DEB-8D23-A1789FC76711}" sibTransId="{8CEC66FF-9DEC-4840-B387-07859C247235}"/>
+    <dgm:cxn modelId="{E8BFD778-F1AE-4C80-9B41-7B7489B36D27}" type="presOf" srcId="{8CEC66FF-9DEC-4840-B387-07859C247235}" destId="{E6C0F717-9BE1-412D-B419-5DE9D94CF0B6}" srcOrd="0" destOrd="0" presId="urn:microsoft.com/office/officeart/2005/8/layout/cycle2"/>
+    <dgm:cxn modelId="{537FD934-512B-44A4-9514-3F51C547BABF}" type="presOf" srcId="{76A64321-FD6D-4FD1-8307-04639F009FB3}" destId="{0A7A086E-6363-4412-9191-7BEA44A56FF0}" srcOrd="0" destOrd="0" presId="urn:microsoft.com/office/officeart/2005/8/layout/cycle2"/>
+    <dgm:cxn modelId="{0DBC5625-7A15-4D42-826E-BCB1BE914335}" type="presOf" srcId="{5B54F67F-3620-4EF1-AE33-D80DA4DA1A22}" destId="{0A459F09-CEB9-4F43-A984-4A7EECE53EF0}" srcOrd="0" destOrd="0" presId="urn:microsoft.com/office/officeart/2005/8/layout/cycle2"/>
+    <dgm:cxn modelId="{83A722A1-7E0C-47BC-BF21-5DE46E17F414}" type="presOf" srcId="{A82BC04C-E6C2-4B1B-BEF5-1F979631D76D}" destId="{2249D66E-AB71-4960-93C1-29ACBC47F170}" srcOrd="1" destOrd="0" presId="urn:microsoft.com/office/officeart/2005/8/layout/cycle2"/>
+    <dgm:cxn modelId="{9398E150-A229-46DD-BED0-3D35EF88C411}" type="presOf" srcId="{7DAEEAD7-688B-404E-BEA3-65BEF271C626}" destId="{9F649EF1-D8DC-46DD-B9AD-5857994A138E}" srcOrd="0" destOrd="0" presId="urn:microsoft.com/office/officeart/2005/8/layout/cycle2"/>
+    <dgm:cxn modelId="{BAC55E9D-2EF0-4DF2-8445-8A100CD8956D}" type="presOf" srcId="{76A64321-FD6D-4FD1-8307-04639F009FB3}" destId="{F3030B4A-BA4A-4224-BFC0-85894E02782B}" srcOrd="1" destOrd="0" presId="urn:microsoft.com/office/officeart/2005/8/layout/cycle2"/>
+    <dgm:cxn modelId="{B2063B9B-3304-44D2-9938-0E34F4FD5E92}" srcId="{373A95AD-8651-49D1-9C6D-D0522859B904}" destId="{5B54F67F-3620-4EF1-AE33-D80DA4DA1A22}" srcOrd="2" destOrd="0" parTransId="{F44D26C2-BE09-4655-9F6F-55C7F9824D2F}" sibTransId="{5CC04077-0D0E-4333-8667-08FDBE396E42}"/>
+    <dgm:cxn modelId="{7946E392-6788-4E7E-8630-CDAF04503C40}" type="presOf" srcId="{B0EEE06D-9352-4C73-BB2B-81C96AF011EB}" destId="{398A3B7B-60DC-4EA3-9A5F-34BA4706F225}" srcOrd="0" destOrd="0" presId="urn:microsoft.com/office/officeart/2005/8/layout/cycle2"/>
+    <dgm:cxn modelId="{ED36127B-9674-478A-B715-C44FEC21CEE5}" srcId="{373A95AD-8651-49D1-9C6D-D0522859B904}" destId="{0E4839F9-F128-4F4F-A3BF-88B15231B93F}" srcOrd="5" destOrd="0" parTransId="{B9CCC9F4-B5F1-48FE-847E-EBB88F06BF10}" sibTransId="{11F21FCF-3899-483D-9001-052421D196AE}"/>
     <dgm:cxn modelId="{C710263C-A0AD-4EEA-B413-66407596DE78}" srcId="{373A95AD-8651-49D1-9C6D-D0522859B904}" destId="{190D2D77-951B-47FB-AF03-C5EBC03C020A}" srcOrd="1" destOrd="0" parTransId="{EB6F1C15-3721-4CAF-82F3-B9CE40F26055}" sibTransId="{76A64321-FD6D-4FD1-8307-04639F009FB3}"/>
-    <dgm:cxn modelId="{034CC6D6-AE75-42A5-8997-71FE6C959AE4}" type="presOf" srcId="{5B54F67F-3620-4EF1-AE33-D80DA4DA1A22}" destId="{825BA40A-DD63-42F2-B6D4-BF88B1800D59}" srcOrd="0" destOrd="0" presId="urn:microsoft.com/office/officeart/2008/layout/BubblePictureList"/>
-    <dgm:cxn modelId="{B2063B9B-3304-44D2-9938-0E34F4FD5E92}" srcId="{373A95AD-8651-49D1-9C6D-D0522859B904}" destId="{5B54F67F-3620-4EF1-AE33-D80DA4DA1A22}" srcOrd="2" destOrd="0" parTransId="{F44D26C2-BE09-4655-9F6F-55C7F9824D2F}" sibTransId="{5CC04077-0D0E-4333-8667-08FDBE396E42}"/>
-    <dgm:cxn modelId="{8BA3F032-CBCE-4ADB-9E03-F9D22A981CEC}" srcId="{373A95AD-8651-49D1-9C6D-D0522859B904}" destId="{9D427DDB-022D-470E-9D58-EE40886559D5}" srcOrd="0" destOrd="0" parTransId="{0B22ACFC-2594-4172-80B2-79DC4DE77EE4}" sibTransId="{A82BC04C-E6C2-4B1B-BEF5-1F979631D76D}"/>
-    <dgm:cxn modelId="{CB6F6ACD-1E57-4D4E-9A06-DCCC2F15A2E6}" type="presOf" srcId="{190D2D77-951B-47FB-AF03-C5EBC03C020A}" destId="{43482FEE-E6EF-49C8-85A0-8DA72D335FB3}" srcOrd="0" destOrd="0" presId="urn:microsoft.com/office/officeart/2008/layout/BubblePictureList"/>
-    <dgm:cxn modelId="{FE9B00E6-98B1-4D4E-A2B3-E58C2C779935}" type="presOf" srcId="{373A95AD-8651-49D1-9C6D-D0522859B904}" destId="{A9C72E59-B08B-42CE-9F63-86FD3FC593CB}" srcOrd="0" destOrd="0" presId="urn:microsoft.com/office/officeart/2008/layout/BubblePictureList"/>
-    <dgm:cxn modelId="{CF0E5B64-AE8A-4FDF-A819-A88AA881201F}" type="presOf" srcId="{76A64321-FD6D-4FD1-8307-04639F009FB3}" destId="{804CD868-D08E-471B-B824-45F95B979FC6}" srcOrd="0" destOrd="0" presId="urn:microsoft.com/office/officeart/2008/layout/BubblePictureList"/>
-    <dgm:cxn modelId="{131FA9E8-EEDB-401D-9ED0-1F55DA5714BD}" type="presOf" srcId="{9D427DDB-022D-470E-9D58-EE40886559D5}" destId="{9088CEB1-8723-45F3-BBCE-4476473605D5}" srcOrd="0" destOrd="0" presId="urn:microsoft.com/office/officeart/2008/layout/BubblePictureList"/>
-    <dgm:cxn modelId="{D125ED5A-C26A-4CD2-B85F-A7905A077691}" type="presParOf" srcId="{A9C72E59-B08B-42CE-9F63-86FD3FC593CB}" destId="{9088CEB1-8723-45F3-BBCE-4476473605D5}" srcOrd="0" destOrd="0" presId="urn:microsoft.com/office/officeart/2008/layout/BubblePictureList"/>
-    <dgm:cxn modelId="{06B9D96B-37E2-4B75-BF1D-93ED24B29F45}" type="presParOf" srcId="{A9C72E59-B08B-42CE-9F63-86FD3FC593CB}" destId="{F20D931B-08D8-472A-A12E-9D62857D1D79}" srcOrd="1" destOrd="0" presId="urn:microsoft.com/office/officeart/2008/layout/BubblePictureList"/>
-    <dgm:cxn modelId="{D7F1A7BE-1F4E-4C2A-8050-7C106ABFC39F}" type="presParOf" srcId="{F20D931B-08D8-472A-A12E-9D62857D1D79}" destId="{84F46DD8-2357-4A3E-99AB-F0EE1936F519}" srcOrd="0" destOrd="0" presId="urn:microsoft.com/office/officeart/2008/layout/BubblePictureList"/>
-    <dgm:cxn modelId="{E9BAFAB7-B165-499E-BE18-B6232483D703}" type="presParOf" srcId="{A9C72E59-B08B-42CE-9F63-86FD3FC593CB}" destId="{0EDCF1AF-0A96-4C9A-AF4B-419E3C778C80}" srcOrd="2" destOrd="0" presId="urn:microsoft.com/office/officeart/2008/layout/BubblePictureList"/>
-    <dgm:cxn modelId="{EC7AA238-A6C9-491B-86D9-8CAA33770067}" type="presParOf" srcId="{A9C72E59-B08B-42CE-9F63-86FD3FC593CB}" destId="{E9B848F0-6E64-4BF3-987F-D0655A5EF2F3}" srcOrd="3" destOrd="0" presId="urn:microsoft.com/office/officeart/2008/layout/BubblePictureList"/>
-    <dgm:cxn modelId="{2F64A75B-07ED-4799-B69C-00D203283A86}" type="presParOf" srcId="{E9B848F0-6E64-4BF3-987F-D0655A5EF2F3}" destId="{DC219B51-B4D3-48FD-89E8-F4C51984E6F7}" srcOrd="0" destOrd="0" presId="urn:microsoft.com/office/officeart/2008/layout/BubblePictureList"/>
-    <dgm:cxn modelId="{A8FE12C4-FCF0-43AB-87D6-7939573AADEC}" type="presParOf" srcId="{A9C72E59-B08B-42CE-9F63-86FD3FC593CB}" destId="{43482FEE-E6EF-49C8-85A0-8DA72D335FB3}" srcOrd="4" destOrd="0" presId="urn:microsoft.com/office/officeart/2008/layout/BubblePictureList"/>
-    <dgm:cxn modelId="{9421ECBB-72EC-4B99-8B41-7B39E26E66E4}" type="presParOf" srcId="{A9C72E59-B08B-42CE-9F63-86FD3FC593CB}" destId="{22073511-1786-4D90-8DB1-D539EA6C8A21}" srcOrd="5" destOrd="0" presId="urn:microsoft.com/office/officeart/2008/layout/BubblePictureList"/>
-    <dgm:cxn modelId="{34DA45EC-09EC-4233-9432-B75475468C41}" type="presParOf" srcId="{22073511-1786-4D90-8DB1-D539EA6C8A21}" destId="{D86B54E6-F2D6-4F87-8163-96BF725CF952}" srcOrd="0" destOrd="0" presId="urn:microsoft.com/office/officeart/2008/layout/BubblePictureList"/>
-    <dgm:cxn modelId="{C73BBE08-7D49-447A-A0AE-B1D08633D59B}" type="presParOf" srcId="{A9C72E59-B08B-42CE-9F63-86FD3FC593CB}" destId="{7CA66227-46F4-496A-AA50-719A5CD778DC}" srcOrd="6" destOrd="0" presId="urn:microsoft.com/office/officeart/2008/layout/BubblePictureList"/>
-    <dgm:cxn modelId="{917C39C5-0AFF-4C67-B6FB-4B44230B82E2}" type="presParOf" srcId="{7CA66227-46F4-496A-AA50-719A5CD778DC}" destId="{804CD868-D08E-471B-B824-45F95B979FC6}" srcOrd="0" destOrd="0" presId="urn:microsoft.com/office/officeart/2008/layout/BubblePictureList"/>
-    <dgm:cxn modelId="{E6C19EA0-3682-4BC4-90A8-B6888C53A201}" type="presParOf" srcId="{A9C72E59-B08B-42CE-9F63-86FD3FC593CB}" destId="{A5971B93-852E-4E31-A4A0-5EE90F4553CB}" srcOrd="7" destOrd="0" presId="urn:microsoft.com/office/officeart/2008/layout/BubblePictureList"/>
-    <dgm:cxn modelId="{0F0BB5A7-8114-4EE2-9EE1-D4812523F53E}" type="presParOf" srcId="{A5971B93-852E-4E31-A4A0-5EE90F4553CB}" destId="{EE778415-85CD-48EC-B7ED-C10F24AD4418}" srcOrd="0" destOrd="0" presId="urn:microsoft.com/office/officeart/2008/layout/BubblePictureList"/>
-    <dgm:cxn modelId="{9812AE95-2650-4A8A-8B16-080D85880CE4}" type="presParOf" srcId="{A9C72E59-B08B-42CE-9F63-86FD3FC593CB}" destId="{825BA40A-DD63-42F2-B6D4-BF88B1800D59}" srcOrd="8" destOrd="0" presId="urn:microsoft.com/office/officeart/2008/layout/BubblePictureList"/>
-    <dgm:cxn modelId="{E71892E4-627D-44FD-82AD-990306D8EFC0}" type="presParOf" srcId="{A9C72E59-B08B-42CE-9F63-86FD3FC593CB}" destId="{23E68F47-CB50-4C23-A285-ED482D38A5A7}" srcOrd="9" destOrd="0" presId="urn:microsoft.com/office/officeart/2008/layout/BubblePictureList"/>
-    <dgm:cxn modelId="{DE4D18C8-45CD-40BD-BEE6-574130B181B0}" type="presParOf" srcId="{A9C72E59-B08B-42CE-9F63-86FD3FC593CB}" destId="{03004298-F242-4821-8A0F-DB3B96B5F280}" srcOrd="10" destOrd="0" presId="urn:microsoft.com/office/officeart/2008/layout/BubblePictureList"/>
-    <dgm:cxn modelId="{D640DE1E-DCD6-4E46-94B7-A3A6F839693F}" type="presParOf" srcId="{A9C72E59-B08B-42CE-9F63-86FD3FC593CB}" destId="{D689A608-987D-4323-9051-4F8398DEACAE}" srcOrd="11" destOrd="0" presId="urn:microsoft.com/office/officeart/2008/layout/BubblePictureList"/>
-    <dgm:cxn modelId="{F874119D-318B-4F3C-B5E6-996A71F86BC1}" type="presParOf" srcId="{D689A608-987D-4323-9051-4F8398DEACAE}" destId="{A10ADB7F-F587-40D3-AF8D-0531D80F77BC}" srcOrd="0" destOrd="0" presId="urn:microsoft.com/office/officeart/2008/layout/BubblePictureList"/>
+    <dgm:cxn modelId="{7A51BEBA-899B-41A4-B4D8-8DBC4A986B3F}" type="presOf" srcId="{9D427DDB-022D-470E-9D58-EE40886559D5}" destId="{67000C64-BDB0-489A-A930-02BB18171916}" srcOrd="0" destOrd="0" presId="urn:microsoft.com/office/officeart/2005/8/layout/cycle2"/>
+    <dgm:cxn modelId="{2CD40FC6-7090-43BE-BB58-8D35956F36B9}" type="presOf" srcId="{AFC2F98E-68E5-49F9-BB35-0F2BE0502E91}" destId="{84B0F0E4-57DA-4F0C-A191-4F2F46AD1212}" srcOrd="0" destOrd="0" presId="urn:microsoft.com/office/officeart/2005/8/layout/cycle2"/>
+    <dgm:cxn modelId="{42376FAC-C5A3-41F5-8D95-80DE21305086}" type="presParOf" srcId="{26A8E1E0-F959-41A1-9D9A-19D7EA7D1C83}" destId="{67000C64-BDB0-489A-A930-02BB18171916}" srcOrd="0" destOrd="0" presId="urn:microsoft.com/office/officeart/2005/8/layout/cycle2"/>
+    <dgm:cxn modelId="{3658C394-FE91-4BC3-BA49-AF43FDEA9B61}" type="presParOf" srcId="{26A8E1E0-F959-41A1-9D9A-19D7EA7D1C83}" destId="{FB0BCADF-94EE-4341-AFE5-E02113DEC334}" srcOrd="1" destOrd="0" presId="urn:microsoft.com/office/officeart/2005/8/layout/cycle2"/>
+    <dgm:cxn modelId="{B189B6DA-F013-452B-8819-8F0A0CC8FFB4}" type="presParOf" srcId="{FB0BCADF-94EE-4341-AFE5-E02113DEC334}" destId="{2249D66E-AB71-4960-93C1-29ACBC47F170}" srcOrd="0" destOrd="0" presId="urn:microsoft.com/office/officeart/2005/8/layout/cycle2"/>
+    <dgm:cxn modelId="{B234434A-28CA-44A6-9241-3A891D824261}" type="presParOf" srcId="{26A8E1E0-F959-41A1-9D9A-19D7EA7D1C83}" destId="{7F96307D-491E-48C8-B5B0-41EED41BAAB8}" srcOrd="2" destOrd="0" presId="urn:microsoft.com/office/officeart/2005/8/layout/cycle2"/>
+    <dgm:cxn modelId="{09A86DE7-7F9F-49ED-A8F2-A95330741B2D}" type="presParOf" srcId="{26A8E1E0-F959-41A1-9D9A-19D7EA7D1C83}" destId="{0A7A086E-6363-4412-9191-7BEA44A56FF0}" srcOrd="3" destOrd="0" presId="urn:microsoft.com/office/officeart/2005/8/layout/cycle2"/>
+    <dgm:cxn modelId="{97BE84F1-9073-4CBA-B6A6-B2F3195A293C}" type="presParOf" srcId="{0A7A086E-6363-4412-9191-7BEA44A56FF0}" destId="{F3030B4A-BA4A-4224-BFC0-85894E02782B}" srcOrd="0" destOrd="0" presId="urn:microsoft.com/office/officeart/2005/8/layout/cycle2"/>
+    <dgm:cxn modelId="{5559A73F-3050-4F4D-8074-0E6703283C55}" type="presParOf" srcId="{26A8E1E0-F959-41A1-9D9A-19D7EA7D1C83}" destId="{0A459F09-CEB9-4F43-A984-4A7EECE53EF0}" srcOrd="4" destOrd="0" presId="urn:microsoft.com/office/officeart/2005/8/layout/cycle2"/>
+    <dgm:cxn modelId="{4F6C80DA-54F4-4C17-9AA9-6C5D4114CB5A}" type="presParOf" srcId="{26A8E1E0-F959-41A1-9D9A-19D7EA7D1C83}" destId="{C18DF143-5BE2-45E3-91E7-19A412EDDA4C}" srcOrd="5" destOrd="0" presId="urn:microsoft.com/office/officeart/2005/8/layout/cycle2"/>
+    <dgm:cxn modelId="{51B14E05-BD14-4AC4-AC0D-653535A494B5}" type="presParOf" srcId="{C18DF143-5BE2-45E3-91E7-19A412EDDA4C}" destId="{FDE9E828-6CDF-4D6E-8EE3-4CACC6AE3B2B}" srcOrd="0" destOrd="0" presId="urn:microsoft.com/office/officeart/2005/8/layout/cycle2"/>
+    <dgm:cxn modelId="{3F36C348-9A3D-4082-B095-96636552F314}" type="presParOf" srcId="{26A8E1E0-F959-41A1-9D9A-19D7EA7D1C83}" destId="{9F649EF1-D8DC-46DD-B9AD-5857994A138E}" srcOrd="6" destOrd="0" presId="urn:microsoft.com/office/officeart/2005/8/layout/cycle2"/>
+    <dgm:cxn modelId="{6569385B-974B-4D9E-A965-59C615342D3E}" type="presParOf" srcId="{26A8E1E0-F959-41A1-9D9A-19D7EA7D1C83}" destId="{E6C0F717-9BE1-412D-B419-5DE9D94CF0B6}" srcOrd="7" destOrd="0" presId="urn:microsoft.com/office/officeart/2005/8/layout/cycle2"/>
+    <dgm:cxn modelId="{E5F0F602-E30E-46B7-9856-C6AF990C43D8}" type="presParOf" srcId="{E6C0F717-9BE1-412D-B419-5DE9D94CF0B6}" destId="{BC9201E3-91CC-4827-9F07-CA929A728425}" srcOrd="0" destOrd="0" presId="urn:microsoft.com/office/officeart/2005/8/layout/cycle2"/>
+    <dgm:cxn modelId="{D6570469-1AC6-4177-814D-6C5DB42EE0AC}" type="presParOf" srcId="{26A8E1E0-F959-41A1-9D9A-19D7EA7D1C83}" destId="{398A3B7B-60DC-4EA3-9A5F-34BA4706F225}" srcOrd="8" destOrd="0" presId="urn:microsoft.com/office/officeart/2005/8/layout/cycle2"/>
+    <dgm:cxn modelId="{5FD9C687-7888-4CF3-823A-ED391031A3F2}" type="presParOf" srcId="{26A8E1E0-F959-41A1-9D9A-19D7EA7D1C83}" destId="{84B0F0E4-57DA-4F0C-A191-4F2F46AD1212}" srcOrd="9" destOrd="0" presId="urn:microsoft.com/office/officeart/2005/8/layout/cycle2"/>
+    <dgm:cxn modelId="{315F4E45-C709-4DBC-B0B1-D4FBAEB4B491}" type="presParOf" srcId="{84B0F0E4-57DA-4F0C-A191-4F2F46AD1212}" destId="{30B80190-5B25-41F4-809F-C2C6C36A0D74}" srcOrd="0" destOrd="0" presId="urn:microsoft.com/office/officeart/2005/8/layout/cycle2"/>
+    <dgm:cxn modelId="{EF3A3E4A-21E0-4102-B78C-E7951E52C81B}" type="presParOf" srcId="{26A8E1E0-F959-41A1-9D9A-19D7EA7D1C83}" destId="{6D96EF14-C466-4955-83EA-9A07BAB0A161}" srcOrd="10" destOrd="0" presId="urn:microsoft.com/office/officeart/2005/8/layout/cycle2"/>
+    <dgm:cxn modelId="{91BD14CA-B1D6-4AC8-8472-A914AFD93E1B}" type="presParOf" srcId="{26A8E1E0-F959-41A1-9D9A-19D7EA7D1C83}" destId="{492712EC-E3E5-4145-AD7D-7EA22D95B992}" srcOrd="11" destOrd="0" presId="urn:microsoft.com/office/officeart/2005/8/layout/cycle2"/>
+    <dgm:cxn modelId="{294861A4-F1CC-4B9B-9579-F036193BA432}" type="presParOf" srcId="{492712EC-E3E5-4145-AD7D-7EA22D95B992}" destId="{34ED343E-8026-45FC-9465-361FF751BE06}" srcOrd="0" destOrd="0" presId="urn:microsoft.com/office/officeart/2005/8/layout/cycle2"/>
   </dgm:cxnLst>
   <dgm:bg/>
   <dgm:whole/>
@@ -6432,15 +6643,15 @@
       <dsp:cNvGrpSpPr/>
     </dsp:nvGrpSpPr>
     <dsp:grpSpPr/>
-    <dsp:sp modelId="{84F46DD8-2357-4A3E-99AB-F0EE1936F519}">
+    <dsp:sp modelId="{67000C64-BDB0-489A-A930-02BB18171916}">
       <dsp:nvSpPr>
         <dsp:cNvPr id="0" name=""/>
         <dsp:cNvSpPr/>
       </dsp:nvSpPr>
       <dsp:spPr>
         <a:xfrm>
-          <a:off x="557562" y="389870"/>
-          <a:ext cx="510783" cy="510868"/>
+          <a:off x="1028867" y="233"/>
+          <a:ext cx="228265" cy="228265"/>
         </a:xfrm>
         <a:prstGeom prst="ellipse">
           <a:avLst/>
@@ -6480,16 +6691,8 @@
           </a:gsLst>
           <a:lin ang="16200000" scaled="0"/>
         </a:gradFill>
-        <a:ln w="9525" cap="flat" cmpd="sng" algn="ctr">
-          <a:solidFill>
-            <a:schemeClr val="accent2">
-              <a:hueOff val="0"/>
-              <a:satOff val="0"/>
-              <a:lumOff val="0"/>
-              <a:alphaOff val="0"/>
-            </a:schemeClr>
-          </a:solidFill>
-          <a:prstDash val="solid"/>
+        <a:ln>
+          <a:noFill/>
         </a:ln>
         <a:effectLst>
           <a:outerShdw blurRad="40000" dist="23000" dir="5400000" rotWithShape="0">
@@ -6498,9 +6701,18 @@
             </a:srgbClr>
           </a:outerShdw>
         </a:effectLst>
+        <a:scene3d>
+          <a:camera prst="orthographicFront"/>
+          <a:lightRig rig="threePt" dir="t">
+            <a:rot lat="0" lon="0" rev="7500000"/>
+          </a:lightRig>
+        </a:scene3d>
+        <a:sp3d prstMaterial="plastic">
+          <a:bevelT w="127000" h="25400" prst="relaxedInset"/>
+        </a:sp3d>
       </dsp:spPr>
       <dsp:style>
-        <a:lnRef idx="1">
+        <a:lnRef idx="0">
           <a:scrgbClr r="0" g="0" b="0"/>
         </a:lnRef>
         <a:fillRef idx="3">
@@ -6513,21 +6725,129 @@
           <a:schemeClr val="lt1"/>
         </a:fontRef>
       </dsp:style>
+      <dsp:txBody>
+        <a:bodyPr spcFirstLastPara="0" vert="horz" wrap="square" lIns="20320" tIns="20320" rIns="20320" bIns="20320" numCol="1" spcCol="1270" anchor="ctr" anchorCtr="0">
+          <a:noAutofit/>
+        </a:bodyPr>
+        <a:lstStyle/>
+        <a:p>
+          <a:pPr lvl="0" algn="ctr" defTabSz="711200">
+            <a:lnSpc>
+              <a:spcPct val="90000"/>
+            </a:lnSpc>
+            <a:spcBef>
+              <a:spcPct val="0"/>
+            </a:spcBef>
+            <a:spcAft>
+              <a:spcPct val="35000"/>
+            </a:spcAft>
+          </a:pPr>
+          <a:endParaRPr lang="en-US" sz="1600" kern="1200" dirty="0"/>
+        </a:p>
+      </dsp:txBody>
+      <dsp:txXfrm>
+        <a:off x="1062296" y="33662"/>
+        <a:ext cx="161407" cy="161407"/>
+      </dsp:txXfrm>
     </dsp:sp>
-    <dsp:sp modelId="{0EDCF1AF-0A96-4C9A-AF4B-419E3C778C80}">
+    <dsp:sp modelId="{FB0BCADF-94EE-4341-AFE5-E02113DEC334}">
+      <dsp:nvSpPr>
+        <dsp:cNvPr id="0" name=""/>
+        <dsp:cNvSpPr/>
+      </dsp:nvSpPr>
+      <dsp:spPr>
+        <a:xfrm rot="1145055">
+          <a:off x="1308092" y="160103"/>
+          <a:ext cx="156889" cy="77039"/>
+        </a:xfrm>
+        <a:prstGeom prst="rightArrow">
+          <a:avLst>
+            <a:gd name="adj1" fmla="val 60000"/>
+            <a:gd name="adj2" fmla="val 50000"/>
+          </a:avLst>
+        </a:prstGeom>
+        <a:solidFill>
+          <a:schemeClr val="accent2">
+            <a:hueOff val="0"/>
+            <a:satOff val="0"/>
+            <a:lumOff val="0"/>
+            <a:alphaOff val="0"/>
+          </a:schemeClr>
+        </a:solidFill>
+        <a:ln>
+          <a:noFill/>
+        </a:ln>
+        <a:effectLst>
+          <a:outerShdw blurRad="40000" dist="23000" dir="5400000" rotWithShape="0">
+            <a:srgbClr val="000000">
+              <a:alpha val="35000"/>
+            </a:srgbClr>
+          </a:outerShdw>
+        </a:effectLst>
+        <a:scene3d>
+          <a:camera prst="orthographicFront"/>
+          <a:lightRig rig="threePt" dir="t">
+            <a:rot lat="0" lon="0" rev="7500000"/>
+          </a:lightRig>
+        </a:scene3d>
+        <a:sp3d z="-70000" extrusionH="63500" prstMaterial="matte">
+          <a:bevelT w="25400" h="6350" prst="relaxedInset"/>
+          <a:contourClr>
+            <a:schemeClr val="bg1"/>
+          </a:contourClr>
+        </a:sp3d>
+      </dsp:spPr>
+      <dsp:style>
+        <a:lnRef idx="0">
+          <a:scrgbClr r="0" g="0" b="0"/>
+        </a:lnRef>
+        <a:fillRef idx="1">
+          <a:scrgbClr r="0" g="0" b="0"/>
+        </a:fillRef>
+        <a:effectRef idx="2">
+          <a:scrgbClr r="0" g="0" b="0"/>
+        </a:effectRef>
+        <a:fontRef idx="minor">
+          <a:schemeClr val="lt1"/>
+        </a:fontRef>
+      </dsp:style>
+      <dsp:txBody>
+        <a:bodyPr spcFirstLastPara="0" vert="horz" wrap="square" lIns="0" tIns="0" rIns="0" bIns="0" numCol="1" spcCol="1270" anchor="ctr" anchorCtr="0">
+          <a:noAutofit/>
+        </a:bodyPr>
+        <a:lstStyle/>
+        <a:p>
+          <a:pPr lvl="0" algn="ctr" defTabSz="222250">
+            <a:lnSpc>
+              <a:spcPct val="90000"/>
+            </a:lnSpc>
+            <a:spcBef>
+              <a:spcPct val="0"/>
+            </a:spcBef>
+            <a:spcAft>
+              <a:spcPct val="35000"/>
+            </a:spcAft>
+          </a:pPr>
+          <a:endParaRPr lang="en-US" sz="500" kern="1200"/>
+        </a:p>
+      </dsp:txBody>
+      <dsp:txXfrm>
+        <a:off x="1308727" y="171733"/>
+        <a:ext cx="133777" cy="46223"/>
+      </dsp:txXfrm>
+    </dsp:sp>
+    <dsp:sp modelId="{7F96307D-491E-48C8-B5B0-41EED41BAAB8}">
       <dsp:nvSpPr>
         <dsp:cNvPr id="0" name=""/>
         <dsp:cNvSpPr/>
       </dsp:nvSpPr>
       <dsp:spPr>
         <a:xfrm>
-          <a:off x="883362" y="13661"/>
-          <a:ext cx="151698" cy="151601"/>
+          <a:off x="1524335" y="171652"/>
+          <a:ext cx="228265" cy="228265"/>
         </a:xfrm>
-        <a:prstGeom prst="donut">
-          <a:avLst>
-            <a:gd name="adj" fmla="val 7460"/>
-          </a:avLst>
+        <a:prstGeom prst="ellipse">
+          <a:avLst/>
         </a:prstGeom>
         <a:gradFill rotWithShape="0">
           <a:gsLst>
@@ -6564,16 +6884,8 @@
           </a:gsLst>
           <a:lin ang="16200000" scaled="0"/>
         </a:gradFill>
-        <a:ln w="9525" cap="flat" cmpd="sng" algn="ctr">
-          <a:solidFill>
-            <a:schemeClr val="accent3">
-              <a:hueOff val="0"/>
-              <a:satOff val="0"/>
-              <a:lumOff val="0"/>
-              <a:alphaOff val="0"/>
-            </a:schemeClr>
-          </a:solidFill>
-          <a:prstDash val="solid"/>
+        <a:ln>
+          <a:noFill/>
         </a:ln>
         <a:effectLst>
           <a:outerShdw blurRad="40000" dist="23000" dir="5400000" rotWithShape="0">
@@ -6582,9 +6894,18 @@
             </a:srgbClr>
           </a:outerShdw>
         </a:effectLst>
+        <a:scene3d>
+          <a:camera prst="orthographicFront"/>
+          <a:lightRig rig="threePt" dir="t">
+            <a:rot lat="0" lon="0" rev="7500000"/>
+          </a:lightRig>
+        </a:scene3d>
+        <a:sp3d prstMaterial="plastic">
+          <a:bevelT w="127000" h="25400" prst="relaxedInset"/>
+        </a:sp3d>
       </dsp:spPr>
       <dsp:style>
-        <a:lnRef idx="1">
+        <a:lnRef idx="0">
           <a:scrgbClr r="0" g="0" b="0"/>
         </a:lnRef>
         <a:fillRef idx="3">
@@ -6597,23 +6918,53 @@
           <a:schemeClr val="lt1"/>
         </a:fontRef>
       </dsp:style>
+      <dsp:txBody>
+        <a:bodyPr spcFirstLastPara="0" vert="horz" wrap="square" lIns="11430" tIns="11430" rIns="11430" bIns="11430" numCol="1" spcCol="1270" anchor="ctr" anchorCtr="0">
+          <a:noAutofit/>
+        </a:bodyPr>
+        <a:lstStyle/>
+        <a:p>
+          <a:pPr lvl="0" algn="ctr" defTabSz="400050">
+            <a:lnSpc>
+              <a:spcPct val="90000"/>
+            </a:lnSpc>
+            <a:spcBef>
+              <a:spcPct val="0"/>
+            </a:spcBef>
+            <a:spcAft>
+              <a:spcPct val="35000"/>
+            </a:spcAft>
+          </a:pPr>
+          <a:r>
+            <a:rPr lang="en-US" sz="900" kern="1200" dirty="0" smtClean="0"/>
+            <a:t> </a:t>
+          </a:r>
+          <a:endParaRPr lang="en-US" sz="900" kern="1200" dirty="0"/>
+        </a:p>
+      </dsp:txBody>
+      <dsp:txXfrm>
+        <a:off x="1557764" y="205081"/>
+        <a:ext cx="161407" cy="161407"/>
+      </dsp:txXfrm>
     </dsp:sp>
-    <dsp:sp modelId="{DC219B51-B4D3-48FD-89E8-F4C51984E6F7}">
+    <dsp:sp modelId="{0A7A086E-6363-4412-9191-7BEA44A56FF0}">
       <dsp:nvSpPr>
         <dsp:cNvPr id="0" name=""/>
         <dsp:cNvSpPr/>
       </dsp:nvSpPr>
       <dsp:spPr>
-        <a:xfrm>
-          <a:off x="577191" y="409475"/>
-          <a:ext cx="471738" cy="471659"/>
+        <a:xfrm rot="5400000">
+          <a:off x="1608108" y="416961"/>
+          <a:ext cx="60719" cy="77039"/>
         </a:xfrm>
-        <a:prstGeom prst="ellipse">
-          <a:avLst/>
+        <a:prstGeom prst="rightArrow">
+          <a:avLst>
+            <a:gd name="adj1" fmla="val 60000"/>
+            <a:gd name="adj2" fmla="val 50000"/>
+          </a:avLst>
         </a:prstGeom>
         <a:solidFill>
-          <a:schemeClr val="accent2">
-            <a:tint val="50000"/>
+          <a:schemeClr val="accent3">
             <a:hueOff val="0"/>
             <a:satOff val="0"/>
             <a:lumOff val="0"/>
@@ -6630,6 +6981,18 @@
             </a:srgbClr>
           </a:outerShdw>
         </a:effectLst>
+        <a:scene3d>
+          <a:camera prst="orthographicFront"/>
+          <a:lightRig rig="threePt" dir="t">
+            <a:rot lat="0" lon="0" rev="7500000"/>
+          </a:lightRig>
+        </a:scene3d>
+        <a:sp3d z="-70000" extrusionH="63500" prstMaterial="matte">
+          <a:bevelT w="25400" h="6350" prst="relaxedInset"/>
+          <a:contourClr>
+            <a:schemeClr val="bg1"/>
+          </a:contourClr>
+        </a:sp3d>
       </dsp:spPr>
       <dsp:style>
         <a:lnRef idx="0">
@@ -6641,18 +7004,44 @@
         <a:effectRef idx="2">
           <a:scrgbClr r="0" g="0" b="0"/>
         </a:effectRef>
-        <a:fontRef idx="minor"/>
+        <a:fontRef idx="minor">
+          <a:schemeClr val="lt1"/>
+        </a:fontRef>
       </dsp:style>
+      <dsp:txBody>
+        <a:bodyPr spcFirstLastPara="0" vert="horz" wrap="square" lIns="0" tIns="0" rIns="0" bIns="0" numCol="1" spcCol="1270" anchor="ctr" anchorCtr="0">
+          <a:noAutofit/>
+        </a:bodyPr>
+        <a:lstStyle/>
+        <a:p>
+          <a:pPr lvl="0" algn="ctr" defTabSz="222250">
+            <a:lnSpc>
+              <a:spcPct val="90000"/>
+            </a:lnSpc>
+            <a:spcBef>
+              <a:spcPct val="0"/>
+            </a:spcBef>
+            <a:spcAft>
+              <a:spcPct val="35000"/>
+            </a:spcAft>
+          </a:pPr>
+          <a:endParaRPr lang="en-US" sz="500" kern="1200"/>
+        </a:p>
+      </dsp:txBody>
+      <dsp:txXfrm>
+        <a:off x="1617216" y="423261"/>
+        <a:ext cx="42503" cy="46223"/>
+      </dsp:txXfrm>
     </dsp:sp>
-    <dsp:sp modelId="{D86B54E6-F2D6-4F87-8163-96BF725CF952}">
+    <dsp:sp modelId="{0A459F09-CEB9-4F43-A984-4A7EECE53EF0}">
       <dsp:nvSpPr>
         <dsp:cNvPr id="0" name=""/>
         <dsp:cNvSpPr/>
       </dsp:nvSpPr>
       <dsp:spPr>
         <a:xfrm>
-          <a:off x="1105470" y="486384"/>
-          <a:ext cx="267340" cy="267276"/>
+          <a:off x="1524335" y="514482"/>
+          <a:ext cx="228265" cy="228265"/>
         </a:xfrm>
         <a:prstGeom prst="ellipse">
           <a:avLst/>
@@ -6692,16 +7081,8 @@
           </a:gsLst>
           <a:lin ang="16200000" scaled="0"/>
         </a:gradFill>
-        <a:ln w="9525" cap="flat" cmpd="sng" algn="ctr">
-          <a:solidFill>
-            <a:schemeClr val="accent4">
-              <a:hueOff val="0"/>
-              <a:satOff val="0"/>
-              <a:lumOff val="0"/>
-              <a:alphaOff val="0"/>
-            </a:schemeClr>
-          </a:solidFill>
-          <a:prstDash val="solid"/>
+        <a:ln>
+          <a:noFill/>
         </a:ln>
         <a:effectLst>
           <a:outerShdw blurRad="40000" dist="23000" dir="5400000" rotWithShape="0">
@@ -6710,9 +7091,18 @@
             </a:srgbClr>
           </a:outerShdw>
         </a:effectLst>
+        <a:scene3d>
+          <a:camera prst="orthographicFront"/>
+          <a:lightRig rig="threePt" dir="t">
+            <a:rot lat="0" lon="0" rev="7500000"/>
+          </a:lightRig>
+        </a:scene3d>
+        <a:sp3d prstMaterial="plastic">
+          <a:bevelT w="127000" h="25400" prst="relaxedInset"/>
+        </a:sp3d>
       </dsp:spPr>
       <dsp:style>
-        <a:lnRef idx="1">
+        <a:lnRef idx="0">
           <a:scrgbClr r="0" g="0" b="0"/>
         </a:lnRef>
         <a:fillRef idx="3">
@@ -6725,23 +7115,53 @@
           <a:schemeClr val="lt1"/>
         </a:fontRef>
       </dsp:style>
+      <dsp:txBody>
+        <a:bodyPr spcFirstLastPara="0" vert="horz" wrap="square" lIns="11430" tIns="11430" rIns="11430" bIns="11430" numCol="1" spcCol="1270" anchor="ctr" anchorCtr="0">
+          <a:noAutofit/>
+        </a:bodyPr>
+        <a:lstStyle/>
+        <a:p>
+          <a:pPr lvl="0" algn="ctr" defTabSz="400050">
+            <a:lnSpc>
+              <a:spcPct val="90000"/>
+            </a:lnSpc>
+            <a:spcBef>
+              <a:spcPct val="0"/>
+            </a:spcBef>
+            <a:spcAft>
+              <a:spcPct val="35000"/>
+            </a:spcAft>
+          </a:pPr>
+          <a:r>
+            <a:rPr lang="en-US" sz="900" kern="1200" dirty="0" smtClean="0"/>
+            <a:t> </a:t>
+          </a:r>
+          <a:endParaRPr lang="en-US" sz="900" kern="1200" dirty="0"/>
+        </a:p>
+      </dsp:txBody>
+      <dsp:txXfrm>
+        <a:off x="1557764" y="547911"/>
+        <a:ext cx="161407" cy="161407"/>
+      </dsp:txXfrm>
     </dsp:sp>
-    <dsp:sp modelId="{804CD868-D08E-471B-B824-45F95B979FC6}">
+    <dsp:sp modelId="{C18DF143-5BE2-45E3-91E7-19A412EDDA4C}">
       <dsp:nvSpPr>
         <dsp:cNvPr id="0" name=""/>
         <dsp:cNvSpPr/>
       </dsp:nvSpPr>
       <dsp:spPr>
-        <a:xfrm>
-          <a:off x="1121259" y="502174"/>
-          <a:ext cx="235762" cy="235785"/>
+        <a:xfrm rot="9654945">
+          <a:off x="1316485" y="674352"/>
+          <a:ext cx="156889" cy="77039"/>
         </a:xfrm>
-        <a:prstGeom prst="ellipse">
-          <a:avLst/>
+        <a:prstGeom prst="rightArrow">
+          <a:avLst>
+            <a:gd name="adj1" fmla="val 60000"/>
+            <a:gd name="adj2" fmla="val 50000"/>
+          </a:avLst>
         </a:prstGeom>
         <a:solidFill>
-          <a:schemeClr val="accent3">
-            <a:tint val="50000"/>
+          <a:schemeClr val="accent4">
             <a:hueOff val="0"/>
             <a:satOff val="0"/>
             <a:lumOff val="0"/>
@@ -6758,6 +7178,18 @@
             </a:srgbClr>
           </a:outerShdw>
         </a:effectLst>
+        <a:scene3d>
+          <a:camera prst="orthographicFront"/>
+          <a:lightRig rig="threePt" dir="t">
+            <a:rot lat="0" lon="0" rev="7500000"/>
+          </a:lightRig>
+        </a:scene3d>
+        <a:sp3d z="-70000" extrusionH="63500" prstMaterial="matte">
+          <a:bevelT w="25400" h="6350" prst="relaxedInset"/>
+          <a:contourClr>
+            <a:schemeClr val="bg1"/>
+          </a:contourClr>
+        </a:sp3d>
       </dsp:spPr>
       <dsp:style>
         <a:lnRef idx="0">
@@ -6769,18 +7201,44 @@
         <a:effectRef idx="2">
           <a:scrgbClr r="0" g="0" b="0"/>
         </a:effectRef>
-        <a:fontRef idx="minor"/>
+        <a:fontRef idx="minor">
+          <a:schemeClr val="lt1"/>
+        </a:fontRef>
       </dsp:style>
+      <dsp:txBody>
+        <a:bodyPr spcFirstLastPara="0" vert="horz" wrap="square" lIns="0" tIns="0" rIns="0" bIns="0" numCol="1" spcCol="1270" anchor="ctr" anchorCtr="0">
+          <a:noAutofit/>
+        </a:bodyPr>
+        <a:lstStyle/>
+        <a:p>
+          <a:pPr lvl="0" algn="ctr" defTabSz="222250">
+            <a:lnSpc>
+              <a:spcPct val="90000"/>
+            </a:lnSpc>
+            <a:spcBef>
+              <a:spcPct val="0"/>
+            </a:spcBef>
+            <a:spcAft>
+              <a:spcPct val="35000"/>
+            </a:spcAft>
+          </a:pPr>
+          <a:endParaRPr lang="en-US" sz="500" kern="1200"/>
+        </a:p>
+      </dsp:txBody>
+      <dsp:txXfrm rot="10800000">
+        <a:off x="1338962" y="685982"/>
+        <a:ext cx="133777" cy="46223"/>
+      </dsp:txXfrm>
     </dsp:sp>
-    <dsp:sp modelId="{EE778415-85CD-48EC-B7ED-C10F24AD4418}">
+    <dsp:sp modelId="{9F649EF1-D8DC-46DD-B9AD-5857994A138E}">
       <dsp:nvSpPr>
         <dsp:cNvPr id="0" name=""/>
         <dsp:cNvSpPr/>
       </dsp:nvSpPr>
       <dsp:spPr>
         <a:xfrm>
-          <a:off x="1000924" y="109110"/>
-          <a:ext cx="342656" cy="342766"/>
+          <a:off x="1028867" y="685901"/>
+          <a:ext cx="228265" cy="228265"/>
         </a:xfrm>
         <a:prstGeom prst="ellipse">
           <a:avLst/>
@@ -6820,16 +7278,8 @@
           </a:gsLst>
           <a:lin ang="16200000" scaled="0"/>
         </a:gradFill>
-        <a:ln w="9525" cap="flat" cmpd="sng" algn="ctr">
-          <a:solidFill>
-            <a:schemeClr val="accent5">
-              <a:hueOff val="0"/>
-              <a:satOff val="0"/>
-              <a:lumOff val="0"/>
-              <a:alphaOff val="0"/>
-            </a:schemeClr>
-          </a:solidFill>
-          <a:prstDash val="solid"/>
+        <a:ln>
+          <a:noFill/>
         </a:ln>
         <a:effectLst>
           <a:outerShdw blurRad="40000" dist="23000" dir="5400000" rotWithShape="0">
@@ -6838,9 +7288,18 @@
             </a:srgbClr>
           </a:outerShdw>
         </a:effectLst>
+        <a:scene3d>
+          <a:camera prst="orthographicFront"/>
+          <a:lightRig rig="threePt" dir="t">
+            <a:rot lat="0" lon="0" rev="7500000"/>
+          </a:lightRig>
+        </a:scene3d>
+        <a:sp3d prstMaterial="plastic">
+          <a:bevelT w="127000" h="25400" prst="relaxedInset"/>
+        </a:sp3d>
       </dsp:spPr>
       <dsp:style>
-        <a:lnRef idx="1">
+        <a:lnRef idx="0">
           <a:scrgbClr r="0" g="0" b="0"/>
         </a:lnRef>
         <a:fillRef idx="3">
@@ -6853,21 +7312,133 @@
           <a:schemeClr val="lt1"/>
         </a:fontRef>
       </dsp:style>
+      <dsp:txBody>
+        <a:bodyPr spcFirstLastPara="0" vert="horz" wrap="square" lIns="11430" tIns="11430" rIns="11430" bIns="11430" numCol="1" spcCol="1270" anchor="ctr" anchorCtr="0">
+          <a:noAutofit/>
+        </a:bodyPr>
+        <a:lstStyle/>
+        <a:p>
+          <a:pPr lvl="0" algn="ctr" defTabSz="400050">
+            <a:lnSpc>
+              <a:spcPct val="90000"/>
+            </a:lnSpc>
+            <a:spcBef>
+              <a:spcPct val="0"/>
+            </a:spcBef>
+            <a:spcAft>
+              <a:spcPct val="35000"/>
+            </a:spcAft>
+          </a:pPr>
+          <a:r>
+            <a:rPr lang="en-US" sz="900" kern="1200" dirty="0" smtClean="0"/>
+            <a:t> </a:t>
+          </a:r>
+          <a:endParaRPr lang="en-US" sz="900" kern="1200" dirty="0"/>
+        </a:p>
+      </dsp:txBody>
+      <dsp:txXfrm>
+        <a:off x="1062296" y="719330"/>
+        <a:ext cx="161407" cy="161407"/>
+      </dsp:txXfrm>
     </dsp:sp>
-    <dsp:sp modelId="{23E68F47-CB50-4C23-A285-ED482D38A5A7}">
+    <dsp:sp modelId="{E6C0F717-9BE1-412D-B419-5DE9D94CF0B6}">
+      <dsp:nvSpPr>
+        <dsp:cNvPr id="0" name=""/>
+        <dsp:cNvSpPr/>
+      </dsp:nvSpPr>
+      <dsp:spPr>
+        <a:xfrm rot="11945040">
+          <a:off x="821018" y="677257"/>
+          <a:ext cx="156888" cy="77039"/>
+        </a:xfrm>
+        <a:prstGeom prst="rightArrow">
+          <a:avLst>
+            <a:gd name="adj1" fmla="val 60000"/>
+            <a:gd name="adj2" fmla="val 50000"/>
+          </a:avLst>
+        </a:prstGeom>
+        <a:solidFill>
+          <a:schemeClr val="accent5">
+            <a:hueOff val="0"/>
+            <a:satOff val="0"/>
+            <a:lumOff val="0"/>
+            <a:alphaOff val="0"/>
+          </a:schemeClr>
+        </a:solidFill>
+        <a:ln>
+          <a:noFill/>
+        </a:ln>
+        <a:effectLst>
+          <a:outerShdw blurRad="40000" dist="23000" dir="5400000" rotWithShape="0">
+            <a:srgbClr val="000000">
+              <a:alpha val="35000"/>
+            </a:srgbClr>
+          </a:outerShdw>
+        </a:effectLst>
+        <a:scene3d>
+          <a:camera prst="orthographicFront"/>
+          <a:lightRig rig="threePt" dir="t">
+            <a:rot lat="0" lon="0" rev="7500000"/>
+          </a:lightRig>
+        </a:scene3d>
+        <a:sp3d z="-70000" extrusionH="63500" prstMaterial="matte">
+          <a:bevelT w="25400" h="6350" prst="relaxedInset"/>
+          <a:contourClr>
+            <a:schemeClr val="bg1"/>
+          </a:contourClr>
+        </a:sp3d>
+      </dsp:spPr>
+      <dsp:style>
+        <a:lnRef idx="0">
+          <a:scrgbClr r="0" g="0" b="0"/>
+        </a:lnRef>
+        <a:fillRef idx="1">
+          <a:scrgbClr r="0" g="0" b="0"/>
+        </a:fillRef>
+        <a:effectRef idx="2">
+          <a:scrgbClr r="0" g="0" b="0"/>
+        </a:effectRef>
+        <a:fontRef idx="minor">
+          <a:schemeClr val="lt1"/>
+        </a:fontRef>
+      </dsp:style>
+      <dsp:txBody>
+        <a:bodyPr spcFirstLastPara="0" vert="horz" wrap="square" lIns="0" tIns="0" rIns="0" bIns="0" numCol="1" spcCol="1270" anchor="ctr" anchorCtr="0">
+          <a:noAutofit/>
+        </a:bodyPr>
+        <a:lstStyle/>
+        <a:p>
+          <a:pPr lvl="0" algn="ctr" defTabSz="222250">
+            <a:lnSpc>
+              <a:spcPct val="90000"/>
+            </a:lnSpc>
+            <a:spcBef>
+              <a:spcPct val="0"/>
+            </a:spcBef>
+            <a:spcAft>
+              <a:spcPct val="35000"/>
+            </a:spcAft>
+          </a:pPr>
+          <a:endParaRPr lang="en-US" sz="500" kern="1200"/>
+        </a:p>
+      </dsp:txBody>
+      <dsp:txXfrm rot="10800000">
+        <a:off x="843495" y="696443"/>
+        <a:ext cx="133776" cy="46223"/>
+      </dsp:txXfrm>
+    </dsp:sp>
+    <dsp:sp modelId="{398A3B7B-60DC-4EA3-9A5F-34BA4706F225}">
       <dsp:nvSpPr>
         <dsp:cNvPr id="0" name=""/>
         <dsp:cNvSpPr/>
       </dsp:nvSpPr>
       <dsp:spPr>
         <a:xfrm>
-          <a:off x="1287466" y="24926"/>
-          <a:ext cx="112227" cy="112304"/>
+          <a:off x="533400" y="514485"/>
+          <a:ext cx="228265" cy="228265"/>
         </a:xfrm>
-        <a:prstGeom prst="donut">
-          <a:avLst>
-            <a:gd name="adj" fmla="val 7460"/>
-          </a:avLst>
+        <a:prstGeom prst="ellipse">
+          <a:avLst/>
         </a:prstGeom>
         <a:gradFill rotWithShape="0">
           <a:gsLst>
@@ -6904,16 +7475,8 @@
           </a:gsLst>
           <a:lin ang="16200000" scaled="0"/>
         </a:gradFill>
-        <a:ln w="9525" cap="flat" cmpd="sng" algn="ctr">
-          <a:solidFill>
-            <a:schemeClr val="accent6">
-              <a:hueOff val="0"/>
-              <a:satOff val="0"/>
-              <a:lumOff val="0"/>
-              <a:alphaOff val="0"/>
-            </a:schemeClr>
-          </a:solidFill>
-          <a:prstDash val="solid"/>
+        <a:ln>
+          <a:noFill/>
         </a:ln>
         <a:effectLst>
           <a:outerShdw blurRad="40000" dist="23000" dir="5400000" rotWithShape="0">
@@ -6922,9 +7485,18 @@
             </a:srgbClr>
           </a:outerShdw>
         </a:effectLst>
+        <a:scene3d>
+          <a:camera prst="orthographicFront"/>
+          <a:lightRig rig="threePt" dir="t">
+            <a:rot lat="0" lon="0" rev="7500000"/>
+          </a:lightRig>
+        </a:scene3d>
+        <a:sp3d prstMaterial="plastic">
+          <a:bevelT w="127000" h="25400" prst="relaxedInset"/>
+        </a:sp3d>
       </dsp:spPr>
       <dsp:style>
-        <a:lnRef idx="1">
+        <a:lnRef idx="0">
           <a:scrgbClr r="0" g="0" b="0"/>
         </a:lnRef>
         <a:fillRef idx="3">
@@ -6937,21 +7509,133 @@
           <a:schemeClr val="lt1"/>
         </a:fontRef>
       </dsp:style>
+      <dsp:txBody>
+        <a:bodyPr spcFirstLastPara="0" vert="horz" wrap="square" lIns="11430" tIns="11430" rIns="11430" bIns="11430" numCol="1" spcCol="1270" anchor="ctr" anchorCtr="0">
+          <a:noAutofit/>
+        </a:bodyPr>
+        <a:lstStyle/>
+        <a:p>
+          <a:pPr lvl="0" algn="ctr" defTabSz="400050">
+            <a:lnSpc>
+              <a:spcPct val="90000"/>
+            </a:lnSpc>
+            <a:spcBef>
+              <a:spcPct val="0"/>
+            </a:spcBef>
+            <a:spcAft>
+              <a:spcPct val="35000"/>
+            </a:spcAft>
+          </a:pPr>
+          <a:r>
+            <a:rPr lang="en-US" sz="900" kern="1200" dirty="0" smtClean="0"/>
+            <a:t> </a:t>
+          </a:r>
+          <a:endParaRPr lang="en-US" sz="900" kern="1200" dirty="0"/>
+        </a:p>
+      </dsp:txBody>
+      <dsp:txXfrm>
+        <a:off x="566829" y="547914"/>
+        <a:ext cx="161407" cy="161407"/>
+      </dsp:txXfrm>
     </dsp:sp>
-    <dsp:sp modelId="{03004298-F242-4821-8A0F-DB3B96B5F280}">
+    <dsp:sp modelId="{84B0F0E4-57DA-4F0C-A191-4F2F46AD1212}">
+      <dsp:nvSpPr>
+        <dsp:cNvPr id="0" name=""/>
+        <dsp:cNvSpPr/>
+      </dsp:nvSpPr>
+      <dsp:spPr>
+        <a:xfrm rot="16200000">
+          <a:off x="617171" y="420398"/>
+          <a:ext cx="60722" cy="77039"/>
+        </a:xfrm>
+        <a:prstGeom prst="rightArrow">
+          <a:avLst>
+            <a:gd name="adj1" fmla="val 60000"/>
+            <a:gd name="adj2" fmla="val 50000"/>
+          </a:avLst>
+        </a:prstGeom>
+        <a:solidFill>
+          <a:schemeClr val="accent6">
+            <a:hueOff val="0"/>
+            <a:satOff val="0"/>
+            <a:lumOff val="0"/>
+            <a:alphaOff val="0"/>
+          </a:schemeClr>
+        </a:solidFill>
+        <a:ln>
+          <a:noFill/>
+        </a:ln>
+        <a:effectLst>
+          <a:outerShdw blurRad="40000" dist="23000" dir="5400000" rotWithShape="0">
+            <a:srgbClr val="000000">
+              <a:alpha val="35000"/>
+            </a:srgbClr>
+          </a:outerShdw>
+        </a:effectLst>
+        <a:scene3d>
+          <a:camera prst="orthographicFront"/>
+          <a:lightRig rig="threePt" dir="t">
+            <a:rot lat="0" lon="0" rev="7500000"/>
+          </a:lightRig>
+        </a:scene3d>
+        <a:sp3d z="-70000" extrusionH="63500" prstMaterial="matte">
+          <a:bevelT w="25400" h="6350" prst="relaxedInset"/>
+          <a:contourClr>
+            <a:schemeClr val="bg1"/>
+          </a:contourClr>
+        </a:sp3d>
+      </dsp:spPr>
+      <dsp:style>
+        <a:lnRef idx="0">
+          <a:scrgbClr r="0" g="0" b="0"/>
+        </a:lnRef>
+        <a:fillRef idx="1">
+          <a:scrgbClr r="0" g="0" b="0"/>
+        </a:fillRef>
+        <a:effectRef idx="2">
+          <a:scrgbClr r="0" g="0" b="0"/>
+        </a:effectRef>
+        <a:fontRef idx="minor">
+          <a:schemeClr val="lt1"/>
+        </a:fontRef>
+      </dsp:style>
+      <dsp:txBody>
+        <a:bodyPr spcFirstLastPara="0" vert="horz" wrap="square" lIns="0" tIns="0" rIns="0" bIns="0" numCol="1" spcCol="1270" anchor="ctr" anchorCtr="0">
+          <a:noAutofit/>
+        </a:bodyPr>
+        <a:lstStyle/>
+        <a:p>
+          <a:pPr lvl="0" algn="ctr" defTabSz="222250">
+            <a:lnSpc>
+              <a:spcPct val="90000"/>
+            </a:lnSpc>
+            <a:spcBef>
+              <a:spcPct val="0"/>
+            </a:spcBef>
+            <a:spcAft>
+              <a:spcPct val="35000"/>
+            </a:spcAft>
+          </a:pPr>
+          <a:endParaRPr lang="en-US" sz="500" kern="1200"/>
+        </a:p>
+      </dsp:txBody>
+      <dsp:txXfrm>
+        <a:off x="626280" y="444915"/>
+        <a:ext cx="42505" cy="46223"/>
+      </dsp:txXfrm>
+    </dsp:sp>
+    <dsp:sp modelId="{6D96EF14-C466-4955-83EA-9A07BAB0A161}">
       <dsp:nvSpPr>
         <dsp:cNvPr id="0" name=""/>
         <dsp:cNvSpPr/>
       </dsp:nvSpPr>
       <dsp:spPr>
         <a:xfrm>
-          <a:off x="1399907" y="754814"/>
-          <a:ext cx="84277" cy="84183"/>
+          <a:off x="533400" y="171649"/>
+          <a:ext cx="228265" cy="228265"/>
         </a:xfrm>
-        <a:prstGeom prst="donut">
-          <a:avLst>
-            <a:gd name="adj" fmla="val 7460"/>
-          </a:avLst>
+        <a:prstGeom prst="ellipse">
+          <a:avLst/>
         </a:prstGeom>
         <a:gradFill rotWithShape="0">
           <a:gsLst>
@@ -6988,16 +7672,8 @@
           </a:gsLst>
           <a:lin ang="16200000" scaled="0"/>
         </a:gradFill>
-        <a:ln w="9525" cap="flat" cmpd="sng" algn="ctr">
-          <a:solidFill>
-            <a:schemeClr val="accent2">
-              <a:hueOff val="0"/>
-              <a:satOff val="0"/>
-              <a:lumOff val="0"/>
-              <a:alphaOff val="0"/>
-            </a:schemeClr>
-          </a:solidFill>
-          <a:prstDash val="solid"/>
+        <a:ln>
+          <a:noFill/>
         </a:ln>
         <a:effectLst>
           <a:outerShdw blurRad="40000" dist="23000" dir="5400000" rotWithShape="0">
@@ -7006,9 +7682,18 @@
             </a:srgbClr>
           </a:outerShdw>
         </a:effectLst>
+        <a:scene3d>
+          <a:camera prst="orthographicFront"/>
+          <a:lightRig rig="threePt" dir="t">
+            <a:rot lat="0" lon="0" rev="7500000"/>
+          </a:lightRig>
+        </a:scene3d>
+        <a:sp3d prstMaterial="plastic">
+          <a:bevelT w="127000" h="25400" prst="relaxedInset"/>
+        </a:sp3d>
       </dsp:spPr>
       <dsp:style>
-        <a:lnRef idx="1">
+        <a:lnRef idx="0">
           <a:scrgbClr r="0" g="0" b="0"/>
         </a:lnRef>
         <a:fillRef idx="3">
@@ -7021,23 +7706,53 @@
           <a:schemeClr val="lt1"/>
         </a:fontRef>
       </dsp:style>
+      <dsp:txBody>
+        <a:bodyPr spcFirstLastPara="0" vert="horz" wrap="square" lIns="11430" tIns="11430" rIns="11430" bIns="11430" numCol="1" spcCol="1270" anchor="ctr" anchorCtr="0">
+          <a:noAutofit/>
+        </a:bodyPr>
+        <a:lstStyle/>
+        <a:p>
+          <a:pPr lvl="0" algn="ctr" defTabSz="400050">
+            <a:lnSpc>
+              <a:spcPct val="90000"/>
+            </a:lnSpc>
+            <a:spcBef>
+              <a:spcPct val="0"/>
+            </a:spcBef>
+            <a:spcAft>
+              <a:spcPct val="35000"/>
+            </a:spcAft>
+          </a:pPr>
+          <a:r>
+            <a:rPr lang="en-US" sz="900" kern="1200" dirty="0" smtClean="0"/>
+            <a:t> </a:t>
+          </a:r>
+          <a:endParaRPr lang="en-US" sz="900" kern="1200" dirty="0"/>
+        </a:p>
+      </dsp:txBody>
+      <dsp:txXfrm>
+        <a:off x="566829" y="205078"/>
+        <a:ext cx="161407" cy="161407"/>
+      </dsp:txXfrm>
     </dsp:sp>
-    <dsp:sp modelId="{A10ADB7F-F587-40D3-AF8D-0531D80F77BC}">
+    <dsp:sp modelId="{492712EC-E3E5-4145-AD7D-7EA22D95B992}">
       <dsp:nvSpPr>
         <dsp:cNvPr id="0" name=""/>
         <dsp:cNvSpPr/>
       </dsp:nvSpPr>
       <dsp:spPr>
-        <a:xfrm>
-          <a:off x="1019059" y="127206"/>
-          <a:ext cx="306598" cy="306574"/>
+        <a:xfrm rot="20454960">
+          <a:off x="812625" y="163006"/>
+          <a:ext cx="156888" cy="77039"/>
         </a:xfrm>
-        <a:prstGeom prst="ellipse">
-          <a:avLst/>
+        <a:prstGeom prst="rightArrow">
+          <a:avLst>
+            <a:gd name="adj1" fmla="val 60000"/>
+            <a:gd name="adj2" fmla="val 50000"/>
+          </a:avLst>
         </a:prstGeom>
         <a:solidFill>
-          <a:schemeClr val="accent4">
-            <a:tint val="50000"/>
+          <a:schemeClr val="accent2">
             <a:hueOff val="0"/>
             <a:satOff val="0"/>
             <a:lumOff val="0"/>
@@ -7054,6 +7769,18 @@
             </a:srgbClr>
           </a:outerShdw>
         </a:effectLst>
+        <a:scene3d>
+          <a:camera prst="orthographicFront"/>
+          <a:lightRig rig="threePt" dir="t">
+            <a:rot lat="0" lon="0" rev="7500000"/>
+          </a:lightRig>
+        </a:scene3d>
+        <a:sp3d z="-70000" extrusionH="63500" prstMaterial="matte">
+          <a:bevelT w="25400" h="6350" prst="relaxedInset"/>
+          <a:contourClr>
+            <a:schemeClr val="bg1"/>
+          </a:contourClr>
+        </a:sp3d>
       </dsp:spPr>
       <dsp:style>
         <a:lnRef idx="0">
@@ -7065,47 +7792,17 @@
         <a:effectRef idx="2">
           <a:scrgbClr r="0" g="0" b="0"/>
         </a:effectRef>
-        <a:fontRef idx="minor"/>
-      </dsp:style>
-    </dsp:sp>
-    <dsp:sp modelId="{9088CEB1-8723-45F3-BBCE-4476473605D5}">
-      <dsp:nvSpPr>
-        <dsp:cNvPr id="0" name=""/>
-        <dsp:cNvSpPr/>
-      </dsp:nvSpPr>
-      <dsp:spPr>
-        <a:xfrm>
-          <a:off x="-52325" y="0"/>
-          <a:ext cx="967370" cy="358382"/>
-        </a:xfrm>
-        <a:prstGeom prst="rect">
-          <a:avLst/>
-        </a:prstGeom>
-        <a:noFill/>
-        <a:ln>
-          <a:noFill/>
-        </a:ln>
-        <a:effectLst/>
-      </dsp:spPr>
-      <dsp:style>
-        <a:lnRef idx="0">
-          <a:scrgbClr r="0" g="0" b="0"/>
-        </a:lnRef>
-        <a:fillRef idx="0">
-          <a:scrgbClr r="0" g="0" b="0"/>
-        </a:fillRef>
-        <a:effectRef idx="0">
-          <a:scrgbClr r="0" g="0" b="0"/>
-        </a:effectRef>
-        <a:fontRef idx="minor"/>
+        <a:fontRef idx="minor">
+          <a:schemeClr val="lt1"/>
+        </a:fontRef>
       </dsp:style>
       <dsp:txBody>
-        <a:bodyPr spcFirstLastPara="0" vert="horz" wrap="square" lIns="20320" tIns="20320" rIns="20320" bIns="2032" numCol="1" spcCol="1270" anchor="b" anchorCtr="0">
+        <a:bodyPr spcFirstLastPara="0" vert="horz" wrap="square" lIns="0" tIns="0" rIns="0" bIns="0" numCol="1" spcCol="1270" anchor="ctr" anchorCtr="0">
           <a:noAutofit/>
         </a:bodyPr>
         <a:lstStyle/>
         <a:p>
-          <a:pPr lvl="0" algn="r" defTabSz="711200">
+          <a:pPr lvl="0" algn="ctr" defTabSz="222250">
             <a:lnSpc>
               <a:spcPct val="90000"/>
             </a:lnSpc>
@@ -7116,136 +7813,12 @@
               <a:spcPct val="35000"/>
             </a:spcAft>
           </a:pPr>
-          <a:r>
-            <a:rPr lang="en-US" sz="1600" kern="1200" dirty="0" smtClean="0"/>
-            <a:t>Research </a:t>
-          </a:r>
-          <a:endParaRPr lang="en-US" sz="1600" kern="1200" dirty="0"/>
+          <a:endParaRPr lang="en-US" sz="500" kern="1200"/>
         </a:p>
       </dsp:txBody>
       <dsp:txXfrm>
-        <a:off x="-52325" y="0"/>
-        <a:ext cx="967370" cy="358382"/>
-      </dsp:txXfrm>
-    </dsp:sp>
-    <dsp:sp modelId="{43482FEE-E6EF-49C8-85A0-8DA72D335FB3}">
-      <dsp:nvSpPr>
-        <dsp:cNvPr id="0" name=""/>
-        <dsp:cNvSpPr/>
-      </dsp:nvSpPr>
-      <dsp:spPr>
-        <a:xfrm>
-          <a:off x="1427857" y="502174"/>
-          <a:ext cx="758068" cy="235785"/>
-        </a:xfrm>
-        <a:prstGeom prst="rect">
-          <a:avLst/>
-        </a:prstGeom>
-        <a:noFill/>
-        <a:ln>
-          <a:noFill/>
-        </a:ln>
-        <a:effectLst/>
-      </dsp:spPr>
-      <dsp:style>
-        <a:lnRef idx="0">
-          <a:scrgbClr r="0" g="0" b="0"/>
-        </a:lnRef>
-        <a:fillRef idx="0">
-          <a:scrgbClr r="0" g="0" b="0"/>
-        </a:fillRef>
-        <a:effectRef idx="0">
-          <a:scrgbClr r="0" g="0" b="0"/>
-        </a:effectRef>
-        <a:fontRef idx="minor"/>
-      </dsp:style>
-      <dsp:txBody>
-        <a:bodyPr spcFirstLastPara="0" vert="horz" wrap="square" lIns="17780" tIns="17780" rIns="17780" bIns="17780" numCol="1" spcCol="1270" anchor="ctr" anchorCtr="0">
-          <a:noAutofit/>
-        </a:bodyPr>
-        <a:lstStyle/>
-        <a:p>
-          <a:pPr lvl="0" algn="l" defTabSz="622300">
-            <a:lnSpc>
-              <a:spcPct val="90000"/>
-            </a:lnSpc>
-            <a:spcBef>
-              <a:spcPct val="0"/>
-            </a:spcBef>
-            <a:spcAft>
-              <a:spcPct val="35000"/>
-            </a:spcAft>
-          </a:pPr>
-          <a:r>
-            <a:rPr lang="en-US" sz="1400" kern="1200" dirty="0" smtClean="0"/>
-            <a:t> </a:t>
-          </a:r>
-          <a:endParaRPr lang="en-US" sz="1400" kern="1200" dirty="0"/>
-        </a:p>
-      </dsp:txBody>
-      <dsp:txXfrm>
-        <a:off x="1427857" y="502174"/>
-        <a:ext cx="758068" cy="235785"/>
-      </dsp:txXfrm>
-    </dsp:sp>
-    <dsp:sp modelId="{825BA40A-DD63-42F2-B6D4-BF88B1800D59}">
-      <dsp:nvSpPr>
-        <dsp:cNvPr id="0" name=""/>
-        <dsp:cNvSpPr/>
-      </dsp:nvSpPr>
-      <dsp:spPr>
-        <a:xfrm>
-          <a:off x="1399907" y="127206"/>
-          <a:ext cx="758068" cy="306574"/>
-        </a:xfrm>
-        <a:prstGeom prst="rect">
-          <a:avLst/>
-        </a:prstGeom>
-        <a:noFill/>
-        <a:ln>
-          <a:noFill/>
-        </a:ln>
-        <a:effectLst/>
-      </dsp:spPr>
-      <dsp:style>
-        <a:lnRef idx="0">
-          <a:scrgbClr r="0" g="0" b="0"/>
-        </a:lnRef>
-        <a:fillRef idx="0">
-          <a:scrgbClr r="0" g="0" b="0"/>
-        </a:fillRef>
-        <a:effectRef idx="0">
-          <a:scrgbClr r="0" g="0" b="0"/>
-        </a:effectRef>
-        <a:fontRef idx="minor"/>
-      </dsp:style>
-      <dsp:txBody>
-        <a:bodyPr spcFirstLastPara="0" vert="horz" wrap="square" lIns="17780" tIns="17780" rIns="17780" bIns="17780" numCol="1" spcCol="1270" anchor="ctr" anchorCtr="0">
-          <a:noAutofit/>
-        </a:bodyPr>
-        <a:lstStyle/>
-        <a:p>
-          <a:pPr lvl="0" algn="l" defTabSz="622300">
-            <a:lnSpc>
-              <a:spcPct val="90000"/>
-            </a:lnSpc>
-            <a:spcBef>
-              <a:spcPct val="0"/>
-            </a:spcBef>
-            <a:spcAft>
-              <a:spcPct val="35000"/>
-            </a:spcAft>
-          </a:pPr>
-          <a:r>
-            <a:rPr lang="en-US" sz="1400" kern="1200" dirty="0" smtClean="0"/>
-            <a:t> </a:t>
-          </a:r>
-          <a:endParaRPr lang="en-US" sz="1400" kern="1200" dirty="0"/>
-        </a:p>
-      </dsp:txBody>
-      <dsp:txXfrm>
-        <a:off x="1399907" y="127206"/>
-        <a:ext cx="758068" cy="306574"/>
+        <a:off x="813260" y="182192"/>
+        <a:ext cx="133776" cy="46223"/>
       </dsp:txXfrm>
     </dsp:sp>
   </dsp:spTree>
@@ -10867,31 +11440,39 @@
 </file>
 
 <file path=ppt/diagrams/layout2.xml><?xml version="1.0" encoding="utf-8"?>
-<dgm:layoutDef xmlns:dgm="http://schemas.openxmlformats.org/drawingml/2006/diagram" xmlns:a="http://schemas.openxmlformats.org/drawingml/2006/main" uniqueId="urn:microsoft.com/office/officeart/2008/layout/BubblePictureList">
+<dgm:layoutDef xmlns:dgm="http://schemas.openxmlformats.org/drawingml/2006/diagram" xmlns:a="http://schemas.openxmlformats.org/drawingml/2006/main" uniqueId="urn:microsoft.com/office/officeart/2005/8/layout/cycle2">
   <dgm:title val=""/>
   <dgm:desc val=""/>
   <dgm:catLst>
-    <dgm:cat type="picture" pri="22000"/>
-    <dgm:cat type="pictureconvert" pri="22000"/>
+    <dgm:cat type="cycle" pri="1000"/>
+    <dgm:cat type="convert" pri="10000"/>
   </dgm:catLst>
   <dgm:sampData>
     <dgm:dataModel>
       <dgm:ptLst>
         <dgm:pt modelId="0" type="doc"/>
-        <dgm:pt modelId="10">
+        <dgm:pt modelId="1">
           <dgm:prSet phldr="1"/>
         </dgm:pt>
-        <dgm:pt modelId="20">
+        <dgm:pt modelId="2">
           <dgm:prSet phldr="1"/>
         </dgm:pt>
-        <dgm:pt modelId="30">
+        <dgm:pt modelId="3">
+          <dgm:prSet phldr="1"/>
+        </dgm:pt>
+        <dgm:pt modelId="4">
+          <dgm:prSet phldr="1"/>
+        </dgm:pt>
+        <dgm:pt modelId="5">
           <dgm:prSet phldr="1"/>
         </dgm:pt>
       </dgm:ptLst>
       <dgm:cxnLst>
-        <dgm:cxn modelId="40" srcId="0" destId="10" srcOrd="0" destOrd="0"/>
-        <dgm:cxn modelId="50" srcId="0" destId="20" srcOrd="1" destOrd="0"/>
-        <dgm:cxn modelId="60" srcId="0" destId="30" srcOrd="2" destOrd="0"/>
+        <dgm:cxn modelId="6" srcId="0" destId="1" srcOrd="0" destOrd="0"/>
+        <dgm:cxn modelId="7" srcId="0" destId="2" srcOrd="1" destOrd="0"/>
+        <dgm:cxn modelId="8" srcId="0" destId="3" srcOrd="2" destOrd="0"/>
+        <dgm:cxn modelId="9" srcId="0" destId="4" srcOrd="3" destOrd="0"/>
+        <dgm:cxn modelId="10" srcId="0" destId="5" srcOrd="4" destOrd="0"/>
       </dgm:cxnLst>
       <dgm:bg/>
       <dgm:whole/>
@@ -10901,20 +11482,14 @@
     <dgm:dataModel>
       <dgm:ptLst>
         <dgm:pt modelId="0" type="doc"/>
-        <dgm:pt modelId="10">
-          <dgm:prSet phldr="1"/>
-        </dgm:pt>
-        <dgm:pt modelId="20">
-          <dgm:prSet phldr="1"/>
-        </dgm:pt>
-        <dgm:pt modelId="30">
-          <dgm:prSet phldr="1"/>
-        </dgm:pt>
+        <dgm:pt modelId="1"/>
+        <dgm:pt modelId="2"/>
+        <dgm:pt modelId="3"/>
       </dgm:ptLst>
       <dgm:cxnLst>
-        <dgm:cxn modelId="40" srcId="0" destId="10" srcOrd="0" destOrd="0"/>
-        <dgm:cxn modelId="50" srcId="0" destId="20" srcOrd="1" destOrd="0"/>
-        <dgm:cxn modelId="60" srcId="0" destId="30" srcOrd="2" destOrd="0"/>
+        <dgm:cxn modelId="4" srcId="0" destId="1" srcOrd="0" destOrd="0"/>
+        <dgm:cxn modelId="5" srcId="0" destId="2" srcOrd="1" destOrd="0"/>
+        <dgm:cxn modelId="6" srcId="0" destId="3" srcOrd="2" destOrd="0"/>
       </dgm:cxnLst>
       <dgm:bg/>
       <dgm:whole/>
@@ -10924,1394 +11499,91 @@
     <dgm:dataModel>
       <dgm:ptLst>
         <dgm:pt modelId="0" type="doc"/>
-        <dgm:pt modelId="10">
-          <dgm:prSet phldr="1"/>
-        </dgm:pt>
-        <dgm:pt modelId="20">
-          <dgm:prSet phldr="1"/>
-        </dgm:pt>
-        <dgm:pt modelId="30">
-          <dgm:prSet phldr="1"/>
-        </dgm:pt>
+        <dgm:pt modelId="1"/>
+        <dgm:pt modelId="2"/>
+        <dgm:pt modelId="3"/>
+        <dgm:pt modelId="4"/>
+        <dgm:pt modelId="5"/>
+        <dgm:pt modelId="6"/>
       </dgm:ptLst>
       <dgm:cxnLst>
-        <dgm:cxn modelId="40" srcId="0" destId="10" srcOrd="0" destOrd="0"/>
-        <dgm:cxn modelId="50" srcId="0" destId="20" srcOrd="1" destOrd="0"/>
-        <dgm:cxn modelId="60" srcId="0" destId="30" srcOrd="2" destOrd="0"/>
+        <dgm:cxn modelId="7" srcId="0" destId="1" srcOrd="0" destOrd="0"/>
+        <dgm:cxn modelId="8" srcId="0" destId="2" srcOrd="1" destOrd="0"/>
+        <dgm:cxn modelId="9" srcId="0" destId="3" srcOrd="2" destOrd="0"/>
+        <dgm:cxn modelId="10" srcId="0" destId="4" srcOrd="3" destOrd="0"/>
+        <dgm:cxn modelId="11" srcId="0" destId="5" srcOrd="4" destOrd="0"/>
+        <dgm:cxn modelId="12" srcId="0" destId="6" srcOrd="5" destOrd="0"/>
       </dgm:cxnLst>
       <dgm:bg/>
       <dgm:whole/>
     </dgm:dataModel>
   </dgm:clrData>
-  <dgm:layoutNode name="Name0">
+  <dgm:layoutNode name="cycle">
     <dgm:varLst>
-      <dgm:chMax val="8"/>
-      <dgm:chPref val="8"/>
       <dgm:dir/>
+      <dgm:resizeHandles val="exact"/>
     </dgm:varLst>
-    <dgm:shape xmlns:r="http://schemas.openxmlformats.org/officeDocument/2006/relationships" r:blip="">
-      <dgm:adjLst/>
-    </dgm:shape>
-    <dgm:choose name="Name1">
-      <dgm:if name="Name2" axis="ch" ptType="node" func="cnt" op="equ" val="1">
-        <dgm:alg type="composite">
-          <dgm:param type="ar" val="1.7423"/>
-        </dgm:alg>
-        <dgm:choose name="Name3">
-          <dgm:if name="Name4" func="var" arg="dir" op="equ" val="norm">
-            <dgm:constrLst>
-              <dgm:constr type="primFontSz" for="des" ptType="node" op="equ" val="65"/>
-              <dgm:constr type="l" for="ch" forName="parent_text_1" refType="w" fact="0"/>
-              <dgm:constr type="t" for="ch" forName="parent_text_1" refType="h" fact="0"/>
-              <dgm:constr type="w" for="ch" forName="parent_text_1" refType="w" fact="0.6457"/>
-              <dgm:constr type="h" for="ch" forName="parent_text_1" refType="h" fact="0.225"/>
-              <dgm:constr type="l" for="ch" forName="image_accent_1" refType="w" fact="0.4305"/>
-              <dgm:constr type="t" for="ch" forName="image_accent_1" refType="h" fact="0.2417"/>
-              <dgm:constr type="w" for="ch" forName="image_accent_1" refType="w" fact="0.4352"/>
-              <dgm:constr type="h" for="ch" forName="image_accent_1" refType="h" fact="0.7583"/>
-              <dgm:constr type="l" for="ch" forName="accent_1" refType="w" fact="0.8709"/>
-              <dgm:constr type="t" for="ch" forName="accent_1" refType="h" fact="0.1491"/>
-              <dgm:constr type="w" for="ch" forName="accent_1" refType="w" fact="0.1291"/>
-              <dgm:constr type="h" for="ch" forName="accent_1" refType="h" fact="0.225"/>
-              <dgm:constr type="l" for="ch" forName="image_1" refType="w" fact="0.4457"/>
-              <dgm:constr type="t" for="ch" forName="image_1" refType="h" fact="0.2709"/>
-              <dgm:constr type="w" for="ch" forName="image_1" refType="w" fact="0.4018"/>
-              <dgm:constr type="h" for="ch" forName="image_1" refType="h" fact="0.7"/>
-            </dgm:constrLst>
+    <dgm:choose name="Name0">
+      <dgm:if name="Name1" func="var" arg="dir" op="equ" val="norm">
+        <dgm:choose name="Name2">
+          <dgm:if name="Name3" axis="ch" ptType="node" func="cnt" op="gt" val="2">
+            <dgm:alg type="cycle">
+              <dgm:param type="stAng" val="0"/>
+              <dgm:param type="spanAng" val="360"/>
+            </dgm:alg>
           </dgm:if>
-          <dgm:else name="Name5">
-            <dgm:constrLst>
-              <dgm:constr type="primFontSz" for="des" ptType="node" op="equ" val="65"/>
-              <dgm:constr type="l" for="ch" forName="parent_text_1" refType="w" fact="0.3543"/>
-              <dgm:constr type="t" for="ch" forName="parent_text_1" refType="h" fact="0"/>
-              <dgm:constr type="w" for="ch" forName="parent_text_1" refType="w" fact="0.6457"/>
-              <dgm:constr type="h" for="ch" forName="parent_text_1" refType="h" fact="0.225"/>
-              <dgm:constr type="l" for="ch" forName="image_accent_1" refType="w" fact="0.1344"/>
-              <dgm:constr type="t" for="ch" forName="image_accent_1" refType="h" fact="0.2417"/>
-              <dgm:constr type="w" for="ch" forName="image_accent_1" refType="w" fact="0.4352"/>
-              <dgm:constr type="h" for="ch" forName="image_accent_1" refType="h" fact="0.7583"/>
-              <dgm:constr type="l" for="ch" forName="accent_1" refType="w" fact="0"/>
-              <dgm:constr type="t" for="ch" forName="accent_1" refType="h" fact="0.1491"/>
-              <dgm:constr type="w" for="ch" forName="accent_1" refType="w" fact="0.1291"/>
-              <dgm:constr type="h" for="ch" forName="accent_1" refType="h" fact="0.225"/>
-              <dgm:constr type="l" for="ch" forName="image_1" refType="w" fact="0.1525"/>
-              <dgm:constr type="t" for="ch" forName="image_1" refType="h" fact="0.2709"/>
-              <dgm:constr type="w" for="ch" forName="image_1" refType="w" fact="0.4018"/>
-              <dgm:constr type="h" for="ch" forName="image_1" refType="h" fact="0.7"/>
-            </dgm:constrLst>
+          <dgm:else name="Name4">
+            <dgm:alg type="cycle">
+              <dgm:param type="stAng" val="-90"/>
+              <dgm:param type="spanAng" val="360"/>
+            </dgm:alg>
           </dgm:else>
         </dgm:choose>
       </dgm:if>
-      <dgm:if name="Name6" axis="ch" ptType="node" func="cnt" op="equ" val="2">
-        <dgm:alg type="composite">
-          <dgm:param type="ar" val="3.193"/>
-        </dgm:alg>
-        <dgm:choose name="Name7">
-          <dgm:if name="Name8" func="var" arg="dir" op="equ" val="norm">
-            <dgm:constrLst>
-              <dgm:constr type="primFontSz" for="des" ptType="node" op="equ" val="65"/>
-              <dgm:constr type="l" for="ch" forName="image_accent_1" refType="w" fact="0.2342"/>
-              <dgm:constr type="t" for="ch" forName="image_accent_1" refType="h" fact="0.2354"/>
-              <dgm:constr type="w" for="ch" forName="image_accent_1" refType="w" fact="0.2394"/>
-              <dgm:constr type="h" for="ch" forName="image_accent_1" refType="h" fact="0.7646"/>
-              <dgm:constr type="l" for="ch" forName="image_1" refType="w" fact="0.2434"/>
-              <dgm:constr type="t" for="ch" forName="image_1" refType="h" fact="0.2648"/>
-              <dgm:constr type="w" for="ch" forName="image_1" refType="w" fact="0.2211"/>
-              <dgm:constr type="h" for="ch" forName="image_1" refType="h" fact="0.7058"/>
-              <dgm:constr type="l" for="ch" forName="parent_text_1" refType="w" fact="0"/>
-              <dgm:constr type="t" for="ch" forName="parent_text_1" refType="h" fact="0"/>
-              <dgm:constr type="w" for="ch" forName="parent_text_1" refType="w" fact="0.3553"/>
-              <dgm:constr type="h" for="ch" forName="parent_text_1" refType="h" fact="0.215"/>
-              <dgm:constr type="l" for="ch" forName="image_accent_2" refType="w" fact="0.5"/>
-              <dgm:constr type="t" for="ch" forName="image_accent_2" refType="h" fact="0.3883"/>
-              <dgm:constr type="w" for="ch" forName="image_accent_2" refType="w" fact="0.1253"/>
-              <dgm:constr type="h" for="ch" forName="image_accent_2" refType="h" fact="0.4"/>
-              <dgm:constr type="l" for="ch" forName="image_2" refType="w" fact="0.5074"/>
-              <dgm:constr type="t" for="ch" forName="image_2" refType="h" fact="0.4118"/>
-              <dgm:constr type="w" for="ch" forName="image_2" refType="w" fact="0.1105"/>
-              <dgm:constr type="h" for="ch" forName="image_2" refType="h" fact="0.3529"/>
-              <dgm:constr type="l" for="ch" forName="parent_text_2" refType="w" fact="0.6447"/>
-              <dgm:constr type="t" for="ch" forName="parent_text_2" refType="h" fact="0.4118"/>
-              <dgm:constr type="w" for="ch" forName="parent_text_2" refType="w" fact="0.3553"/>
-              <dgm:constr type="h" for="ch" forName="parent_text_2" refType="h" fact="0.3529"/>
-              <dgm:constr type="l" for="ch" forName="accent_1" refType="w" fact="0.6316"/>
-              <dgm:constr type="t" for="ch" forName="accent_1" refType="h" fact="0.7899"/>
-              <dgm:constr type="w" for="ch" forName="accent_1" refType="w" fact="0.0395"/>
-              <dgm:constr type="h" for="ch" forName="accent_1" refType="h" fact="0.126"/>
-            </dgm:constrLst>
+      <dgm:else name="Name5">
+        <dgm:choose name="Name6">
+          <dgm:if name="Name7" axis="ch" ptType="node" func="cnt" op="gt" val="2">
+            <dgm:alg type="cycle">
+              <dgm:param type="stAng" val="0"/>
+              <dgm:param type="spanAng" val="-360"/>
+            </dgm:alg>
           </dgm:if>
-          <dgm:else name="Name9">
-            <dgm:constrLst>
-              <dgm:constr type="primFontSz" for="des" ptType="node" op="equ" val="65"/>
-              <dgm:constr type="l" for="ch" forName="image_accent_2" refType="w" fact="0.3747"/>
-              <dgm:constr type="t" for="ch" forName="image_accent_2" refType="h" fact="0.3883"/>
-              <dgm:constr type="w" for="ch" forName="image_accent_2" refType="w" fact="0.1253"/>
-              <dgm:constr type="h" for="ch" forName="image_accent_2" refType="h" fact="0.4"/>
-              <dgm:constr type="l" for="ch" forName="image_2" refType="w" fact="0.3821"/>
-              <dgm:constr type="t" for="ch" forName="image_2" refType="h" fact="0.4118"/>
-              <dgm:constr type="w" for="ch" forName="image_2" refType="w" fact="0.1105"/>
-              <dgm:constr type="h" for="ch" forName="image_2" refType="h" fact="0.3529"/>
-              <dgm:constr type="l" for="ch" forName="parent_text_1" refType="w" fact="0.6447"/>
-              <dgm:constr type="t" for="ch" forName="parent_text_1" refType="h" fact="0"/>
-              <dgm:constr type="w" for="ch" forName="parent_text_1" refType="w" fact="0.3553"/>
-              <dgm:constr type="h" for="ch" forName="parent_text_1" refType="h" fact="0.215"/>
-              <dgm:constr type="l" for="ch" forName="parent_text_2" refType="w" fact="0"/>
-              <dgm:constr type="t" for="ch" forName="parent_text_2" refType="h" fact="0.4118"/>
-              <dgm:constr type="w" for="ch" forName="parent_text_2" refType="w" fact="0.3553"/>
-              <dgm:constr type="h" for="ch" forName="parent_text_2" refType="h" fact="0.3529"/>
-              <dgm:constr type="l" for="ch" forName="image_accent_1" refType="w" fact="0.5263"/>
-              <dgm:constr type="t" for="ch" forName="image_accent_1" refType="h" fact="0.2354"/>
-              <dgm:constr type="w" for="ch" forName="image_accent_1" refType="w" fact="0.2394"/>
-              <dgm:constr type="h" for="ch" forName="image_accent_1" refType="h" fact="0.7646"/>
-              <dgm:constr type="l" for="ch" forName="image_1" refType="w" fact="0.5355"/>
-              <dgm:constr type="t" for="ch" forName="image_1" refType="h" fact="0.2648"/>
-              <dgm:constr type="w" for="ch" forName="image_1" refType="w" fact="0.2211"/>
-              <dgm:constr type="h" for="ch" forName="image_1" refType="h" fact="0.7058"/>
-              <dgm:constr type="l" for="ch" forName="accent_1" refType="w" fact="0.3289"/>
-              <dgm:constr type="t" for="ch" forName="accent_1" refType="h" fact="0.7899"/>
-              <dgm:constr type="w" for="ch" forName="accent_1" refType="w" fact="0.0395"/>
-              <dgm:constr type="h" for="ch" forName="accent_1" refType="h" fact="0.126"/>
-            </dgm:constrLst>
-          </dgm:else>
-        </dgm:choose>
-      </dgm:if>
-      <dgm:if name="Name10" axis="ch" ptType="node" func="cnt" op="equ" val="3">
-        <dgm:alg type="composite">
-          <dgm:param type="ar" val="2.4052"/>
-        </dgm:alg>
-        <dgm:choose name="Name11">
-          <dgm:if name="Name12" func="var" arg="dir" op="equ" val="norm">
-            <dgm:constrLst>
-              <dgm:constr type="primFontSz" for="des" ptType="node" op="equ" val="65"/>
-              <dgm:constr type="l" for="ch" forName="accent_3" refType="w" fact="0.6316"/>
-              <dgm:constr type="t" for="ch" forName="accent_3" refType="h" fact="0.8355"/>
-              <dgm:constr type="w" for="ch" forName="accent_3" refType="w" fact="0.0395"/>
-              <dgm:constr type="h" for="ch" forName="accent_3" refType="h" fact="0.0949"/>
-              <dgm:constr type="l" for="ch" forName="image_accent_2" refType="w" fact="0.4936"/>
-              <dgm:constr type="t" for="ch" forName="image_accent_2" refType="h" fact="0.5329"/>
-              <dgm:constr type="w" for="ch" forName="image_accent_2" refType="w" fact="0.1253"/>
-              <dgm:constr type="h" for="ch" forName="image_accent_2" refType="h" fact="0.3013"/>
-              <dgm:constr type="l" for="ch" forName="image_2" refType="w" fact="0.501"/>
-              <dgm:constr type="t" for="ch" forName="image_2" refType="h" fact="0.5507"/>
-              <dgm:constr type="w" for="ch" forName="image_2" refType="w" fact="0.1105"/>
-              <dgm:constr type="h" for="ch" forName="image_2" refType="h" fact="0.2658"/>
-              <dgm:constr type="l" for="ch" forName="image_accent_3" refType="w" fact="0.4446"/>
-              <dgm:constr type="t" for="ch" forName="image_accent_3" refType="h" fact="0.1076"/>
-              <dgm:constr type="w" for="ch" forName="image_accent_3" refType="w" fact="0.1606"/>
-              <dgm:constr type="h" for="ch" forName="image_accent_3" refType="h" fact="0.3864"/>
-              <dgm:constr type="l" for="ch" forName="image_3" refType="w" fact="0.4531"/>
-              <dgm:constr type="t" for="ch" forName="image_3" refType="h" fact="0.128"/>
-              <dgm:constr type="w" for="ch" forName="image_3" refType="w" fact="0.1437"/>
-              <dgm:constr type="h" for="ch" forName="image_3" refType="h" fact="0.3456"/>
-              <dgm:constr type="l" for="ch" forName="image_accent_1" refType="w" fact="0.2368"/>
-              <dgm:constr type="t" for="ch" forName="image_accent_1" refType="h" fact="0.4241"/>
-              <dgm:constr type="w" for="ch" forName="image_accent_1" refType="w" fact="0.2394"/>
-              <dgm:constr type="h" for="ch" forName="image_accent_1" refType="h" fact="0.5759"/>
-              <dgm:constr type="l" for="ch" forName="image_1" refType="w" fact="0.246"/>
-              <dgm:constr type="t" for="ch" forName="image_1" refType="h" fact="0.4462"/>
-              <dgm:constr type="w" for="ch" forName="image_1" refType="w" fact="0.2211"/>
-              <dgm:constr type="h" for="ch" forName="image_1" refType="h" fact="0.5317"/>
-              <dgm:constr type="l" for="ch" forName="parent_text_1" refType="w" fact="0"/>
-              <dgm:constr type="t" for="ch" forName="parent_text_1" refType="h" fact="0.128"/>
-              <dgm:constr type="w" for="ch" forName="parent_text_1" refType="w" fact="0.3553"/>
-              <dgm:constr type="h" for="ch" forName="parent_text_1" refType="h" fact="0.2775"/>
-              <dgm:constr type="l" for="ch" forName="accent_1" refType="w" fact="0.3895"/>
-              <dgm:constr type="t" for="ch" forName="accent_1" refType="h" fact="0"/>
-              <dgm:constr type="w" for="ch" forName="accent_1" refType="w" fact="0.0711"/>
-              <dgm:constr type="h" for="ch" forName="accent_1" refType="h" fact="0.1709"/>
-              <dgm:constr type="l" for="ch" forName="parent_text_2" refType="w" fact="0.6447"/>
-              <dgm:constr type="t" for="ch" forName="parent_text_2" refType="h" fact="0.5507"/>
-              <dgm:constr type="w" for="ch" forName="parent_text_2" refType="w" fact="0.3553"/>
-              <dgm:constr type="h" for="ch" forName="parent_text_2" refType="h" fact="0.2658"/>
-              <dgm:constr type="l" for="ch" forName="parent_text_3" refType="w" fact="0.6316"/>
-              <dgm:constr type="t" for="ch" forName="parent_text_3" refType="h" fact="0.128"/>
-              <dgm:constr type="w" for="ch" forName="parent_text_3" refType="w" fact="0.3553"/>
-              <dgm:constr type="h" for="ch" forName="parent_text_3" refType="h" fact="0.3456"/>
-              <dgm:constr type="l" for="ch" forName="accent_2" refType="w" fact="0.5789"/>
-              <dgm:constr type="t" for="ch" forName="accent_2" refType="h" fact="0.0127"/>
-              <dgm:constr type="w" for="ch" forName="accent_2" refType="w" fact="0.0526"/>
-              <dgm:constr type="h" for="ch" forName="accent_2" refType="h" fact="0.1266"/>
-            </dgm:constrLst>
-          </dgm:if>
-          <dgm:else name="Name13">
-            <dgm:constrLst>
-              <dgm:constr type="primFontSz" for="des" ptType="node" op="equ" val="65"/>
-              <dgm:constr type="l" for="ch" forName="accent_1" refType="w" fact="0.3289"/>
-              <dgm:constr type="t" for="ch" forName="accent_1" refType="h" fact="0.8355"/>
-              <dgm:constr type="w" for="ch" forName="accent_1" refType="w" fact="0.0395"/>
-              <dgm:constr type="h" for="ch" forName="accent_1" refType="h" fact="0.0949"/>
-              <dgm:constr type="l" for="ch" forName="image_accent_2" refType="w" fact="0.3811"/>
-              <dgm:constr type="t" for="ch" forName="image_accent_2" refType="h" fact="0.5329"/>
-              <dgm:constr type="w" for="ch" forName="image_accent_2" refType="w" fact="0.1253"/>
-              <dgm:constr type="h" for="ch" forName="image_accent_2" refType="h" fact="0.3013"/>
-              <dgm:constr type="l" for="ch" forName="image_2" refType="w" fact="0.3885"/>
-              <dgm:constr type="t" for="ch" forName="image_2" refType="h" fact="0.5507"/>
-              <dgm:constr type="w" for="ch" forName="image_2" refType="w" fact="0.1105"/>
-              <dgm:constr type="h" for="ch" forName="image_2" refType="h" fact="0.2658"/>
-              <dgm:constr type="l" for="ch" forName="image_accent_3" refType="w" fact="0.3947"/>
-              <dgm:constr type="t" for="ch" forName="image_accent_3" refType="h" fact="0.1076"/>
-              <dgm:constr type="w" for="ch" forName="image_accent_3" refType="w" fact="0.1606"/>
-              <dgm:constr type="h" for="ch" forName="image_accent_3" refType="h" fact="0.3864"/>
-              <dgm:constr type="l" for="ch" forName="image_3" refType="w" fact="0.4032"/>
-              <dgm:constr type="t" for="ch" forName="image_3" refType="h" fact="0.128"/>
-              <dgm:constr type="w" for="ch" forName="image_3" refType="w" fact="0.1437"/>
-              <dgm:constr type="h" for="ch" forName="image_3" refType="h" fact="0.3456"/>
-              <dgm:constr type="l" for="ch" forName="image_accent_1" refType="w" fact="0.5237"/>
-              <dgm:constr type="t" for="ch" forName="image_accent_1" refType="h" fact="0.4241"/>
-              <dgm:constr type="w" for="ch" forName="image_accent_1" refType="w" fact="0.2394"/>
-              <dgm:constr type="h" for="ch" forName="image_accent_1" refType="h" fact="0.5759"/>
-              <dgm:constr type="l" for="ch" forName="image_1" refType="w" fact="0.5329"/>
-              <dgm:constr type="t" for="ch" forName="image_1" refType="h" fact="0.4462"/>
-              <dgm:constr type="w" for="ch" forName="image_1" refType="w" fact="0.2211"/>
-              <dgm:constr type="h" for="ch" forName="image_1" refType="h" fact="0.5317"/>
-              <dgm:constr type="l" for="ch" forName="parent_text_1" refType="w" fact="0.6447"/>
-              <dgm:constr type="t" for="ch" forName="parent_text_1" refType="h" fact="0.128"/>
-              <dgm:constr type="w" for="ch" forName="parent_text_1" refType="w" fact="0.3553"/>
-              <dgm:constr type="h" for="ch" forName="parent_text_1" refType="h" fact="0.2775"/>
-              <dgm:constr type="l" for="ch" forName="accent_2" refType="w" fact="0.5395"/>
-              <dgm:constr type="t" for="ch" forName="accent_2" refType="h" fact="0"/>
-              <dgm:constr type="w" for="ch" forName="accent_2" refType="w" fact="0.0711"/>
-              <dgm:constr type="h" for="ch" forName="accent_2" refType="h" fact="0.1709"/>
-              <dgm:constr type="l" for="ch" forName="parent_text_3" refType="w" fact="0.0132"/>
-              <dgm:constr type="t" for="ch" forName="parent_text_3" refType="h" fact="0.128"/>
-              <dgm:constr type="w" for="ch" forName="parent_text_3" refType="w" fact="0.3553"/>
-              <dgm:constr type="h" for="ch" forName="parent_text_3" refType="h" fact="0.3456"/>
-              <dgm:constr type="l" for="ch" forName="parent_text_2" refType="w" fact="0"/>
-              <dgm:constr type="t" for="ch" forName="parent_text_2" refType="h" fact="0.5507"/>
-              <dgm:constr type="w" for="ch" forName="parent_text_2" refType="w" fact="0.3553"/>
-              <dgm:constr type="h" for="ch" forName="parent_text_2" refType="h" fact="0.2658"/>
-              <dgm:constr type="l" for="ch" forName="accent_3" refType="w" fact="0.3684"/>
-              <dgm:constr type="t" for="ch" forName="accent_3" refType="h" fact="0.0127"/>
-              <dgm:constr type="w" for="ch" forName="accent_3" refType="w" fact="0.0526"/>
-              <dgm:constr type="h" for="ch" forName="accent_3" refType="h" fact="0.1266"/>
-            </dgm:constrLst>
-          </dgm:else>
-        </dgm:choose>
-      </dgm:if>
-      <dgm:if name="Name14" axis="ch" ptType="node" func="cnt" op="equ" val="4">
-        <dgm:alg type="composite">
-          <dgm:param type="ar" val="1.6704"/>
-        </dgm:alg>
-        <dgm:choose name="Name15">
-          <dgm:if name="Name16" func="var" arg="dir" op="equ" val="norm">
-            <dgm:constrLst>
-              <dgm:constr type="primFontSz" for="des" ptType="node" op="equ" val="65"/>
-              <dgm:constr type="l" for="ch" forName="image_accent_4" refType="w" fact="0.4626"/>
-              <dgm:constr type="t" for="ch" forName="image_accent_4" refType="h" fact="0.1415"/>
-              <dgm:constr type="w" for="ch" forName="image_accent_4" refType="w" fact="0.1126"/>
-              <dgm:constr type="h" for="ch" forName="image_accent_4" refType="h" fact="0.1881"/>
-              <dgm:constr type="l" for="ch" forName="image_4" refType="w" fact="0.4692"/>
-              <dgm:constr type="t" for="ch" forName="image_4" refType="h" fact="0.1526"/>
-              <dgm:constr type="w" for="ch" forName="image_4" refType="w" fact="0.0994"/>
-              <dgm:constr type="h" for="ch" forName="image_4" refType="h" fact="0.166"/>
-              <dgm:constr type="l" for="ch" forName="image_accent_2" refType="w" fact="0.4936"/>
-              <dgm:constr type="t" for="ch" forName="image_accent_2" refType="h" fact="0.6756"/>
-              <dgm:constr type="w" for="ch" forName="image_accent_2" refType="w" fact="0.1253"/>
-              <dgm:constr type="h" for="ch" forName="image_accent_2" refType="h" fact="0.2092"/>
-              <dgm:constr type="l" for="ch" forName="image_2" refType="w" fact="0.501"/>
-              <dgm:constr type="t" for="ch" forName="image_2" refType="h" fact="0.6879"/>
-              <dgm:constr type="w" for="ch" forName="image_2" refType="w" fact="0.1105"/>
-              <dgm:constr type="h" for="ch" forName="image_2" refType="h" fact="0.1846"/>
-              <dgm:constr type="l" for="ch" forName="image_accent_3" refType="w" fact="0.4446"/>
-              <dgm:constr type="t" for="ch" forName="image_accent_3" refType="h" fact="0.3802"/>
-              <dgm:constr type="w" for="ch" forName="image_accent_3" refType="w" fact="0.1606"/>
-              <dgm:constr type="h" for="ch" forName="image_accent_3" refType="h" fact="0.2683"/>
-              <dgm:constr type="l" for="ch" forName="image_3" refType="w" fact="0.4531"/>
-              <dgm:constr type="t" for="ch" forName="image_3" refType="h" fact="0.3944"/>
-              <dgm:constr type="w" for="ch" forName="image_3" refType="w" fact="0.1437"/>
-              <dgm:constr type="h" for="ch" forName="image_3" refType="h" fact="0.24"/>
-              <dgm:constr type="l" for="ch" forName="image_accent_1" refType="w" fact="0.2368"/>
-              <dgm:constr type="t" for="ch" forName="image_accent_1" refType="h" fact="0.6"/>
-              <dgm:constr type="w" for="ch" forName="image_accent_1" refType="w" fact="0.2394"/>
-              <dgm:constr type="h" for="ch" forName="image_accent_1" refType="h" fact="0.4"/>
-              <dgm:constr type="l" for="ch" forName="image_1" refType="w" fact="0.246"/>
-              <dgm:constr type="t" for="ch" forName="image_1" refType="h" fact="0.6154"/>
-              <dgm:constr type="w" for="ch" forName="image_1" refType="w" fact="0.2211"/>
-              <dgm:constr type="h" for="ch" forName="image_1" refType="h" fact="0.3692"/>
-              <dgm:constr type="l" for="ch" forName="parent_text_1" refType="w" fact="0"/>
-              <dgm:constr type="t" for="ch" forName="parent_text_1" refType="h" fact="0.3944"/>
-              <dgm:constr type="w" for="ch" forName="parent_text_1" refType="w" fact="0.3553"/>
-              <dgm:constr type="h" for="ch" forName="parent_text_1" refType="h" fact="0.1931"/>
-              <dgm:constr type="l" for="ch" forName="accent_1" refType="w" fact="0.3895"/>
-              <dgm:constr type="t" for="ch" forName="accent_1" refType="h" fact="0.3055"/>
-              <dgm:constr type="w" for="ch" forName="accent_1" refType="w" fact="0.0711"/>
-              <dgm:constr type="h" for="ch" forName="accent_1" refType="h" fact="0.1187"/>
-              <dgm:constr type="l" for="ch" forName="parent_text_3" refType="w" fact="0.6316"/>
-              <dgm:constr type="t" for="ch" forName="parent_text_3" refType="h" fact="0.3944"/>
-              <dgm:constr type="w" for="ch" forName="parent_text_3" refType="w" fact="0.3553"/>
-              <dgm:constr type="h" for="ch" forName="parent_text_3" refType="h" fact="0.24"/>
-              <dgm:constr type="l" for="ch" forName="parent_text_2" refType="w" fact="0.6447"/>
-              <dgm:constr type="t" for="ch" forName="parent_text_2" refType="h" fact="0.6879"/>
-              <dgm:constr type="w" for="ch" forName="parent_text_2" refType="w" fact="0.3553"/>
-              <dgm:constr type="h" for="ch" forName="parent_text_2" refType="h" fact="0.1846"/>
-              <dgm:constr type="l" for="ch" forName="accent_2" refType="w" fact="0.5347"/>
-              <dgm:constr type="t" for="ch" forName="accent_2" refType="h" fact="0.044"/>
-              <dgm:constr type="w" for="ch" forName="accent_2" refType="w" fact="0.0526"/>
-              <dgm:constr type="h" for="ch" forName="accent_2" refType="h" fact="0.0879"/>
-              <dgm:constr type="l" for="ch" forName="accent_3" refType="w" fact="0.6005"/>
-              <dgm:constr type="t" for="ch" forName="accent_3" refType="h" fact="0"/>
-              <dgm:constr type="w" for="ch" forName="accent_3" refType="w" fact="0.0263"/>
-              <dgm:constr type="h" for="ch" forName="accent_3" refType="h" fact="0.044"/>
-              <dgm:constr type="l" for="ch" forName="parent_text_4" refType="w" fact="0.6005"/>
-              <dgm:constr type="t" for="ch" forName="parent_text_4" refType="h" fact="0.1526"/>
-              <dgm:constr type="w" for="ch" forName="parent_text_4" refType="w" fact="0.3553"/>
-              <dgm:constr type="h" for="ch" forName="parent_text_4" refType="h" fact="0.166"/>
-              <dgm:constr type="l" for="ch" forName="accent_4" refType="w" fact="0.6268"/>
-              <dgm:constr type="t" for="ch" forName="accent_4" refType="h" fact="0.8791"/>
-              <dgm:constr type="w" for="ch" forName="accent_4" refType="w" fact="0.0395"/>
-              <dgm:constr type="h" for="ch" forName="accent_4" refType="h" fact="0.0659"/>
-            </dgm:constrLst>
-          </dgm:if>
-          <dgm:else name="Name17">
-            <dgm:constrLst>
-              <dgm:constr type="primFontSz" for="des" ptType="node" op="equ" val="65"/>
-              <dgm:constr type="l" for="ch" forName="image_accent_4" refType="w" fact="0.4248"/>
-              <dgm:constr type="t" for="ch" forName="image_accent_4" refType="h" fact="0.1415"/>
-              <dgm:constr type="w" for="ch" forName="image_accent_4" refType="w" fact="0.1126"/>
-              <dgm:constr type="h" for="ch" forName="image_accent_4" refType="h" fact="0.1881"/>
-              <dgm:constr type="l" for="ch" forName="image_4" refType="w" fact="0.4314"/>
-              <dgm:constr type="t" for="ch" forName="image_4" refType="h" fact="0.1526"/>
-              <dgm:constr type="w" for="ch" forName="image_4" refType="w" fact="0.0994"/>
-              <dgm:constr type="h" for="ch" forName="image_4" refType="h" fact="0.166"/>
-              <dgm:constr type="l" for="ch" forName="image_accent_2" refType="w" fact="0.3811"/>
-              <dgm:constr type="t" for="ch" forName="image_accent_2" refType="h" fact="0.6756"/>
-              <dgm:constr type="w" for="ch" forName="image_accent_2" refType="w" fact="0.1253"/>
-              <dgm:constr type="h" for="ch" forName="image_accent_2" refType="h" fact="0.2092"/>
-              <dgm:constr type="l" for="ch" forName="image_2" refType="w" fact="0.3885"/>
-              <dgm:constr type="t" for="ch" forName="image_2" refType="h" fact="0.6879"/>
-              <dgm:constr type="w" for="ch" forName="image_2" refType="w" fact="0.1105"/>
-              <dgm:constr type="h" for="ch" forName="image_2" refType="h" fact="0.1846"/>
-              <dgm:constr type="l" for="ch" forName="image_accent_3" refType="w" fact="0.3947"/>
-              <dgm:constr type="t" for="ch" forName="image_accent_3" refType="h" fact="0.3802"/>
-              <dgm:constr type="w" for="ch" forName="image_accent_3" refType="w" fact="0.1606"/>
-              <dgm:constr type="h" for="ch" forName="image_accent_3" refType="h" fact="0.2683"/>
-              <dgm:constr type="l" for="ch" forName="image_3" refType="w" fact="0.4032"/>
-              <dgm:constr type="t" for="ch" forName="image_3" refType="h" fact="0.3944"/>
-              <dgm:constr type="w" for="ch" forName="image_3" refType="w" fact="0.1437"/>
-              <dgm:constr type="h" for="ch" forName="image_3" refType="h" fact="0.24"/>
-              <dgm:constr type="l" for="ch" forName="image_accent_1" refType="w" fact="0.5237"/>
-              <dgm:constr type="t" for="ch" forName="image_accent_1" refType="h" fact="0.6"/>
-              <dgm:constr type="w" for="ch" forName="image_accent_1" refType="w" fact="0.2394"/>
-              <dgm:constr type="h" for="ch" forName="image_accent_1" refType="h" fact="0.4"/>
-              <dgm:constr type="l" for="ch" forName="image_1" refType="w" fact="0.5329"/>
-              <dgm:constr type="t" for="ch" forName="image_1" refType="h" fact="0.6154"/>
-              <dgm:constr type="w" for="ch" forName="image_1" refType="w" fact="0.2211"/>
-              <dgm:constr type="h" for="ch" forName="image_1" refType="h" fact="0.3692"/>
-              <dgm:constr type="l" for="ch" forName="parent_text_1" refType="w" fact="0.6447"/>
-              <dgm:constr type="t" for="ch" forName="parent_text_1" refType="h" fact="0.3944"/>
-              <dgm:constr type="w" for="ch" forName="parent_text_1" refType="w" fact="0.3553"/>
-              <dgm:constr type="h" for="ch" forName="parent_text_1" refType="h" fact="0.1931"/>
-              <dgm:constr type="l" for="ch" forName="accent_1" refType="w" fact="0.5395"/>
-              <dgm:constr type="t" for="ch" forName="accent_1" refType="h" fact="0.3055"/>
-              <dgm:constr type="w" for="ch" forName="accent_1" refType="w" fact="0.0711"/>
-              <dgm:constr type="h" for="ch" forName="accent_1" refType="h" fact="0.1187"/>
-              <dgm:constr type="l" for="ch" forName="parent_text_3" refType="w" fact="0.0132"/>
-              <dgm:constr type="t" for="ch" forName="parent_text_3" refType="h" fact="0.3944"/>
-              <dgm:constr type="w" for="ch" forName="parent_text_3" refType="w" fact="0.3553"/>
-              <dgm:constr type="h" for="ch" forName="parent_text_3" refType="h" fact="0.24"/>
-              <dgm:constr type="l" for="ch" forName="parent_text_2" refType="w" fact="0"/>
-              <dgm:constr type="t" for="ch" forName="parent_text_2" refType="h" fact="0.6879"/>
-              <dgm:constr type="w" for="ch" forName="parent_text_2" refType="w" fact="0.3553"/>
-              <dgm:constr type="h" for="ch" forName="parent_text_2" refType="h" fact="0.1846"/>
-              <dgm:constr type="l" for="ch" forName="accent_2" refType="w" fact="0.4126"/>
-              <dgm:constr type="t" for="ch" forName="accent_2" refType="h" fact="0.044"/>
-              <dgm:constr type="w" for="ch" forName="accent_2" refType="w" fact="0.0526"/>
-              <dgm:constr type="h" for="ch" forName="accent_2" refType="h" fact="0.0879"/>
-              <dgm:constr type="l" for="ch" forName="accent_3" refType="w" fact="0.3732"/>
-              <dgm:constr type="t" for="ch" forName="accent_3" refType="h" fact="0"/>
-              <dgm:constr type="w" for="ch" forName="accent_3" refType="w" fact="0.0263"/>
-              <dgm:constr type="h" for="ch" forName="accent_3" refType="h" fact="0.044"/>
-              <dgm:constr type="l" for="ch" forName="parent_text_4" refType="w" fact="0.0442"/>
-              <dgm:constr type="t" for="ch" forName="parent_text_4" refType="h" fact="0.1526"/>
-              <dgm:constr type="w" for="ch" forName="parent_text_4" refType="w" fact="0.3553"/>
-              <dgm:constr type="h" for="ch" forName="parent_text_4" refType="h" fact="0.166"/>
-              <dgm:constr type="l" for="ch" forName="accent_4" refType="w" fact="0.3337"/>
-              <dgm:constr type="t" for="ch" forName="accent_4" refType="h" fact="0.8791"/>
-              <dgm:constr type="w" for="ch" forName="accent_4" refType="w" fact="0.0395"/>
-              <dgm:constr type="h" for="ch" forName="accent_4" refType="h" fact="0.0659"/>
-            </dgm:constrLst>
-          </dgm:else>
-        </dgm:choose>
-      </dgm:if>
-      <dgm:if name="Name18" axis="ch" ptType="node" func="cnt" op="equ" val="5">
-        <dgm:alg type="composite">
-          <dgm:param type="ar" val="1.5076"/>
-        </dgm:alg>
-        <dgm:choose name="Name19">
-          <dgm:if name="Name20" func="var" arg="dir" op="equ" val="norm">
-            <dgm:constrLst>
-              <dgm:constr type="primFontSz" for="des" ptType="node" op="equ" val="65"/>
-              <dgm:constr type="l" for="ch" forName="image_accent_5" refType="w" fact="0.5301"/>
-              <dgm:constr type="t" for="ch" forName="image_accent_5" refType="h" fact="0.0862"/>
-              <dgm:constr type="w" for="ch" forName="image_accent_5" refType="w" fact="0.1022"/>
-              <dgm:constr type="h" for="ch" forName="image_accent_5" refType="h" fact="0.1541"/>
-              <dgm:constr type="l" for="ch" forName="image_5" refType="w" fact="0.5361"/>
-              <dgm:constr type="t" for="ch" forName="image_5" refType="h" fact="0.0953"/>
-              <dgm:constr type="w" for="ch" forName="image_5" refType="w" fact="0.0902"/>
-              <dgm:constr type="h" for="ch" forName="image_5" refType="h" fact="0.1359"/>
-              <dgm:constr type="l" for="ch" forName="image_accent_4" refType="w" fact="0.4528"/>
-              <dgm:constr type="t" for="ch" forName="image_accent_4" refType="h" fact="0.2416"/>
-              <dgm:constr type="w" for="ch" forName="image_accent_4" refType="w" fact="0.1103"/>
-              <dgm:constr type="h" for="ch" forName="image_accent_4" refType="h" fact="0.1662"/>
-              <dgm:constr type="l" for="ch" forName="image_4" refType="w" fact="0.4593"/>
-              <dgm:constr type="t" for="ch" forName="image_4" refType="h" fact="0.2513"/>
-              <dgm:constr type="w" for="ch" forName="image_4" refType="w" fact="0.0973"/>
-              <dgm:constr type="h" for="ch" forName="image_4" refType="h" fact="0.1467"/>
-              <dgm:constr type="l" for="ch" forName="image_accent_2" refType="w" fact="0.4832"/>
-              <dgm:constr type="t" for="ch" forName="image_accent_2" refType="h" fact="0.7134"/>
-              <dgm:constr type="w" for="ch" forName="image_accent_2" refType="w" fact="0.1226"/>
-              <dgm:constr type="h" for="ch" forName="image_accent_2" refType="h" fact="0.1849"/>
-              <dgm:constr type="l" for="ch" forName="image_2" refType="w" fact="0.4904"/>
-              <dgm:constr type="t" for="ch" forName="image_2" refType="h" fact="0.7243"/>
-              <dgm:constr type="w" for="ch" forName="image_2" refType="w" fact="0.1082"/>
-              <dgm:constr type="h" for="ch" forName="image_2" refType="h" fact="0.1631"/>
-              <dgm:constr type="l" for="ch" forName="image_accent_3" refType="w" fact="0.4352"/>
-              <dgm:constr type="t" for="ch" forName="image_accent_3" refType="h" fact="0.4525"/>
-              <dgm:constr type="w" for="ch" forName="image_accent_3" refType="w" fact="0.1573"/>
-              <dgm:constr type="h" for="ch" forName="image_accent_3" refType="h" fact="0.2371"/>
-              <dgm:constr type="l" for="ch" forName="image_3" refType="w" fact="0.4435"/>
-              <dgm:constr type="t" for="ch" forName="image_3" refType="h" fact="0.465"/>
-              <dgm:constr type="w" for="ch" forName="image_3" refType="w" fact="0.1407"/>
-              <dgm:constr type="h" for="ch" forName="image_3" refType="h" fact="0.212"/>
-              <dgm:constr type="l" for="ch" forName="image_accent_1" refType="w" fact="0.2318"/>
-              <dgm:constr type="t" for="ch" forName="image_accent_1" refType="h" fact="0.6466"/>
-              <dgm:constr type="w" for="ch" forName="image_accent_1" refType="w" fact="0.2344"/>
-              <dgm:constr type="h" for="ch" forName="image_accent_1" refType="h" fact="0.3534"/>
-              <dgm:constr type="l" for="ch" forName="image_1" refType="w" fact="0.2408"/>
-              <dgm:constr type="t" for="ch" forName="image_1" refType="h" fact="0.6602"/>
-              <dgm:constr type="w" for="ch" forName="image_1" refType="w" fact="0.2164"/>
-              <dgm:constr type="h" for="ch" forName="image_1" refType="h" fact="0.3262"/>
-              <dgm:constr type="l" for="ch" forName="parent_text_1" refType="w" fact="0"/>
-              <dgm:constr type="t" for="ch" forName="parent_text_1" refType="h" fact="0.465"/>
-              <dgm:constr type="w" for="ch" forName="parent_text_1" refType="w" fact="0.3478"/>
-              <dgm:constr type="h" for="ch" forName="parent_text_1" refType="h" fact="0.165"/>
-              <dgm:constr type="l" for="ch" forName="accent_1" refType="w" fact="0.3813"/>
-              <dgm:constr type="t" for="ch" forName="accent_1" refType="h" fact="0.3864"/>
-              <dgm:constr type="w" for="ch" forName="accent_1" refType="w" fact="0.0696"/>
-              <dgm:constr type="h" for="ch" forName="accent_1" refType="h" fact="0.1049"/>
-              <dgm:constr type="l" for="ch" forName="parent_text_3" refType="w" fact="0.6182"/>
-              <dgm:constr type="t" for="ch" forName="parent_text_3" refType="h" fact="0.465"/>
-              <dgm:constr type="w" for="ch" forName="parent_text_3" refType="w" fact="0.3478"/>
-              <dgm:constr type="h" for="ch" forName="parent_text_3" refType="h" fact="0.212"/>
-              <dgm:constr type="l" for="ch" forName="parent_text_2" refType="w" fact="0.6311"/>
-              <dgm:constr type="t" for="ch" forName="parent_text_2" refType="h" fact="0.7243"/>
-              <dgm:constr type="w" for="ch" forName="parent_text_2" refType="w" fact="0.3478"/>
-              <dgm:constr type="h" for="ch" forName="parent_text_2" refType="h" fact="0.1631"/>
-              <dgm:constr type="l" for="ch" forName="parent_text_4" refType="w" fact="0.5878"/>
-              <dgm:constr type="t" for="ch" forName="parent_text_4" refType="h" fact="0.2513"/>
-              <dgm:constr type="w" for="ch" forName="parent_text_4" refType="w" fact="0.3478"/>
-              <dgm:constr type="h" for="ch" forName="parent_text_4" refType="h" fact="0.1467"/>
-              <dgm:constr type="l" for="ch" forName="accent_2" refType="w" fact="0.6265"/>
-              <dgm:constr type="t" for="ch" forName="accent_2" refType="h" fact="0.0194"/>
-              <dgm:constr type="w" for="ch" forName="accent_2" refType="w" fact="0.0515"/>
-              <dgm:constr type="h" for="ch" forName="accent_2" refType="h" fact="0.0777"/>
-              <dgm:constr type="l" for="ch" forName="accent_3" refType="w" fact="0.7038"/>
-              <dgm:constr type="t" for="ch" forName="accent_3" refType="h" fact="0"/>
-              <dgm:constr type="w" for="ch" forName="accent_3" refType="w" fact="0.0258"/>
-              <dgm:constr type="h" for="ch" forName="accent_3" refType="h" fact="0.0388"/>
-              <dgm:constr type="l" for="ch" forName="parent_text_5" refType="w" fact="0.6522"/>
-              <dgm:constr type="t" for="ch" forName="parent_text_5" refType="h" fact="0.0953"/>
-              <dgm:constr type="w" for="ch" forName="parent_text_5" refType="w" fact="0.3478"/>
-              <dgm:constr type="h" for="ch" forName="parent_text_5" refType="h" fact="0.1359"/>
-              <dgm:constr type="l" for="ch" forName="accent_4" refType="w" fact="0.6136"/>
-              <dgm:constr type="t" for="ch" forName="accent_4" refType="h" fact="0.8932"/>
-              <dgm:constr type="w" for="ch" forName="accent_4" refType="w" fact="0.0386"/>
-              <dgm:constr type="h" for="ch" forName="accent_4" refType="h" fact="0.0583"/>
-            </dgm:constrLst>
-          </dgm:if>
-          <dgm:else name="Name21">
-            <dgm:constrLst>
-              <dgm:constr type="primFontSz" for="des" ptType="node" op="equ" val="65"/>
-              <dgm:constr type="l" for="ch" forName="image_accent_5" refType="w" fact="0.3677"/>
-              <dgm:constr type="t" for="ch" forName="image_accent_5" refType="h" fact="0.0862"/>
-              <dgm:constr type="w" for="ch" forName="image_accent_5" refType="w" fact="0.1022"/>
-              <dgm:constr type="h" for="ch" forName="image_accent_5" refType="h" fact="0.1541"/>
-              <dgm:constr type="l" for="ch" forName="image_5" refType="w" fact="0.3738"/>
-              <dgm:constr type="t" for="ch" forName="image_5" refType="h" fact="0.0953"/>
-              <dgm:constr type="w" for="ch" forName="image_5" refType="w" fact="0.0902"/>
-              <dgm:constr type="h" for="ch" forName="image_5" refType="h" fact="0.1359"/>
-              <dgm:constr type="l" for="ch" forName="image_accent_4" refType="w" fact="0.437"/>
-              <dgm:constr type="t" for="ch" forName="image_accent_4" refType="h" fact="0.2416"/>
-              <dgm:constr type="w" for="ch" forName="image_accent_4" refType="w" fact="0.1103"/>
-              <dgm:constr type="h" for="ch" forName="image_accent_4" refType="h" fact="0.1662"/>
-              <dgm:constr type="l" for="ch" forName="image_4" refType="w" fact="0.4434"/>
-              <dgm:constr type="t" for="ch" forName="image_4" refType="h" fact="0.2513"/>
-              <dgm:constr type="w" for="ch" forName="image_4" refType="w" fact="0.0973"/>
-              <dgm:constr type="h" for="ch" forName="image_4" refType="h" fact="0.1467"/>
-              <dgm:constr type="l" for="ch" forName="image_accent_2" refType="w" fact="0.3942"/>
-              <dgm:constr type="t" for="ch" forName="image_accent_2" refType="h" fact="0.7134"/>
-              <dgm:constr type="w" for="ch" forName="image_accent_2" refType="w" fact="0.1226"/>
-              <dgm:constr type="h" for="ch" forName="image_accent_2" refType="h" fact="0.1849"/>
-              <dgm:constr type="l" for="ch" forName="image_2" refType="w" fact="0.4014"/>
-              <dgm:constr type="t" for="ch" forName="image_2" refType="h" fact="0.7243"/>
-              <dgm:constr type="w" for="ch" forName="image_2" refType="w" fact="0.1082"/>
-              <dgm:constr type="h" for="ch" forName="image_2" refType="h" fact="0.1631"/>
-              <dgm:constr type="l" for="ch" forName="image_accent_3" refType="w" fact="0.4075"/>
-              <dgm:constr type="t" for="ch" forName="image_accent_3" refType="h" fact="0.4525"/>
-              <dgm:constr type="w" for="ch" forName="image_accent_3" refType="w" fact="0.1573"/>
-              <dgm:constr type="h" for="ch" forName="image_accent_3" refType="h" fact="0.2371"/>
-              <dgm:constr type="l" for="ch" forName="image_3" refType="w" fact="0.4158"/>
-              <dgm:constr type="t" for="ch" forName="image_3" refType="h" fact="0.465"/>
-              <dgm:constr type="w" for="ch" forName="image_3" refType="w" fact="0.1407"/>
-              <dgm:constr type="h" for="ch" forName="image_3" refType="h" fact="0.212"/>
-              <dgm:constr type="l" for="ch" forName="image_accent_1" refType="w" fact="0.5338"/>
-              <dgm:constr type="t" for="ch" forName="image_accent_1" refType="h" fact="0.6466"/>
-              <dgm:constr type="w" for="ch" forName="image_accent_1" refType="w" fact="0.2344"/>
-              <dgm:constr type="h" for="ch" forName="image_accent_1" refType="h" fact="0.3534"/>
-              <dgm:constr type="l" for="ch" forName="image_1" refType="w" fact="0.5428"/>
-              <dgm:constr type="t" for="ch" forName="image_1" refType="h" fact="0.6602"/>
-              <dgm:constr type="w" for="ch" forName="image_1" refType="w" fact="0.2164"/>
-              <dgm:constr type="h" for="ch" forName="image_1" refType="h" fact="0.3262"/>
-              <dgm:constr type="l" for="ch" forName="parent_text_1" refType="w" fact="0.6522"/>
-              <dgm:constr type="t" for="ch" forName="parent_text_1" refType="h" fact="0.465"/>
-              <dgm:constr type="w" for="ch" forName="parent_text_1" refType="w" fact="0.3478"/>
-              <dgm:constr type="h" for="ch" forName="parent_text_1" refType="h" fact="0.165"/>
-              <dgm:constr type="l" for="ch" forName="accent_1" refType="w" fact="0.5492"/>
-              <dgm:constr type="t" for="ch" forName="accent_1" refType="h" fact="0.3864"/>
-              <dgm:constr type="w" for="ch" forName="accent_1" refType="w" fact="0.0696"/>
-              <dgm:constr type="h" for="ch" forName="accent_1" refType="h" fact="0.1049"/>
-              <dgm:constr type="l" for="ch" forName="parent_text_3" refType="w" fact="0.034"/>
-              <dgm:constr type="t" for="ch" forName="parent_text_3" refType="h" fact="0.465"/>
-              <dgm:constr type="w" for="ch" forName="parent_text_3" refType="w" fact="0.3478"/>
-              <dgm:constr type="h" for="ch" forName="parent_text_3" refType="h" fact="0.212"/>
-              <dgm:constr type="l" for="ch" forName="parent_text_2" refType="w" fact="0.0211"/>
-              <dgm:constr type="t" for="ch" forName="parent_text_2" refType="h" fact="0.7243"/>
-              <dgm:constr type="w" for="ch" forName="parent_text_2" refType="w" fact="0.3478"/>
-              <dgm:constr type="h" for="ch" forName="parent_text_2" refType="h" fact="0.1631"/>
-              <dgm:constr type="l" for="ch" forName="parent_text_4" refType="w" fact="0.0644"/>
-              <dgm:constr type="t" for="ch" forName="parent_text_4" refType="h" fact="0.2513"/>
-              <dgm:constr type="w" for="ch" forName="parent_text_4" refType="w" fact="0.3478"/>
-              <dgm:constr type="h" for="ch" forName="parent_text_4" refType="h" fact="0.1467"/>
-              <dgm:constr type="l" for="ch" forName="accent_2" refType="w" fact="0.322"/>
-              <dgm:constr type="t" for="ch" forName="accent_2" refType="h" fact="0.0194"/>
-              <dgm:constr type="w" for="ch" forName="accent_2" refType="w" fact="0.0515"/>
-              <dgm:constr type="h" for="ch" forName="accent_2" refType="h" fact="0.0777"/>
-              <dgm:constr type="l" for="ch" forName="accent_3" refType="w" fact="0.2705"/>
-              <dgm:constr type="t" for="ch" forName="accent_3" refType="h" fact="0"/>
-              <dgm:constr type="w" for="ch" forName="accent_3" refType="w" fact="0.0258"/>
-              <dgm:constr type="h" for="ch" forName="accent_3" refType="h" fact="0.0388"/>
-              <dgm:constr type="l" for="ch" forName="parent_text_5" refType="w" fact="0"/>
-              <dgm:constr type="t" for="ch" forName="parent_text_5" refType="h" fact="0.0953"/>
-              <dgm:constr type="w" for="ch" forName="parent_text_5" refType="w" fact="0.3478"/>
-              <dgm:constr type="h" for="ch" forName="parent_text_5" refType="h" fact="0.1359"/>
-              <dgm:constr type="l" for="ch" forName="accent_4" refType="w" fact="0.3478"/>
-              <dgm:constr type="t" for="ch" forName="accent_4" refType="h" fact="0.8932"/>
-              <dgm:constr type="w" for="ch" forName="accent_4" refType="w" fact="0.0386"/>
-              <dgm:constr type="h" for="ch" forName="accent_4" refType="h" fact="0.0583"/>
-            </dgm:constrLst>
-          </dgm:else>
-        </dgm:choose>
-      </dgm:if>
-      <dgm:if name="Name22" axis="ch" ptType="node" func="cnt" op="equ" val="6">
-        <dgm:alg type="composite">
-          <dgm:param type="ar" val="1.1351"/>
-        </dgm:alg>
-        <dgm:choose name="Name23">
-          <dgm:if name="Name24" func="var" arg="dir" op="equ" val="norm">
-            <dgm:constrLst>
-              <dgm:constr type="primFontSz" for="des" ptType="node" op="equ" val="65"/>
-              <dgm:constr type="l" for="ch" forName="image_accent_6" refType="w" fact="0.3864"/>
-              <dgm:constr type="t" for="ch" forName="image_accent_6" refType="h" fact="0.7456"/>
-              <dgm:constr type="w" for="ch" forName="image_accent_6" refType="w" fact="0.1757"/>
-              <dgm:constr type="h" for="ch" forName="image_accent_6" refType="h" fact="0.1995"/>
-              <dgm:constr type="l" for="ch" forName="image_6" refType="w" fact="0.3957"/>
-              <dgm:constr type="t" for="ch" forName="image_6" refType="h" fact="0.7561"/>
-              <dgm:constr type="w" for="ch" forName="image_6" refType="w" fact="0.1572"/>
-              <dgm:constr type="h" for="ch" forName="image_6" refType="h" fact="0.1784"/>
-              <dgm:constr type="l" for="ch" forName="image_accent_5" refType="w" fact="0.5301"/>
-              <dgm:constr type="t" for="ch" forName="image_accent_5" refType="h" fact="0.0649"/>
-              <dgm:constr type="w" for="ch" forName="image_accent_5" refType="w" fact="0.1022"/>
-              <dgm:constr type="h" for="ch" forName="image_accent_5" refType="h" fact="0.116"/>
-              <dgm:constr type="l" for="ch" forName="image_5" refType="w" fact="0.5361"/>
-              <dgm:constr type="t" for="ch" forName="image_5" refType="h" fact="0.0717"/>
-              <dgm:constr type="w" for="ch" forName="image_5" refType="w" fact="0.0902"/>
-              <dgm:constr type="h" for="ch" forName="image_5" refType="h" fact="0.1023"/>
-              <dgm:constr type="l" for="ch" forName="image_accent_4" refType="w" fact="0.4528"/>
-              <dgm:constr type="t" for="ch" forName="image_accent_4" refType="h" fact="0.1819"/>
-              <dgm:constr type="w" for="ch" forName="image_accent_4" refType="w" fact="0.1103"/>
-              <dgm:constr type="h" for="ch" forName="image_accent_4" refType="h" fact="0.1251"/>
-              <dgm:constr type="l" for="ch" forName="image_4" refType="w" fact="0.4593"/>
-              <dgm:constr type="t" for="ch" forName="image_4" refType="h" fact="0.1892"/>
-              <dgm:constr type="w" for="ch" forName="image_4" refType="w" fact="0.0973"/>
-              <dgm:constr type="h" for="ch" forName="image_4" refType="h" fact="0.1104"/>
-              <dgm:constr type="l" for="ch" forName="image_accent_2" refType="w" fact="0.4832"/>
-              <dgm:constr type="t" for="ch" forName="image_accent_2" refType="h" fact="0.5371"/>
-              <dgm:constr type="w" for="ch" forName="image_accent_2" refType="w" fact="0.1226"/>
-              <dgm:constr type="h" for="ch" forName="image_accent_2" refType="h" fact="0.1392"/>
-              <dgm:constr type="l" for="ch" forName="image_2" refType="w" fact="0.4904"/>
-              <dgm:constr type="t" for="ch" forName="image_2" refType="h" fact="0.5453"/>
-              <dgm:constr type="w" for="ch" forName="image_2" refType="w" fact="0.1082"/>
-              <dgm:constr type="h" for="ch" forName="image_2" refType="h" fact="0.1228"/>
-              <dgm:constr type="l" for="ch" forName="image_accent_3" refType="w" fact="0.4352"/>
-              <dgm:constr type="t" for="ch" forName="image_accent_3" refType="h" fact="0.3407"/>
-              <dgm:constr type="w" for="ch" forName="image_accent_3" refType="w" fact="0.1573"/>
-              <dgm:constr type="h" for="ch" forName="image_accent_3" refType="h" fact="0.1785"/>
-              <dgm:constr type="l" for="ch" forName="image_3" refType="w" fact="0.4435"/>
-              <dgm:constr type="t" for="ch" forName="image_3" refType="h" fact="0.3501"/>
-              <dgm:constr type="w" for="ch" forName="image_3" refType="w" fact="0.1407"/>
-              <dgm:constr type="h" for="ch" forName="image_3" refType="h" fact="0.1596"/>
-              <dgm:constr type="l" for="ch" forName="image_accent_1" refType="w" fact="0.2318"/>
-              <dgm:constr type="t" for="ch" forName="image_accent_1" refType="h" fact="0.4869"/>
-              <dgm:constr type="w" for="ch" forName="image_accent_1" refType="w" fact="0.2344"/>
-              <dgm:constr type="h" for="ch" forName="image_accent_1" refType="h" fact="0.2661"/>
-              <dgm:constr type="l" for="ch" forName="image_1" refType="w" fact="0.2401"/>
-              <dgm:constr type="t" for="ch" forName="image_1" refType="h" fact="0.4971"/>
-              <dgm:constr type="w" for="ch" forName="image_1" refType="w" fact="0.2164"/>
-              <dgm:constr type="h" for="ch" forName="image_1" refType="h" fact="0.2456"/>
-              <dgm:constr type="l" for="ch" forName="parent_text_1" refType="w" fact="0"/>
-              <dgm:constr type="t" for="ch" forName="parent_text_1" refType="h" fact="0.3501"/>
-              <dgm:constr type="w" for="ch" forName="parent_text_1" refType="w" fact="0.3478"/>
-              <dgm:constr type="h" for="ch" forName="parent_text_1" refType="h" fact="0.125"/>
-              <dgm:constr type="l" for="ch" forName="accent_1" refType="w" fact="0.3813"/>
-              <dgm:constr type="t" for="ch" forName="accent_1" refType="h" fact="0.2909"/>
-              <dgm:constr type="w" for="ch" forName="accent_1" refType="w" fact="0.0696"/>
-              <dgm:constr type="h" for="ch" forName="accent_1" refType="h" fact="0.0789"/>
-              <dgm:constr type="l" for="ch" forName="parent_text_2" refType="w" fact="0.6311"/>
-              <dgm:constr type="t" for="ch" forName="parent_text_2" refType="h" fact="0.5453"/>
-              <dgm:constr type="w" for="ch" forName="parent_text_2" refType="w" fact="0.3478"/>
-              <dgm:constr type="h" for="ch" forName="parent_text_2" refType="h" fact="0.1228"/>
-              <dgm:constr type="l" for="ch" forName="parent_text_4" refType="w" fact="0.5878"/>
-              <dgm:constr type="t" for="ch" forName="parent_text_4" refType="h" fact="0.1892"/>
-              <dgm:constr type="w" for="ch" forName="parent_text_4" refType="w" fact="0.3478"/>
-              <dgm:constr type="h" for="ch" forName="parent_text_4" refType="h" fact="0.1104"/>
-              <dgm:constr type="l" for="ch" forName="accent_2" refType="w" fact="0.6265"/>
-              <dgm:constr type="t" for="ch" forName="accent_2" refType="h" fact="0.0146"/>
-              <dgm:constr type="w" for="ch" forName="accent_2" refType="w" fact="0.0515"/>
-              <dgm:constr type="h" for="ch" forName="accent_2" refType="h" fact="0.0585"/>
-              <dgm:constr type="l" for="ch" forName="accent_3" refType="w" fact="0.7038"/>
-              <dgm:constr type="t" for="ch" forName="accent_3" refType="h" fact="0"/>
-              <dgm:constr type="w" for="ch" forName="accent_3" refType="w" fact="0.0258"/>
-              <dgm:constr type="h" for="ch" forName="accent_3" refType="h" fact="0.0292"/>
-              <dgm:constr type="l" for="ch" forName="parent_text_5" refType="w" fact="0.6522"/>
-              <dgm:constr type="t" for="ch" forName="parent_text_5" refType="h" fact="0.0717"/>
-              <dgm:constr type="w" for="ch" forName="parent_text_5" refType="w" fact="0.3478"/>
-              <dgm:constr type="h" for="ch" forName="parent_text_5" refType="h" fact="0.1023"/>
-              <dgm:constr type="l" for="ch" forName="parent_text_3" refType="w" fact="0.6182"/>
-              <dgm:constr type="t" for="ch" forName="parent_text_3" refType="h" fact="0.3501"/>
-              <dgm:constr type="w" for="ch" forName="parent_text_3" refType="w" fact="0.3478"/>
-              <dgm:constr type="h" for="ch" forName="parent_text_3" refType="h" fact="0.1596"/>
-              <dgm:constr type="l" for="ch" forName="accent_4" refType="w" fact="0.5538"/>
-              <dgm:constr type="t" for="ch" forName="accent_4" refType="h" fact="0.9211"/>
-              <dgm:constr type="w" for="ch" forName="accent_4" refType="w" fact="0.0696"/>
-              <dgm:constr type="h" for="ch" forName="accent_4" refType="h" fact="0.0789"/>
-              <dgm:constr type="l" for="ch" forName="parent_text_6" refType="w" fact="0.0195"/>
-              <dgm:constr type="t" for="ch" forName="parent_text_6" refType="h" fact="0.7561"/>
-              <dgm:constr type="w" for="ch" forName="parent_text_6" refType="w" fact="0.3478"/>
-              <dgm:constr type="h" for="ch" forName="parent_text_6" refType="h" fact="0.1784"/>
-              <dgm:constr type="l" for="ch" forName="accent_5" refType="w" fact="0.6182"/>
-              <dgm:constr type="t" for="ch" forName="accent_5" refType="h" fact="0.6725"/>
-              <dgm:constr type="w" for="ch" forName="accent_5" refType="w" fact="0.0386"/>
-              <dgm:constr type="h" for="ch" forName="accent_5" refType="h" fact="0.0439"/>
-            </dgm:constrLst>
-          </dgm:if>
-          <dgm:else name="Name25">
-            <dgm:constrLst>
-              <dgm:constr type="primFontSz" for="des" ptType="node" op="equ" val="65"/>
-              <dgm:constr type="l" for="ch" forName="image_accent_6" refType="w" fact="0.4379"/>
-              <dgm:constr type="t" for="ch" forName="image_accent_6" refType="h" fact="0.7456"/>
-              <dgm:constr type="w" for="ch" forName="image_accent_6" refType="w" fact="0.1757"/>
-              <dgm:constr type="h" for="ch" forName="image_accent_6" refType="h" fact="0.1995"/>
-              <dgm:constr type="l" for="ch" forName="image_6" refType="w" fact="0.4471"/>
-              <dgm:constr type="t" for="ch" forName="image_6" refType="h" fact="0.7561"/>
-              <dgm:constr type="w" for="ch" forName="image_6" refType="w" fact="0.1572"/>
-              <dgm:constr type="h" for="ch" forName="image_6" refType="h" fact="0.1784"/>
-              <dgm:constr type="l" for="ch" forName="image_accent_5" refType="w" fact="0.3677"/>
-              <dgm:constr type="t" for="ch" forName="image_accent_5" refType="h" fact="0.0649"/>
-              <dgm:constr type="w" for="ch" forName="image_accent_5" refType="w" fact="0.1022"/>
-              <dgm:constr type="h" for="ch" forName="image_accent_5" refType="h" fact="0.116"/>
-              <dgm:constr type="l" for="ch" forName="image_5" refType="w" fact="0.3738"/>
-              <dgm:constr type="t" for="ch" forName="image_5" refType="h" fact="0.0717"/>
-              <dgm:constr type="w" for="ch" forName="image_5" refType="w" fact="0.0902"/>
-              <dgm:constr type="h" for="ch" forName="image_5" refType="h" fact="0.1023"/>
-              <dgm:constr type="l" for="ch" forName="image_accent_4" refType="w" fact="0.437"/>
-              <dgm:constr type="t" for="ch" forName="image_accent_4" refType="h" fact="0.1819"/>
-              <dgm:constr type="w" for="ch" forName="image_accent_4" refType="w" fact="0.1103"/>
-              <dgm:constr type="h" for="ch" forName="image_accent_4" refType="h" fact="0.1251"/>
-              <dgm:constr type="l" for="ch" forName="image_4" refType="w" fact="0.4434"/>
-              <dgm:constr type="t" for="ch" forName="image_4" refType="h" fact="0.1892"/>
-              <dgm:constr type="w" for="ch" forName="image_4" refType="w" fact="0.0973"/>
-              <dgm:constr type="h" for="ch" forName="image_4" refType="h" fact="0.1104"/>
-              <dgm:constr type="l" for="ch" forName="image_accent_2" refType="w" fact="0.3942"/>
-              <dgm:constr type="t" for="ch" forName="image_accent_2" refType="h" fact="0.5371"/>
-              <dgm:constr type="w" for="ch" forName="image_accent_2" refType="w" fact="0.1226"/>
-              <dgm:constr type="h" for="ch" forName="image_accent_2" refType="h" fact="0.1392"/>
-              <dgm:constr type="l" for="ch" forName="image_2" refType="w" fact="0.4014"/>
-              <dgm:constr type="t" for="ch" forName="image_2" refType="h" fact="0.5453"/>
-              <dgm:constr type="w" for="ch" forName="image_2" refType="w" fact="0.1082"/>
-              <dgm:constr type="h" for="ch" forName="image_2" refType="h" fact="0.1228"/>
-              <dgm:constr type="l" for="ch" forName="image_accent_3" refType="w" fact="0.4075"/>
-              <dgm:constr type="t" for="ch" forName="image_accent_3" refType="h" fact="0.3407"/>
-              <dgm:constr type="w" for="ch" forName="image_accent_3" refType="w" fact="0.1573"/>
-              <dgm:constr type="h" for="ch" forName="image_accent_3" refType="h" fact="0.1785"/>
-              <dgm:constr type="l" for="ch" forName="image_3" refType="w" fact="0.4158"/>
-              <dgm:constr type="t" for="ch" forName="image_3" refType="h" fact="0.3501"/>
-              <dgm:constr type="w" for="ch" forName="image_3" refType="w" fact="0.1407"/>
-              <dgm:constr type="h" for="ch" forName="image_3" refType="h" fact="0.1596"/>
-              <dgm:constr type="l" for="ch" forName="image_accent_1" refType="w" fact="0.5338"/>
-              <dgm:constr type="t" for="ch" forName="image_accent_1" refType="h" fact="0.4869"/>
-              <dgm:constr type="w" for="ch" forName="image_accent_1" refType="w" fact="0.2344"/>
-              <dgm:constr type="h" for="ch" forName="image_accent_1" refType="h" fact="0.2661"/>
-              <dgm:constr type="l" for="ch" forName="image_1" refType="w" fact="0.5435"/>
-              <dgm:constr type="t" for="ch" forName="image_1" refType="h" fact="0.4971"/>
-              <dgm:constr type="w" for="ch" forName="image_1" refType="w" fact="0.2164"/>
-              <dgm:constr type="h" for="ch" forName="image_1" refType="h" fact="0.2456"/>
-              <dgm:constr type="l" for="ch" forName="parent_text_1" refType="w" fact="0.6522"/>
-              <dgm:constr type="t" for="ch" forName="parent_text_1" refType="h" fact="0.3501"/>
-              <dgm:constr type="w" for="ch" forName="parent_text_1" refType="w" fact="0.3478"/>
-              <dgm:constr type="h" for="ch" forName="parent_text_1" refType="h" fact="0.125"/>
-              <dgm:constr type="l" for="ch" forName="accent_1" refType="w" fact="0.5492"/>
-              <dgm:constr type="t" for="ch" forName="accent_1" refType="h" fact="0.2909"/>
-              <dgm:constr type="w" for="ch" forName="accent_1" refType="w" fact="0.0696"/>
-              <dgm:constr type="h" for="ch" forName="accent_1" refType="h" fact="0.0789"/>
-              <dgm:constr type="l" for="ch" forName="parent_text_2" refType="w" fact="0.0211"/>
-              <dgm:constr type="t" for="ch" forName="parent_text_2" refType="h" fact="0.5453"/>
-              <dgm:constr type="w" for="ch" forName="parent_text_2" refType="w" fact="0.3478"/>
-              <dgm:constr type="h" for="ch" forName="parent_text_2" refType="h" fact="0.1228"/>
-              <dgm:constr type="l" for="ch" forName="parent_text_4" refType="w" fact="0.0644"/>
-              <dgm:constr type="t" for="ch" forName="parent_text_4" refType="h" fact="0.1892"/>
-              <dgm:constr type="w" for="ch" forName="parent_text_4" refType="w" fact="0.3478"/>
-              <dgm:constr type="h" for="ch" forName="parent_text_4" refType="h" fact="0.1104"/>
-              <dgm:constr type="l" for="ch" forName="accent_2" refType="w" fact="0.322"/>
-              <dgm:constr type="t" for="ch" forName="accent_2" refType="h" fact="0.0146"/>
-              <dgm:constr type="w" for="ch" forName="accent_2" refType="w" fact="0.0515"/>
-              <dgm:constr type="h" for="ch" forName="accent_2" refType="h" fact="0.0585"/>
-              <dgm:constr type="l" for="ch" forName="accent_3" refType="w" fact="0.2705"/>
-              <dgm:constr type="t" for="ch" forName="accent_3" refType="h" fact="0"/>
-              <dgm:constr type="w" for="ch" forName="accent_3" refType="w" fact="0.0258"/>
-              <dgm:constr type="h" for="ch" forName="accent_3" refType="h" fact="0.0292"/>
-              <dgm:constr type="l" for="ch" forName="parent_text_5" refType="w" fact="0"/>
-              <dgm:constr type="t" for="ch" forName="parent_text_5" refType="h" fact="0.0717"/>
-              <dgm:constr type="w" for="ch" forName="parent_text_5" refType="w" fact="0.3478"/>
-              <dgm:constr type="h" for="ch" forName="parent_text_5" refType="h" fact="0.1023"/>
-              <dgm:constr type="l" for="ch" forName="parent_text_3" refType="w" fact="0.034"/>
-              <dgm:constr type="t" for="ch" forName="parent_text_3" refType="h" fact="0.3501"/>
-              <dgm:constr type="w" for="ch" forName="parent_text_3" refType="w" fact="0.3478"/>
-              <dgm:constr type="h" for="ch" forName="parent_text_3" refType="h" fact="0.1596"/>
-              <dgm:constr type="l" for="ch" forName="accent_4" refType="w" fact="0.3766"/>
-              <dgm:constr type="t" for="ch" forName="accent_4" refType="h" fact="0.9211"/>
-              <dgm:constr type="w" for="ch" forName="accent_4" refType="w" fact="0.0696"/>
-              <dgm:constr type="h" for="ch" forName="accent_4" refType="h" fact="0.0789"/>
-              <dgm:constr type="l" for="ch" forName="parent_text_6" refType="w" fact="0.6328"/>
-              <dgm:constr type="t" for="ch" forName="parent_text_6" refType="h" fact="0.7561"/>
-              <dgm:constr type="w" for="ch" forName="parent_text_6" refType="w" fact="0.3478"/>
-              <dgm:constr type="h" for="ch" forName="parent_text_6" refType="h" fact="0.1784"/>
-              <dgm:constr type="l" for="ch" forName="accent_5" refType="w" fact="0.3431"/>
-              <dgm:constr type="t" for="ch" forName="accent_5" refType="h" fact="0.6725"/>
-              <dgm:constr type="w" for="ch" forName="accent_5" refType="w" fact="0.0386"/>
-              <dgm:constr type="h" for="ch" forName="accent_5" refType="h" fact="0.0439"/>
-            </dgm:constrLst>
-          </dgm:else>
-        </dgm:choose>
-      </dgm:if>
-      <dgm:if name="Name26" axis="ch" ptType="node" func="cnt" op="equ" val="7">
-        <dgm:alg type="composite">
-          <dgm:param type="ar" val="1.0352"/>
-        </dgm:alg>
-        <dgm:choose name="Name27">
-          <dgm:if name="Name28" func="var" arg="dir" op="equ" val="norm">
-            <dgm:constrLst>
-              <dgm:constr type="primFontSz" for="des" ptType="node" op="equ" val="65"/>
-              <dgm:constr type="l" for="ch" forName="accent_1" refType="w" fact="0.7553"/>
-              <dgm:constr type="t" for="ch" forName="accent_1" refType="h" fact="0.96"/>
-              <dgm:constr type="w" for="ch" forName="accent_1" refType="w" fact="0.0386"/>
-              <dgm:constr type="h" for="ch" forName="accent_1" refType="h" fact="0.04"/>
-              <dgm:constr type="l" for="ch" forName="image_accent_2" refType="w" fact="0.4832"/>
-              <dgm:constr type="t" for="ch" forName="image_accent_2" refType="h" fact="0.4899"/>
-              <dgm:constr type="w" for="ch" forName="image_accent_2" refType="w" fact="0.1226"/>
-              <dgm:constr type="h" for="ch" forName="image_accent_2" refType="h" fact="0.1269"/>
-              <dgm:constr type="l" for="ch" forName="image_2" refType="w" fact="0.4904"/>
-              <dgm:constr type="t" for="ch" forName="image_2" refType="h" fact="0.4973"/>
-              <dgm:constr type="w" for="ch" forName="image_2" refType="w" fact="0.1082"/>
-              <dgm:constr type="h" for="ch" forName="image_2" refType="h" fact="0.112"/>
-              <dgm:constr type="l" for="ch" forName="image_accent_3" refType="w" fact="0.4352"/>
-              <dgm:constr type="t" for="ch" forName="image_accent_3" refType="h" fact="0.3107"/>
-              <dgm:constr type="w" for="ch" forName="image_accent_3" refType="w" fact="0.1573"/>
-              <dgm:constr type="h" for="ch" forName="image_accent_3" refType="h" fact="0.1628"/>
-              <dgm:constr type="l" for="ch" forName="image_3" refType="w" fact="0.4435"/>
-              <dgm:constr type="t" for="ch" forName="image_3" refType="h" fact="0.3193"/>
-              <dgm:constr type="w" for="ch" forName="image_3" refType="w" fact="0.1407"/>
-              <dgm:constr type="h" for="ch" forName="image_3" refType="h" fact="0.1456"/>
-              <dgm:constr type="l" for="ch" forName="image_accent_4" refType="w" fact="0.4528"/>
-              <dgm:constr type="t" for="ch" forName="image_accent_4" refType="h" fact="0.1659"/>
-              <dgm:constr type="w" for="ch" forName="image_accent_4" refType="w" fact="0.1103"/>
-              <dgm:constr type="h" for="ch" forName="image_accent_4" refType="h" fact="0.1141"/>
-              <dgm:constr type="l" for="ch" forName="image_4" refType="w" fact="0.4593"/>
-              <dgm:constr type="t" for="ch" forName="image_4" refType="h" fact="0.1726"/>
-              <dgm:constr type="w" for="ch" forName="image_4" refType="w" fact="0.0973"/>
-              <dgm:constr type="h" for="ch" forName="image_4" refType="h" fact="0.1007"/>
-              <dgm:constr type="l" for="ch" forName="image_accent_5" refType="w" fact="0.5301"/>
-              <dgm:constr type="t" for="ch" forName="image_accent_5" refType="h" fact="0.0592"/>
-              <dgm:constr type="w" for="ch" forName="image_accent_5" refType="w" fact="0.1022"/>
-              <dgm:constr type="h" for="ch" forName="image_accent_5" refType="h" fact="0.1058"/>
-              <dgm:constr type="l" for="ch" forName="image_5" refType="w" fact="0.5361"/>
-              <dgm:constr type="t" for="ch" forName="image_5" refType="h" fact="0.0654"/>
-              <dgm:constr type="w" for="ch" forName="image_5" refType="w" fact="0.0902"/>
-              <dgm:constr type="h" for="ch" forName="image_5" refType="h" fact="0.0933"/>
-              <dgm:constr type="l" for="ch" forName="image_accent_6" refType="w" fact="0.3864"/>
-              <dgm:constr type="t" for="ch" forName="image_accent_6" refType="h" fact="0.68"/>
-              <dgm:constr type="w" for="ch" forName="image_accent_6" refType="w" fact="0.1757"/>
-              <dgm:constr type="h" for="ch" forName="image_accent_6" refType="h" fact="0.1819"/>
-              <dgm:constr type="l" for="ch" forName="image_6" refType="w" fact="0.3957"/>
-              <dgm:constr type="t" for="ch" forName="image_6" refType="h" fact="0.6896"/>
-              <dgm:constr type="w" for="ch" forName="image_6" refType="w" fact="0.1572"/>
-              <dgm:constr type="h" for="ch" forName="image_6" refType="h" fact="0.1627"/>
-              <dgm:constr type="l" for="ch" forName="image_accent_7" refType="w" fact="0.5291"/>
-              <dgm:constr type="t" for="ch" forName="image_accent_7" refType="h" fact="0.8325"/>
-              <dgm:constr type="w" for="ch" forName="image_accent_7" refType="w" fact="0.1103"/>
-              <dgm:constr type="h" for="ch" forName="image_accent_7" refType="h" fact="0.1141"/>
-              <dgm:constr type="l" for="ch" forName="image_7" refType="w" fact="0.5356"/>
-              <dgm:constr type="t" for="ch" forName="image_7" refType="h" fact="0.8392"/>
-              <dgm:constr type="w" for="ch" forName="image_7" refType="w" fact="0.0973"/>
-              <dgm:constr type="h" for="ch" forName="image_7" refType="h" fact="0.1007"/>
-              <dgm:constr type="l" for="ch" forName="image_accent_1" refType="w" fact="0.2318"/>
-              <dgm:constr type="t" for="ch" forName="image_accent_1" refType="h" fact="0.444"/>
-              <dgm:constr type="w" for="ch" forName="image_accent_1" refType="w" fact="0.2344"/>
-              <dgm:constr type="h" for="ch" forName="image_accent_1" refType="h" fact="0.2426"/>
-              <dgm:constr type="l" for="ch" forName="image_1" refType="w" fact="0.2408"/>
-              <dgm:constr type="t" for="ch" forName="image_1" refType="h" fact="0.4533"/>
-              <dgm:constr type="w" for="ch" forName="image_1" refType="w" fact="0.2164"/>
-              <dgm:constr type="h" for="ch" forName="image_1" refType="h" fact="0.224"/>
-              <dgm:constr type="l" for="ch" forName="parent_text_1" refType="w" fact="0"/>
-              <dgm:constr type="t" for="ch" forName="parent_text_1" refType="h" fact="0.3193"/>
-              <dgm:constr type="w" for="ch" forName="parent_text_1" refType="w" fact="0.3478"/>
-              <dgm:constr type="h" for="ch" forName="parent_text_1" refType="h" fact="0.115"/>
-              <dgm:constr type="l" for="ch" forName="accent_2" refType="w" fact="0.3813"/>
-              <dgm:constr type="t" for="ch" forName="accent_2" refType="h" fact="0.2653"/>
-              <dgm:constr type="w" for="ch" forName="accent_2" refType="w" fact="0.0696"/>
-              <dgm:constr type="h" for="ch" forName="accent_2" refType="h" fact="0.072"/>
-              <dgm:constr type="l" for="ch" forName="parent_text_2" refType="w" fact="0.6311"/>
-              <dgm:constr type="t" for="ch" forName="parent_text_2" refType="h" fact="0.4973"/>
-              <dgm:constr type="w" for="ch" forName="parent_text_2" refType="w" fact="0.3478"/>
-              <dgm:constr type="h" for="ch" forName="parent_text_2" refType="h" fact="0.112"/>
-              <dgm:constr type="l" for="ch" forName="parent_text_4" refType="w" fact="0.5878"/>
-              <dgm:constr type="t" for="ch" forName="parent_text_4" refType="h" fact="0.1726"/>
-              <dgm:constr type="w" for="ch" forName="parent_text_4" refType="w" fact="0.3478"/>
-              <dgm:constr type="h" for="ch" forName="parent_text_4" refType="h" fact="0.1007"/>
-              <dgm:constr type="l" for="ch" forName="accent_3" refType="w" fact="0.7038"/>
-              <dgm:constr type="t" for="ch" forName="accent_3" refType="h" fact="0"/>
-              <dgm:constr type="w" for="ch" forName="accent_3" refType="w" fact="0.0258"/>
-              <dgm:constr type="h" for="ch" forName="accent_3" refType="h" fact="0.0267"/>
-              <dgm:constr type="l" for="ch" forName="parent_text_5" refType="w" fact="0.6522"/>
-              <dgm:constr type="t" for="ch" forName="parent_text_5" refType="h" fact="0.0654"/>
-              <dgm:constr type="w" for="ch" forName="parent_text_5" refType="w" fact="0.3478"/>
-              <dgm:constr type="h" for="ch" forName="parent_text_5" refType="h" fact="0.0933"/>
-              <dgm:constr type="l" for="ch" forName="parent_text_3" refType="w" fact="0.6182"/>
-              <dgm:constr type="t" for="ch" forName="parent_text_3" refType="h" fact="0.3193"/>
-              <dgm:constr type="w" for="ch" forName="parent_text_3" refType="w" fact="0.3478"/>
-              <dgm:constr type="h" for="ch" forName="parent_text_3" refType="h" fact="0.1456"/>
-              <dgm:constr type="l" for="ch" forName="parent_text_6" refType="w" fact="0.02"/>
-              <dgm:constr type="t" for="ch" forName="parent_text_6" refType="h" fact="0.6896"/>
-              <dgm:constr type="w" for="ch" forName="parent_text_6" refType="w" fact="0.3478"/>
-              <dgm:constr type="h" for="ch" forName="parent_text_6" refType="h" fact="0.1627"/>
-              <dgm:constr type="l" for="ch" forName="accent_4" refType="w" fact="0.6265"/>
-              <dgm:constr type="t" for="ch" forName="accent_4" refType="h" fact="0.0213"/>
-              <dgm:constr type="w" for="ch" forName="accent_4" refType="w" fact="0.0515"/>
-              <dgm:constr type="h" for="ch" forName="accent_4" refType="h" fact="0.0533"/>
-              <dgm:constr type="l" for="ch" forName="accent_5" refType="w" fact="0.6522"/>
-              <dgm:constr type="t" for="ch" forName="accent_5" refType="h" fact="0.92"/>
-              <dgm:constr type="w" for="ch" forName="accent_5" refType="w" fact="0.0696"/>
-              <dgm:constr type="h" for="ch" forName="accent_5" refType="h" fact="0.072"/>
-              <dgm:constr type="l" for="ch" forName="parent_text_7" refType="w" fact="0.105"/>
-              <dgm:constr type="t" for="ch" forName="parent_text_7" refType="h" fact="0.87"/>
-              <dgm:constr type="w" for="ch" forName="parent_text_7" refType="w" fact="0.407"/>
-              <dgm:constr type="h" for="ch" forName="parent_text_7" refType="h" fact="0.13"/>
-              <dgm:constr type="l" for="ch" forName="accent_6" refType="w" fact="0.6136"/>
-              <dgm:constr type="t" for="ch" forName="accent_6" refType="h" fact="0.6133"/>
-              <dgm:constr type="w" for="ch" forName="accent_6" refType="w" fact="0.0386"/>
-              <dgm:constr type="h" for="ch" forName="accent_6" refType="h" fact="0.04"/>
-            </dgm:constrLst>
-          </dgm:if>
-          <dgm:else name="Name29">
-            <dgm:constrLst>
-              <dgm:constr type="primFontSz" for="des" ptType="node" op="equ" val="65"/>
-              <dgm:constr type="l" for="ch" forName="accent_1" refType="w" fact="0.2061"/>
-              <dgm:constr type="t" for="ch" forName="accent_1" refType="h" fact="0.96"/>
-              <dgm:constr type="w" for="ch" forName="accent_1" refType="w" fact="0.0386"/>
-              <dgm:constr type="h" for="ch" forName="accent_1" refType="h" fact="0.04"/>
-              <dgm:constr type="l" for="ch" forName="image_accent_7" refType="w" fact="0.3606"/>
-              <dgm:constr type="t" for="ch" forName="image_accent_7" refType="h" fact="0.8325"/>
-              <dgm:constr type="w" for="ch" forName="image_accent_7" refType="w" fact="0.1103"/>
-              <dgm:constr type="h" for="ch" forName="image_accent_7" refType="h" fact="0.1141"/>
-              <dgm:constr type="l" for="ch" forName="image_7" refType="w" fact="0.3671"/>
-              <dgm:constr type="t" for="ch" forName="image_7" refType="h" fact="0.8392"/>
-              <dgm:constr type="w" for="ch" forName="image_7" refType="w" fact="0.0973"/>
-              <dgm:constr type="h" for="ch" forName="image_7" refType="h" fact="0.1007"/>
-              <dgm:constr type="l" for="ch" forName="image_accent_6" refType="w" fact="0.4379"/>
-              <dgm:constr type="t" for="ch" forName="image_accent_6" refType="h" fact="0.68"/>
-              <dgm:constr type="w" for="ch" forName="image_accent_6" refType="w" fact="0.1757"/>
-              <dgm:constr type="h" for="ch" forName="image_accent_6" refType="h" fact="0.1819"/>
-              <dgm:constr type="l" for="ch" forName="image_6" refType="w" fact="0.4471"/>
-              <dgm:constr type="t" for="ch" forName="image_6" refType="h" fact="0.6896"/>
-              <dgm:constr type="w" for="ch" forName="image_6" refType="w" fact="0.1572"/>
-              <dgm:constr type="h" for="ch" forName="image_6" refType="h" fact="0.1627"/>
-              <dgm:constr type="l" for="ch" forName="image_accent_5" refType="w" fact="0.3677"/>
-              <dgm:constr type="t" for="ch" forName="image_accent_5" refType="h" fact="0.0592"/>
-              <dgm:constr type="w" for="ch" forName="image_accent_5" refType="w" fact="0.1022"/>
-              <dgm:constr type="h" for="ch" forName="image_accent_5" refType="h" fact="0.1058"/>
-              <dgm:constr type="l" for="ch" forName="image_5" refType="w" fact="0.3738"/>
-              <dgm:constr type="t" for="ch" forName="image_5" refType="h" fact="0.0654"/>
-              <dgm:constr type="w" for="ch" forName="image_5" refType="w" fact="0.0902"/>
-              <dgm:constr type="h" for="ch" forName="image_5" refType="h" fact="0.0933"/>
-              <dgm:constr type="l" for="ch" forName="image_accent_4" refType="w" fact="0.437"/>
-              <dgm:constr type="t" for="ch" forName="image_accent_4" refType="h" fact="0.1659"/>
-              <dgm:constr type="w" for="ch" forName="image_accent_4" refType="w" fact="0.1103"/>
-              <dgm:constr type="h" for="ch" forName="image_accent_4" refType="h" fact="0.1141"/>
-              <dgm:constr type="l" for="ch" forName="image_4" refType="w" fact="0.4434"/>
-              <dgm:constr type="t" for="ch" forName="image_4" refType="h" fact="0.1726"/>
-              <dgm:constr type="w" for="ch" forName="image_4" refType="w" fact="0.0973"/>
-              <dgm:constr type="h" for="ch" forName="image_4" refType="h" fact="0.1007"/>
-              <dgm:constr type="l" for="ch" forName="image_accent_2" refType="w" fact="0.3942"/>
-              <dgm:constr type="t" for="ch" forName="image_accent_2" refType="h" fact="0.4899"/>
-              <dgm:constr type="w" for="ch" forName="image_accent_2" refType="w" fact="0.1226"/>
-              <dgm:constr type="h" for="ch" forName="image_accent_2" refType="h" fact="0.1269"/>
-              <dgm:constr type="l" for="ch" forName="image_2" refType="w" fact="0.4014"/>
-              <dgm:constr type="t" for="ch" forName="image_2" refType="h" fact="0.4973"/>
-              <dgm:constr type="w" for="ch" forName="image_2" refType="w" fact="0.1082"/>
-              <dgm:constr type="h" for="ch" forName="image_2" refType="h" fact="0.112"/>
-              <dgm:constr type="l" for="ch" forName="image_accent_3" refType="w" fact="0.4075"/>
-              <dgm:constr type="t" for="ch" forName="image_accent_3" refType="h" fact="0.3107"/>
-              <dgm:constr type="w" for="ch" forName="image_accent_3" refType="w" fact="0.1573"/>
-              <dgm:constr type="h" for="ch" forName="image_accent_3" refType="h" fact="0.1628"/>
-              <dgm:constr type="l" for="ch" forName="image_3" refType="w" fact="0.4158"/>
-              <dgm:constr type="t" for="ch" forName="image_3" refType="h" fact="0.3193"/>
-              <dgm:constr type="w" for="ch" forName="image_3" refType="w" fact="0.1407"/>
-              <dgm:constr type="h" for="ch" forName="image_3" refType="h" fact="0.1456"/>
-              <dgm:constr type="l" for="ch" forName="image_accent_1" refType="w" fact="0.5338"/>
-              <dgm:constr type="t" for="ch" forName="image_accent_1" refType="h" fact="0.444"/>
-              <dgm:constr type="w" for="ch" forName="image_accent_1" refType="w" fact="0.2344"/>
-              <dgm:constr type="h" for="ch" forName="image_accent_1" refType="h" fact="0.2426"/>
-              <dgm:constr type="l" for="ch" forName="image_1" refType="w" fact="0.5428"/>
-              <dgm:constr type="t" for="ch" forName="image_1" refType="h" fact="0.4533"/>
-              <dgm:constr type="w" for="ch" forName="image_1" refType="w" fact="0.2164"/>
-              <dgm:constr type="h" for="ch" forName="image_1" refType="h" fact="0.224"/>
-              <dgm:constr type="l" for="ch" forName="parent_text_1" refType="w" fact="0.6522"/>
-              <dgm:constr type="t" for="ch" forName="parent_text_1" refType="h" fact="0.3193"/>
-              <dgm:constr type="w" for="ch" forName="parent_text_1" refType="w" fact="0.3478"/>
-              <dgm:constr type="h" for="ch" forName="parent_text_1" refType="h" fact="0.115"/>
-              <dgm:constr type="l" for="ch" forName="accent_2" refType="w" fact="0.5492"/>
-              <dgm:constr type="t" for="ch" forName="accent_2" refType="h" fact="0.2653"/>
-              <dgm:constr type="w" for="ch" forName="accent_2" refType="w" fact="0.0696"/>
-              <dgm:constr type="h" for="ch" forName="accent_2" refType="h" fact="0.072"/>
-              <dgm:constr type="l" for="ch" forName="parent_text_2" refType="w" fact="0.0211"/>
-              <dgm:constr type="t" for="ch" forName="parent_text_2" refType="h" fact="0.4973"/>
-              <dgm:constr type="w" for="ch" forName="parent_text_2" refType="w" fact="0.3478"/>
-              <dgm:constr type="h" for="ch" forName="parent_text_2" refType="h" fact="0.112"/>
-              <dgm:constr type="l" for="ch" forName="parent_text_4" refType="w" fact="0.0644"/>
-              <dgm:constr type="t" for="ch" forName="parent_text_4" refType="h" fact="0.1726"/>
-              <dgm:constr type="w" for="ch" forName="parent_text_4" refType="w" fact="0.3478"/>
-              <dgm:constr type="h" for="ch" forName="parent_text_4" refType="h" fact="0.1007"/>
-              <dgm:constr type="l" for="ch" forName="accent_3" refType="w" fact="0.2705"/>
-              <dgm:constr type="t" for="ch" forName="accent_3" refType="h" fact="0"/>
-              <dgm:constr type="w" for="ch" forName="accent_3" refType="w" fact="0.0258"/>
-              <dgm:constr type="h" for="ch" forName="accent_3" refType="h" fact="0.0267"/>
-              <dgm:constr type="l" for="ch" forName="parent_text_5" refType="w" fact="0"/>
-              <dgm:constr type="t" for="ch" forName="parent_text_5" refType="h" fact="0.0654"/>
-              <dgm:constr type="w" for="ch" forName="parent_text_5" refType="w" fact="0.3478"/>
-              <dgm:constr type="h" for="ch" forName="parent_text_5" refType="h" fact="0.0933"/>
-              <dgm:constr type="l" for="ch" forName="parent_text_3" refType="w" fact="0.034"/>
-              <dgm:constr type="t" for="ch" forName="parent_text_3" refType="h" fact="0.3193"/>
-              <dgm:constr type="w" for="ch" forName="parent_text_3" refType="w" fact="0.3478"/>
-              <dgm:constr type="h" for="ch" forName="parent_text_3" refType="h" fact="0.1456"/>
-              <dgm:constr type="l" for="ch" forName="parent_text_6" refType="w" fact="0.63"/>
-              <dgm:constr type="t" for="ch" forName="parent_text_6" refType="h" fact="0.6896"/>
-              <dgm:constr type="w" for="ch" forName="parent_text_6" refType="w" fact="0.3478"/>
-              <dgm:constr type="h" for="ch" forName="parent_text_6" refType="h" fact="0.1627"/>
-              <dgm:constr type="l" for="ch" forName="accent_4" refType="w" fact="0.322"/>
-              <dgm:constr type="t" for="ch" forName="accent_4" refType="h" fact="0.0213"/>
-              <dgm:constr type="w" for="ch" forName="accent_4" refType="w" fact="0.0515"/>
-              <dgm:constr type="h" for="ch" forName="accent_4" refType="h" fact="0.0533"/>
-              <dgm:constr type="l" for="ch" forName="accent_5" refType="w" fact="0.2782"/>
-              <dgm:constr type="t" for="ch" forName="accent_5" refType="h" fact="0.92"/>
-              <dgm:constr type="w" for="ch" forName="accent_5" refType="w" fact="0.0696"/>
-              <dgm:constr type="h" for="ch" forName="accent_5" refType="h" fact="0.072"/>
-              <dgm:constr type="l" for="ch" forName="parent_text_7" refType="w" fact="0.485"/>
-              <dgm:constr type="t" for="ch" forName="parent_text_7" refType="h" fact="0.87"/>
-              <dgm:constr type="w" for="ch" forName="parent_text_7" refType="w" fact="0.347"/>
-              <dgm:constr type="h" for="ch" forName="parent_text_7" refType="h" fact="0.13"/>
-              <dgm:constr type="l" for="ch" forName="accent_6" refType="w" fact="0.3478"/>
-              <dgm:constr type="t" for="ch" forName="accent_6" refType="h" fact="0.6133"/>
-              <dgm:constr type="w" for="ch" forName="accent_6" refType="w" fact="0.0386"/>
-              <dgm:constr type="h" for="ch" forName="accent_6" refType="h" fact="0.04"/>
-            </dgm:constrLst>
-          </dgm:else>
-        </dgm:choose>
-        <dgm:layoutNode name="accent_6" styleLbl="alignNode1">
-          <dgm:alg type="sp"/>
-          <dgm:shape xmlns:r="http://schemas.openxmlformats.org/officeDocument/2006/relationships" type="donut" r:blip="">
-            <dgm:adjLst>
-              <dgm:adj idx="1" val="0.0746"/>
-            </dgm:adjLst>
-          </dgm:shape>
-          <dgm:presOf/>
-        </dgm:layoutNode>
-      </dgm:if>
-      <dgm:else name="Name30">
-        <dgm:alg type="composite">
-          <dgm:param type="ar" val="0.9705"/>
-        </dgm:alg>
-        <dgm:choose name="Name31">
-          <dgm:if name="Name32" func="var" arg="dir" op="equ" val="norm">
-            <dgm:constrLst>
-              <dgm:constr type="primFontSz" for="des" ptType="node" op="equ" val="65"/>
-              <dgm:constr type="l" for="ch" forName="accent_1" refType="w" fact="0.7599"/>
-              <dgm:constr type="t" for="ch" forName="accent_1" refType="h" fact="0.925"/>
-              <dgm:constr type="w" for="ch" forName="accent_1" refType="w" fact="0.0386"/>
-              <dgm:constr type="h" for="ch" forName="accent_1" refType="h" fact="0.0375"/>
-              <dgm:constr type="l" for="ch" forName="accent_2" refType="w" fact="0.6182"/>
-              <dgm:constr type="t" for="ch" forName="accent_2" refType="h" fact="0.575"/>
-              <dgm:constr type="w" for="ch" forName="accent_2" refType="w" fact="0.0386"/>
-              <dgm:constr type="h" for="ch" forName="accent_2" refType="h" fact="0.0375"/>
-              <dgm:constr type="l" for="ch" forName="image_accent_8" refType="w" fact="0.6449"/>
-              <dgm:constr type="t" for="ch" forName="image_accent_8" refType="h" fact="0.8508"/>
-              <dgm:constr type="w" for="ch" forName="image_accent_8" refType="w" fact="0.1022"/>
-              <dgm:constr type="h" for="ch" forName="image_accent_8" refType="h" fact="0.0992"/>
-              <dgm:constr type="l" for="ch" forName="image_8" refType="w" fact="0.6538"/>
-              <dgm:constr type="t" for="ch" forName="image_8" refType="h" fact="0.8595"/>
-              <dgm:constr type="w" for="ch" forName="image_8" refType="w" fact="0.0844"/>
-              <dgm:constr type="h" for="ch" forName="image_8" refType="h" fact="0.0819"/>
-              <dgm:constr type="l" for="ch" forName="image_accent_7" refType="w" fact="0.5291"/>
-              <dgm:constr type="t" for="ch" forName="image_accent_7" refType="h" fact="0.7805"/>
-              <dgm:constr type="w" for="ch" forName="image_accent_7" refType="w" fact="0.1103"/>
-              <dgm:constr type="h" for="ch" forName="image_accent_7" refType="h" fact="0.107"/>
-              <dgm:constr type="l" for="ch" forName="image_7" refType="w" fact="0.5356"/>
-              <dgm:constr type="t" for="ch" forName="image_7" refType="h" fact="0.7868"/>
-              <dgm:constr type="w" for="ch" forName="image_7" refType="w" fact="0.0973"/>
-              <dgm:constr type="h" for="ch" forName="image_7" refType="h" fact="0.0944"/>
-              <dgm:constr type="l" for="ch" forName="image_accent_6" refType="w" fact="0.3864"/>
-              <dgm:constr type="t" for="ch" forName="image_accent_6" refType="h" fact="0.6375"/>
-              <dgm:constr type="w" for="ch" forName="image_accent_6" refType="w" fact="0.1757"/>
-              <dgm:constr type="h" for="ch" forName="image_accent_6" refType="h" fact="0.1706"/>
-              <dgm:constr type="l" for="ch" forName="image_6" refType="w" fact="0.3957"/>
-              <dgm:constr type="t" for="ch" forName="image_6" refType="h" fact="0.6465"/>
-              <dgm:constr type="w" for="ch" forName="image_6" refType="w" fact="0.1572"/>
-              <dgm:constr type="h" for="ch" forName="image_6" refType="h" fact="0.1525"/>
-              <dgm:constr type="l" for="ch" forName="image_accent_5" refType="w" fact="0.5301"/>
-              <dgm:constr type="t" for="ch" forName="image_accent_5" refType="h" fact="0.0555"/>
-              <dgm:constr type="w" for="ch" forName="image_accent_5" refType="w" fact="0.1022"/>
-              <dgm:constr type="h" for="ch" forName="image_accent_5" refType="h" fact="0.0992"/>
-              <dgm:constr type="l" for="ch" forName="image_5" refType="w" fact="0.5361"/>
-              <dgm:constr type="t" for="ch" forName="image_5" refType="h" fact="0.0613"/>
-              <dgm:constr type="w" for="ch" forName="image_5" refType="w" fact="0.0902"/>
-              <dgm:constr type="h" for="ch" forName="image_5" refType="h" fact="0.0875"/>
-              <dgm:constr type="l" for="ch" forName="image_accent_4" refType="w" fact="0.4528"/>
-              <dgm:constr type="t" for="ch" forName="image_accent_4" refType="h" fact="0.1555"/>
-              <dgm:constr type="w" for="ch" forName="image_accent_4" refType="w" fact="0.1103"/>
-              <dgm:constr type="h" for="ch" forName="image_accent_4" refType="h" fact="0.107"/>
-              <dgm:constr type="l" for="ch" forName="image_4" refType="w" fact="0.4593"/>
-              <dgm:constr type="t" for="ch" forName="image_4" refType="h" fact="0.1618"/>
-              <dgm:constr type="w" for="ch" forName="image_4" refType="w" fact="0.0973"/>
-              <dgm:constr type="h" for="ch" forName="image_4" refType="h" fact="0.0944"/>
-              <dgm:constr type="l" for="ch" forName="image_accent_2" refType="w" fact="0.4832"/>
-              <dgm:constr type="t" for="ch" forName="image_accent_2" refType="h" fact="0.4593"/>
-              <dgm:constr type="w" for="ch" forName="image_accent_2" refType="w" fact="0.1226"/>
-              <dgm:constr type="h" for="ch" forName="image_accent_2" refType="h" fact="0.119"/>
-              <dgm:constr type="l" for="ch" forName="image_2" refType="w" fact="0.4904"/>
-              <dgm:constr type="t" for="ch" forName="image_2" refType="h" fact="0.4663"/>
-              <dgm:constr type="w" for="ch" forName="image_2" refType="w" fact="0.1082"/>
-              <dgm:constr type="h" for="ch" forName="image_2" refType="h" fact="0.105"/>
-              <dgm:constr type="l" for="ch" forName="image_accent_3" refType="w" fact="0.4352"/>
-              <dgm:constr type="t" for="ch" forName="image_accent_3" refType="h" fact="0.2913"/>
-              <dgm:constr type="w" for="ch" forName="image_accent_3" refType="w" fact="0.1573"/>
-              <dgm:constr type="h" for="ch" forName="image_accent_3" refType="h" fact="0.1526"/>
-              <dgm:constr type="l" for="ch" forName="image_3" refType="w" fact="0.4435"/>
-              <dgm:constr type="t" for="ch" forName="image_3" refType="h" fact="0.2993"/>
-              <dgm:constr type="w" for="ch" forName="image_3" refType="w" fact="0.1407"/>
-              <dgm:constr type="h" for="ch" forName="image_3" refType="h" fact="0.1365"/>
-              <dgm:constr type="l" for="ch" forName="image_accent_1" refType="w" fact="0.2318"/>
-              <dgm:constr type="t" for="ch" forName="image_accent_1" refType="h" fact="0.4163"/>
-              <dgm:constr type="w" for="ch" forName="image_accent_1" refType="w" fact="0.2344"/>
-              <dgm:constr type="h" for="ch" forName="image_accent_1" refType="h" fact="0.2275"/>
-              <dgm:constr type="l" for="ch" forName="image_1" refType="w" fact="0.2408"/>
-              <dgm:constr type="t" for="ch" forName="image_1" refType="h" fact="0.425"/>
-              <dgm:constr type="w" for="ch" forName="image_1" refType="w" fact="0.2164"/>
-              <dgm:constr type="h" for="ch" forName="image_1" refType="h" fact="0.21"/>
-              <dgm:constr type="l" for="ch" forName="parent_text_1" refType="w" fact="0"/>
-              <dgm:constr type="t" for="ch" forName="parent_text_1" refType="h" fact="0.2993"/>
-              <dgm:constr type="w" for="ch" forName="parent_text_1" refType="w" fact="0.3478"/>
-              <dgm:constr type="h" for="ch" forName="parent_text_1" refType="h" fact="0.11"/>
-              <dgm:constr type="l" for="ch" forName="accent_3" refType="w" fact="0.3813"/>
-              <dgm:constr type="t" for="ch" forName="accent_3" refType="h" fact="0.2488"/>
-              <dgm:constr type="w" for="ch" forName="accent_3" refType="w" fact="0.0696"/>
-              <dgm:constr type="h" for="ch" forName="accent_3" refType="h" fact="0.0675"/>
-              <dgm:constr type="l" for="ch" forName="parent_text_2" refType="w" fact="0.6311"/>
-              <dgm:constr type="t" for="ch" forName="parent_text_2" refType="h" fact="0.4663"/>
-              <dgm:constr type="w" for="ch" forName="parent_text_2" refType="w" fact="0.3478"/>
-              <dgm:constr type="h" for="ch" forName="parent_text_2" refType="h" fact="0.105"/>
-              <dgm:constr type="l" for="ch" forName="parent_text_4" refType="w" fact="0.5878"/>
-              <dgm:constr type="t" for="ch" forName="parent_text_4" refType="h" fact="0.1618"/>
-              <dgm:constr type="w" for="ch" forName="parent_text_4" refType="w" fact="0.3478"/>
-              <dgm:constr type="h" for="ch" forName="parent_text_4" refType="h" fact="0.0944"/>
-              <dgm:constr type="l" for="ch" forName="accent_4" refType="w" fact="0.7038"/>
-              <dgm:constr type="t" for="ch" forName="accent_4" refType="h" fact="0"/>
-              <dgm:constr type="w" for="ch" forName="accent_4" refType="w" fact="0.0258"/>
-              <dgm:constr type="h" for="ch" forName="accent_4" refType="h" fact="0.025"/>
-              <dgm:constr type="l" for="ch" forName="parent_text_5" refType="w" fact="0.6522"/>
-              <dgm:constr type="t" for="ch" forName="parent_text_5" refType="h" fact="0.0625"/>
-              <dgm:constr type="w" for="ch" forName="parent_text_5" refType="w" fact="0.3478"/>
-              <dgm:constr type="h" for="ch" forName="parent_text_5" refType="h" fact="0.0863"/>
-              <dgm:constr type="l" for="ch" forName="parent_text_3" refType="w" fact="0.6182"/>
-              <dgm:constr type="t" for="ch" forName="parent_text_3" refType="h" fact="0.2993"/>
-              <dgm:constr type="w" for="ch" forName="parent_text_3" refType="w" fact="0.3478"/>
-              <dgm:constr type="h" for="ch" forName="parent_text_3" refType="h" fact="0.1365"/>
-              <dgm:constr type="l" for="ch" forName="parent_text_6" refType="w" fact="0.02"/>
-              <dgm:constr type="t" for="ch" forName="parent_text_6" refType="h" fact="0.6465"/>
-              <dgm:constr type="w" for="ch" forName="parent_text_6" refType="w" fact="0.3478"/>
-              <dgm:constr type="h" for="ch" forName="parent_text_6" refType="h" fact="0.1525"/>
-              <dgm:constr type="l" for="ch" forName="accent_5" refType="w" fact="0.6265"/>
-              <dgm:constr type="t" for="ch" forName="accent_5" refType="h" fact="0.02"/>
-              <dgm:constr type="w" for="ch" forName="accent_5" refType="w" fact="0.0515"/>
-              <dgm:constr type="h" for="ch" forName="accent_5" refType="h" fact="0.05"/>
-              <dgm:constr type="l" for="ch" forName="parent_text_7" refType="w" fact="0.165"/>
-              <dgm:constr type="t" for="ch" forName="parent_text_7" refType="h" fact="0.81"/>
-              <dgm:constr type="w" for="ch" forName="parent_text_7" refType="w" fact="0.3478"/>
-              <dgm:constr type="h" for="ch" forName="parent_text_7" refType="h" fact="0.077"/>
-              <dgm:constr type="l" for="ch" forName="parent_text_8" refType="w" fact="0.275"/>
-              <dgm:constr type="t" for="ch" forName="parent_text_8" refType="h" fact="0.89"/>
-              <dgm:constr type="w" for="ch" forName="parent_text_8" refType="w" fact="0.3478"/>
-              <dgm:constr type="h" for="ch" forName="parent_text_8" refType="h" fact="0.11"/>
-            </dgm:constrLst>
-          </dgm:if>
-          <dgm:else name="Name33">
-            <dgm:constrLst>
-              <dgm:constr type="primFontSz" for="des" ptType="node" op="equ" val="65"/>
-              <dgm:constr type="l" for="ch" forName="accent_1" refType="w" fact="0.2014"/>
-              <dgm:constr type="t" for="ch" forName="accent_1" refType="h" fact="0.925"/>
-              <dgm:constr type="w" for="ch" forName="accent_1" refType="w" fact="0.0386"/>
-              <dgm:constr type="h" for="ch" forName="accent_1" refType="h" fact="0.0375"/>
-              <dgm:constr type="l" for="ch" forName="accent_2" refType="w" fact="0.3431"/>
-              <dgm:constr type="t" for="ch" forName="accent_2" refType="h" fact="0.575"/>
-              <dgm:constr type="w" for="ch" forName="accent_2" refType="w" fact="0.0386"/>
-              <dgm:constr type="h" for="ch" forName="accent_2" refType="h" fact="0.0375"/>
-              <dgm:constr type="l" for="ch" forName="image_accent_8" refType="w" fact="0.253"/>
-              <dgm:constr type="t" for="ch" forName="image_accent_8" refType="h" fact="0.8508"/>
-              <dgm:constr type="w" for="ch" forName="image_accent_8" refType="w" fact="0.1022"/>
-              <dgm:constr type="h" for="ch" forName="image_accent_8" refType="h" fact="0.0992"/>
-              <dgm:constr type="l" for="ch" forName="image_8" refType="w" fact="0.2619"/>
-              <dgm:constr type="t" for="ch" forName="image_8" refType="h" fact="0.8595"/>
-              <dgm:constr type="w" for="ch" forName="image_8" refType="w" fact="0.0844"/>
-              <dgm:constr type="h" for="ch" forName="image_8" refType="h" fact="0.0819"/>
-              <dgm:constr type="l" for="ch" forName="image_accent_7" refType="w" fact="0.3606"/>
-              <dgm:constr type="t" for="ch" forName="image_accent_7" refType="h" fact="0.7805"/>
-              <dgm:constr type="w" for="ch" forName="image_accent_7" refType="w" fact="0.1103"/>
-              <dgm:constr type="h" for="ch" forName="image_accent_7" refType="h" fact="0.107"/>
-              <dgm:constr type="l" for="ch" forName="image_7" refType="w" fact="0.3671"/>
-              <dgm:constr type="t" for="ch" forName="image_7" refType="h" fact="0.7868"/>
-              <dgm:constr type="w" for="ch" forName="image_7" refType="w" fact="0.0973"/>
-              <dgm:constr type="h" for="ch" forName="image_7" refType="h" fact="0.0944"/>
-              <dgm:constr type="l" for="ch" forName="image_accent_6" refType="w" fact="0.4379"/>
-              <dgm:constr type="t" for="ch" forName="image_accent_6" refType="h" fact="0.6375"/>
-              <dgm:constr type="w" for="ch" forName="image_accent_6" refType="w" fact="0.1757"/>
-              <dgm:constr type="h" for="ch" forName="image_accent_6" refType="h" fact="0.1706"/>
-              <dgm:constr type="l" for="ch" forName="image_6" refType="w" fact="0.4471"/>
-              <dgm:constr type="t" for="ch" forName="image_6" refType="h" fact="0.6465"/>
-              <dgm:constr type="w" for="ch" forName="image_6" refType="w" fact="0.1572"/>
-              <dgm:constr type="h" for="ch" forName="image_6" refType="h" fact="0.1525"/>
-              <dgm:constr type="l" for="ch" forName="image_accent_5" refType="w" fact="0.3677"/>
-              <dgm:constr type="t" for="ch" forName="image_accent_5" refType="h" fact="0.0555"/>
-              <dgm:constr type="w" for="ch" forName="image_accent_5" refType="w" fact="0.1022"/>
-              <dgm:constr type="h" for="ch" forName="image_accent_5" refType="h" fact="0.0992"/>
-              <dgm:constr type="l" for="ch" forName="image_5" refType="w" fact="0.3738"/>
-              <dgm:constr type="t" for="ch" forName="image_5" refType="h" fact="0.0613"/>
-              <dgm:constr type="w" for="ch" forName="image_5" refType="w" fact="0.0902"/>
-              <dgm:constr type="h" for="ch" forName="image_5" refType="h" fact="0.0875"/>
-              <dgm:constr type="l" for="ch" forName="image_accent_4" refType="w" fact="0.437"/>
-              <dgm:constr type="t" for="ch" forName="image_accent_4" refType="h" fact="0.1555"/>
-              <dgm:constr type="w" for="ch" forName="image_accent_4" refType="w" fact="0.1103"/>
-              <dgm:constr type="h" for="ch" forName="image_accent_4" refType="h" fact="0.107"/>
-              <dgm:constr type="l" for="ch" forName="image_4" refType="w" fact="0.4434"/>
-              <dgm:constr type="t" for="ch" forName="image_4" refType="h" fact="0.1618"/>
-              <dgm:constr type="w" for="ch" forName="image_4" refType="w" fact="0.0973"/>
-              <dgm:constr type="h" for="ch" forName="image_4" refType="h" fact="0.0944"/>
-              <dgm:constr type="l" for="ch" forName="image_accent_2" refType="w" fact="0.3942"/>
-              <dgm:constr type="t" for="ch" forName="image_accent_2" refType="h" fact="0.4593"/>
-              <dgm:constr type="w" for="ch" forName="image_accent_2" refType="w" fact="0.1226"/>
-              <dgm:constr type="h" for="ch" forName="image_accent_2" refType="h" fact="0.119"/>
-              <dgm:constr type="l" for="ch" forName="image_2" refType="w" fact="0.4014"/>
-              <dgm:constr type="t" for="ch" forName="image_2" refType="h" fact="0.4663"/>
-              <dgm:constr type="w" for="ch" forName="image_2" refType="w" fact="0.1082"/>
-              <dgm:constr type="h" for="ch" forName="image_2" refType="h" fact="0.105"/>
-              <dgm:constr type="l" for="ch" forName="image_accent_3" refType="w" fact="0.4075"/>
-              <dgm:constr type="t" for="ch" forName="image_accent_3" refType="h" fact="0.2913"/>
-              <dgm:constr type="w" for="ch" forName="image_accent_3" refType="w" fact="0.1573"/>
-              <dgm:constr type="h" for="ch" forName="image_accent_3" refType="h" fact="0.1526"/>
-              <dgm:constr type="l" for="ch" forName="image_3" refType="w" fact="0.4158"/>
-              <dgm:constr type="t" for="ch" forName="image_3" refType="h" fact="0.2993"/>
-              <dgm:constr type="w" for="ch" forName="image_3" refType="w" fact="0.1407"/>
-              <dgm:constr type="h" for="ch" forName="image_3" refType="h" fact="0.1365"/>
-              <dgm:constr type="l" for="ch" forName="image_accent_1" refType="w" fact="0.5338"/>
-              <dgm:constr type="t" for="ch" forName="image_accent_1" refType="h" fact="0.4163"/>
-              <dgm:constr type="w" for="ch" forName="image_accent_1" refType="w" fact="0.2344"/>
-              <dgm:constr type="h" for="ch" forName="image_accent_1" refType="h" fact="0.2275"/>
-              <dgm:constr type="l" for="ch" forName="image_1" refType="w" fact="0.5428"/>
-              <dgm:constr type="t" for="ch" forName="image_1" refType="h" fact="0.425"/>
-              <dgm:constr type="w" for="ch" forName="image_1" refType="w" fact="0.2164"/>
-              <dgm:constr type="h" for="ch" forName="image_1" refType="h" fact="0.21"/>
-              <dgm:constr type="l" for="ch" forName="parent_text_1" refType="w" fact="0.6522"/>
-              <dgm:constr type="t" for="ch" forName="parent_text_1" refType="h" fact="0.2993"/>
-              <dgm:constr type="w" for="ch" forName="parent_text_1" refType="w" fact="0.3478"/>
-              <dgm:constr type="h" for="ch" forName="parent_text_1" refType="h" fact="0.11"/>
-              <dgm:constr type="l" for="ch" forName="accent_3" refType="w" fact="0.5492"/>
-              <dgm:constr type="t" for="ch" forName="accent_3" refType="h" fact="0.2488"/>
-              <dgm:constr type="w" for="ch" forName="accent_3" refType="w" fact="0.0696"/>
-              <dgm:constr type="h" for="ch" forName="accent_3" refType="h" fact="0.0675"/>
-              <dgm:constr type="l" for="ch" forName="parent_text_2" refType="w" fact="0.0211"/>
-              <dgm:constr type="t" for="ch" forName="parent_text_2" refType="h" fact="0.4663"/>
-              <dgm:constr type="w" for="ch" forName="parent_text_2" refType="w" fact="0.3478"/>
-              <dgm:constr type="h" for="ch" forName="parent_text_2" refType="h" fact="0.105"/>
-              <dgm:constr type="l" for="ch" forName="parent_text_4" refType="w" fact="0.0635"/>
-              <dgm:constr type="t" for="ch" forName="parent_text_4" refType="h" fact="0.1618"/>
-              <dgm:constr type="w" for="ch" forName="parent_text_4" refType="w" fact="0.3478"/>
-              <dgm:constr type="h" for="ch" forName="parent_text_4" refType="h" fact="0.0944"/>
-              <dgm:constr type="l" for="ch" forName="accent_4" refType="w" fact="0.2705"/>
-              <dgm:constr type="t" for="ch" forName="accent_4" refType="h" fact="0"/>
-              <dgm:constr type="w" for="ch" forName="accent_4" refType="w" fact="0.0258"/>
-              <dgm:constr type="h" for="ch" forName="accent_4" refType="h" fact="0.025"/>
-              <dgm:constr type="l" for="ch" forName="parent_text_5" refType="w" fact="0"/>
-              <dgm:constr type="t" for="ch" forName="parent_text_5" refType="h" fact="0.0625"/>
-              <dgm:constr type="w" for="ch" forName="parent_text_5" refType="w" fact="0.3478"/>
-              <dgm:constr type="h" for="ch" forName="parent_text_5" refType="h" fact="0.0863"/>
-              <dgm:constr type="l" for="ch" forName="parent_text_3" refType="w" fact="0.034"/>
-              <dgm:constr type="t" for="ch" forName="parent_text_3" refType="h" fact="0.2993"/>
-              <dgm:constr type="w" for="ch" forName="parent_text_3" refType="w" fact="0.3478"/>
-              <dgm:constr type="h" for="ch" forName="parent_text_3" refType="h" fact="0.1365"/>
-              <dgm:constr type="l" for="ch" forName="parent_text_6" refType="w" fact="0.635"/>
-              <dgm:constr type="t" for="ch" forName="parent_text_6" refType="h" fact="0.6465"/>
-              <dgm:constr type="w" for="ch" forName="parent_text_6" refType="w" fact="0.3478"/>
-              <dgm:constr type="h" for="ch" forName="parent_text_6" refType="h" fact="0.1525"/>
-              <dgm:constr type="l" for="ch" forName="accent_5" refType="w" fact="0.322"/>
-              <dgm:constr type="t" for="ch" forName="accent_5" refType="h" fact="0.02"/>
-              <dgm:constr type="w" for="ch" forName="accent_5" refType="w" fact="0.0515"/>
-              <dgm:constr type="h" for="ch" forName="accent_5" refType="h" fact="0.05"/>
-              <dgm:constr type="l" for="ch" forName="parent_text_7" refType="w" fact="0.49"/>
-              <dgm:constr type="t" for="ch" forName="parent_text_7" refType="h" fact="0.81"/>
-              <dgm:constr type="w" for="ch" forName="parent_text_7" refType="w" fact="0.3478"/>
-              <dgm:constr type="h" for="ch" forName="parent_text_7" refType="h" fact="0.077"/>
-              <dgm:constr type="l" for="ch" forName="parent_text_8" refType="w" fact="0.375"/>
-              <dgm:constr type="t" for="ch" forName="parent_text_8" refType="h" fact="0.89"/>
-              <dgm:constr type="w" for="ch" forName="parent_text_8" refType="w" fact="0.3478"/>
-              <dgm:constr type="h" for="ch" forName="parent_text_8" refType="h" fact="0.11"/>
-            </dgm:constrLst>
+          <dgm:else name="Name8">
+            <dgm:alg type="cycle">
+              <dgm:param type="stAng" val="90"/>
+              <dgm:param type="spanAng" val="-360"/>
+            </dgm:alg>
           </dgm:else>
         </dgm:choose>
       </dgm:else>
     </dgm:choose>
-    <dgm:forEach name="wrapper" axis="self" ptType="parTrans">
-      <dgm:forEach name="wrapper2" axis="self" ptType="sibTrans" st="2">
-        <dgm:forEach name="imageAccentRepeat" axis="self">
-          <dgm:layoutNode name="imageAccentRepeatNode" styleLbl="alignNode1">
-            <dgm:alg type="sp"/>
-            <dgm:shape xmlns:r="http://schemas.openxmlformats.org/officeDocument/2006/relationships" type="ellipse" r:blip="">
-              <dgm:adjLst/>
-            </dgm:shape>
-            <dgm:presOf/>
-          </dgm:layoutNode>
-        </dgm:forEach>
-        <dgm:forEach name="imageRepeat" axis="self">
-          <dgm:layoutNode name="imageRepeatNode" styleLbl="fgImgPlace1">
-            <dgm:alg type="sp"/>
-            <dgm:shape xmlns:r="http://schemas.openxmlformats.org/officeDocument/2006/relationships" type="ellipse" r:blip="" blipPhldr="1">
-              <dgm:adjLst/>
-            </dgm:shape>
-            <dgm:presOf axis="self"/>
-          </dgm:layoutNode>
-        </dgm:forEach>
-      </dgm:forEach>
-    </dgm:forEach>
-    <dgm:forEach name="Name34" axis="ch" ptType="node" cnt="1">
-      <dgm:layoutNode name="parent_text_1" styleLbl="revTx">
+    <dgm:shape xmlns:r="http://schemas.openxmlformats.org/officeDocument/2006/relationships" r:blip="">
+      <dgm:adjLst/>
+    </dgm:shape>
+    <dgm:presOf/>
+    <dgm:constrLst>
+      <dgm:constr type="w" for="ch" ptType="node" refType="w"/>
+      <dgm:constr type="w" for="ch" ptType="sibTrans" refType="w" refFor="ch" refPtType="node" op="equ" fact="0.25"/>
+      <dgm:constr type="sibSp" refType="w" refFor="ch" refPtType="node" fact="0.5"/>
+      <dgm:constr type="primFontSz" for="ch" ptType="node" op="equ" val="65"/>
+      <dgm:constr type="primFontSz" for="des" forName="connectorText" op="equ" val="55"/>
+      <dgm:constr type="primFontSz" for="des" forName="connectorText" refType="primFontSz" refFor="ch" refPtType="node" op="lte" fact="0.8"/>
+    </dgm:constrLst>
+    <dgm:ruleLst/>
+    <dgm:forEach name="nodesForEach" axis="ch" ptType="node">
+      <dgm:layoutNode name="node">
         <dgm:varLst>
-          <dgm:chMax val="0"/>
-          <dgm:chPref val="0"/>
           <dgm:bulletEnabled val="1"/>
         </dgm:varLst>
-        <dgm:choose name="Name35">
-          <dgm:if name="Name36" func="var" arg="dir" op="equ" val="norm">
-            <dgm:alg type="tx">
-              <dgm:param type="parTxLTRAlign" val="r"/>
-              <dgm:param type="shpTxLTRAlignCh" val="r"/>
-              <dgm:param type="txAnchorVert" val="b"/>
-              <dgm:param type="lnSpCh" val="15"/>
-            </dgm:alg>
-          </dgm:if>
-          <dgm:else name="Name37">
-            <dgm:alg type="tx">
-              <dgm:param type="parTxLTRAlign" val="l"/>
-              <dgm:param type="shpTxLTRAlignCh" val="l"/>
-              <dgm:param type="txAnchorVert" val="b"/>
-              <dgm:param type="lnSpCh" val="15"/>
-            </dgm:alg>
-          </dgm:else>
-        </dgm:choose>
-        <dgm:shape xmlns:r="http://schemas.openxmlformats.org/officeDocument/2006/relationships" type="rect" r:blip="" zOrderOff="99999">
+        <dgm:alg type="tx">
+          <dgm:param type="txAnchorVertCh" val="mid"/>
+        </dgm:alg>
+        <dgm:shape xmlns:r="http://schemas.openxmlformats.org/officeDocument/2006/relationships" type="ellipse" r:blip="">
           <dgm:adjLst/>
         </dgm:shape>
-        <dgm:presOf axis="desOrSelf"/>
+        <dgm:presOf axis="desOrSelf" ptType="node"/>
         <dgm:constrLst>
-          <dgm:constr type="lMarg" refType="primFontSz" fact="0.1"/>
-          <dgm:constr type="rMarg" refType="primFontSz" fact="0.1"/>
-          <dgm:constr type="tMarg" refType="primFontSz" fact="0.1"/>
-          <dgm:constr type="bMarg" refType="primFontSz" fact="0.01"/>
-        </dgm:constrLst>
-        <dgm:ruleLst>
-          <dgm:rule type="primFontSz" val="5" fact="NaN" max="NaN"/>
-        </dgm:ruleLst>
-      </dgm:layoutNode>
-      <dgm:layoutNode name="image_accent_1">
-        <dgm:alg type="sp"/>
-        <dgm:shape xmlns:r="http://schemas.openxmlformats.org/officeDocument/2006/relationships" r:blip="">
-          <dgm:adjLst/>
-        </dgm:shape>
-        <dgm:presOf/>
-        <dgm:constrLst/>
-        <dgm:forEach name="Name38" ref="imageAccentRepeat"/>
-      </dgm:layoutNode>
-      <dgm:layoutNode name="accent_1" styleLbl="alignNode1">
-        <dgm:alg type="sp"/>
-        <dgm:shape xmlns:r="http://schemas.openxmlformats.org/officeDocument/2006/relationships" type="donut" r:blip="">
-          <dgm:adjLst>
-            <dgm:adj idx="1" val="0.0746"/>
-          </dgm:adjLst>
-        </dgm:shape>
-        <dgm:presOf/>
-      </dgm:layoutNode>
-    </dgm:forEach>
-    <dgm:forEach name="Name39" axis="ch" ptType="sibTrans" hideLastTrans="0" cnt="1">
-      <dgm:layoutNode name="image_1">
-        <dgm:alg type="sp"/>
-        <dgm:shape xmlns:r="http://schemas.openxmlformats.org/officeDocument/2006/relationships" r:blip="">
-          <dgm:adjLst/>
-        </dgm:shape>
-        <dgm:presOf/>
-        <dgm:constrLst/>
-        <dgm:forEach name="Name40" ref="imageRepeat"/>
-      </dgm:layoutNode>
-    </dgm:forEach>
-    <dgm:forEach name="Name41" axis="ch" ptType="node" st="2" cnt="1">
-      <dgm:layoutNode name="parent_text_2" styleLbl="revTx">
-        <dgm:varLst>
-          <dgm:chMax val="0"/>
-          <dgm:chPref val="0"/>
-          <dgm:bulletEnabled val="1"/>
-        </dgm:varLst>
-        <dgm:choose name="Name42">
-          <dgm:if name="Name43" func="var" arg="dir" op="equ" val="norm">
-            <dgm:alg type="tx">
-              <dgm:param type="parTxLTRAlign" val="l"/>
-              <dgm:param type="lnSpCh" val="15"/>
-            </dgm:alg>
-          </dgm:if>
-          <dgm:else name="Name44">
-            <dgm:alg type="tx">
-              <dgm:param type="parTxLTRAlign" val="r"/>
-              <dgm:param type="lnSpCh" val="15"/>
-            </dgm:alg>
-          </dgm:else>
-        </dgm:choose>
-        <dgm:shape xmlns:r="http://schemas.openxmlformats.org/officeDocument/2006/relationships" type="rect" r:blip="" zOrderOff="99999">
-          <dgm:adjLst/>
-        </dgm:shape>
-        <dgm:presOf axis="desOrSelf"/>
-        <dgm:constrLst>
+          <dgm:constr type="h" refType="w"/>
           <dgm:constr type="lMarg" refType="primFontSz" fact="0.1"/>
           <dgm:constr type="rMarg" refType="primFontSz" fact="0.1"/>
           <dgm:constr type="tMarg" refType="primFontSz" fact="0.1"/>
@@ -12321,408 +11593,58 @@
           <dgm:rule type="primFontSz" val="5" fact="NaN" max="NaN"/>
         </dgm:ruleLst>
       </dgm:layoutNode>
-      <dgm:layoutNode name="image_accent_2">
-        <dgm:alg type="sp"/>
-        <dgm:shape xmlns:r="http://schemas.openxmlformats.org/officeDocument/2006/relationships" r:blip="">
-          <dgm:adjLst/>
-        </dgm:shape>
-        <dgm:presOf/>
-        <dgm:constrLst/>
-        <dgm:forEach name="Name45" ref="imageAccentRepeat"/>
-      </dgm:layoutNode>
-    </dgm:forEach>
-    <dgm:forEach name="Name46" axis="ch" ptType="sibTrans" hideLastTrans="0" st="2" cnt="1">
-      <dgm:layoutNode name="image_2">
-        <dgm:alg type="sp"/>
-        <dgm:shape xmlns:r="http://schemas.openxmlformats.org/officeDocument/2006/relationships" r:blip="">
-          <dgm:adjLst/>
-        </dgm:shape>
-        <dgm:presOf/>
-        <dgm:constrLst/>
-        <dgm:forEach name="Name47" ref="imageRepeat"/>
-      </dgm:layoutNode>
-    </dgm:forEach>
-    <dgm:forEach name="Name48" axis="ch" ptType="node" st="3" cnt="1">
-      <dgm:layoutNode name="image_accent_3">
-        <dgm:alg type="sp"/>
-        <dgm:shape xmlns:r="http://schemas.openxmlformats.org/officeDocument/2006/relationships" r:blip="">
-          <dgm:adjLst/>
-        </dgm:shape>
-        <dgm:presOf/>
-        <dgm:constrLst/>
-        <dgm:forEach name="Name49" ref="imageAccentRepeat"/>
-      </dgm:layoutNode>
-      <dgm:layoutNode name="parent_text_3" styleLbl="revTx">
-        <dgm:varLst>
-          <dgm:chMax val="0"/>
-          <dgm:chPref val="0"/>
-          <dgm:bulletEnabled val="1"/>
-        </dgm:varLst>
-        <dgm:choose name="Name50">
-          <dgm:if name="Name51" func="var" arg="dir" op="equ" val="norm">
-            <dgm:alg type="tx">
-              <dgm:param type="parTxLTRAlign" val="l"/>
-              <dgm:param type="lnSpCh" val="15"/>
-            </dgm:alg>
-          </dgm:if>
-          <dgm:else name="Name52">
-            <dgm:alg type="tx">
-              <dgm:param type="parTxLTRAlign" val="r"/>
-              <dgm:param type="lnSpCh" val="15"/>
-            </dgm:alg>
-          </dgm:else>
-        </dgm:choose>
-        <dgm:shape xmlns:r="http://schemas.openxmlformats.org/officeDocument/2006/relationships" type="rect" r:blip="" zOrderOff="99999">
-          <dgm:adjLst/>
-        </dgm:shape>
-        <dgm:presOf axis="desOrSelf"/>
-        <dgm:constrLst>
-          <dgm:constr type="lMarg" refType="primFontSz" fact="0.1"/>
-          <dgm:constr type="rMarg" refType="primFontSz" fact="0.1"/>
-          <dgm:constr type="tMarg" refType="primFontSz" fact="0.1"/>
-          <dgm:constr type="bMarg" refType="primFontSz" fact="0.1"/>
-        </dgm:constrLst>
-        <dgm:ruleLst>
-          <dgm:rule type="primFontSz" val="5" fact="NaN" max="NaN"/>
-        </dgm:ruleLst>
-      </dgm:layoutNode>
-      <dgm:layoutNode name="accent_2" styleLbl="alignNode1">
-        <dgm:alg type="sp"/>
-        <dgm:shape xmlns:r="http://schemas.openxmlformats.org/officeDocument/2006/relationships" type="donut" r:blip="">
-          <dgm:adjLst>
-            <dgm:adj idx="1" val="0.0746"/>
-          </dgm:adjLst>
-        </dgm:shape>
-        <dgm:presOf/>
-      </dgm:layoutNode>
-      <dgm:layoutNode name="accent_3" styleLbl="alignNode1">
-        <dgm:alg type="sp"/>
-        <dgm:shape xmlns:r="http://schemas.openxmlformats.org/officeDocument/2006/relationships" type="donut" r:blip="">
-          <dgm:adjLst>
-            <dgm:adj idx="1" val="0.0746"/>
-          </dgm:adjLst>
-        </dgm:shape>
-        <dgm:presOf/>
-      </dgm:layoutNode>
-    </dgm:forEach>
-    <dgm:forEach name="Name53" axis="ch" ptType="sibTrans" hideLastTrans="0" st="3" cnt="1">
-      <dgm:layoutNode name="image_3">
-        <dgm:alg type="sp"/>
-        <dgm:shape xmlns:r="http://schemas.openxmlformats.org/officeDocument/2006/relationships" r:blip="">
-          <dgm:adjLst/>
-        </dgm:shape>
-        <dgm:presOf/>
-        <dgm:constrLst/>
-        <dgm:forEach name="Name54" ref="imageRepeat"/>
-      </dgm:layoutNode>
-    </dgm:forEach>
-    <dgm:forEach name="Name55" axis="ch" ptType="node" st="4" cnt="1">
-      <dgm:layoutNode name="image_accent_4">
-        <dgm:alg type="sp"/>
-        <dgm:shape xmlns:r="http://schemas.openxmlformats.org/officeDocument/2006/relationships" r:blip="">
-          <dgm:adjLst/>
-        </dgm:shape>
-        <dgm:presOf/>
-        <dgm:constrLst/>
-        <dgm:forEach name="Name56" ref="imageAccentRepeat"/>
-      </dgm:layoutNode>
-      <dgm:layoutNode name="parent_text_4" styleLbl="revTx">
-        <dgm:varLst>
-          <dgm:chMax val="0"/>
-          <dgm:chPref val="0"/>
-          <dgm:bulletEnabled val="1"/>
-        </dgm:varLst>
-        <dgm:choose name="Name57">
-          <dgm:if name="Name58" func="var" arg="dir" op="equ" val="norm">
-            <dgm:alg type="tx">
-              <dgm:param type="parTxLTRAlign" val="l"/>
-              <dgm:param type="lnSpCh" val="15"/>
-            </dgm:alg>
-          </dgm:if>
-          <dgm:else name="Name59">
-            <dgm:alg type="tx">
-              <dgm:param type="parTxLTRAlign" val="r"/>
-              <dgm:param type="lnSpCh" val="15"/>
-            </dgm:alg>
-          </dgm:else>
-        </dgm:choose>
-        <dgm:shape xmlns:r="http://schemas.openxmlformats.org/officeDocument/2006/relationships" type="rect" r:blip="" zOrderOff="99999">
-          <dgm:adjLst/>
-        </dgm:shape>
-        <dgm:presOf axis="desOrSelf"/>
-        <dgm:constrLst>
-          <dgm:constr type="lMarg" refType="primFontSz" fact="0.1"/>
-          <dgm:constr type="rMarg" refType="primFontSz" fact="0.1"/>
-          <dgm:constr type="tMarg" refType="primFontSz" fact="0.1"/>
-          <dgm:constr type="bMarg" refType="primFontSz" fact="0.1"/>
-        </dgm:constrLst>
-        <dgm:ruleLst>
-          <dgm:rule type="primFontSz" val="5" fact="NaN" max="NaN"/>
-        </dgm:ruleLst>
-      </dgm:layoutNode>
-      <dgm:layoutNode name="accent_4" styleLbl="alignNode1">
-        <dgm:alg type="sp"/>
-        <dgm:shape xmlns:r="http://schemas.openxmlformats.org/officeDocument/2006/relationships" type="donut" r:blip="">
-          <dgm:adjLst>
-            <dgm:adj idx="1" val="0.0746"/>
-          </dgm:adjLst>
-        </dgm:shape>
-        <dgm:presOf/>
-      </dgm:layoutNode>
-    </dgm:forEach>
-    <dgm:forEach name="Name60" axis="ch" ptType="sibTrans" hideLastTrans="0" st="4" cnt="1">
-      <dgm:layoutNode name="image_4">
-        <dgm:alg type="sp"/>
-        <dgm:shape xmlns:r="http://schemas.openxmlformats.org/officeDocument/2006/relationships" r:blip="">
-          <dgm:adjLst/>
-        </dgm:shape>
-        <dgm:presOf/>
-        <dgm:constrLst/>
-        <dgm:forEach name="Name61" ref="imageRepeat"/>
-      </dgm:layoutNode>
-    </dgm:forEach>
-    <dgm:forEach name="Name62" axis="ch" ptType="node" st="5" cnt="1">
-      <dgm:layoutNode name="image_accent_5">
-        <dgm:alg type="sp"/>
-        <dgm:shape xmlns:r="http://schemas.openxmlformats.org/officeDocument/2006/relationships" r:blip="">
-          <dgm:adjLst/>
-        </dgm:shape>
-        <dgm:presOf/>
-        <dgm:constrLst/>
-        <dgm:forEach name="Name63" ref="imageAccentRepeat"/>
-      </dgm:layoutNode>
-      <dgm:layoutNode name="parent_text_5" styleLbl="revTx">
-        <dgm:varLst>
-          <dgm:chMax val="0"/>
-          <dgm:chPref val="0"/>
-          <dgm:bulletEnabled val="1"/>
-        </dgm:varLst>
-        <dgm:choose name="Name64">
-          <dgm:if name="Name65" func="var" arg="dir" op="equ" val="norm">
-            <dgm:alg type="tx">
-              <dgm:param type="parTxLTRAlign" val="l"/>
-              <dgm:param type="lnSpCh" val="15"/>
-            </dgm:alg>
-          </dgm:if>
-          <dgm:else name="Name66">
-            <dgm:alg type="tx">
-              <dgm:param type="parTxLTRAlign" val="r"/>
-              <dgm:param type="lnSpCh" val="15"/>
-            </dgm:alg>
-          </dgm:else>
-        </dgm:choose>
-        <dgm:shape xmlns:r="http://schemas.openxmlformats.org/officeDocument/2006/relationships" type="rect" r:blip="" zOrderOff="99999">
-          <dgm:adjLst/>
-        </dgm:shape>
-        <dgm:presOf axis="desOrSelf"/>
-        <dgm:constrLst>
-          <dgm:constr type="lMarg" refType="primFontSz" fact="0.1"/>
-          <dgm:constr type="rMarg" refType="primFontSz" fact="0.1"/>
-          <dgm:constr type="tMarg" refType="primFontSz" fact="0.1"/>
-          <dgm:constr type="bMarg" refType="primFontSz" fact="0.1"/>
-        </dgm:constrLst>
-        <dgm:ruleLst>
-          <dgm:rule type="primFontSz" val="5" fact="NaN" max="NaN"/>
-        </dgm:ruleLst>
-      </dgm:layoutNode>
-    </dgm:forEach>
-    <dgm:forEach name="Name67" axis="ch" ptType="sibTrans" hideLastTrans="0" st="5" cnt="1">
-      <dgm:layoutNode name="image_5">
-        <dgm:alg type="sp"/>
-        <dgm:shape xmlns:r="http://schemas.openxmlformats.org/officeDocument/2006/relationships" r:blip="">
-          <dgm:adjLst/>
-        </dgm:shape>
-        <dgm:presOf/>
-        <dgm:constrLst/>
-        <dgm:forEach name="Name68" ref="imageRepeat"/>
-      </dgm:layoutNode>
-    </dgm:forEach>
-    <dgm:forEach name="Name69" axis="ch" ptType="node" st="6" cnt="1">
-      <dgm:layoutNode name="parent_text_6" styleLbl="revTx">
-        <dgm:varLst>
-          <dgm:chMax val="0"/>
-          <dgm:chPref val="0"/>
-          <dgm:bulletEnabled val="1"/>
-        </dgm:varLst>
-        <dgm:choose name="Name70">
-          <dgm:if name="Name71" func="var" arg="dir" op="equ" val="norm">
-            <dgm:alg type="tx">
-              <dgm:param type="parTxLTRAlign" val="r"/>
-              <dgm:param type="shpTxLTRAlignCh" val="r"/>
-              <dgm:param type="lnSpCh" val="15"/>
-            </dgm:alg>
-          </dgm:if>
-          <dgm:else name="Name72">
-            <dgm:alg type="tx">
-              <dgm:param type="parTxLTRAlign" val="l"/>
-              <dgm:param type="shpTxLTRAlignCh" val="l"/>
-              <dgm:param type="lnSpCh" val="15"/>
-            </dgm:alg>
-          </dgm:else>
-        </dgm:choose>
-        <dgm:shape xmlns:r="http://schemas.openxmlformats.org/officeDocument/2006/relationships" type="rect" r:blip="" zOrderOff="99999">
-          <dgm:adjLst/>
-        </dgm:shape>
-        <dgm:presOf axis="desOrSelf"/>
-        <dgm:constrLst>
-          <dgm:constr type="lMarg" refType="primFontSz" fact="0.1"/>
-          <dgm:constr type="rMarg" refType="primFontSz" fact="0.1"/>
-          <dgm:constr type="tMarg" refType="primFontSz" fact="0.1"/>
-          <dgm:constr type="bMarg" refType="primFontSz" fact="0.1"/>
-        </dgm:constrLst>
-        <dgm:ruleLst>
-          <dgm:rule type="primFontSz" val="5" fact="NaN" max="NaN"/>
-        </dgm:ruleLst>
-      </dgm:layoutNode>
-      <dgm:layoutNode name="image_accent_6">
-        <dgm:alg type="sp"/>
-        <dgm:shape xmlns:r="http://schemas.openxmlformats.org/officeDocument/2006/relationships" r:blip="">
-          <dgm:adjLst/>
-        </dgm:shape>
-        <dgm:presOf/>
-        <dgm:constrLst/>
-        <dgm:forEach name="Name73" ref="imageAccentRepeat"/>
-      </dgm:layoutNode>
-      <dgm:layoutNode name="accent_5" styleLbl="alignNode1">
-        <dgm:alg type="sp"/>
-        <dgm:shape xmlns:r="http://schemas.openxmlformats.org/officeDocument/2006/relationships" type="donut" r:blip="">
-          <dgm:adjLst>
-            <dgm:adj idx="1" val="0.0746"/>
-          </dgm:adjLst>
-        </dgm:shape>
-        <dgm:presOf/>
-      </dgm:layoutNode>
-    </dgm:forEach>
-    <dgm:forEach name="Name74" axis="ch" ptType="sibTrans" hideLastTrans="0" st="6" cnt="1">
-      <dgm:layoutNode name="image_6">
-        <dgm:alg type="sp"/>
-        <dgm:shape xmlns:r="http://schemas.openxmlformats.org/officeDocument/2006/relationships" r:blip="">
-          <dgm:adjLst/>
-        </dgm:shape>
-        <dgm:presOf/>
-        <dgm:constrLst/>
-        <dgm:forEach name="Name75" ref="imageRepeat"/>
-      </dgm:layoutNode>
-    </dgm:forEach>
-    <dgm:forEach name="Name76" axis="ch" ptType="node" st="7" cnt="1">
-      <dgm:layoutNode name="parent_text_7" styleLbl="revTx">
-        <dgm:varLst>
-          <dgm:chMax val="0"/>
-          <dgm:chPref val="0"/>
-          <dgm:bulletEnabled val="1"/>
-        </dgm:varLst>
-        <dgm:choose name="Name77">
-          <dgm:if name="Name78" func="var" arg="dir" op="equ" val="norm">
-            <dgm:alg type="tx">
-              <dgm:param type="parTxLTRAlign" val="r"/>
-              <dgm:param type="shpTxLTRAlignCh" val="r"/>
-              <dgm:param type="txAnchorVert" val="t"/>
-              <dgm:param type="lnSpCh" val="15"/>
-            </dgm:alg>
-          </dgm:if>
-          <dgm:else name="Name79">
-            <dgm:alg type="tx">
-              <dgm:param type="parTxLTRAlign" val="l"/>
-              <dgm:param type="shpTxLTRAlignCh" val="l"/>
-              <dgm:param type="txAnchorVert" val="t"/>
-              <dgm:param type="lnSpCh" val="15"/>
-            </dgm:alg>
-          </dgm:else>
-        </dgm:choose>
-        <dgm:shape xmlns:r="http://schemas.openxmlformats.org/officeDocument/2006/relationships" type="rect" r:blip="" zOrderOff="99999">
-          <dgm:adjLst/>
-        </dgm:shape>
-        <dgm:presOf axis="desOrSelf"/>
-        <dgm:constrLst>
-          <dgm:constr type="lMarg" refType="primFontSz" fact="0.1"/>
-          <dgm:constr type="rMarg" refType="primFontSz" fact="0.1"/>
-          <dgm:constr type="tMarg" refType="primFontSz" fact="0.1"/>
-          <dgm:constr type="bMarg" refType="primFontSz" fact="0.1"/>
-        </dgm:constrLst>
-        <dgm:ruleLst>
-          <dgm:rule type="primFontSz" val="5" fact="NaN" max="NaN"/>
-        </dgm:ruleLst>
-      </dgm:layoutNode>
-      <dgm:layoutNode name="image_accent_7">
-        <dgm:alg type="sp"/>
-        <dgm:shape xmlns:r="http://schemas.openxmlformats.org/officeDocument/2006/relationships" r:blip="">
-          <dgm:adjLst/>
-        </dgm:shape>
-        <dgm:presOf/>
-        <dgm:constrLst/>
-        <dgm:forEach name="Name80" ref="imageAccentRepeat"/>
-      </dgm:layoutNode>
-    </dgm:forEach>
-    <dgm:forEach name="Name81" axis="ch" ptType="sibTrans" hideLastTrans="0" st="7" cnt="1">
-      <dgm:layoutNode name="image_7">
-        <dgm:alg type="sp"/>
-        <dgm:shape xmlns:r="http://schemas.openxmlformats.org/officeDocument/2006/relationships" r:blip="">
-          <dgm:adjLst/>
-        </dgm:shape>
-        <dgm:presOf/>
-        <dgm:constrLst/>
-        <dgm:forEach name="Name82" ref="imageRepeat"/>
-      </dgm:layoutNode>
-    </dgm:forEach>
-    <dgm:forEach name="Name83" axis="ch" ptType="node" st="8" cnt="1">
-      <dgm:layoutNode name="parent_text_8" styleLbl="revTx">
-        <dgm:varLst>
-          <dgm:chMax val="0"/>
-          <dgm:chPref val="0"/>
-          <dgm:bulletEnabled val="1"/>
-        </dgm:varLst>
-        <dgm:choose name="Name84">
-          <dgm:if name="Name85" func="var" arg="dir" op="equ" val="norm">
-            <dgm:alg type="tx">
-              <dgm:param type="parTxLTRAlign" val="r"/>
-              <dgm:param type="shpTxLTRAlignCh" val="r"/>
-              <dgm:param type="txAnchorVert" val="t"/>
-              <dgm:param type="lnSpCh" val="15"/>
-            </dgm:alg>
-          </dgm:if>
-          <dgm:else name="Name86">
-            <dgm:alg type="tx">
-              <dgm:param type="parTxLTRAlign" val="l"/>
-              <dgm:param type="shpTxLTRAlignCh" val="l"/>
-              <dgm:param type="txAnchorVert" val="t"/>
-              <dgm:param type="lnSpCh" val="15"/>
-            </dgm:alg>
-          </dgm:else>
-        </dgm:choose>
-        <dgm:shape xmlns:r="http://schemas.openxmlformats.org/officeDocument/2006/relationships" type="rect" r:blip="" zOrderOff="99999">
-          <dgm:adjLst/>
-        </dgm:shape>
-        <dgm:presOf axis="desOrSelf"/>
-        <dgm:constrLst>
-          <dgm:constr type="lMarg" refType="primFontSz" fact="0.1"/>
-          <dgm:constr type="rMarg" refType="primFontSz" fact="0.1"/>
-          <dgm:constr type="tMarg" refType="primFontSz" fact="0.1"/>
-          <dgm:constr type="bMarg" refType="primFontSz" fact="0.1"/>
-        </dgm:constrLst>
-        <dgm:ruleLst>
-          <dgm:rule type="primFontSz" val="5" fact="NaN" max="NaN"/>
-        </dgm:ruleLst>
-      </dgm:layoutNode>
-      <dgm:layoutNode name="image_accent_8">
-        <dgm:alg type="sp"/>
-        <dgm:shape xmlns:r="http://schemas.openxmlformats.org/officeDocument/2006/relationships" r:blip="">
-          <dgm:adjLst/>
-        </dgm:shape>
-        <dgm:presOf/>
-        <dgm:constrLst/>
-        <dgm:forEach name="Name87" ref="imageAccentRepeat"/>
-      </dgm:layoutNode>
-    </dgm:forEach>
-    <dgm:forEach name="Name88" axis="ch" ptType="sibTrans" hideLastTrans="0" st="8" cnt="1">
-      <dgm:layoutNode name="image_8">
-        <dgm:alg type="sp"/>
-        <dgm:shape xmlns:r="http://schemas.openxmlformats.org/officeDocument/2006/relationships" r:blip="">
-          <dgm:adjLst/>
-        </dgm:shape>
-        <dgm:presOf/>
-        <dgm:constrLst/>
-        <dgm:forEach name="Name89" ref="imageRepeat"/>
-      </dgm:layoutNode>
+      <dgm:choose name="Name9">
+        <dgm:if name="Name10" axis="par ch" ptType="doc node" func="cnt" op="gt" val="1">
+          <dgm:forEach name="sibTransForEach" axis="followSib" ptType="sibTrans" hideLastTrans="0" cnt="1">
+            <dgm:layoutNode name="sibTrans">
+              <dgm:choose name="Name11">
+                <dgm:if name="Name12" axis="par ch" ptType="doc node" func="cnt" op="lt" val="3">
+                  <dgm:alg type="conn">
+                    <dgm:param type="begPts" val="radial"/>
+                    <dgm:param type="endPts" val="radial"/>
+                  </dgm:alg>
+                </dgm:if>
+                <dgm:else name="Name13">
+                  <dgm:alg type="conn">
+                    <dgm:param type="begPts" val="auto"/>
+                    <dgm:param type="endPts" val="auto"/>
+                  </dgm:alg>
+                </dgm:else>
+              </dgm:choose>
+              <dgm:shape xmlns:r="http://schemas.openxmlformats.org/officeDocument/2006/relationships" type="conn" r:blip="">
+                <dgm:adjLst/>
+              </dgm:shape>
+              <dgm:presOf axis="self"/>
+              <dgm:constrLst>
+                <dgm:constr type="h" refType="w" fact="1.35"/>
+                <dgm:constr type="connDist"/>
+                <dgm:constr type="w" for="ch" refType="connDist" fact="0.45"/>
+                <dgm:constr type="h" for="ch" refType="h"/>
+              </dgm:constrLst>
+              <dgm:ruleLst/>
+              <dgm:layoutNode name="connectorText">
+                <dgm:alg type="tx">
+                  <dgm:param type="autoTxRot" val="grav"/>
+                </dgm:alg>
+                <dgm:shape xmlns:r="http://schemas.openxmlformats.org/officeDocument/2006/relationships" type="conn" r:blip="" hideGeom="1">
+                  <dgm:adjLst/>
+                </dgm:shape>
+                <dgm:presOf axis="self"/>
+                <dgm:constrLst>
+                  <dgm:constr type="lMarg"/>
+                  <dgm:constr type="rMarg"/>
+                  <dgm:constr type="tMarg"/>
+                  <dgm:constr type="bMarg"/>
+                </dgm:constrLst>
+                <dgm:ruleLst>
+                  <dgm:rule type="primFontSz" val="5" fact="NaN" max="NaN"/>
+                </dgm:ruleLst>
+              </dgm:layoutNode>
+            </dgm:layoutNode>
+          </dgm:forEach>
+        </dgm:if>
+        <dgm:else name="Name14"/>
+      </dgm:choose>
     </dgm:forEach>
   </dgm:layoutNode>
 </dgm:layoutDef>
@@ -16524,11 +15446,11 @@
 </file>
 
 <file path=ppt/diagrams/quickStyle2.xml><?xml version="1.0" encoding="utf-8"?>
-<dgm:styleDef xmlns:dgm="http://schemas.openxmlformats.org/drawingml/2006/diagram" xmlns:a="http://schemas.openxmlformats.org/drawingml/2006/main" uniqueId="urn:microsoft.com/office/officeart/2005/8/quickstyle/simple4">
+<dgm:styleDef xmlns:dgm="http://schemas.openxmlformats.org/drawingml/2006/diagram" xmlns:a="http://schemas.openxmlformats.org/drawingml/2006/main" uniqueId="urn:microsoft.com/office/officeart/2005/8/quickstyle/3d2">
   <dgm:title val=""/>
   <dgm:desc val=""/>
   <dgm:catLst>
-    <dgm:cat type="simple" pri="10400"/>
+    <dgm:cat type="3D" pri="11200"/>
   </dgm:catLst>
   <dgm:scene3d>
     <a:camera prst="orthographicFront"/>
@@ -16537,9 +15459,13 @@
   <dgm:styleLbl name="node0">
     <dgm:scene3d>
       <a:camera prst="orthographicFront"/>
-      <a:lightRig rig="threePt" dir="t"/>
+      <a:lightRig rig="threePt" dir="t">
+        <a:rot lat="0" lon="0" rev="7500000"/>
+      </a:lightRig>
     </dgm:scene3d>
-    <dgm:sp3d/>
+    <dgm:sp3d prstMaterial="plastic">
+      <a:bevelT w="127000" h="25400" prst="relaxedInset"/>
+    </dgm:sp3d>
     <dgm:txPr/>
     <dgm:style>
       <a:lnRef idx="0">
@@ -16559,9 +15485,13 @@
   <dgm:styleLbl name="lnNode1">
     <dgm:scene3d>
       <a:camera prst="orthographicFront"/>
-      <a:lightRig rig="threePt" dir="t"/>
+      <a:lightRig rig="threePt" dir="t">
+        <a:rot lat="0" lon="0" rev="7500000"/>
+      </a:lightRig>
     </dgm:scene3d>
-    <dgm:sp3d/>
+    <dgm:sp3d prstMaterial="plastic">
+      <a:bevelT w="127000" h="25400" prst="relaxedInset"/>
+    </dgm:sp3d>
     <dgm:txPr/>
     <dgm:style>
       <a:lnRef idx="1">
@@ -16581,9 +15511,13 @@
   <dgm:styleLbl name="vennNode1">
     <dgm:scene3d>
       <a:camera prst="orthographicFront"/>
-      <a:lightRig rig="threePt" dir="t"/>
+      <a:lightRig rig="threePt" dir="t">
+        <a:rot lat="0" lon="0" rev="7500000"/>
+      </a:lightRig>
     </dgm:scene3d>
-    <dgm:sp3d/>
+    <dgm:sp3d prstMaterial="plastic">
+      <a:bevelT w="127000" h="25400" prst="relaxedInset"/>
+    </dgm:sp3d>
     <dgm:txPr/>
     <dgm:style>
       <a:lnRef idx="0">
@@ -16592,7 +15526,7 @@
       <a:fillRef idx="3">
         <a:scrgbClr r="0" g="0" b="0"/>
       </a:fillRef>
-      <a:effectRef idx="0">
+      <a:effectRef idx="2">
         <a:scrgbClr r="0" g="0" b="0"/>
       </a:effectRef>
       <a:fontRef idx="minor">
@@ -16600,15 +15534,19 @@
       </a:fontRef>
     </dgm:style>
   </dgm:styleLbl>
-  <dgm:styleLbl name="alignNode1">
+  <dgm:styleLbl name="alingNode1">
     <dgm:scene3d>
       <a:camera prst="orthographicFront"/>
-      <a:lightRig rig="threePt" dir="t"/>
+      <a:lightRig rig="threePt" dir="t">
+        <a:rot lat="0" lon="0" rev="7500000"/>
+      </a:lightRig>
     </dgm:scene3d>
-    <dgm:sp3d/>
+    <dgm:sp3d prstMaterial="plastic">
+      <a:bevelT w="127000" h="25400" prst="relaxedInset"/>
+    </dgm:sp3d>
     <dgm:txPr/>
     <dgm:style>
-      <a:lnRef idx="1">
+      <a:lnRef idx="0">
         <a:scrgbClr r="0" g="0" b="0"/>
       </a:lnRef>
       <a:fillRef idx="3">
@@ -16625,9 +15563,13 @@
   <dgm:styleLbl name="node1">
     <dgm:scene3d>
       <a:camera prst="orthographicFront"/>
-      <a:lightRig rig="threePt" dir="t"/>
+      <a:lightRig rig="threePt" dir="t">
+        <a:rot lat="0" lon="0" rev="7500000"/>
+      </a:lightRig>
     </dgm:scene3d>
-    <dgm:sp3d/>
+    <dgm:sp3d prstMaterial="plastic">
+      <a:bevelT w="127000" h="25400" prst="relaxedInset"/>
+    </dgm:sp3d>
     <dgm:txPr/>
     <dgm:style>
       <a:lnRef idx="0">
@@ -16647,9 +15589,13 @@
   <dgm:styleLbl name="node2">
     <dgm:scene3d>
       <a:camera prst="orthographicFront"/>
-      <a:lightRig rig="threePt" dir="t"/>
+      <a:lightRig rig="threePt" dir="t">
+        <a:rot lat="0" lon="0" rev="7500000"/>
+      </a:lightRig>
     </dgm:scene3d>
-    <dgm:sp3d/>
+    <dgm:sp3d prstMaterial="plastic">
+      <a:bevelT w="127000" h="25400" prst="relaxedInset"/>
+    </dgm:sp3d>
     <dgm:txPr/>
     <dgm:style>
       <a:lnRef idx="0">
@@ -16669,9 +15615,13 @@
   <dgm:styleLbl name="node3">
     <dgm:scene3d>
       <a:camera prst="orthographicFront"/>
-      <a:lightRig rig="threePt" dir="t"/>
+      <a:lightRig rig="threePt" dir="t">
+        <a:rot lat="0" lon="0" rev="7500000"/>
+      </a:lightRig>
     </dgm:scene3d>
-    <dgm:sp3d/>
+    <dgm:sp3d prstMaterial="plastic">
+      <a:bevelT w="127000" h="25400" prst="relaxedInset"/>
+    </dgm:sp3d>
     <dgm:txPr/>
     <dgm:style>
       <a:lnRef idx="0">
@@ -16691,9 +15641,13 @@
   <dgm:styleLbl name="node4">
     <dgm:scene3d>
       <a:camera prst="orthographicFront"/>
-      <a:lightRig rig="threePt" dir="t"/>
+      <a:lightRig rig="threePt" dir="t">
+        <a:rot lat="0" lon="0" rev="7500000"/>
+      </a:lightRig>
     </dgm:scene3d>
-    <dgm:sp3d/>
+    <dgm:sp3d prstMaterial="plastic">
+      <a:bevelT w="127000" h="25400" prst="relaxedInset"/>
+    </dgm:sp3d>
     <dgm:txPr/>
     <dgm:style>
       <a:lnRef idx="0">
@@ -16713,9 +15667,16 @@
   <dgm:styleLbl name="fgImgPlace1">
     <dgm:scene3d>
       <a:camera prst="orthographicFront"/>
-      <a:lightRig rig="threePt" dir="t"/>
+      <a:lightRig rig="threePt" dir="t">
+        <a:rot lat="0" lon="0" rev="7500000"/>
+      </a:lightRig>
     </dgm:scene3d>
-    <dgm:sp3d/>
+    <dgm:sp3d z="152400" extrusionH="63500" prstMaterial="matte">
+      <a:bevelT w="50800" h="19050" prst="relaxedInset"/>
+      <a:contourClr>
+        <a:schemeClr val="bg1"/>
+      </a:contourClr>
+    </dgm:sp3d>
     <dgm:txPr/>
     <dgm:style>
       <a:lnRef idx="0">
@@ -16724,7 +15685,7 @@
       <a:fillRef idx="1">
         <a:scrgbClr r="0" g="0" b="0"/>
       </a:fillRef>
-      <a:effectRef idx="2">
+      <a:effectRef idx="0">
         <a:scrgbClr r="0" g="0" b="0"/>
       </a:effectRef>
       <a:fontRef idx="minor"/>
@@ -16733,9 +15694,15 @@
   <dgm:styleLbl name="alignImgPlace1">
     <dgm:scene3d>
       <a:camera prst="orthographicFront"/>
-      <a:lightRig rig="threePt" dir="t"/>
+      <a:lightRig rig="threePt" dir="t">
+        <a:rot lat="0" lon="0" rev="7500000"/>
+      </a:lightRig>
     </dgm:scene3d>
-    <dgm:sp3d/>
+    <dgm:sp3d z="254000" extrusionH="63500" contourW="12700" prstMaterial="matte">
+      <a:contourClr>
+        <a:schemeClr val="lt1"/>
+      </a:contourClr>
+    </dgm:sp3d>
     <dgm:txPr/>
     <dgm:style>
       <a:lnRef idx="0">
@@ -16744,7 +15711,7 @@
       <a:fillRef idx="1">
         <a:scrgbClr r="0" g="0" b="0"/>
       </a:fillRef>
-      <a:effectRef idx="2">
+      <a:effectRef idx="0">
         <a:scrgbClr r="0" g="0" b="0"/>
       </a:effectRef>
       <a:fontRef idx="minor"/>
@@ -16753,9 +15720,15 @@
   <dgm:styleLbl name="bgImgPlace1">
     <dgm:scene3d>
       <a:camera prst="orthographicFront"/>
-      <a:lightRig rig="threePt" dir="t"/>
+      <a:lightRig rig="threePt" dir="t">
+        <a:rot lat="0" lon="0" rev="7500000"/>
+      </a:lightRig>
     </dgm:scene3d>
-    <dgm:sp3d/>
+    <dgm:sp3d z="-152400" extrusionH="63500" contourW="12700" prstMaterial="matte">
+      <a:contourClr>
+        <a:schemeClr val="lt1"/>
+      </a:contourClr>
+    </dgm:sp3d>
     <dgm:txPr/>
     <dgm:style>
       <a:lnRef idx="0">
@@ -16764,7 +15737,7 @@
       <a:fillRef idx="1">
         <a:scrgbClr r="0" g="0" b="0"/>
       </a:fillRef>
-      <a:effectRef idx="2">
+      <a:effectRef idx="0">
         <a:scrgbClr r="0" g="0" b="0"/>
       </a:effectRef>
       <a:fontRef idx="minor"/>
@@ -16773,15 +15746,22 @@
   <dgm:styleLbl name="sibTrans2D1">
     <dgm:scene3d>
       <a:camera prst="orthographicFront"/>
-      <a:lightRig rig="threePt" dir="t"/>
+      <a:lightRig rig="threePt" dir="t">
+        <a:rot lat="0" lon="0" rev="7500000"/>
+      </a:lightRig>
     </dgm:scene3d>
-    <dgm:sp3d/>
+    <dgm:sp3d z="-70000" extrusionH="63500" prstMaterial="matte">
+      <a:bevelT w="25400" h="6350" prst="relaxedInset"/>
+      <a:contourClr>
+        <a:schemeClr val="bg1"/>
+      </a:contourClr>
+    </dgm:sp3d>
     <dgm:txPr/>
     <dgm:style>
       <a:lnRef idx="0">
         <a:scrgbClr r="0" g="0" b="0"/>
       </a:lnRef>
-      <a:fillRef idx="3">
+      <a:fillRef idx="1">
         <a:scrgbClr r="0" g="0" b="0"/>
       </a:fillRef>
       <a:effectRef idx="2">
@@ -16795,15 +15775,22 @@
   <dgm:styleLbl name="fgSibTrans2D1">
     <dgm:scene3d>
       <a:camera prst="orthographicFront"/>
-      <a:lightRig rig="threePt" dir="t"/>
+      <a:lightRig rig="threePt" dir="t">
+        <a:rot lat="0" lon="0" rev="7500000"/>
+      </a:lightRig>
     </dgm:scene3d>
-    <dgm:sp3d/>
+    <dgm:sp3d z="152400" extrusionH="63500" prstMaterial="matte">
+      <a:bevelT w="25400" h="6350" prst="relaxedInset"/>
+      <a:contourClr>
+        <a:schemeClr val="bg1"/>
+      </a:contourClr>
+    </dgm:sp3d>
     <dgm:txPr/>
     <dgm:style>
       <a:lnRef idx="0">
         <a:scrgbClr r="0" g="0" b="0"/>
       </a:lnRef>
-      <a:fillRef idx="3">
+      <a:fillRef idx="1">
         <a:scrgbClr r="0" g="0" b="0"/>
       </a:fillRef>
       <a:effectRef idx="2">
@@ -16817,15 +15804,22 @@
   <dgm:styleLbl name="bgSibTrans2D1">
     <dgm:scene3d>
       <a:camera prst="orthographicFront"/>
-      <a:lightRig rig="threePt" dir="t"/>
+      <a:lightRig rig="threePt" dir="t">
+        <a:rot lat="0" lon="0" rev="7500000"/>
+      </a:lightRig>
     </dgm:scene3d>
-    <dgm:sp3d/>
+    <dgm:sp3d z="-152400" extrusionH="63500" prstMaterial="matte">
+      <a:bevelT w="25400" h="6350" prst="relaxedInset"/>
+      <a:contourClr>
+        <a:schemeClr val="bg1"/>
+      </a:contourClr>
+    </dgm:sp3d>
     <dgm:txPr/>
     <dgm:style>
       <a:lnRef idx="0">
         <a:scrgbClr r="0" g="0" b="0"/>
       </a:lnRef>
-      <a:fillRef idx="3">
+      <a:fillRef idx="1">
         <a:scrgbClr r="0" g="0" b="0"/>
       </a:fillRef>
       <a:effectRef idx="2">
@@ -16839,9 +15833,11 @@
   <dgm:styleLbl name="sibTrans1D1">
     <dgm:scene3d>
       <a:camera prst="orthographicFront"/>
-      <a:lightRig rig="threePt" dir="t"/>
+      <a:lightRig rig="threePt" dir="t">
+        <a:rot lat="0" lon="0" rev="7500000"/>
+      </a:lightRig>
     </dgm:scene3d>
-    <dgm:sp3d/>
+    <dgm:sp3d z="-40000" prstMaterial="matte"/>
     <dgm:txPr/>
     <dgm:style>
       <a:lnRef idx="1">
@@ -16859,9 +15855,11 @@
   <dgm:styleLbl name="callout">
     <dgm:scene3d>
       <a:camera prst="orthographicFront"/>
-      <a:lightRig rig="threePt" dir="t"/>
+      <a:lightRig rig="threePt" dir="t">
+        <a:rot lat="0" lon="0" rev="7500000"/>
+      </a:lightRig>
     </dgm:scene3d>
-    <dgm:sp3d/>
+    <dgm:sp3d z="127000" prstMaterial="matte"/>
     <dgm:txPr/>
     <dgm:style>
       <a:lnRef idx="2">
@@ -16870,7 +15868,7 @@
       <a:fillRef idx="1">
         <a:scrgbClr r="0" g="0" b="0"/>
       </a:fillRef>
-      <a:effectRef idx="1">
+      <a:effectRef idx="0">
         <a:scrgbClr r="0" g="0" b="0"/>
       </a:effectRef>
       <a:fontRef idx="minor"/>
@@ -16879,9 +15877,13 @@
   <dgm:styleLbl name="asst0">
     <dgm:scene3d>
       <a:camera prst="orthographicFront"/>
-      <a:lightRig rig="threePt" dir="t"/>
+      <a:lightRig rig="threePt" dir="t">
+        <a:rot lat="0" lon="0" rev="7500000"/>
+      </a:lightRig>
     </dgm:scene3d>
-    <dgm:sp3d/>
+    <dgm:sp3d prstMaterial="plastic">
+      <a:bevelT w="127000" h="25400" prst="relaxedInset"/>
+    </dgm:sp3d>
     <dgm:txPr/>
     <dgm:style>
       <a:lnRef idx="0">
@@ -16901,9 +15903,13 @@
   <dgm:styleLbl name="asst1">
     <dgm:scene3d>
       <a:camera prst="orthographicFront"/>
-      <a:lightRig rig="threePt" dir="t"/>
+      <a:lightRig rig="threePt" dir="t">
+        <a:rot lat="0" lon="0" rev="7500000"/>
+      </a:lightRig>
     </dgm:scene3d>
-    <dgm:sp3d/>
+    <dgm:sp3d prstMaterial="plastic">
+      <a:bevelT w="127000" h="25400" prst="relaxedInset"/>
+    </dgm:sp3d>
     <dgm:txPr/>
     <dgm:style>
       <a:lnRef idx="0">
@@ -16923,9 +15929,13 @@
   <dgm:styleLbl name="asst2">
     <dgm:scene3d>
       <a:camera prst="orthographicFront"/>
-      <a:lightRig rig="threePt" dir="t"/>
+      <a:lightRig rig="threePt" dir="t">
+        <a:rot lat="0" lon="0" rev="7500000"/>
+      </a:lightRig>
     </dgm:scene3d>
-    <dgm:sp3d/>
+    <dgm:sp3d prstMaterial="plastic">
+      <a:bevelT w="127000" h="25400" prst="relaxedInset"/>
+    </dgm:sp3d>
     <dgm:txPr/>
     <dgm:style>
       <a:lnRef idx="0">
@@ -16945,9 +15955,13 @@
   <dgm:styleLbl name="asst3">
     <dgm:scene3d>
       <a:camera prst="orthographicFront"/>
-      <a:lightRig rig="threePt" dir="t"/>
+      <a:lightRig rig="threePt" dir="t">
+        <a:rot lat="0" lon="0" rev="7500000"/>
+      </a:lightRig>
     </dgm:scene3d>
-    <dgm:sp3d/>
+    <dgm:sp3d prstMaterial="plastic">
+      <a:bevelT w="127000" h="25400" prst="relaxedInset"/>
+    </dgm:sp3d>
     <dgm:txPr/>
     <dgm:style>
       <a:lnRef idx="0">
@@ -16964,18 +15978,25 @@
       </a:fontRef>
     </dgm:style>
   </dgm:styleLbl>
-  <dgm:styleLbl name="asst4">
+  <dgm:styleLbl name="parChTrans2D1">
     <dgm:scene3d>
       <a:camera prst="orthographicFront"/>
-      <a:lightRig rig="threePt" dir="t"/>
+      <a:lightRig rig="threePt" dir="t">
+        <a:rot lat="0" lon="0" rev="7500000"/>
+      </a:lightRig>
     </dgm:scene3d>
-    <dgm:sp3d/>
+    <dgm:sp3d extrusionH="63500" prstMaterial="matte">
+      <a:bevelT w="50800" h="19050" prst="relaxedInset"/>
+      <a:contourClr>
+        <a:schemeClr val="bg1"/>
+      </a:contourClr>
+    </dgm:sp3d>
     <dgm:txPr/>
     <dgm:style>
       <a:lnRef idx="0">
         <a:scrgbClr r="0" g="0" b="0"/>
       </a:lnRef>
-      <a:fillRef idx="3">
+      <a:fillRef idx="1">
         <a:scrgbClr r="0" g="0" b="0"/>
       </a:fillRef>
       <a:effectRef idx="2">
@@ -16986,21 +16007,28 @@
       </a:fontRef>
     </dgm:style>
   </dgm:styleLbl>
-  <dgm:styleLbl name="parChTrans2D1">
+  <dgm:styleLbl name="parChTrans2D2">
     <dgm:scene3d>
       <a:camera prst="orthographicFront"/>
-      <a:lightRig rig="threePt" dir="t"/>
+      <a:lightRig rig="threePt" dir="t">
+        <a:rot lat="0" lon="0" rev="7500000"/>
+      </a:lightRig>
     </dgm:scene3d>
-    <dgm:sp3d/>
+    <dgm:sp3d extrusionH="63500" prstMaterial="matte">
+      <a:bevelT w="50800" h="19050" prst="relaxedInset"/>
+      <a:contourClr>
+        <a:schemeClr val="bg1"/>
+      </a:contourClr>
+    </dgm:sp3d>
     <dgm:txPr/>
     <dgm:style>
       <a:lnRef idx="0">
         <a:scrgbClr r="0" g="0" b="0"/>
       </a:lnRef>
-      <a:fillRef idx="3">
+      <a:fillRef idx="1">
         <a:scrgbClr r="0" g="0" b="0"/>
       </a:fillRef>
-      <a:effectRef idx="2">
+      <a:effectRef idx="0">
         <a:scrgbClr r="0" g="0" b="0"/>
       </a:effectRef>
       <a:fontRef idx="minor">
@@ -17008,12 +16036,16 @@
       </a:fontRef>
     </dgm:style>
   </dgm:styleLbl>
-  <dgm:styleLbl name="parChTrans2D2">
+  <dgm:styleLbl name="parChTrans2D3">
     <dgm:scene3d>
       <a:camera prst="orthographicFront"/>
-      <a:lightRig rig="threePt" dir="t"/>
+      <a:lightRig rig="threePt" dir="t">
+        <a:rot lat="0" lon="0" rev="7500000"/>
+      </a:lightRig>
     </dgm:scene3d>
-    <dgm:sp3d/>
+    <dgm:sp3d z="60000" prstMaterial="flat">
+      <a:bevelT w="120900" h="88900"/>
+    </dgm:sp3d>
     <dgm:txPr/>
     <dgm:style>
       <a:lnRef idx="0">
@@ -17022,7 +16054,7 @@
       <a:fillRef idx="3">
         <a:scrgbClr r="0" g="0" b="0"/>
       </a:fillRef>
-      <a:effectRef idx="2">
+      <a:effectRef idx="1">
         <a:scrgbClr r="0" g="0" b="0"/>
       </a:effectRef>
       <a:fontRef idx="minor">
@@ -17030,21 +16062,25 @@
       </a:fontRef>
     </dgm:style>
   </dgm:styleLbl>
-  <dgm:styleLbl name="parChTrans2D3">
+  <dgm:styleLbl name="parChTrans2D4">
     <dgm:scene3d>
       <a:camera prst="orthographicFront"/>
-      <a:lightRig rig="threePt" dir="t"/>
+      <a:lightRig rig="threePt" dir="t">
+        <a:rot lat="0" lon="0" rev="7500000"/>
+      </a:lightRig>
     </dgm:scene3d>
-    <dgm:sp3d/>
+    <dgm:sp3d z="60000" prstMaterial="flat">
+      <a:bevelT w="120900" h="88900"/>
+    </dgm:sp3d>
     <dgm:txPr/>
     <dgm:style>
-      <a:lnRef idx="1">
+      <a:lnRef idx="0">
         <a:scrgbClr r="0" g="0" b="0"/>
       </a:lnRef>
       <a:fillRef idx="3">
         <a:scrgbClr r="0" g="0" b="0"/>
       </a:fillRef>
-      <a:effectRef idx="2">
+      <a:effectRef idx="1">
         <a:scrgbClr r="0" g="0" b="0"/>
       </a:effectRef>
       <a:fontRef idx="minor">
@@ -17052,18 +16088,191 @@
       </a:fontRef>
     </dgm:style>
   </dgm:styleLbl>
-  <dgm:styleLbl name="parChTrans2D4">
+  <dgm:styleLbl name="parChTrans1D1">
     <dgm:scene3d>
       <a:camera prst="orthographicFront"/>
-      <a:lightRig rig="threePt" dir="t"/>
+      <a:lightRig rig="threePt" dir="t">
+        <a:rot lat="0" lon="0" rev="7500000"/>
+      </a:lightRig>
     </dgm:scene3d>
-    <dgm:sp3d/>
+    <dgm:sp3d z="-40000" prstMaterial="matte"/>
+    <dgm:txPr/>
+    <dgm:style>
+      <a:lnRef idx="2">
+        <a:scrgbClr r="0" g="0" b="0"/>
+      </a:lnRef>
+      <a:fillRef idx="0">
+        <a:scrgbClr r="0" g="0" b="0"/>
+      </a:fillRef>
+      <a:effectRef idx="0">
+        <a:scrgbClr r="0" g="0" b="0"/>
+      </a:effectRef>
+      <a:fontRef idx="minor"/>
+    </dgm:style>
+  </dgm:styleLbl>
+  <dgm:styleLbl name="parChTrans1D2">
+    <dgm:scene3d>
+      <a:camera prst="orthographicFront"/>
+      <a:lightRig rig="threePt" dir="t">
+        <a:rot lat="0" lon="0" rev="7500000"/>
+      </a:lightRig>
+    </dgm:scene3d>
+    <dgm:sp3d z="-40000" prstMaterial="matte"/>
+    <dgm:txPr/>
+    <dgm:style>
+      <a:lnRef idx="2">
+        <a:scrgbClr r="0" g="0" b="0"/>
+      </a:lnRef>
+      <a:fillRef idx="0">
+        <a:scrgbClr r="0" g="0" b="0"/>
+      </a:fillRef>
+      <a:effectRef idx="0">
+        <a:scrgbClr r="0" g="0" b="0"/>
+      </a:effectRef>
+      <a:fontRef idx="minor"/>
+    </dgm:style>
+  </dgm:styleLbl>
+  <dgm:styleLbl name="parChTrans1D3">
+    <dgm:scene3d>
+      <a:camera prst="orthographicFront"/>
+      <a:lightRig rig="threePt" dir="t">
+        <a:rot lat="0" lon="0" rev="7500000"/>
+      </a:lightRig>
+    </dgm:scene3d>
+    <dgm:sp3d z="-40000" prstMaterial="matte"/>
+    <dgm:txPr/>
+    <dgm:style>
+      <a:lnRef idx="2">
+        <a:scrgbClr r="0" g="0" b="0"/>
+      </a:lnRef>
+      <a:fillRef idx="0">
+        <a:scrgbClr r="0" g="0" b="0"/>
+      </a:fillRef>
+      <a:effectRef idx="0">
+        <a:scrgbClr r="0" g="0" b="0"/>
+      </a:effectRef>
+      <a:fontRef idx="minor"/>
+    </dgm:style>
+  </dgm:styleLbl>
+  <dgm:styleLbl name="parChTrans1D4">
+    <dgm:scene3d>
+      <a:camera prst="orthographicFront"/>
+      <a:lightRig rig="threePt" dir="t">
+        <a:rot lat="0" lon="0" rev="7500000"/>
+      </a:lightRig>
+    </dgm:scene3d>
+    <dgm:sp3d z="-40000" prstMaterial="matte"/>
+    <dgm:txPr/>
+    <dgm:style>
+      <a:lnRef idx="2">
+        <a:scrgbClr r="0" g="0" b="0"/>
+      </a:lnRef>
+      <a:fillRef idx="0">
+        <a:scrgbClr r="0" g="0" b="0"/>
+      </a:fillRef>
+      <a:effectRef idx="0">
+        <a:scrgbClr r="0" g="0" b="0"/>
+      </a:effectRef>
+      <a:fontRef idx="minor"/>
+    </dgm:style>
+  </dgm:styleLbl>
+  <dgm:styleLbl name="fgAcc1">
+    <dgm:scene3d>
+      <a:camera prst="orthographicFront"/>
+      <a:lightRig rig="threePt" dir="t">
+        <a:rot lat="0" lon="0" rev="7500000"/>
+      </a:lightRig>
+    </dgm:scene3d>
+    <dgm:sp3d z="152400" extrusionH="63500" prstMaterial="dkEdge">
+      <a:bevelT w="135400" h="16350" prst="relaxedInset"/>
+      <a:contourClr>
+        <a:schemeClr val="bg1"/>
+      </a:contourClr>
+    </dgm:sp3d>
     <dgm:txPr/>
     <dgm:style>
       <a:lnRef idx="1">
         <a:scrgbClr r="0" g="0" b="0"/>
       </a:lnRef>
-      <a:fillRef idx="3">
+      <a:fillRef idx="1">
+        <a:scrgbClr r="0" g="0" b="0"/>
+      </a:fillRef>
+      <a:effectRef idx="2">
+        <a:scrgbClr r="0" g="0" b="0"/>
+      </a:effectRef>
+      <a:fontRef idx="minor"/>
+    </dgm:style>
+  </dgm:styleLbl>
+  <dgm:styleLbl name="conFgAcc1">
+    <dgm:scene3d>
+      <a:camera prst="orthographicFront"/>
+      <a:lightRig rig="threePt" dir="t">
+        <a:rot lat="0" lon="0" rev="7500000"/>
+      </a:lightRig>
+    </dgm:scene3d>
+    <dgm:sp3d z="152400" extrusionH="63500" prstMaterial="dkEdge">
+      <a:bevelT w="135400" h="16350" prst="relaxedInset"/>
+      <a:contourClr>
+        <a:schemeClr val="bg1"/>
+      </a:contourClr>
+    </dgm:sp3d>
+    <dgm:txPr/>
+    <dgm:style>
+      <a:lnRef idx="1">
+        <a:scrgbClr r="0" g="0" b="0"/>
+      </a:lnRef>
+      <a:fillRef idx="1">
+        <a:scrgbClr r="0" g="0" b="0"/>
+      </a:fillRef>
+      <a:effectRef idx="2">
+        <a:scrgbClr r="0" g="0" b="0"/>
+      </a:effectRef>
+      <a:fontRef idx="minor"/>
+    </dgm:style>
+  </dgm:styleLbl>
+  <dgm:styleLbl name="alignAcc1">
+    <dgm:scene3d>
+      <a:camera prst="orthographicFront"/>
+      <a:lightRig rig="threePt" dir="t">
+        <a:rot lat="0" lon="0" rev="7500000"/>
+      </a:lightRig>
+    </dgm:scene3d>
+    <dgm:sp3d extrusionH="190500" prstMaterial="dkEdge">
+      <a:bevelT w="135400" h="16350" prst="relaxedInset"/>
+      <a:contourClr>
+        <a:schemeClr val="bg1"/>
+      </a:contourClr>
+    </dgm:sp3d>
+    <dgm:txPr/>
+    <dgm:style>
+      <a:lnRef idx="1">
+        <a:scrgbClr r="0" g="0" b="0"/>
+      </a:lnRef>
+      <a:fillRef idx="1">
+        <a:scrgbClr r="0" g="0" b="0"/>
+      </a:fillRef>
+      <a:effectRef idx="2">
+        <a:scrgbClr r="0" g="0" b="0"/>
+      </a:effectRef>
+      <a:fontRef idx="minor"/>
+    </dgm:style>
+  </dgm:styleLbl>
+  <dgm:styleLbl name="trAlignAcc1">
+    <dgm:scene3d>
+      <a:camera prst="orthographicFront"/>
+      <a:lightRig rig="threePt" dir="t">
+        <a:rot lat="0" lon="0" rev="7500000"/>
+      </a:lightRig>
+    </dgm:scene3d>
+    <dgm:sp3d prstMaterial="plastic">
+      <a:bevelT w="127000" h="35400"/>
+    </dgm:sp3d>
+    <dgm:txPr/>
+    <dgm:style>
+      <a:lnRef idx="1">
+        <a:scrgbClr r="0" g="0" b="0"/>
+      </a:lnRef>
+      <a:fillRef idx="1">
         <a:scrgbClr r="0" g="0" b="0"/>
       </a:fillRef>
       <a:effectRef idx="2">
@@ -17074,18 +16283,25 @@
       </a:fontRef>
     </dgm:style>
   </dgm:styleLbl>
-  <dgm:styleLbl name="parChTrans1D1">
+  <dgm:styleLbl name="bgAcc1">
     <dgm:scene3d>
       <a:camera prst="orthographicFront"/>
-      <a:lightRig rig="threePt" dir="t"/>
+      <a:lightRig rig="threePt" dir="t">
+        <a:rot lat="0" lon="0" rev="7500000"/>
+      </a:lightRig>
     </dgm:scene3d>
-    <dgm:sp3d/>
+    <dgm:sp3d z="-152400" extrusionH="63500" prstMaterial="dkEdge">
+      <a:bevelT w="124450" h="16350" prst="relaxedInset"/>
+      <a:contourClr>
+        <a:schemeClr val="bg1"/>
+      </a:contourClr>
+    </dgm:sp3d>
     <dgm:txPr/>
     <dgm:style>
       <a:lnRef idx="1">
         <a:scrgbClr r="0" g="0" b="0"/>
       </a:lnRef>
-      <a:fillRef idx="0">
+      <a:fillRef idx="1">
         <a:scrgbClr r="0" g="0" b="0"/>
       </a:fillRef>
       <a:effectRef idx="0">
@@ -17094,58 +16310,79 @@
       <a:fontRef idx="minor"/>
     </dgm:style>
   </dgm:styleLbl>
-  <dgm:styleLbl name="parChTrans1D2">
+  <dgm:styleLbl name="solidFgAcc1">
     <dgm:scene3d>
       <a:camera prst="orthographicFront"/>
-      <a:lightRig rig="threePt" dir="t"/>
+      <a:lightRig rig="threePt" dir="t">
+        <a:rot lat="0" lon="0" rev="7500000"/>
+      </a:lightRig>
     </dgm:scene3d>
-    <dgm:sp3d/>
+    <dgm:sp3d z="152400" extrusionH="63500" prstMaterial="dkEdge">
+      <a:bevelT w="120800" h="19050" prst="relaxedInset"/>
+      <a:contourClr>
+        <a:schemeClr val="bg1"/>
+      </a:contourClr>
+    </dgm:sp3d>
     <dgm:txPr/>
     <dgm:style>
       <a:lnRef idx="1">
         <a:scrgbClr r="0" g="0" b="0"/>
       </a:lnRef>
-      <a:fillRef idx="0">
+      <a:fillRef idx="1">
         <a:scrgbClr r="0" g="0" b="0"/>
       </a:fillRef>
-      <a:effectRef idx="0">
+      <a:effectRef idx="2">
         <a:scrgbClr r="0" g="0" b="0"/>
       </a:effectRef>
       <a:fontRef idx="minor"/>
     </dgm:style>
   </dgm:styleLbl>
-  <dgm:styleLbl name="parChTrans1D3">
+  <dgm:styleLbl name="solidAlignAcc1">
     <dgm:scene3d>
       <a:camera prst="orthographicFront"/>
-      <a:lightRig rig="threePt" dir="t"/>
+      <a:lightRig rig="threePt" dir="t">
+        <a:rot lat="0" lon="0" rev="7500000"/>
+      </a:lightRig>
     </dgm:scene3d>
-    <dgm:sp3d/>
+    <dgm:sp3d extrusionH="190500" prstMaterial="dkEdge">
+      <a:bevelT w="120650" h="38100" prst="relaxedInset"/>
+      <a:contourClr>
+        <a:schemeClr val="bg1"/>
+      </a:contourClr>
+    </dgm:sp3d>
     <dgm:txPr/>
     <dgm:style>
       <a:lnRef idx="1">
         <a:scrgbClr r="0" g="0" b="0"/>
       </a:lnRef>
-      <a:fillRef idx="0">
+      <a:fillRef idx="1">
         <a:scrgbClr r="0" g="0" b="0"/>
       </a:fillRef>
-      <a:effectRef idx="0">
+      <a:effectRef idx="2">
         <a:scrgbClr r="0" g="0" b="0"/>
       </a:effectRef>
       <a:fontRef idx="minor"/>
     </dgm:style>
   </dgm:styleLbl>
-  <dgm:styleLbl name="parChTrans1D4">
+  <dgm:styleLbl name="solidBgAcc1">
     <dgm:scene3d>
       <a:camera prst="orthographicFront"/>
-      <a:lightRig rig="threePt" dir="t"/>
+      <a:lightRig rig="threePt" dir="t">
+        <a:rot lat="0" lon="0" rev="7500000"/>
+      </a:lightRig>
     </dgm:scene3d>
-    <dgm:sp3d/>
+    <dgm:sp3d z="-152400" extrusionH="63500" prstMaterial="dkEdge">
+      <a:bevelT w="144450" h="36350" prst="relaxedInset"/>
+      <a:contourClr>
+        <a:schemeClr val="bg1"/>
+      </a:contourClr>
+    </dgm:sp3d>
     <dgm:txPr/>
     <dgm:style>
       <a:lnRef idx="1">
         <a:scrgbClr r="0" g="0" b="0"/>
       </a:lnRef>
-      <a:fillRef idx="0">
+      <a:fillRef idx="1">
         <a:scrgbClr r="0" g="0" b="0"/>
       </a:fillRef>
       <a:effectRef idx="0">
@@ -17154,12 +16391,19 @@
       <a:fontRef idx="minor"/>
     </dgm:style>
   </dgm:styleLbl>
-  <dgm:styleLbl name="fgAcc1">
+  <dgm:styleLbl name="fgAccFollowNode1">
     <dgm:scene3d>
       <a:camera prst="orthographicFront"/>
-      <a:lightRig rig="threePt" dir="t"/>
+      <a:lightRig rig="threePt" dir="t">
+        <a:rot lat="0" lon="0" rev="7500000"/>
+      </a:lightRig>
     </dgm:scene3d>
-    <dgm:sp3d/>
+    <dgm:sp3d z="152400" extrusionH="63500" prstMaterial="dkEdge">
+      <a:bevelT w="125400" h="36350" prst="relaxedInset"/>
+      <a:contourClr>
+        <a:schemeClr val="bg1"/>
+      </a:contourClr>
+    </dgm:sp3d>
     <dgm:txPr/>
     <dgm:style>
       <a:lnRef idx="1">
@@ -17174,12 +16418,20 @@
       <a:fontRef idx="minor"/>
     </dgm:style>
   </dgm:styleLbl>
-  <dgm:styleLbl name="conFgAcc1">
+  <dgm:styleLbl name="alignAccFollowNode1">
     <dgm:scene3d>
       <a:camera prst="orthographicFront"/>
-      <a:lightRig rig="threePt" dir="t"/>
+      <a:lightRig rig="threePt" dir="t">
+        <a:rot lat="0" lon="0" rev="7500000"/>
+      </a:lightRig>
     </dgm:scene3d>
-    <dgm:sp3d/>
+    <dgm:sp3d extrusionH="190500" prstMaterial="dkEdge">
+      <a:bevelT w="120650" h="38100" prst="relaxedInset"/>
+      <a:bevelB w="120650" h="57150" prst="relaxedInset"/>
+      <a:contourClr>
+        <a:schemeClr val="bg1"/>
+      </a:contourClr>
+    </dgm:sp3d>
     <dgm:txPr/>
     <dgm:style>
       <a:lnRef idx="1">
@@ -17188,18 +16440,25 @@
       <a:fillRef idx="1">
         <a:scrgbClr r="0" g="0" b="0"/>
       </a:fillRef>
-      <a:effectRef idx="0">
+      <a:effectRef idx="2">
         <a:scrgbClr r="0" g="0" b="0"/>
       </a:effectRef>
       <a:fontRef idx="minor"/>
     </dgm:style>
   </dgm:styleLbl>
-  <dgm:styleLbl name="alignAcc1">
+  <dgm:styleLbl name="bgAccFollowNode1">
     <dgm:scene3d>
       <a:camera prst="orthographicFront"/>
-      <a:lightRig rig="threePt" dir="t"/>
+      <a:lightRig rig="threePt" dir="t">
+        <a:rot lat="0" lon="0" rev="7500000"/>
+      </a:lightRig>
     </dgm:scene3d>
-    <dgm:sp3d/>
+    <dgm:sp3d z="-152400" extrusionH="63500" prstMaterial="dkEdge">
+      <a:bevelT w="144450" h="36350" prst="relaxedInset"/>
+      <a:contourClr>
+        <a:schemeClr val="bg1"/>
+      </a:contourClr>
+    </dgm:sp3d>
     <dgm:txPr/>
     <dgm:style>
       <a:lnRef idx="1">
@@ -17208,18 +16467,25 @@
       <a:fillRef idx="1">
         <a:scrgbClr r="0" g="0" b="0"/>
       </a:fillRef>
-      <a:effectRef idx="0">
+      <a:effectRef idx="2">
         <a:scrgbClr r="0" g="0" b="0"/>
       </a:effectRef>
       <a:fontRef idx="minor"/>
     </dgm:style>
   </dgm:styleLbl>
-  <dgm:styleLbl name="trAlignAcc1">
+  <dgm:styleLbl name="fgAcc0">
     <dgm:scene3d>
       <a:camera prst="orthographicFront"/>
-      <a:lightRig rig="threePt" dir="t"/>
+      <a:lightRig rig="threePt" dir="t">
+        <a:rot lat="0" lon="0" rev="7500000"/>
+      </a:lightRig>
     </dgm:scene3d>
-    <dgm:sp3d/>
+    <dgm:sp3d z="152400" extrusionH="63500" prstMaterial="dkEdge">
+      <a:bevelT w="125400" h="36350" prst="relaxedInset"/>
+      <a:contourClr>
+        <a:schemeClr val="bg1"/>
+      </a:contourClr>
+    </dgm:sp3d>
     <dgm:txPr/>
     <dgm:style>
       <a:lnRef idx="1">
@@ -17228,18 +16494,25 @@
       <a:fillRef idx="1">
         <a:scrgbClr r="0" g="0" b="0"/>
       </a:fillRef>
-      <a:effectRef idx="0">
+      <a:effectRef idx="2">
         <a:scrgbClr r="0" g="0" b="0"/>
       </a:effectRef>
       <a:fontRef idx="minor"/>
     </dgm:style>
   </dgm:styleLbl>
-  <dgm:styleLbl name="bgAcc1">
+  <dgm:styleLbl name="fgAcc2">
     <dgm:scene3d>
       <a:camera prst="orthographicFront"/>
-      <a:lightRig rig="threePt" dir="t"/>
+      <a:lightRig rig="threePt" dir="t">
+        <a:rot lat="0" lon="0" rev="7500000"/>
+      </a:lightRig>
     </dgm:scene3d>
-    <dgm:sp3d/>
+    <dgm:sp3d z="152400" extrusionH="63500" prstMaterial="dkEdge">
+      <a:bevelT w="125400" h="36350" prst="relaxedInset"/>
+      <a:contourClr>
+        <a:schemeClr val="bg1"/>
+      </a:contourClr>
+    </dgm:sp3d>
     <dgm:txPr/>
     <dgm:style>
       <a:lnRef idx="1">
@@ -17248,18 +16521,25 @@
       <a:fillRef idx="1">
         <a:scrgbClr r="0" g="0" b="0"/>
       </a:fillRef>
-      <a:effectRef idx="0">
+      <a:effectRef idx="2">
         <a:scrgbClr r="0" g="0" b="0"/>
       </a:effectRef>
       <a:fontRef idx="minor"/>
     </dgm:style>
   </dgm:styleLbl>
-  <dgm:styleLbl name="solidFgAcc1">
+  <dgm:styleLbl name="fgAcc3">
     <dgm:scene3d>
       <a:camera prst="orthographicFront"/>
-      <a:lightRig rig="threePt" dir="t"/>
+      <a:lightRig rig="threePt" dir="t">
+        <a:rot lat="0" lon="0" rev="7500000"/>
+      </a:lightRig>
     </dgm:scene3d>
-    <dgm:sp3d/>
+    <dgm:sp3d z="152400" extrusionH="63500" prstMaterial="dkEdge">
+      <a:bevelT w="125400" h="36350" prst="relaxedInset"/>
+      <a:contourClr>
+        <a:schemeClr val="bg1"/>
+      </a:contourClr>
+    </dgm:sp3d>
     <dgm:txPr/>
     <dgm:style>
       <a:lnRef idx="1">
@@ -17268,18 +16548,25 @@
       <a:fillRef idx="1">
         <a:scrgbClr r="0" g="0" b="0"/>
       </a:fillRef>
-      <a:effectRef idx="0">
+      <a:effectRef idx="2">
         <a:scrgbClr r="0" g="0" b="0"/>
       </a:effectRef>
       <a:fontRef idx="minor"/>
     </dgm:style>
   </dgm:styleLbl>
-  <dgm:styleLbl name="solidAlignAcc1">
+  <dgm:styleLbl name="fgAcc4">
     <dgm:scene3d>
       <a:camera prst="orthographicFront"/>
-      <a:lightRig rig="threePt" dir="t"/>
+      <a:lightRig rig="threePt" dir="t">
+        <a:rot lat="0" lon="0" rev="7500000"/>
+      </a:lightRig>
     </dgm:scene3d>
-    <dgm:sp3d/>
+    <dgm:sp3d z="152400" extrusionH="63500" prstMaterial="dkEdge">
+      <a:bevelT w="125400" h="36350" prst="relaxedInset"/>
+      <a:contourClr>
+        <a:schemeClr val="bg1"/>
+      </a:contourClr>
+    </dgm:sp3d>
     <dgm:txPr/>
     <dgm:style>
       <a:lnRef idx="1">
@@ -17288,24 +16575,31 @@
       <a:fillRef idx="1">
         <a:scrgbClr r="0" g="0" b="0"/>
       </a:fillRef>
-      <a:effectRef idx="0">
+      <a:effectRef idx="2">
         <a:scrgbClr r="0" g="0" b="0"/>
       </a:effectRef>
       <a:fontRef idx="minor"/>
     </dgm:style>
   </dgm:styleLbl>
-  <dgm:styleLbl name="solidBgAcc1">
+  <dgm:styleLbl name="bgShp">
     <dgm:scene3d>
       <a:camera prst="orthographicFront"/>
-      <a:lightRig rig="threePt" dir="t"/>
+      <a:lightRig rig="threePt" dir="t">
+        <a:rot lat="0" lon="0" rev="7500000"/>
+      </a:lightRig>
     </dgm:scene3d>
-    <dgm:sp3d/>
+    <dgm:sp3d z="-152400" extrusionH="63500" prstMaterial="matte">
+      <a:bevelT w="144450" h="6350" prst="relaxedInset"/>
+      <a:contourClr>
+        <a:schemeClr val="bg1"/>
+      </a:contourClr>
+    </dgm:sp3d>
     <dgm:txPr/>
     <dgm:style>
-      <a:lnRef idx="1">
+      <a:lnRef idx="0">
         <a:scrgbClr r="0" g="0" b="0"/>
       </a:lnRef>
-      <a:fillRef idx="1">
+      <a:fillRef idx="3">
         <a:scrgbClr r="0" g="0" b="0"/>
       </a:fillRef>
       <a:effectRef idx="0">
@@ -17314,152 +16608,17 @@
       <a:fontRef idx="minor"/>
     </dgm:style>
   </dgm:styleLbl>
-  <dgm:styleLbl name="fgAccFollowNode1">
+  <dgm:styleLbl name="dkBgShp">
     <dgm:scene3d>
       <a:camera prst="orthographicFront"/>
-      <a:lightRig rig="threePt" dir="t"/>
+      <a:lightRig rig="threePt" dir="t">
+        <a:rot lat="0" lon="0" rev="7500000"/>
+      </a:lightRig>
     </dgm:scene3d>
-    <dgm:sp3d/>
-    <dgm:txPr/>
-    <dgm:style>
-      <a:lnRef idx="1">
-        <a:scrgbClr r="0" g="0" b="0"/>
-      </a:lnRef>
-      <a:fillRef idx="1">
-        <a:scrgbClr r="0" g="0" b="0"/>
-      </a:fillRef>
-      <a:effectRef idx="0">
-        <a:scrgbClr r="0" g="0" b="0"/>
-      </a:effectRef>
-      <a:fontRef idx="minor"/>
-    </dgm:style>
-  </dgm:styleLbl>
-  <dgm:styleLbl name="alignAccFollowNode1">
-    <dgm:scene3d>
-      <a:camera prst="orthographicFront"/>
-      <a:lightRig rig="threePt" dir="t"/>
-    </dgm:scene3d>
-    <dgm:sp3d/>
-    <dgm:txPr/>
-    <dgm:style>
-      <a:lnRef idx="1">
-        <a:scrgbClr r="0" g="0" b="0"/>
-      </a:lnRef>
-      <a:fillRef idx="1">
-        <a:scrgbClr r="0" g="0" b="0"/>
-      </a:fillRef>
-      <a:effectRef idx="0">
-        <a:scrgbClr r="0" g="0" b="0"/>
-      </a:effectRef>
-      <a:fontRef idx="minor"/>
-    </dgm:style>
-  </dgm:styleLbl>
-  <dgm:styleLbl name="bgAccFollowNode1">
-    <dgm:scene3d>
-      <a:camera prst="orthographicFront"/>
-      <a:lightRig rig="threePt" dir="t"/>
-    </dgm:scene3d>
-    <dgm:sp3d/>
-    <dgm:txPr/>
-    <dgm:style>
-      <a:lnRef idx="1">
-        <a:scrgbClr r="0" g="0" b="0"/>
-      </a:lnRef>
-      <a:fillRef idx="1">
-        <a:scrgbClr r="0" g="0" b="0"/>
-      </a:fillRef>
-      <a:effectRef idx="0">
-        <a:scrgbClr r="0" g="0" b="0"/>
-      </a:effectRef>
-      <a:fontRef idx="minor"/>
-    </dgm:style>
-  </dgm:styleLbl>
-  <dgm:styleLbl name="fgAcc0">
-    <dgm:scene3d>
-      <a:camera prst="orthographicFront"/>
-      <a:lightRig rig="threePt" dir="t"/>
-    </dgm:scene3d>
-    <dgm:sp3d/>
-    <dgm:txPr/>
-    <dgm:style>
-      <a:lnRef idx="1">
-        <a:scrgbClr r="0" g="0" b="0"/>
-      </a:lnRef>
-      <a:fillRef idx="1">
-        <a:scrgbClr r="0" g="0" b="0"/>
-      </a:fillRef>
-      <a:effectRef idx="0">
-        <a:scrgbClr r="0" g="0" b="0"/>
-      </a:effectRef>
-      <a:fontRef idx="minor"/>
-    </dgm:style>
-  </dgm:styleLbl>
-  <dgm:styleLbl name="fgAcc2">
-    <dgm:scene3d>
-      <a:camera prst="orthographicFront"/>
-      <a:lightRig rig="threePt" dir="t"/>
-    </dgm:scene3d>
-    <dgm:sp3d/>
-    <dgm:txPr/>
-    <dgm:style>
-      <a:lnRef idx="1">
-        <a:scrgbClr r="0" g="0" b="0"/>
-      </a:lnRef>
-      <a:fillRef idx="1">
-        <a:scrgbClr r="0" g="0" b="0"/>
-      </a:fillRef>
-      <a:effectRef idx="0">
-        <a:scrgbClr r="0" g="0" b="0"/>
-      </a:effectRef>
-      <a:fontRef idx="minor"/>
-    </dgm:style>
-  </dgm:styleLbl>
-  <dgm:styleLbl name="fgAcc3">
-    <dgm:scene3d>
-      <a:camera prst="orthographicFront"/>
-      <a:lightRig rig="threePt" dir="t"/>
-    </dgm:scene3d>
-    <dgm:sp3d/>
-    <dgm:txPr/>
-    <dgm:style>
-      <a:lnRef idx="1">
-        <a:scrgbClr r="0" g="0" b="0"/>
-      </a:lnRef>
-      <a:fillRef idx="1">
-        <a:scrgbClr r="0" g="0" b="0"/>
-      </a:fillRef>
-      <a:effectRef idx="0">
-        <a:scrgbClr r="0" g="0" b="0"/>
-      </a:effectRef>
-      <a:fontRef idx="minor"/>
-    </dgm:style>
-  </dgm:styleLbl>
-  <dgm:styleLbl name="fgAcc4">
-    <dgm:scene3d>
-      <a:camera prst="orthographicFront"/>
-      <a:lightRig rig="threePt" dir="t"/>
-    </dgm:scene3d>
-    <dgm:sp3d/>
-    <dgm:txPr/>
-    <dgm:style>
-      <a:lnRef idx="1">
-        <a:scrgbClr r="0" g="0" b="0"/>
-      </a:lnRef>
-      <a:fillRef idx="1">
-        <a:scrgbClr r="0" g="0" b="0"/>
-      </a:fillRef>
-      <a:effectRef idx="0">
-        <a:scrgbClr r="0" g="0" b="0"/>
-      </a:effectRef>
-      <a:fontRef idx="minor"/>
-    </dgm:style>
-  </dgm:styleLbl>
-  <dgm:styleLbl name="bgShp">
-    <dgm:scene3d>
-      <a:camera prst="orthographicFront"/>
-      <a:lightRig rig="threePt" dir="t"/>
-    </dgm:scene3d>
-    <dgm:sp3d/>
+    <dgm:sp3d prstMaterial="plastic">
+      <a:bevelT w="127000" h="25400" prst="relaxedInset"/>
+      <a:bevelB w="88900" h="121750" prst="angle"/>
+    </dgm:sp3d>
     <dgm:txPr/>
     <dgm:style>
       <a:lnRef idx="0">
@@ -17471,27 +16630,9 @@
       <a:effectRef idx="2">
         <a:scrgbClr r="0" g="0" b="0"/>
       </a:effectRef>
-      <a:fontRef idx="minor"/>
-    </dgm:style>
-  </dgm:styleLbl>
-  <dgm:styleLbl name="dkBgShp">
-    <dgm:scene3d>
-      <a:camera prst="orthographicFront"/>
-      <a:lightRig rig="threePt" dir="t"/>
-    </dgm:scene3d>
-    <dgm:sp3d/>
-    <dgm:txPr/>
-    <dgm:style>
-      <a:lnRef idx="0">
-        <a:scrgbClr r="0" g="0" b="0"/>
-      </a:lnRef>
-      <a:fillRef idx="1">
-        <a:scrgbClr r="0" g="0" b="0"/>
-      </a:fillRef>
-      <a:effectRef idx="2">
-        <a:scrgbClr r="0" g="0" b="0"/>
-      </a:effectRef>
-      <a:fontRef idx="minor"/>
+      <a:fontRef idx="minor">
+        <a:schemeClr val="lt1"/>
+      </a:fontRef>
     </dgm:style>
   </dgm:styleLbl>
   <dgm:styleLbl name="trBgShp">
@@ -17499,7 +16640,7 @@
       <a:camera prst="orthographicFront"/>
       <a:lightRig rig="threePt" dir="t"/>
     </dgm:scene3d>
-    <dgm:sp3d/>
+    <dgm:sp3d z="-152400" prstMaterial="matte"/>
     <dgm:txPr/>
     <dgm:style>
       <a:lnRef idx="0">
@@ -17517,21 +16658,30 @@
   <dgm:styleLbl name="fgShp">
     <dgm:scene3d>
       <a:camera prst="orthographicFront"/>
-      <a:lightRig rig="threePt" dir="t"/>
+      <a:lightRig rig="threePt" dir="t">
+        <a:rot lat="0" lon="0" rev="7500000"/>
+      </a:lightRig>
     </dgm:scene3d>
-    <dgm:sp3d/>
+    <dgm:sp3d z="152400" extrusionH="63500" prstMaterial="matte">
+      <a:bevelT w="50800" h="19050" prst="relaxedInset"/>
+      <a:contourClr>
+        <a:schemeClr val="bg1"/>
+      </a:contourClr>
+    </dgm:sp3d>
     <dgm:txPr/>
     <dgm:style>
       <a:lnRef idx="0">
         <a:scrgbClr r="0" g="0" b="0"/>
       </a:lnRef>
-      <a:fillRef idx="3">
+      <a:fillRef idx="1">
         <a:scrgbClr r="0" g="0" b="0"/>
       </a:fillRef>
       <a:effectRef idx="2">
         <a:scrgbClr r="0" g="0" b="0"/>
       </a:effectRef>
-      <a:fontRef idx="minor"/>
+      <a:fontRef idx="minor">
+        <a:schemeClr val="lt1"/>
+      </a:fontRef>
     </dgm:style>
   </dgm:styleLbl>
   <dgm:styleLbl name="revTx">
@@ -24053,14 +23203,14 @@
           <p:nvPr>
             <p:extLst>
               <p:ext uri="{D42A27DB-BD31-4B8C-83A1-F6EECF244321}">
-                <p14:modId xmlns:p14="http://schemas.microsoft.com/office/powerpoint/2010/main" val="741027040"/>
+                <p14:modId xmlns:p14="http://schemas.microsoft.com/office/powerpoint/2010/main" val="2899572809"/>
               </p:ext>
             </p:extLst>
           </p:nvPr>
         </p:nvGraphicFramePr>
         <p:xfrm>
           <a:off x="381000" y="0"/>
-          <a:ext cx="2133600" cy="914400"/>
+          <a:ext cx="2286000" cy="914400"/>
         </p:xfrm>
         <a:graphic>
           <a:graphicData uri="http://schemas.openxmlformats.org/drawingml/2006/diagram">
@@ -24068,6 +23218,36 @@
           </a:graphicData>
         </a:graphic>
       </p:graphicFrame>
+      <p:sp>
+        <p:nvSpPr>
+          <p:cNvPr id="3" name="TextBox 2"/>
+          <p:cNvSpPr txBox="1"/>
+          <p:nvPr/>
+        </p:nvSpPr>
+        <p:spPr>
+          <a:xfrm>
+            <a:off x="1066800" y="271046"/>
+            <a:ext cx="990600" cy="338554"/>
+          </a:xfrm>
+          <a:prstGeom prst="rect">
+            <a:avLst/>
+          </a:prstGeom>
+          <a:noFill/>
+        </p:spPr>
+        <p:txBody>
+          <a:bodyPr wrap="square" rtlCol="0">
+            <a:spAutoFit/>
+          </a:bodyPr>
+          <a:lstStyle/>
+          <a:p>
+            <a:r>
+              <a:rPr lang="en-US" sz="1600" dirty="0" smtClean="0"/>
+              <a:t>Research</a:t>
+            </a:r>
+            <a:endParaRPr lang="en-US" sz="1600" dirty="0"/>
+          </a:p>
+        </p:txBody>
+      </p:sp>
     </p:spTree>
     <p:extLst>
       <p:ext uri="{BB962C8B-B14F-4D97-AF65-F5344CB8AC3E}">

--- a/images/anchors.pptx
+++ b/images/anchors.pptx
@@ -12,7 +12,7 @@
     <p:sldId id="260" r:id="rId3"/>
     <p:sldId id="258" r:id="rId4"/>
     <p:sldId id="257" r:id="rId5"/>
-    <p:sldId id="259" r:id="rId6"/>
+    <p:sldId id="261" r:id="rId6"/>
   </p:sldIdLst>
   <p:sldSz cx="2743200" cy="914400"/>
   <p:notesSz cx="6858000" cy="9144000"/>
@@ -3791,150 +3791,158 @@
 </file>
 
 <file path=ppt/diagrams/colors5.xml><?xml version="1.0" encoding="utf-8"?>
-<dgm:colorsDef xmlns:dgm="http://schemas.openxmlformats.org/drawingml/2006/diagram" xmlns:a="http://schemas.openxmlformats.org/drawingml/2006/main" uniqueId="urn:microsoft.com/office/officeart/2005/8/colors/accent2_1">
+<dgm:colorsDef xmlns:dgm="http://schemas.openxmlformats.org/drawingml/2006/diagram" xmlns:a="http://schemas.openxmlformats.org/drawingml/2006/main" uniqueId="urn:microsoft.com/office/officeart/2005/8/colors/colorful1">
   <dgm:title val=""/>
   <dgm:desc val=""/>
   <dgm:catLst>
-    <dgm:cat type="accent2" pri="11100"/>
+    <dgm:cat type="colorful" pri="10100"/>
   </dgm:catLst>
   <dgm:styleLbl name="node0">
     <dgm:fillClrLst meth="repeat">
-      <a:schemeClr val="lt1"/>
+      <a:schemeClr val="accent1"/>
     </dgm:fillClrLst>
     <dgm:linClrLst meth="repeat">
-      <a:schemeClr val="accent2">
-        <a:shade val="80000"/>
-      </a:schemeClr>
-    </dgm:linClrLst>
-    <dgm:effectClrLst/>
-    <dgm:txLinClrLst/>
-    <dgm:txFillClrLst meth="repeat">
-      <a:schemeClr val="dk1"/>
-    </dgm:txFillClrLst>
-    <dgm:txEffectClrLst/>
-  </dgm:styleLbl>
-  <dgm:styleLbl name="node1">
-    <dgm:fillClrLst meth="repeat">
       <a:schemeClr val="lt1"/>
-    </dgm:fillClrLst>
-    <dgm:linClrLst meth="repeat">
-      <a:schemeClr val="accent2">
-        <a:shade val="80000"/>
-      </a:schemeClr>
-    </dgm:linClrLst>
-    <dgm:effectClrLst/>
-    <dgm:txLinClrLst/>
-    <dgm:txFillClrLst meth="repeat">
-      <a:schemeClr val="dk1"/>
-    </dgm:txFillClrLst>
-    <dgm:txEffectClrLst/>
-  </dgm:styleLbl>
-  <dgm:styleLbl name="alignNode1">
-    <dgm:fillClrLst meth="repeat">
-      <a:schemeClr val="lt1"/>
-    </dgm:fillClrLst>
-    <dgm:linClrLst meth="repeat">
-      <a:schemeClr val="accent2">
-        <a:shade val="80000"/>
-      </a:schemeClr>
-    </dgm:linClrLst>
-    <dgm:effectClrLst/>
-    <dgm:txLinClrLst/>
-    <dgm:txFillClrLst meth="repeat">
-      <a:schemeClr val="dk1"/>
-    </dgm:txFillClrLst>
-    <dgm:txEffectClrLst/>
-  </dgm:styleLbl>
-  <dgm:styleLbl name="lnNode1">
-    <dgm:fillClrLst meth="repeat">
-      <a:schemeClr val="lt1"/>
-    </dgm:fillClrLst>
-    <dgm:linClrLst meth="repeat">
-      <a:schemeClr val="accent2">
-        <a:shade val="80000"/>
-      </a:schemeClr>
-    </dgm:linClrLst>
-    <dgm:effectClrLst/>
-    <dgm:txLinClrLst/>
-    <dgm:txFillClrLst meth="repeat">
-      <a:schemeClr val="dk1"/>
-    </dgm:txFillClrLst>
-    <dgm:txEffectClrLst/>
-  </dgm:styleLbl>
-  <dgm:styleLbl name="vennNode1">
-    <dgm:fillClrLst meth="repeat">
-      <a:schemeClr val="lt1">
-        <a:alpha val="50000"/>
-      </a:schemeClr>
-    </dgm:fillClrLst>
-    <dgm:linClrLst meth="repeat">
-      <a:schemeClr val="accent2">
-        <a:shade val="80000"/>
-      </a:schemeClr>
     </dgm:linClrLst>
     <dgm:effectClrLst/>
     <dgm:txLinClrLst/>
     <dgm:txFillClrLst/>
     <dgm:txEffectClrLst/>
   </dgm:styleLbl>
-  <dgm:styleLbl name="node2">
+  <dgm:styleLbl name="node1">
     <dgm:fillClrLst meth="repeat">
-      <a:schemeClr val="lt1"/>
+      <a:schemeClr val="accent2"/>
+      <a:schemeClr val="accent3"/>
+      <a:schemeClr val="accent4"/>
+      <a:schemeClr val="accent5"/>
+      <a:schemeClr val="accent6"/>
     </dgm:fillClrLst>
     <dgm:linClrLst meth="repeat">
-      <a:schemeClr val="accent2">
-        <a:shade val="80000"/>
-      </a:schemeClr>
+      <a:schemeClr val="lt1"/>
     </dgm:linClrLst>
     <dgm:effectClrLst/>
     <dgm:txLinClrLst/>
-    <dgm:txFillClrLst meth="repeat">
-      <a:schemeClr val="dk1"/>
-    </dgm:txFillClrLst>
+    <dgm:txFillClrLst/>
     <dgm:txEffectClrLst/>
   </dgm:styleLbl>
-  <dgm:styleLbl name="node3">
+  <dgm:styleLbl name="alignNode1">
     <dgm:fillClrLst meth="repeat">
-      <a:schemeClr val="lt1"/>
+      <a:schemeClr val="accent2"/>
+      <a:schemeClr val="accent3"/>
+      <a:schemeClr val="accent4"/>
+      <a:schemeClr val="accent5"/>
+      <a:schemeClr val="accent6"/>
     </dgm:fillClrLst>
     <dgm:linClrLst meth="repeat">
-      <a:schemeClr val="accent2">
-        <a:shade val="80000"/>
-      </a:schemeClr>
+      <a:schemeClr val="accent2"/>
+      <a:schemeClr val="accent3"/>
+      <a:schemeClr val="accent4"/>
+      <a:schemeClr val="accent5"/>
+      <a:schemeClr val="accent6"/>
     </dgm:linClrLst>
     <dgm:effectClrLst/>
     <dgm:txLinClrLst/>
-    <dgm:txFillClrLst meth="repeat">
-      <a:schemeClr val="dk1"/>
-    </dgm:txFillClrLst>
+    <dgm:txFillClrLst/>
     <dgm:txEffectClrLst/>
   </dgm:styleLbl>
-  <dgm:styleLbl name="node4">
+  <dgm:styleLbl name="lnNode1">
     <dgm:fillClrLst meth="repeat">
-      <a:schemeClr val="lt1"/>
+      <a:schemeClr val="accent2"/>
+      <a:schemeClr val="accent3"/>
+      <a:schemeClr val="accent4"/>
+      <a:schemeClr val="accent5"/>
+      <a:schemeClr val="accent6"/>
     </dgm:fillClrLst>
     <dgm:linClrLst meth="repeat">
-      <a:schemeClr val="accent2">
-        <a:shade val="80000"/>
-      </a:schemeClr>
+      <a:schemeClr val="lt1"/>
     </dgm:linClrLst>
     <dgm:effectClrLst/>
     <dgm:txLinClrLst/>
-    <dgm:txFillClrLst meth="repeat">
-      <a:schemeClr val="dk1"/>
-    </dgm:txFillClrLst>
+    <dgm:txFillClrLst/>
+    <dgm:txEffectClrLst/>
+  </dgm:styleLbl>
+  <dgm:styleLbl name="vennNode1">
+    <dgm:fillClrLst meth="repeat">
+      <a:schemeClr val="accent2">
+        <a:alpha val="50000"/>
+      </a:schemeClr>
+      <a:schemeClr val="accent3">
+        <a:alpha val="50000"/>
+      </a:schemeClr>
+      <a:schemeClr val="accent4">
+        <a:alpha val="50000"/>
+      </a:schemeClr>
+      <a:schemeClr val="accent5">
+        <a:alpha val="50000"/>
+      </a:schemeClr>
+      <a:schemeClr val="accent6">
+        <a:alpha val="50000"/>
+      </a:schemeClr>
+    </dgm:fillClrLst>
+    <dgm:linClrLst meth="repeat">
+      <a:schemeClr val="lt1"/>
+    </dgm:linClrLst>
+    <dgm:effectClrLst/>
+    <dgm:txLinClrLst/>
+    <dgm:txFillClrLst/>
+    <dgm:txEffectClrLst/>
+  </dgm:styleLbl>
+  <dgm:styleLbl name="node2">
+    <dgm:fillClrLst>
+      <a:schemeClr val="accent2"/>
+    </dgm:fillClrLst>
+    <dgm:linClrLst meth="repeat">
+      <a:schemeClr val="lt1"/>
+    </dgm:linClrLst>
+    <dgm:effectClrLst/>
+    <dgm:txLinClrLst/>
+    <dgm:txFillClrLst/>
+    <dgm:txEffectClrLst/>
+  </dgm:styleLbl>
+  <dgm:styleLbl name="node3">
+    <dgm:fillClrLst>
+      <a:schemeClr val="accent3"/>
+    </dgm:fillClrLst>
+    <dgm:linClrLst meth="repeat">
+      <a:schemeClr val="lt1"/>
+    </dgm:linClrLst>
+    <dgm:effectClrLst/>
+    <dgm:txLinClrLst/>
+    <dgm:txFillClrLst/>
+    <dgm:txEffectClrLst/>
+  </dgm:styleLbl>
+  <dgm:styleLbl name="node4">
+    <dgm:fillClrLst>
+      <a:schemeClr val="accent4"/>
+    </dgm:fillClrLst>
+    <dgm:linClrLst meth="repeat">
+      <a:schemeClr val="lt1"/>
+    </dgm:linClrLst>
+    <dgm:effectClrLst/>
+    <dgm:txLinClrLst/>
+    <dgm:txFillClrLst/>
     <dgm:txEffectClrLst/>
   </dgm:styleLbl>
   <dgm:styleLbl name="fgImgPlace1">
     <dgm:fillClrLst meth="repeat">
       <a:schemeClr val="accent2">
-        <a:tint val="40000"/>
+        <a:tint val="50000"/>
+      </a:schemeClr>
+      <a:schemeClr val="accent3">
+        <a:tint val="50000"/>
+      </a:schemeClr>
+      <a:schemeClr val="accent4">
+        <a:tint val="50000"/>
+      </a:schemeClr>
+      <a:schemeClr val="accent5">
+        <a:tint val="50000"/>
+      </a:schemeClr>
+      <a:schemeClr val="accent6">
+        <a:tint val="50000"/>
       </a:schemeClr>
     </dgm:fillClrLst>
     <dgm:linClrLst meth="repeat">
-      <a:schemeClr val="accent2">
-        <a:shade val="80000"/>
-      </a:schemeClr>
+      <a:schemeClr val="lt1"/>
     </dgm:linClrLst>
     <dgm:effectClrLst/>
     <dgm:txLinClrLst/>
@@ -3944,15 +3952,16 @@
     <dgm:txEffectClrLst/>
   </dgm:styleLbl>
   <dgm:styleLbl name="alignImgPlace1">
-    <dgm:fillClrLst meth="repeat">
+    <dgm:fillClrLst>
+      <a:schemeClr val="accent1">
+        <a:tint val="50000"/>
+      </a:schemeClr>
       <a:schemeClr val="accent2">
-        <a:tint val="40000"/>
+        <a:tint val="20000"/>
       </a:schemeClr>
     </dgm:fillClrLst>
     <dgm:linClrLst meth="repeat">
-      <a:schemeClr val="accent2">
-        <a:shade val="80000"/>
-      </a:schemeClr>
+      <a:schemeClr val="lt1"/>
     </dgm:linClrLst>
     <dgm:effectClrLst/>
     <dgm:txLinClrLst/>
@@ -3962,15 +3971,16 @@
     <dgm:txEffectClrLst/>
   </dgm:styleLbl>
   <dgm:styleLbl name="bgImgPlace1">
-    <dgm:fillClrLst meth="repeat">
+    <dgm:fillClrLst>
+      <a:schemeClr val="accent1">
+        <a:tint val="50000"/>
+      </a:schemeClr>
       <a:schemeClr val="accent2">
-        <a:tint val="40000"/>
+        <a:tint val="20000"/>
       </a:schemeClr>
     </dgm:fillClrLst>
     <dgm:linClrLst meth="repeat">
-      <a:schemeClr val="accent2">
-        <a:shade val="80000"/>
-      </a:schemeClr>
+      <a:schemeClr val="lt1"/>
     </dgm:linClrLst>
     <dgm:effectClrLst/>
     <dgm:txLinClrLst/>
@@ -3981,61 +3991,225 @@
   </dgm:styleLbl>
   <dgm:styleLbl name="sibTrans2D1">
     <dgm:fillClrLst meth="repeat">
-      <a:schemeClr val="accent2">
-        <a:tint val="60000"/>
-      </a:schemeClr>
+      <a:schemeClr val="accent2"/>
+      <a:schemeClr val="accent3"/>
+      <a:schemeClr val="accent4"/>
+      <a:schemeClr val="accent5"/>
+      <a:schemeClr val="accent6"/>
     </dgm:fillClrLst>
-    <dgm:linClrLst meth="repeat">
-      <a:schemeClr val="accent2">
-        <a:tint val="60000"/>
-      </a:schemeClr>
+    <dgm:linClrLst meth="cycle">
+      <a:schemeClr val="lt1"/>
+    </dgm:linClrLst>
+    <dgm:effectClrLst/>
+    <dgm:txLinClrLst/>
+    <dgm:txFillClrLst/>
+    <dgm:txEffectClrLst/>
+  </dgm:styleLbl>
+  <dgm:styleLbl name="fgSibTrans2D1">
+    <dgm:fillClrLst meth="repeat">
+      <a:schemeClr val="accent2"/>
+      <a:schemeClr val="accent3"/>
+      <a:schemeClr val="accent4"/>
+      <a:schemeClr val="accent5"/>
+      <a:schemeClr val="accent6"/>
+    </dgm:fillClrLst>
+    <dgm:linClrLst meth="cycle">
+      <a:schemeClr val="lt1"/>
     </dgm:linClrLst>
     <dgm:effectClrLst/>
     <dgm:txLinClrLst/>
     <dgm:txFillClrLst meth="repeat">
-      <a:schemeClr val="dk1"/>
+      <a:schemeClr val="lt1"/>
     </dgm:txFillClrLst>
     <dgm:txEffectClrLst/>
   </dgm:styleLbl>
-  <dgm:styleLbl name="fgSibTrans2D1">
+  <dgm:styleLbl name="bgSibTrans2D1">
     <dgm:fillClrLst meth="repeat">
-      <a:schemeClr val="accent2">
-        <a:tint val="60000"/>
-      </a:schemeClr>
+      <a:schemeClr val="accent2"/>
+      <a:schemeClr val="accent3"/>
+      <a:schemeClr val="accent4"/>
+      <a:schemeClr val="accent5"/>
+      <a:schemeClr val="accent6"/>
     </dgm:fillClrLst>
-    <dgm:linClrLst meth="repeat">
-      <a:schemeClr val="accent2">
-        <a:tint val="60000"/>
-      </a:schemeClr>
+    <dgm:linClrLst meth="cycle">
+      <a:schemeClr val="lt1"/>
     </dgm:linClrLst>
     <dgm:effectClrLst/>
     <dgm:txLinClrLst/>
     <dgm:txFillClrLst meth="repeat">
-      <a:schemeClr val="dk1"/>
+      <a:schemeClr val="lt1"/>
     </dgm:txFillClrLst>
     <dgm:txEffectClrLst/>
   </dgm:styleLbl>
-  <dgm:styleLbl name="bgSibTrans2D1">
+  <dgm:styleLbl name="sibTrans1D1">
     <dgm:fillClrLst meth="repeat">
-      <a:schemeClr val="accent2">
-        <a:tint val="60000"/>
-      </a:schemeClr>
+      <a:schemeClr val="accent2"/>
+      <a:schemeClr val="accent3"/>
+      <a:schemeClr val="accent4"/>
+      <a:schemeClr val="accent5"/>
+      <a:schemeClr val="accent6"/>
     </dgm:fillClrLst>
     <dgm:linClrLst meth="repeat">
-      <a:schemeClr val="accent2">
-        <a:tint val="60000"/>
-      </a:schemeClr>
+      <a:schemeClr val="accent2"/>
+      <a:schemeClr val="accent3"/>
+      <a:schemeClr val="accent4"/>
+      <a:schemeClr val="accent5"/>
+      <a:schemeClr val="accent6"/>
     </dgm:linClrLst>
     <dgm:effectClrLst/>
     <dgm:txLinClrLst/>
     <dgm:txFillClrLst meth="repeat">
-      <a:schemeClr val="dk1"/>
+      <a:schemeClr val="tx1"/>
     </dgm:txFillClrLst>
     <dgm:txEffectClrLst/>
   </dgm:styleLbl>
-  <dgm:styleLbl name="sibTrans1D1">
+  <dgm:styleLbl name="callout">
     <dgm:fillClrLst meth="repeat">
       <a:schemeClr val="accent2"/>
+    </dgm:fillClrLst>
+    <dgm:linClrLst meth="repeat">
+      <a:schemeClr val="accent2">
+        <a:tint val="50000"/>
+      </a:schemeClr>
+    </dgm:linClrLst>
+    <dgm:effectClrLst/>
+    <dgm:txLinClrLst/>
+    <dgm:txFillClrLst meth="repeat">
+      <a:schemeClr val="tx1"/>
+    </dgm:txFillClrLst>
+    <dgm:txEffectClrLst/>
+  </dgm:styleLbl>
+  <dgm:styleLbl name="asst0">
+    <dgm:fillClrLst meth="repeat">
+      <a:schemeClr val="accent1"/>
+    </dgm:fillClrLst>
+    <dgm:linClrLst meth="repeat">
+      <a:schemeClr val="lt1"/>
+    </dgm:linClrLst>
+    <dgm:effectClrLst/>
+    <dgm:txLinClrLst/>
+    <dgm:txFillClrLst/>
+    <dgm:txEffectClrLst/>
+  </dgm:styleLbl>
+  <dgm:styleLbl name="asst1">
+    <dgm:fillClrLst meth="repeat">
+      <a:schemeClr val="accent2"/>
+    </dgm:fillClrLst>
+    <dgm:linClrLst meth="repeat">
+      <a:schemeClr val="lt1"/>
+    </dgm:linClrLst>
+    <dgm:effectClrLst/>
+    <dgm:txLinClrLst/>
+    <dgm:txFillClrLst/>
+    <dgm:txEffectClrLst/>
+  </dgm:styleLbl>
+  <dgm:styleLbl name="asst2">
+    <dgm:fillClrLst>
+      <a:schemeClr val="accent3"/>
+    </dgm:fillClrLst>
+    <dgm:linClrLst meth="repeat">
+      <a:schemeClr val="lt1"/>
+    </dgm:linClrLst>
+    <dgm:effectClrLst/>
+    <dgm:txLinClrLst/>
+    <dgm:txFillClrLst/>
+    <dgm:txEffectClrLst/>
+  </dgm:styleLbl>
+  <dgm:styleLbl name="asst3">
+    <dgm:fillClrLst>
+      <a:schemeClr val="accent4"/>
+    </dgm:fillClrLst>
+    <dgm:linClrLst meth="repeat">
+      <a:schemeClr val="lt1"/>
+    </dgm:linClrLst>
+    <dgm:effectClrLst/>
+    <dgm:txLinClrLst/>
+    <dgm:txFillClrLst/>
+    <dgm:txEffectClrLst/>
+  </dgm:styleLbl>
+  <dgm:styleLbl name="asst4">
+    <dgm:fillClrLst>
+      <a:schemeClr val="accent5"/>
+    </dgm:fillClrLst>
+    <dgm:linClrLst meth="repeat">
+      <a:schemeClr val="lt1"/>
+    </dgm:linClrLst>
+    <dgm:effectClrLst/>
+    <dgm:txLinClrLst/>
+    <dgm:txFillClrLst/>
+    <dgm:txEffectClrLst/>
+  </dgm:styleLbl>
+  <dgm:styleLbl name="parChTrans2D1">
+    <dgm:fillClrLst meth="repeat">
+      <a:schemeClr val="accent2"/>
+    </dgm:fillClrLst>
+    <dgm:linClrLst meth="repeat">
+      <a:schemeClr val="lt1"/>
+    </dgm:linClrLst>
+    <dgm:effectClrLst/>
+    <dgm:txLinClrLst/>
+    <dgm:txFillClrLst meth="repeat">
+      <a:schemeClr val="lt1"/>
+    </dgm:txFillClrLst>
+    <dgm:txEffectClrLst/>
+  </dgm:styleLbl>
+  <dgm:styleLbl name="parChTrans2D2">
+    <dgm:fillClrLst meth="repeat">
+      <a:schemeClr val="accent3"/>
+    </dgm:fillClrLst>
+    <dgm:linClrLst meth="repeat">
+      <a:schemeClr val="lt1"/>
+    </dgm:linClrLst>
+    <dgm:effectClrLst/>
+    <dgm:txLinClrLst/>
+    <dgm:txFillClrLst/>
+    <dgm:txEffectClrLst/>
+  </dgm:styleLbl>
+  <dgm:styleLbl name="parChTrans2D3">
+    <dgm:fillClrLst meth="repeat">
+      <a:schemeClr val="accent4"/>
+    </dgm:fillClrLst>
+    <dgm:linClrLst meth="repeat">
+      <a:schemeClr val="lt1"/>
+    </dgm:linClrLst>
+    <dgm:effectClrLst/>
+    <dgm:txLinClrLst/>
+    <dgm:txFillClrLst/>
+    <dgm:txEffectClrLst/>
+  </dgm:styleLbl>
+  <dgm:styleLbl name="parChTrans2D4">
+    <dgm:fillClrLst meth="repeat">
+      <a:schemeClr val="accent5"/>
+    </dgm:fillClrLst>
+    <dgm:linClrLst meth="repeat">
+      <a:schemeClr val="lt1"/>
+    </dgm:linClrLst>
+    <dgm:effectClrLst/>
+    <dgm:txLinClrLst/>
+    <dgm:txFillClrLst meth="repeat">
+      <a:schemeClr val="lt1"/>
+    </dgm:txFillClrLst>
+    <dgm:txEffectClrLst/>
+  </dgm:styleLbl>
+  <dgm:styleLbl name="parChTrans1D1">
+    <dgm:fillClrLst meth="repeat">
+      <a:schemeClr val="accent2"/>
+    </dgm:fillClrLst>
+    <dgm:linClrLst meth="repeat">
+      <a:schemeClr val="accent1"/>
+    </dgm:linClrLst>
+    <dgm:effectClrLst/>
+    <dgm:txLinClrLst/>
+    <dgm:txFillClrLst meth="repeat">
+      <a:schemeClr val="tx1"/>
+    </dgm:txFillClrLst>
+    <dgm:txEffectClrLst/>
+  </dgm:styleLbl>
+  <dgm:styleLbl name="parChTrans1D2">
+    <dgm:fillClrLst meth="repeat">
+      <a:schemeClr val="accent3">
+        <a:tint val="90000"/>
+      </a:schemeClr>
     </dgm:fillClrLst>
     <dgm:linClrLst meth="repeat">
       <a:schemeClr val="accent2"/>
@@ -4047,12 +4221,14 @@
     </dgm:txFillClrLst>
     <dgm:txEffectClrLst/>
   </dgm:styleLbl>
-  <dgm:styleLbl name="callout">
+  <dgm:styleLbl name="parChTrans1D3">
     <dgm:fillClrLst meth="repeat">
-      <a:schemeClr val="accent2"/>
+      <a:schemeClr val="accent4">
+        <a:tint val="70000"/>
+      </a:schemeClr>
     </dgm:fillClrLst>
     <dgm:linClrLst meth="repeat">
-      <a:schemeClr val="accent2"/>
+      <a:schemeClr val="accent3"/>
     </dgm:linClrLst>
     <dgm:effectClrLst/>
     <dgm:txLinClrLst/>
@@ -4061,14 +4237,34 @@
     </dgm:txFillClrLst>
     <dgm:txEffectClrLst/>
   </dgm:styleLbl>
-  <dgm:styleLbl name="asst0">
+  <dgm:styleLbl name="parChTrans1D4">
     <dgm:fillClrLst meth="repeat">
-      <a:schemeClr val="lt1"/>
+      <a:schemeClr val="accent5">
+        <a:tint val="50000"/>
+      </a:schemeClr>
     </dgm:fillClrLst>
     <dgm:linClrLst meth="repeat">
-      <a:schemeClr val="accent2">
-        <a:shade val="80000"/>
-      </a:schemeClr>
+      <a:schemeClr val="accent4"/>
+    </dgm:linClrLst>
+    <dgm:effectClrLst/>
+    <dgm:txLinClrLst/>
+    <dgm:txFillClrLst meth="repeat">
+      <a:schemeClr val="tx1"/>
+    </dgm:txFillClrLst>
+    <dgm:txEffectClrLst/>
+  </dgm:styleLbl>
+  <dgm:styleLbl name="fgAcc1">
+    <dgm:fillClrLst meth="repeat">
+      <a:schemeClr val="lt1">
+        <a:alpha val="90000"/>
+      </a:schemeClr>
+    </dgm:fillClrLst>
+    <dgm:linClrLst meth="repeat">
+      <a:schemeClr val="accent2"/>
+      <a:schemeClr val="accent3"/>
+      <a:schemeClr val="accent4"/>
+      <a:schemeClr val="accent5"/>
+      <a:schemeClr val="accent6"/>
     </dgm:linClrLst>
     <dgm:effectClrLst/>
     <dgm:txLinClrLst/>
@@ -4077,14 +4273,18 @@
     </dgm:txFillClrLst>
     <dgm:txEffectClrLst/>
   </dgm:styleLbl>
-  <dgm:styleLbl name="asst1">
+  <dgm:styleLbl name="conFgAcc1">
     <dgm:fillClrLst meth="repeat">
-      <a:schemeClr val="lt1"/>
+      <a:schemeClr val="lt1">
+        <a:alpha val="90000"/>
+      </a:schemeClr>
     </dgm:fillClrLst>
     <dgm:linClrLst meth="repeat">
-      <a:schemeClr val="accent2">
-        <a:shade val="80000"/>
-      </a:schemeClr>
+      <a:schemeClr val="accent2"/>
+      <a:schemeClr val="accent3"/>
+      <a:schemeClr val="accent4"/>
+      <a:schemeClr val="accent5"/>
+      <a:schemeClr val="accent6"/>
     </dgm:linClrLst>
     <dgm:effectClrLst/>
     <dgm:txLinClrLst/>
@@ -4093,14 +4293,18 @@
     </dgm:txFillClrLst>
     <dgm:txEffectClrLst/>
   </dgm:styleLbl>
-  <dgm:styleLbl name="asst2">
+  <dgm:styleLbl name="alignAcc1">
     <dgm:fillClrLst meth="repeat">
-      <a:schemeClr val="lt1"/>
+      <a:schemeClr val="lt1">
+        <a:alpha val="90000"/>
+      </a:schemeClr>
     </dgm:fillClrLst>
     <dgm:linClrLst meth="repeat">
-      <a:schemeClr val="accent2">
-        <a:shade val="80000"/>
-      </a:schemeClr>
+      <a:schemeClr val="accent2"/>
+      <a:schemeClr val="accent3"/>
+      <a:schemeClr val="accent4"/>
+      <a:schemeClr val="accent5"/>
+      <a:schemeClr val="accent6"/>
     </dgm:linClrLst>
     <dgm:effectClrLst/>
     <dgm:txLinClrLst/>
@@ -4109,14 +4313,14 @@
     </dgm:txFillClrLst>
     <dgm:txEffectClrLst/>
   </dgm:styleLbl>
-  <dgm:styleLbl name="asst3">
+  <dgm:styleLbl name="trAlignAcc1">
     <dgm:fillClrLst meth="repeat">
-      <a:schemeClr val="lt1"/>
+      <a:schemeClr val="lt1">
+        <a:alpha val="40000"/>
+      </a:schemeClr>
     </dgm:fillClrLst>
     <dgm:linClrLst meth="repeat">
-      <a:schemeClr val="accent2">
-        <a:shade val="80000"/>
-      </a:schemeClr>
+      <a:schemeClr val="accent1"/>
     </dgm:linClrLst>
     <dgm:effectClrLst/>
     <dgm:txLinClrLst/>
@@ -4125,14 +4329,18 @@
     </dgm:txFillClrLst>
     <dgm:txEffectClrLst/>
   </dgm:styleLbl>
-  <dgm:styleLbl name="asst4">
+  <dgm:styleLbl name="bgAcc1">
     <dgm:fillClrLst meth="repeat">
-      <a:schemeClr val="lt1"/>
+      <a:schemeClr val="lt1">
+        <a:alpha val="90000"/>
+      </a:schemeClr>
     </dgm:fillClrLst>
     <dgm:linClrLst meth="repeat">
-      <a:schemeClr val="accent2">
-        <a:shade val="80000"/>
-      </a:schemeClr>
+      <a:schemeClr val="accent2"/>
+      <a:schemeClr val="accent3"/>
+      <a:schemeClr val="accent4"/>
+      <a:schemeClr val="accent5"/>
+      <a:schemeClr val="accent6"/>
     </dgm:linClrLst>
     <dgm:effectClrLst/>
     <dgm:txLinClrLst/>
@@ -4141,49 +4349,318 @@
     </dgm:txFillClrLst>
     <dgm:txEffectClrLst/>
   </dgm:styleLbl>
-  <dgm:styleLbl name="parChTrans2D1">
+  <dgm:styleLbl name="solidFgAcc1">
+    <dgm:fillClrLst meth="repeat">
+      <a:schemeClr val="lt1"/>
+    </dgm:fillClrLst>
+    <dgm:linClrLst meth="repeat">
+      <a:schemeClr val="accent2"/>
+      <a:schemeClr val="accent3"/>
+      <a:schemeClr val="accent4"/>
+      <a:schemeClr val="accent5"/>
+      <a:schemeClr val="accent6"/>
+    </dgm:linClrLst>
+    <dgm:effectClrLst/>
+    <dgm:txLinClrLst/>
+    <dgm:txFillClrLst meth="repeat">
+      <a:schemeClr val="dk1"/>
+    </dgm:txFillClrLst>
+    <dgm:txEffectClrLst/>
+  </dgm:styleLbl>
+  <dgm:styleLbl name="solidAlignAcc1">
+    <dgm:fillClrLst meth="repeat">
+      <a:schemeClr val="lt1"/>
+    </dgm:fillClrLst>
+    <dgm:linClrLst meth="repeat">
+      <a:schemeClr val="accent2"/>
+      <a:schemeClr val="accent3"/>
+      <a:schemeClr val="accent4"/>
+      <a:schemeClr val="accent5"/>
+      <a:schemeClr val="accent6"/>
+    </dgm:linClrLst>
+    <dgm:effectClrLst/>
+    <dgm:txLinClrLst/>
+    <dgm:txFillClrLst meth="repeat">
+      <a:schemeClr val="dk1"/>
+    </dgm:txFillClrLst>
+    <dgm:txEffectClrLst/>
+  </dgm:styleLbl>
+  <dgm:styleLbl name="solidBgAcc1">
+    <dgm:fillClrLst meth="repeat">
+      <a:schemeClr val="lt1"/>
+    </dgm:fillClrLst>
+    <dgm:linClrLst meth="repeat">
+      <a:schemeClr val="accent2"/>
+      <a:schemeClr val="accent3"/>
+      <a:schemeClr val="accent4"/>
+      <a:schemeClr val="accent5"/>
+      <a:schemeClr val="accent6"/>
+    </dgm:linClrLst>
+    <dgm:effectClrLst/>
+    <dgm:txLinClrLst/>
+    <dgm:txFillClrLst meth="repeat">
+      <a:schemeClr val="dk1"/>
+    </dgm:txFillClrLst>
+    <dgm:txEffectClrLst/>
+  </dgm:styleLbl>
+  <dgm:styleLbl name="fgAccFollowNode1">
     <dgm:fillClrLst meth="repeat">
       <a:schemeClr val="accent2">
-        <a:tint val="60000"/>
+        <a:tint val="40000"/>
+        <a:alpha val="90000"/>
+      </a:schemeClr>
+      <a:schemeClr val="accent3">
+        <a:tint val="40000"/>
+        <a:alpha val="90000"/>
+      </a:schemeClr>
+      <a:schemeClr val="accent4">
+        <a:tint val="40000"/>
+        <a:alpha val="90000"/>
+      </a:schemeClr>
+      <a:schemeClr val="accent5">
+        <a:tint val="40000"/>
+        <a:alpha val="90000"/>
+      </a:schemeClr>
+      <a:schemeClr val="accent6">
+        <a:tint val="40000"/>
+        <a:alpha val="90000"/>
       </a:schemeClr>
     </dgm:fillClrLst>
     <dgm:linClrLst meth="repeat">
       <a:schemeClr val="accent2">
-        <a:tint val="60000"/>
+        <a:tint val="40000"/>
+        <a:alpha val="90000"/>
+      </a:schemeClr>
+      <a:schemeClr val="accent3">
+        <a:tint val="40000"/>
+        <a:alpha val="90000"/>
+      </a:schemeClr>
+      <a:schemeClr val="accent4">
+        <a:tint val="40000"/>
+        <a:alpha val="90000"/>
+      </a:schemeClr>
+      <a:schemeClr val="accent5">
+        <a:tint val="40000"/>
+        <a:alpha val="90000"/>
+      </a:schemeClr>
+      <a:schemeClr val="accent6">
+        <a:tint val="40000"/>
+        <a:alpha val="90000"/>
       </a:schemeClr>
     </dgm:linClrLst>
     <dgm:effectClrLst/>
     <dgm:txLinClrLst/>
-    <dgm:txFillClrLst/>
+    <dgm:txFillClrLst meth="repeat">
+      <a:schemeClr val="dk1"/>
+    </dgm:txFillClrLst>
     <dgm:txEffectClrLst/>
   </dgm:styleLbl>
-  <dgm:styleLbl name="parChTrans2D2">
+  <dgm:styleLbl name="alignAccFollowNode1">
     <dgm:fillClrLst meth="repeat">
-      <a:schemeClr val="accent2"/>
+      <a:schemeClr val="accent2">
+        <a:tint val="40000"/>
+        <a:alpha val="90000"/>
+      </a:schemeClr>
+      <a:schemeClr val="accent3">
+        <a:tint val="40000"/>
+        <a:alpha val="90000"/>
+      </a:schemeClr>
+      <a:schemeClr val="accent4">
+        <a:tint val="40000"/>
+        <a:alpha val="90000"/>
+      </a:schemeClr>
+      <a:schemeClr val="accent5">
+        <a:tint val="40000"/>
+        <a:alpha val="90000"/>
+      </a:schemeClr>
+      <a:schemeClr val="accent6">
+        <a:tint val="40000"/>
+        <a:alpha val="90000"/>
+      </a:schemeClr>
     </dgm:fillClrLst>
     <dgm:linClrLst meth="repeat">
+      <a:schemeClr val="accent2">
+        <a:tint val="40000"/>
+        <a:alpha val="90000"/>
+      </a:schemeClr>
+      <a:schemeClr val="accent3">
+        <a:tint val="40000"/>
+        <a:alpha val="90000"/>
+      </a:schemeClr>
+      <a:schemeClr val="accent4">
+        <a:tint val="40000"/>
+        <a:alpha val="90000"/>
+      </a:schemeClr>
+      <a:schemeClr val="accent5">
+        <a:tint val="40000"/>
+        <a:alpha val="90000"/>
+      </a:schemeClr>
+      <a:schemeClr val="accent6">
+        <a:tint val="40000"/>
+        <a:alpha val="90000"/>
+      </a:schemeClr>
+    </dgm:linClrLst>
+    <dgm:effectClrLst/>
+    <dgm:txLinClrLst/>
+    <dgm:txFillClrLst meth="repeat">
+      <a:schemeClr val="dk1"/>
+    </dgm:txFillClrLst>
+    <dgm:txEffectClrLst/>
+  </dgm:styleLbl>
+  <dgm:styleLbl name="bgAccFollowNode1">
+    <dgm:fillClrLst meth="repeat">
+      <a:schemeClr val="accent2">
+        <a:tint val="40000"/>
+        <a:alpha val="90000"/>
+      </a:schemeClr>
+      <a:schemeClr val="accent3">
+        <a:tint val="40000"/>
+        <a:alpha val="90000"/>
+      </a:schemeClr>
+      <a:schemeClr val="accent4">
+        <a:tint val="40000"/>
+        <a:alpha val="90000"/>
+      </a:schemeClr>
+      <a:schemeClr val="accent5">
+        <a:tint val="40000"/>
+        <a:alpha val="90000"/>
+      </a:schemeClr>
+      <a:schemeClr val="accent6">
+        <a:tint val="40000"/>
+        <a:alpha val="90000"/>
+      </a:schemeClr>
+    </dgm:fillClrLst>
+    <dgm:linClrLst meth="repeat">
+      <a:schemeClr val="accent2">
+        <a:tint val="40000"/>
+        <a:alpha val="90000"/>
+      </a:schemeClr>
+      <a:schemeClr val="accent3">
+        <a:tint val="40000"/>
+        <a:alpha val="90000"/>
+      </a:schemeClr>
+      <a:schemeClr val="accent4">
+        <a:tint val="40000"/>
+        <a:alpha val="90000"/>
+      </a:schemeClr>
+      <a:schemeClr val="accent5">
+        <a:tint val="40000"/>
+        <a:alpha val="90000"/>
+      </a:schemeClr>
+      <a:schemeClr val="accent6">
+        <a:tint val="40000"/>
+        <a:alpha val="90000"/>
+      </a:schemeClr>
+    </dgm:linClrLst>
+    <dgm:effectClrLst/>
+    <dgm:txLinClrLst/>
+    <dgm:txFillClrLst meth="repeat">
+      <a:schemeClr val="dk1"/>
+    </dgm:txFillClrLst>
+    <dgm:txEffectClrLst/>
+  </dgm:styleLbl>
+  <dgm:styleLbl name="fgAcc0">
+    <dgm:fillClrLst meth="repeat">
+      <a:schemeClr val="lt1">
+        <a:alpha val="90000"/>
+      </a:schemeClr>
+    </dgm:fillClrLst>
+    <dgm:linClrLst>
+      <a:schemeClr val="accent1"/>
+    </dgm:linClrLst>
+    <dgm:effectClrLst/>
+    <dgm:txLinClrLst/>
+    <dgm:txFillClrLst meth="repeat">
+      <a:schemeClr val="dk1"/>
+    </dgm:txFillClrLst>
+    <dgm:txEffectClrLst/>
+  </dgm:styleLbl>
+  <dgm:styleLbl name="fgAcc2">
+    <dgm:fillClrLst meth="repeat">
+      <a:schemeClr val="lt1">
+        <a:alpha val="90000"/>
+      </a:schemeClr>
+    </dgm:fillClrLst>
+    <dgm:linClrLst>
       <a:schemeClr val="accent2"/>
     </dgm:linClrLst>
     <dgm:effectClrLst/>
     <dgm:txLinClrLst/>
-    <dgm:txFillClrLst/>
+    <dgm:txFillClrLst meth="repeat">
+      <a:schemeClr val="dk1"/>
+    </dgm:txFillClrLst>
     <dgm:txEffectClrLst/>
   </dgm:styleLbl>
-  <dgm:styleLbl name="parChTrans2D3">
+  <dgm:styleLbl name="fgAcc3">
     <dgm:fillClrLst meth="repeat">
-      <a:schemeClr val="accent2"/>
+      <a:schemeClr val="lt1">
+        <a:alpha val="90000"/>
+      </a:schemeClr>
     </dgm:fillClrLst>
-    <dgm:linClrLst meth="repeat">
-      <a:schemeClr val="accent2"/>
+    <dgm:linClrLst>
+      <a:schemeClr val="accent3"/>
     </dgm:linClrLst>
     <dgm:effectClrLst/>
     <dgm:txLinClrLst/>
-    <dgm:txFillClrLst/>
+    <dgm:txFillClrLst meth="repeat">
+      <a:schemeClr val="dk1"/>
+    </dgm:txFillClrLst>
     <dgm:txEffectClrLst/>
   </dgm:styleLbl>
-  <dgm:styleLbl name="parChTrans2D4">
+  <dgm:styleLbl name="fgAcc4">
     <dgm:fillClrLst meth="repeat">
-      <a:schemeClr val="accent2"/>
+      <a:schemeClr val="lt1">
+        <a:alpha val="90000"/>
+      </a:schemeClr>
+    </dgm:fillClrLst>
+    <dgm:linClrLst>
+      <a:schemeClr val="accent4"/>
+    </dgm:linClrLst>
+    <dgm:effectClrLst/>
+    <dgm:txLinClrLst/>
+    <dgm:txFillClrLst meth="repeat">
+      <a:schemeClr val="dk1"/>
+    </dgm:txFillClrLst>
+    <dgm:txEffectClrLst/>
+  </dgm:styleLbl>
+  <dgm:styleLbl name="bgShp">
+    <dgm:fillClrLst meth="repeat">
+      <a:schemeClr val="accent2">
+        <a:tint val="40000"/>
+      </a:schemeClr>
+    </dgm:fillClrLst>
+    <dgm:linClrLst meth="repeat">
+      <a:schemeClr val="dk1"/>
+    </dgm:linClrLst>
+    <dgm:effectClrLst/>
+    <dgm:txLinClrLst/>
+    <dgm:txFillClrLst meth="repeat">
+      <a:schemeClr val="dk1"/>
+    </dgm:txFillClrLst>
+    <dgm:txEffectClrLst/>
+  </dgm:styleLbl>
+  <dgm:styleLbl name="dkBgShp">
+    <dgm:fillClrLst meth="repeat">
+      <a:schemeClr val="accent2">
+        <a:shade val="90000"/>
+      </a:schemeClr>
+    </dgm:fillClrLst>
+    <dgm:linClrLst meth="repeat">
+      <a:schemeClr val="dk1"/>
+    </dgm:linClrLst>
+    <dgm:effectClrLst/>
+    <dgm:txLinClrLst/>
+    <dgm:txFillClrLst meth="repeat">
+      <a:schemeClr val="lt1"/>
+    </dgm:txFillClrLst>
+    <dgm:txEffectClrLst/>
+  </dgm:styleLbl>
+  <dgm:styleLbl name="trBgShp">
+    <dgm:fillClrLst meth="repeat">
+      <a:schemeClr val="accent1">
+        <a:tint val="50000"/>
+        <a:alpha val="40000"/>
+      </a:schemeClr>
     </dgm:fillClrLst>
     <dgm:linClrLst meth="repeat">
       <a:schemeClr val="accent2"/>
@@ -4195,375 +4672,10 @@
     </dgm:txFillClrLst>
     <dgm:txEffectClrLst/>
   </dgm:styleLbl>
-  <dgm:styleLbl name="parChTrans1D1">
-    <dgm:fillClrLst meth="repeat">
-      <a:schemeClr val="accent2"/>
-    </dgm:fillClrLst>
-    <dgm:linClrLst meth="repeat">
-      <a:schemeClr val="accent2">
-        <a:shade val="60000"/>
-      </a:schemeClr>
-    </dgm:linClrLst>
-    <dgm:effectClrLst/>
-    <dgm:txLinClrLst/>
-    <dgm:txFillClrLst meth="repeat">
-      <a:schemeClr val="tx1"/>
-    </dgm:txFillClrLst>
-    <dgm:txEffectClrLst/>
-  </dgm:styleLbl>
-  <dgm:styleLbl name="parChTrans1D2">
-    <dgm:fillClrLst meth="repeat">
-      <a:schemeClr val="accent2"/>
-    </dgm:fillClrLst>
-    <dgm:linClrLst meth="repeat">
-      <a:schemeClr val="accent2">
-        <a:shade val="60000"/>
-      </a:schemeClr>
-    </dgm:linClrLst>
-    <dgm:effectClrLst/>
-    <dgm:txLinClrLst/>
-    <dgm:txFillClrLst meth="repeat">
-      <a:schemeClr val="tx1"/>
-    </dgm:txFillClrLst>
-    <dgm:txEffectClrLst/>
-  </dgm:styleLbl>
-  <dgm:styleLbl name="parChTrans1D3">
-    <dgm:fillClrLst meth="repeat">
-      <a:schemeClr val="accent2"/>
-    </dgm:fillClrLst>
-    <dgm:linClrLst meth="repeat">
-      <a:schemeClr val="accent2">
-        <a:shade val="80000"/>
-      </a:schemeClr>
-    </dgm:linClrLst>
-    <dgm:effectClrLst/>
-    <dgm:txLinClrLst/>
-    <dgm:txFillClrLst meth="repeat">
-      <a:schemeClr val="tx1"/>
-    </dgm:txFillClrLst>
-    <dgm:txEffectClrLst/>
-  </dgm:styleLbl>
-  <dgm:styleLbl name="parChTrans1D4">
-    <dgm:fillClrLst meth="repeat">
-      <a:schemeClr val="accent2"/>
-    </dgm:fillClrLst>
-    <dgm:linClrLst meth="repeat">
-      <a:schemeClr val="accent2">
-        <a:shade val="80000"/>
-      </a:schemeClr>
-    </dgm:linClrLst>
-    <dgm:effectClrLst/>
-    <dgm:txLinClrLst/>
-    <dgm:txFillClrLst meth="repeat">
-      <a:schemeClr val="tx1"/>
-    </dgm:txFillClrLst>
-    <dgm:txEffectClrLst/>
-  </dgm:styleLbl>
-  <dgm:styleLbl name="fgAcc1">
-    <dgm:fillClrLst meth="repeat">
-      <a:schemeClr val="accent2">
-        <a:alpha val="90000"/>
-        <a:tint val="40000"/>
-      </a:schemeClr>
-    </dgm:fillClrLst>
-    <dgm:linClrLst meth="repeat">
-      <a:schemeClr val="accent2"/>
-    </dgm:linClrLst>
-    <dgm:effectClrLst/>
-    <dgm:txLinClrLst/>
-    <dgm:txFillClrLst meth="repeat">
-      <a:schemeClr val="dk1"/>
-    </dgm:txFillClrLst>
-    <dgm:txEffectClrLst/>
-  </dgm:styleLbl>
-  <dgm:styleLbl name="conFgAcc1">
-    <dgm:fillClrLst meth="repeat">
-      <a:schemeClr val="accent2">
-        <a:alpha val="90000"/>
-        <a:tint val="40000"/>
-      </a:schemeClr>
-    </dgm:fillClrLst>
-    <dgm:linClrLst meth="repeat">
-      <a:schemeClr val="accent2"/>
-    </dgm:linClrLst>
-    <dgm:effectClrLst/>
-    <dgm:txLinClrLst/>
-    <dgm:txFillClrLst meth="repeat">
-      <a:schemeClr val="dk1"/>
-    </dgm:txFillClrLst>
-    <dgm:txEffectClrLst/>
-  </dgm:styleLbl>
-  <dgm:styleLbl name="alignAcc1">
-    <dgm:fillClrLst meth="repeat">
-      <a:schemeClr val="accent2">
-        <a:alpha val="90000"/>
-        <a:tint val="40000"/>
-      </a:schemeClr>
-    </dgm:fillClrLst>
-    <dgm:linClrLst meth="repeat">
-      <a:schemeClr val="accent2"/>
-    </dgm:linClrLst>
-    <dgm:effectClrLst/>
-    <dgm:txLinClrLst/>
-    <dgm:txFillClrLst meth="repeat">
-      <a:schemeClr val="dk1"/>
-    </dgm:txFillClrLst>
-    <dgm:txEffectClrLst/>
-  </dgm:styleLbl>
-  <dgm:styleLbl name="trAlignAcc1">
-    <dgm:fillClrLst meth="repeat">
-      <a:schemeClr val="accent2">
-        <a:alpha val="40000"/>
-        <a:tint val="40000"/>
-      </a:schemeClr>
-    </dgm:fillClrLst>
-    <dgm:linClrLst meth="repeat">
-      <a:schemeClr val="accent2"/>
-    </dgm:linClrLst>
-    <dgm:effectClrLst/>
-    <dgm:txLinClrLst/>
-    <dgm:txFillClrLst meth="repeat">
-      <a:schemeClr val="dk1"/>
-    </dgm:txFillClrLst>
-    <dgm:txEffectClrLst/>
-  </dgm:styleLbl>
-  <dgm:styleLbl name="bgAcc1">
-    <dgm:fillClrLst meth="repeat">
-      <a:schemeClr val="accent2">
-        <a:alpha val="90000"/>
-        <a:tint val="40000"/>
-      </a:schemeClr>
-    </dgm:fillClrLst>
-    <dgm:linClrLst meth="repeat">
-      <a:schemeClr val="accent2"/>
-    </dgm:linClrLst>
-    <dgm:effectClrLst/>
-    <dgm:txLinClrLst/>
-    <dgm:txFillClrLst meth="repeat">
-      <a:schemeClr val="dk1"/>
-    </dgm:txFillClrLst>
-    <dgm:txEffectClrLst/>
-  </dgm:styleLbl>
-  <dgm:styleLbl name="solidFgAcc1">
-    <dgm:fillClrLst meth="repeat">
-      <a:schemeClr val="lt1"/>
-    </dgm:fillClrLst>
-    <dgm:linClrLst meth="repeat">
-      <a:schemeClr val="accent2"/>
-    </dgm:linClrLst>
-    <dgm:effectClrLst/>
-    <dgm:txLinClrLst/>
-    <dgm:txFillClrLst meth="repeat">
-      <a:schemeClr val="dk1"/>
-    </dgm:txFillClrLst>
-    <dgm:txEffectClrLst/>
-  </dgm:styleLbl>
-  <dgm:styleLbl name="solidAlignAcc1">
-    <dgm:fillClrLst meth="repeat">
-      <a:schemeClr val="lt1"/>
-    </dgm:fillClrLst>
-    <dgm:linClrLst meth="repeat">
-      <a:schemeClr val="accent2"/>
-    </dgm:linClrLst>
-    <dgm:effectClrLst/>
-    <dgm:txLinClrLst/>
-    <dgm:txFillClrLst meth="repeat">
-      <a:schemeClr val="dk1"/>
-    </dgm:txFillClrLst>
-    <dgm:txEffectClrLst/>
-  </dgm:styleLbl>
-  <dgm:styleLbl name="solidBgAcc1">
-    <dgm:fillClrLst meth="repeat">
-      <a:schemeClr val="lt1"/>
-    </dgm:fillClrLst>
-    <dgm:linClrLst meth="repeat">
-      <a:schemeClr val="accent2"/>
-    </dgm:linClrLst>
-    <dgm:effectClrLst/>
-    <dgm:txLinClrLst/>
-    <dgm:txFillClrLst meth="repeat">
-      <a:schemeClr val="dk1"/>
-    </dgm:txFillClrLst>
-    <dgm:txEffectClrLst/>
-  </dgm:styleLbl>
-  <dgm:styleLbl name="fgAccFollowNode1">
-    <dgm:fillClrLst meth="repeat">
-      <a:schemeClr val="lt1">
-        <a:alpha val="90000"/>
-        <a:tint val="40000"/>
-      </a:schemeClr>
-    </dgm:fillClrLst>
-    <dgm:linClrLst meth="repeat">
-      <a:schemeClr val="accent2">
-        <a:alpha val="90000"/>
-      </a:schemeClr>
-    </dgm:linClrLst>
-    <dgm:effectClrLst/>
-    <dgm:txLinClrLst/>
-    <dgm:txFillClrLst meth="repeat">
-      <a:schemeClr val="dk1"/>
-    </dgm:txFillClrLst>
-    <dgm:txEffectClrLst/>
-  </dgm:styleLbl>
-  <dgm:styleLbl name="alignAccFollowNode1">
-    <dgm:fillClrLst meth="repeat">
-      <a:schemeClr val="lt1">
-        <a:alpha val="90000"/>
-        <a:tint val="40000"/>
-      </a:schemeClr>
-    </dgm:fillClrLst>
-    <dgm:linClrLst meth="repeat">
-      <a:schemeClr val="accent2">
-        <a:alpha val="90000"/>
-      </a:schemeClr>
-    </dgm:linClrLst>
-    <dgm:effectClrLst/>
-    <dgm:txLinClrLst/>
-    <dgm:txFillClrLst meth="repeat">
-      <a:schemeClr val="dk1"/>
-    </dgm:txFillClrLst>
-    <dgm:txEffectClrLst/>
-  </dgm:styleLbl>
-  <dgm:styleLbl name="bgAccFollowNode1">
-    <dgm:fillClrLst meth="repeat">
-      <a:schemeClr val="lt1">
-        <a:alpha val="90000"/>
-        <a:tint val="40000"/>
-      </a:schemeClr>
-    </dgm:fillClrLst>
-    <dgm:linClrLst meth="repeat">
-      <a:schemeClr val="accent2">
-        <a:alpha val="90000"/>
-      </a:schemeClr>
-    </dgm:linClrLst>
-    <dgm:effectClrLst/>
-    <dgm:txLinClrLst/>
-    <dgm:txFillClrLst meth="repeat">
-      <a:schemeClr val="dk1"/>
-    </dgm:txFillClrLst>
-    <dgm:txEffectClrLst/>
-  </dgm:styleLbl>
-  <dgm:styleLbl name="fgAcc0">
-    <dgm:fillClrLst meth="repeat">
-      <a:schemeClr val="accent2">
-        <a:alpha val="90000"/>
-        <a:tint val="40000"/>
-      </a:schemeClr>
-    </dgm:fillClrLst>
-    <dgm:linClrLst meth="repeat">
-      <a:schemeClr val="accent2"/>
-    </dgm:linClrLst>
-    <dgm:effectClrLst/>
-    <dgm:txLinClrLst/>
-    <dgm:txFillClrLst meth="repeat">
-      <a:schemeClr val="dk1"/>
-    </dgm:txFillClrLst>
-    <dgm:txEffectClrLst/>
-  </dgm:styleLbl>
-  <dgm:styleLbl name="fgAcc2">
-    <dgm:fillClrLst meth="repeat">
-      <a:schemeClr val="accent2">
-        <a:alpha val="90000"/>
-        <a:tint val="40000"/>
-      </a:schemeClr>
-    </dgm:fillClrLst>
-    <dgm:linClrLst meth="repeat">
-      <a:schemeClr val="accent2"/>
-    </dgm:linClrLst>
-    <dgm:effectClrLst/>
-    <dgm:txLinClrLst/>
-    <dgm:txFillClrLst meth="repeat">
-      <a:schemeClr val="dk1"/>
-    </dgm:txFillClrLst>
-    <dgm:txEffectClrLst/>
-  </dgm:styleLbl>
-  <dgm:styleLbl name="fgAcc3">
-    <dgm:fillClrLst meth="repeat">
-      <a:schemeClr val="accent2">
-        <a:alpha val="90000"/>
-        <a:tint val="40000"/>
-      </a:schemeClr>
-    </dgm:fillClrLst>
-    <dgm:linClrLst meth="repeat">
-      <a:schemeClr val="accent2"/>
-    </dgm:linClrLst>
-    <dgm:effectClrLst/>
-    <dgm:txLinClrLst/>
-    <dgm:txFillClrLst meth="repeat">
-      <a:schemeClr val="dk1"/>
-    </dgm:txFillClrLst>
-    <dgm:txEffectClrLst/>
-  </dgm:styleLbl>
-  <dgm:styleLbl name="fgAcc4">
-    <dgm:fillClrLst meth="repeat">
-      <a:schemeClr val="accent2">
-        <a:alpha val="90000"/>
-        <a:tint val="40000"/>
-      </a:schemeClr>
-    </dgm:fillClrLst>
-    <dgm:linClrLst meth="repeat">
-      <a:schemeClr val="accent2"/>
-    </dgm:linClrLst>
-    <dgm:effectClrLst/>
-    <dgm:txLinClrLst/>
-    <dgm:txFillClrLst meth="repeat">
-      <a:schemeClr val="dk1"/>
-    </dgm:txFillClrLst>
-    <dgm:txEffectClrLst/>
-  </dgm:styleLbl>
-  <dgm:styleLbl name="bgShp">
+  <dgm:styleLbl name="fgShp">
     <dgm:fillClrLst meth="repeat">
       <a:schemeClr val="accent2">
         <a:tint val="40000"/>
-      </a:schemeClr>
-    </dgm:fillClrLst>
-    <dgm:linClrLst meth="repeat">
-      <a:schemeClr val="accent2"/>
-    </dgm:linClrLst>
-    <dgm:effectClrLst/>
-    <dgm:txLinClrLst/>
-    <dgm:txFillClrLst meth="repeat">
-      <a:schemeClr val="dk1"/>
-    </dgm:txFillClrLst>
-    <dgm:txEffectClrLst/>
-  </dgm:styleLbl>
-  <dgm:styleLbl name="dkBgShp">
-    <dgm:fillClrLst meth="repeat">
-      <a:schemeClr val="accent2">
-        <a:shade val="80000"/>
-      </a:schemeClr>
-    </dgm:fillClrLst>
-    <dgm:linClrLst meth="repeat">
-      <a:schemeClr val="accent2"/>
-    </dgm:linClrLst>
-    <dgm:effectClrLst/>
-    <dgm:txLinClrLst/>
-    <dgm:txFillClrLst meth="repeat">
-      <a:schemeClr val="lt1"/>
-    </dgm:txFillClrLst>
-    <dgm:txEffectClrLst/>
-  </dgm:styleLbl>
-  <dgm:styleLbl name="trBgShp">
-    <dgm:fillClrLst meth="repeat">
-      <a:schemeClr val="accent2">
-        <a:tint val="50000"/>
-        <a:alpha val="40000"/>
-      </a:schemeClr>
-    </dgm:fillClrLst>
-    <dgm:linClrLst meth="repeat">
-      <a:schemeClr val="accent2"/>
-    </dgm:linClrLst>
-    <dgm:effectClrLst/>
-    <dgm:txLinClrLst/>
-    <dgm:txFillClrLst meth="repeat">
-      <a:schemeClr val="lt1"/>
-    </dgm:txFillClrLst>
-    <dgm:txEffectClrLst/>
-  </dgm:styleLbl>
-  <dgm:styleLbl name="fgShp">
-    <dgm:fillClrLst meth="repeat">
-      <a:schemeClr val="accent2">
-        <a:tint val="60000"/>
       </a:schemeClr>
     </dgm:fillClrLst>
     <dgm:linClrLst meth="repeat">
@@ -5316,31 +5428,31 @@
     </dgm:pt>
   </dgm:ptLst>
   <dgm:cxnLst>
+    <dgm:cxn modelId="{C710263C-A0AD-4EEA-B413-66407596DE78}" srcId="{373A95AD-8651-49D1-9C6D-D0522859B904}" destId="{190D2D77-951B-47FB-AF03-C5EBC03C020A}" srcOrd="1" destOrd="0" parTransId="{EB6F1C15-3721-4CAF-82F3-B9CE40F26055}" sibTransId="{76A64321-FD6D-4FD1-8307-04639F009FB3}"/>
     <dgm:cxn modelId="{EE3BC4FB-AF29-43BE-8FFF-752DC5DD025A}" type="presOf" srcId="{AFC2F98E-68E5-49F9-BB35-0F2BE0502E91}" destId="{30B80190-5B25-41F4-809F-C2C6C36A0D74}" srcOrd="1" destOrd="0" presId="urn:microsoft.com/office/officeart/2005/8/layout/cycle2"/>
+    <dgm:cxn modelId="{0DBC5625-7A15-4D42-826E-BCB1BE914335}" type="presOf" srcId="{5B54F67F-3620-4EF1-AE33-D80DA4DA1A22}" destId="{0A459F09-CEB9-4F43-A984-4A7EECE53EF0}" srcOrd="0" destOrd="0" presId="urn:microsoft.com/office/officeart/2005/8/layout/cycle2"/>
+    <dgm:cxn modelId="{C178ED8B-8811-4EB7-B165-3B2D2B842BB0}" type="presOf" srcId="{11F21FCF-3899-483D-9001-052421D196AE}" destId="{34ED343E-8026-45FC-9465-361FF751BE06}" srcOrd="1" destOrd="0" presId="urn:microsoft.com/office/officeart/2005/8/layout/cycle2"/>
+    <dgm:cxn modelId="{ECA618CE-AC50-4472-B570-1D616E406780}" type="presOf" srcId="{5CC04077-0D0E-4333-8667-08FDBE396E42}" destId="{C18DF143-5BE2-45E3-91E7-19A412EDDA4C}" srcOrd="0" destOrd="0" presId="urn:microsoft.com/office/officeart/2005/8/layout/cycle2"/>
+    <dgm:cxn modelId="{0E6226C0-4836-46C4-A5E6-FE31B6157563}" type="presOf" srcId="{190D2D77-951B-47FB-AF03-C5EBC03C020A}" destId="{7F96307D-491E-48C8-B5B0-41EED41BAAB8}" srcOrd="0" destOrd="0" presId="urn:microsoft.com/office/officeart/2005/8/layout/cycle2"/>
+    <dgm:cxn modelId="{537FD934-512B-44A4-9514-3F51C547BABF}" type="presOf" srcId="{76A64321-FD6D-4FD1-8307-04639F009FB3}" destId="{0A7A086E-6363-4412-9191-7BEA44A56FF0}" srcOrd="0" destOrd="0" presId="urn:microsoft.com/office/officeart/2005/8/layout/cycle2"/>
     <dgm:cxn modelId="{6DE919EB-619D-4256-BF0E-68E4C032A857}" type="presOf" srcId="{0E4839F9-F128-4F4F-A3BF-88B15231B93F}" destId="{6D96EF14-C466-4955-83EA-9A07BAB0A161}" srcOrd="0" destOrd="0" presId="urn:microsoft.com/office/officeart/2005/8/layout/cycle2"/>
-    <dgm:cxn modelId="{04AA84F8-8C9B-48E3-A5EE-E5C905048EB4}" type="presOf" srcId="{5CC04077-0D0E-4333-8667-08FDBE396E42}" destId="{FDE9E828-6CDF-4D6E-8EE3-4CACC6AE3B2B}" srcOrd="1" destOrd="0" presId="urn:microsoft.com/office/officeart/2005/8/layout/cycle2"/>
-    <dgm:cxn modelId="{C178ED8B-8811-4EB7-B165-3B2D2B842BB0}" type="presOf" srcId="{11F21FCF-3899-483D-9001-052421D196AE}" destId="{34ED343E-8026-45FC-9465-361FF751BE06}" srcOrd="1" destOrd="0" presId="urn:microsoft.com/office/officeart/2005/8/layout/cycle2"/>
+    <dgm:cxn modelId="{7946E392-6788-4E7E-8630-CDAF04503C40}" type="presOf" srcId="{B0EEE06D-9352-4C73-BB2B-81C96AF011EB}" destId="{398A3B7B-60DC-4EA3-9A5F-34BA4706F225}" srcOrd="0" destOrd="0" presId="urn:microsoft.com/office/officeart/2005/8/layout/cycle2"/>
+    <dgm:cxn modelId="{BAC55E9D-2EF0-4DF2-8445-8A100CD8956D}" type="presOf" srcId="{76A64321-FD6D-4FD1-8307-04639F009FB3}" destId="{F3030B4A-BA4A-4224-BFC0-85894E02782B}" srcOrd="1" destOrd="0" presId="urn:microsoft.com/office/officeart/2005/8/layout/cycle2"/>
     <dgm:cxn modelId="{C571F637-A4F6-4E77-9766-23B62F7A7773}" type="presOf" srcId="{11F21FCF-3899-483D-9001-052421D196AE}" destId="{492712EC-E3E5-4145-AD7D-7EA22D95B992}" srcOrd="0" destOrd="0" presId="urn:microsoft.com/office/officeart/2005/8/layout/cycle2"/>
-    <dgm:cxn modelId="{0E6226C0-4836-46C4-A5E6-FE31B6157563}" type="presOf" srcId="{190D2D77-951B-47FB-AF03-C5EBC03C020A}" destId="{7F96307D-491E-48C8-B5B0-41EED41BAAB8}" srcOrd="0" destOrd="0" presId="urn:microsoft.com/office/officeart/2005/8/layout/cycle2"/>
-    <dgm:cxn modelId="{E3F6F4A8-6CF9-4DB1-AEF3-5692E24C6D29}" type="presOf" srcId="{8CEC66FF-9DEC-4840-B387-07859C247235}" destId="{BC9201E3-91CC-4827-9F07-CA929A728425}" srcOrd="1" destOrd="0" presId="urn:microsoft.com/office/officeart/2005/8/layout/cycle2"/>
     <dgm:cxn modelId="{8BA3F032-CBCE-4ADB-9E03-F9D22A981CEC}" srcId="{373A95AD-8651-49D1-9C6D-D0522859B904}" destId="{9D427DDB-022D-470E-9D58-EE40886559D5}" srcOrd="0" destOrd="0" parTransId="{0B22ACFC-2594-4172-80B2-79DC4DE77EE4}" sibTransId="{A82BC04C-E6C2-4B1B-BEF5-1F979631D76D}"/>
-    <dgm:cxn modelId="{ECA618CE-AC50-4472-B570-1D616E406780}" type="presOf" srcId="{5CC04077-0D0E-4333-8667-08FDBE396E42}" destId="{C18DF143-5BE2-45E3-91E7-19A412EDDA4C}" srcOrd="0" destOrd="0" presId="urn:microsoft.com/office/officeart/2005/8/layout/cycle2"/>
+    <dgm:cxn modelId="{E8BFD778-F1AE-4C80-9B41-7B7489B36D27}" type="presOf" srcId="{8CEC66FF-9DEC-4840-B387-07859C247235}" destId="{E6C0F717-9BE1-412D-B419-5DE9D94CF0B6}" srcOrd="0" destOrd="0" presId="urn:microsoft.com/office/officeart/2005/8/layout/cycle2"/>
+    <dgm:cxn modelId="{ED36127B-9674-478A-B715-C44FEC21CEE5}" srcId="{373A95AD-8651-49D1-9C6D-D0522859B904}" destId="{0E4839F9-F128-4F4F-A3BF-88B15231B93F}" srcOrd="5" destOrd="0" parTransId="{B9CCC9F4-B5F1-48FE-847E-EBB88F06BF10}" sibTransId="{11F21FCF-3899-483D-9001-052421D196AE}"/>
+    <dgm:cxn modelId="{B2063B9B-3304-44D2-9938-0E34F4FD5E92}" srcId="{373A95AD-8651-49D1-9C6D-D0522859B904}" destId="{5B54F67F-3620-4EF1-AE33-D80DA4DA1A22}" srcOrd="2" destOrd="0" parTransId="{F44D26C2-BE09-4655-9F6F-55C7F9824D2F}" sibTransId="{5CC04077-0D0E-4333-8667-08FDBE396E42}"/>
+    <dgm:cxn modelId="{9EB10856-C72C-417B-BB48-55998185322E}" srcId="{373A95AD-8651-49D1-9C6D-D0522859B904}" destId="{7DAEEAD7-688B-404E-BEA3-65BEF271C626}" srcOrd="3" destOrd="0" parTransId="{F334B9D6-E926-4DEB-8D23-A1789FC76711}" sibTransId="{8CEC66FF-9DEC-4840-B387-07859C247235}"/>
     <dgm:cxn modelId="{462649BE-A96F-4992-A915-FABAAB84BE3D}" type="presOf" srcId="{A82BC04C-E6C2-4B1B-BEF5-1F979631D76D}" destId="{FB0BCADF-94EE-4341-AFE5-E02113DEC334}" srcOrd="0" destOrd="0" presId="urn:microsoft.com/office/officeart/2005/8/layout/cycle2"/>
-    <dgm:cxn modelId="{36482ED2-52B4-4386-B7FF-4354A85AA248}" srcId="{373A95AD-8651-49D1-9C6D-D0522859B904}" destId="{B0EEE06D-9352-4C73-BB2B-81C96AF011EB}" srcOrd="4" destOrd="0" parTransId="{13A7455A-CD1B-46B6-9F1F-0605D4C77C12}" sibTransId="{AFC2F98E-68E5-49F9-BB35-0F2BE0502E91}"/>
-    <dgm:cxn modelId="{FB7A8DE7-C084-48FD-A892-BED97D141DE2}" type="presOf" srcId="{373A95AD-8651-49D1-9C6D-D0522859B904}" destId="{26A8E1E0-F959-41A1-9D9A-19D7EA7D1C83}" srcOrd="0" destOrd="0" presId="urn:microsoft.com/office/officeart/2005/8/layout/cycle2"/>
-    <dgm:cxn modelId="{9EB10856-C72C-417B-BB48-55998185322E}" srcId="{373A95AD-8651-49D1-9C6D-D0522859B904}" destId="{7DAEEAD7-688B-404E-BEA3-65BEF271C626}" srcOrd="3" destOrd="0" parTransId="{F334B9D6-E926-4DEB-8D23-A1789FC76711}" sibTransId="{8CEC66FF-9DEC-4840-B387-07859C247235}"/>
-    <dgm:cxn modelId="{E8BFD778-F1AE-4C80-9B41-7B7489B36D27}" type="presOf" srcId="{8CEC66FF-9DEC-4840-B387-07859C247235}" destId="{E6C0F717-9BE1-412D-B419-5DE9D94CF0B6}" srcOrd="0" destOrd="0" presId="urn:microsoft.com/office/officeart/2005/8/layout/cycle2"/>
-    <dgm:cxn modelId="{537FD934-512B-44A4-9514-3F51C547BABF}" type="presOf" srcId="{76A64321-FD6D-4FD1-8307-04639F009FB3}" destId="{0A7A086E-6363-4412-9191-7BEA44A56FF0}" srcOrd="0" destOrd="0" presId="urn:microsoft.com/office/officeart/2005/8/layout/cycle2"/>
-    <dgm:cxn modelId="{0DBC5625-7A15-4D42-826E-BCB1BE914335}" type="presOf" srcId="{5B54F67F-3620-4EF1-AE33-D80DA4DA1A22}" destId="{0A459F09-CEB9-4F43-A984-4A7EECE53EF0}" srcOrd="0" destOrd="0" presId="urn:microsoft.com/office/officeart/2005/8/layout/cycle2"/>
-    <dgm:cxn modelId="{83A722A1-7E0C-47BC-BF21-5DE46E17F414}" type="presOf" srcId="{A82BC04C-E6C2-4B1B-BEF5-1F979631D76D}" destId="{2249D66E-AB71-4960-93C1-29ACBC47F170}" srcOrd="1" destOrd="0" presId="urn:microsoft.com/office/officeart/2005/8/layout/cycle2"/>
-    <dgm:cxn modelId="{9398E150-A229-46DD-BED0-3D35EF88C411}" type="presOf" srcId="{7DAEEAD7-688B-404E-BEA3-65BEF271C626}" destId="{9F649EF1-D8DC-46DD-B9AD-5857994A138E}" srcOrd="0" destOrd="0" presId="urn:microsoft.com/office/officeart/2005/8/layout/cycle2"/>
-    <dgm:cxn modelId="{BAC55E9D-2EF0-4DF2-8445-8A100CD8956D}" type="presOf" srcId="{76A64321-FD6D-4FD1-8307-04639F009FB3}" destId="{F3030B4A-BA4A-4224-BFC0-85894E02782B}" srcOrd="1" destOrd="0" presId="urn:microsoft.com/office/officeart/2005/8/layout/cycle2"/>
-    <dgm:cxn modelId="{B2063B9B-3304-44D2-9938-0E34F4FD5E92}" srcId="{373A95AD-8651-49D1-9C6D-D0522859B904}" destId="{5B54F67F-3620-4EF1-AE33-D80DA4DA1A22}" srcOrd="2" destOrd="0" parTransId="{F44D26C2-BE09-4655-9F6F-55C7F9824D2F}" sibTransId="{5CC04077-0D0E-4333-8667-08FDBE396E42}"/>
-    <dgm:cxn modelId="{7946E392-6788-4E7E-8630-CDAF04503C40}" type="presOf" srcId="{B0EEE06D-9352-4C73-BB2B-81C96AF011EB}" destId="{398A3B7B-60DC-4EA3-9A5F-34BA4706F225}" srcOrd="0" destOrd="0" presId="urn:microsoft.com/office/officeart/2005/8/layout/cycle2"/>
-    <dgm:cxn modelId="{ED36127B-9674-478A-B715-C44FEC21CEE5}" srcId="{373A95AD-8651-49D1-9C6D-D0522859B904}" destId="{0E4839F9-F128-4F4F-A3BF-88B15231B93F}" srcOrd="5" destOrd="0" parTransId="{B9CCC9F4-B5F1-48FE-847E-EBB88F06BF10}" sibTransId="{11F21FCF-3899-483D-9001-052421D196AE}"/>
-    <dgm:cxn modelId="{C710263C-A0AD-4EEA-B413-66407596DE78}" srcId="{373A95AD-8651-49D1-9C6D-D0522859B904}" destId="{190D2D77-951B-47FB-AF03-C5EBC03C020A}" srcOrd="1" destOrd="0" parTransId="{EB6F1C15-3721-4CAF-82F3-B9CE40F26055}" sibTransId="{76A64321-FD6D-4FD1-8307-04639F009FB3}"/>
     <dgm:cxn modelId="{7A51BEBA-899B-41A4-B4D8-8DBC4A986B3F}" type="presOf" srcId="{9D427DDB-022D-470E-9D58-EE40886559D5}" destId="{67000C64-BDB0-489A-A930-02BB18171916}" srcOrd="0" destOrd="0" presId="urn:microsoft.com/office/officeart/2005/8/layout/cycle2"/>
     <dgm:cxn modelId="{2CD40FC6-7090-43BE-BB58-8D35956F36B9}" type="presOf" srcId="{AFC2F98E-68E5-49F9-BB35-0F2BE0502E91}" destId="{84B0F0E4-57DA-4F0C-A191-4F2F46AD1212}" srcOrd="0" destOrd="0" presId="urn:microsoft.com/office/officeart/2005/8/layout/cycle2"/>
+    <dgm:cxn modelId="{FB7A8DE7-C084-48FD-A892-BED97D141DE2}" type="presOf" srcId="{373A95AD-8651-49D1-9C6D-D0522859B904}" destId="{26A8E1E0-F959-41A1-9D9A-19D7EA7D1C83}" srcOrd="0" destOrd="0" presId="urn:microsoft.com/office/officeart/2005/8/layout/cycle2"/>
+    <dgm:cxn modelId="{04AA84F8-8C9B-48E3-A5EE-E5C905048EB4}" type="presOf" srcId="{5CC04077-0D0E-4333-8667-08FDBE396E42}" destId="{FDE9E828-6CDF-4D6E-8EE3-4CACC6AE3B2B}" srcOrd="1" destOrd="0" presId="urn:microsoft.com/office/officeart/2005/8/layout/cycle2"/>
+    <dgm:cxn modelId="{9398E150-A229-46DD-BED0-3D35EF88C411}" type="presOf" srcId="{7DAEEAD7-688B-404E-BEA3-65BEF271C626}" destId="{9F649EF1-D8DC-46DD-B9AD-5857994A138E}" srcOrd="0" destOrd="0" presId="urn:microsoft.com/office/officeart/2005/8/layout/cycle2"/>
+    <dgm:cxn modelId="{83A722A1-7E0C-47BC-BF21-5DE46E17F414}" type="presOf" srcId="{A82BC04C-E6C2-4B1B-BEF5-1F979631D76D}" destId="{2249D66E-AB71-4960-93C1-29ACBC47F170}" srcOrd="1" destOrd="0" presId="urn:microsoft.com/office/officeart/2005/8/layout/cycle2"/>
+    <dgm:cxn modelId="{E3F6F4A8-6CF9-4DB1-AEF3-5692E24C6D29}" type="presOf" srcId="{8CEC66FF-9DEC-4840-B387-07859C247235}" destId="{BC9201E3-91CC-4827-9F07-CA929A728425}" srcOrd="1" destOrd="0" presId="urn:microsoft.com/office/officeart/2005/8/layout/cycle2"/>
+    <dgm:cxn modelId="{36482ED2-52B4-4386-B7FF-4354A85AA248}" srcId="{373A95AD-8651-49D1-9C6D-D0522859B904}" destId="{B0EEE06D-9352-4C73-BB2B-81C96AF011EB}" srcOrd="4" destOrd="0" parTransId="{13A7455A-CD1B-46B6-9F1F-0605D4C77C12}" sibTransId="{AFC2F98E-68E5-49F9-BB35-0F2BE0502E91}"/>
     <dgm:cxn modelId="{42376FAC-C5A3-41F5-8D95-80DE21305086}" type="presParOf" srcId="{26A8E1E0-F959-41A1-9D9A-19D7EA7D1C83}" destId="{67000C64-BDB0-489A-A930-02BB18171916}" srcOrd="0" destOrd="0" presId="urn:microsoft.com/office/officeart/2005/8/layout/cycle2"/>
     <dgm:cxn modelId="{3658C394-FE91-4BC3-BA49-AF43FDEA9B61}" type="presParOf" srcId="{26A8E1E0-F959-41A1-9D9A-19D7EA7D1C83}" destId="{FB0BCADF-94EE-4341-AFE5-E02113DEC334}" srcOrd="1" destOrd="0" presId="urn:microsoft.com/office/officeart/2005/8/layout/cycle2"/>
     <dgm:cxn modelId="{B189B6DA-F013-452B-8819-8F0A0CC8FFB4}" type="presParOf" srcId="{FB0BCADF-94EE-4341-AFE5-E02113DEC334}" destId="{2249D66E-AB71-4960-93C1-29ACBC47F170}" srcOrd="0" destOrd="0" presId="urn:microsoft.com/office/officeart/2005/8/layout/cycle2"/>
@@ -6060,33 +6172,26 @@
 <file path=ppt/diagrams/data5.xml><?xml version="1.0" encoding="utf-8"?>
 <dgm:dataModel xmlns:dgm="http://schemas.openxmlformats.org/drawingml/2006/diagram" xmlns:a="http://schemas.openxmlformats.org/drawingml/2006/main">
   <dgm:ptLst>
-    <dgm:pt modelId="{373A95AD-8651-49D1-9C6D-D0522859B904}" type="doc">
-      <dgm:prSet loTypeId="urn:microsoft.com/office/officeart/2008/layout/CaptionedPictures" loCatId="picture" qsTypeId="urn:microsoft.com/office/officeart/2005/8/quickstyle/simple3" qsCatId="simple" csTypeId="urn:microsoft.com/office/officeart/2005/8/colors/accent2_1" csCatId="accent2" phldr="1"/>
+    <dgm:pt modelId="{CA8A986C-C7BB-4DC1-B3AB-516737DC7D35}" type="doc">
+      <dgm:prSet loTypeId="urn:microsoft.com/office/officeart/2005/8/layout/equation2" loCatId="relationship" qsTypeId="urn:microsoft.com/office/officeart/2005/8/quickstyle/simple5" qsCatId="simple" csTypeId="urn:microsoft.com/office/officeart/2005/8/colors/colorful1" csCatId="colorful" phldr="1"/>
       <dgm:spPr/>
-      <dgm:t>
-        <a:bodyPr/>
-        <a:lstStyle/>
-        <a:p>
-          <a:endParaRPr lang="en-US"/>
-        </a:p>
-      </dgm:t>
     </dgm:pt>
-    <dgm:pt modelId="{9D427DDB-022D-470E-9D58-EE40886559D5}">
-      <dgm:prSet phldrT="[Text]" custT="1"/>
+    <dgm:pt modelId="{B5C48993-20F8-4A74-BF02-C02A82D7301B}">
+      <dgm:prSet phldrT="[Text]"/>
       <dgm:spPr/>
       <dgm:t>
         <a:bodyPr/>
         <a:lstStyle/>
         <a:p>
           <a:r>
-            <a:rPr lang="en-US" sz="1600" dirty="0" smtClean="0"/>
+            <a:rPr lang="en-US" dirty="0" smtClean="0"/>
             <a:t> </a:t>
           </a:r>
-          <a:endParaRPr lang="en-US" sz="1600" dirty="0"/>
+          <a:endParaRPr lang="en-US" dirty="0"/>
         </a:p>
       </dgm:t>
     </dgm:pt>
-    <dgm:pt modelId="{0B22ACFC-2594-4172-80B2-79DC4DE77EE4}" type="parTrans" cxnId="{8BA3F032-CBCE-4ADB-9E03-F9D22A981CEC}">
+    <dgm:pt modelId="{F26765A0-945D-4924-BB9C-D616EBFC7374}" type="parTrans" cxnId="{A72113A3-8FBB-4A43-9BE7-C0EBB6ACCAE2}">
       <dgm:prSet/>
       <dgm:spPr/>
       <dgm:t>
@@ -6097,7 +6202,7 @@
         </a:p>
       </dgm:t>
     </dgm:pt>
-    <dgm:pt modelId="{A82BC04C-E6C2-4B1B-BEF5-1F979631D76D}" type="sibTrans" cxnId="{8BA3F032-CBCE-4ADB-9E03-F9D22A981CEC}">
+    <dgm:pt modelId="{812CEEF4-D338-4A47-BEC4-7C11DBA0F48F}" type="sibTrans" cxnId="{A72113A3-8FBB-4A43-9BE7-C0EBB6ACCAE2}">
       <dgm:prSet/>
       <dgm:spPr/>
       <dgm:t>
@@ -6108,14 +6213,23 @@
         </a:p>
       </dgm:t>
     </dgm:pt>
-    <dgm:pt modelId="{A7F7F0AA-2966-4FF7-8732-B6640CF22F68}" type="pres">
-      <dgm:prSet presAssocID="{373A95AD-8651-49D1-9C6D-D0522859B904}" presName="Name0" presStyleCnt="0">
-        <dgm:presLayoutVars>
-          <dgm:chMax/>
-          <dgm:chPref/>
-          <dgm:dir/>
-        </dgm:presLayoutVars>
-      </dgm:prSet>
+    <dgm:pt modelId="{B38546DD-032C-4766-95AF-865E6335A94E}">
+      <dgm:prSet phldrT="[Text]"/>
+      <dgm:spPr/>
+      <dgm:t>
+        <a:bodyPr/>
+        <a:lstStyle/>
+        <a:p>
+          <a:r>
+            <a:rPr lang="en-US" dirty="0" smtClean="0"/>
+            <a:t> </a:t>
+          </a:r>
+          <a:endParaRPr lang="en-US" dirty="0"/>
+        </a:p>
+      </dgm:t>
+    </dgm:pt>
+    <dgm:pt modelId="{285AD2CA-934E-4BD7-8562-AD0FD535307B}" type="parTrans" cxnId="{AF8BCC53-BD3F-4D65-A05F-507ACAD3D6A8}">
+      <dgm:prSet/>
       <dgm:spPr/>
       <dgm:t>
         <a:bodyPr/>
@@ -6125,55 +6239,8 @@
         </a:p>
       </dgm:t>
     </dgm:pt>
-    <dgm:pt modelId="{2AFF3B5A-4F05-4100-8BD2-5B48AC960E1D}" type="pres">
-      <dgm:prSet presAssocID="{9D427DDB-022D-470E-9D58-EE40886559D5}" presName="composite" presStyleCnt="0">
-        <dgm:presLayoutVars>
-          <dgm:chMax val="1"/>
-          <dgm:chPref val="1"/>
-        </dgm:presLayoutVars>
-      </dgm:prSet>
-      <dgm:spPr/>
-    </dgm:pt>
-    <dgm:pt modelId="{77C87452-E8DB-496F-B69C-B6DE37D28F18}" type="pres">
-      <dgm:prSet presAssocID="{9D427DDB-022D-470E-9D58-EE40886559D5}" presName="Accent" presStyleLbl="trAlignAcc1" presStyleIdx="0" presStyleCnt="1">
-        <dgm:presLayoutVars>
-          <dgm:chMax val="0"/>
-          <dgm:chPref val="0"/>
-        </dgm:presLayoutVars>
-      </dgm:prSet>
-      <dgm:spPr/>
-    </dgm:pt>
-    <dgm:pt modelId="{F209E5C1-4445-4553-B252-D64D994709F4}" type="pres">
-      <dgm:prSet presAssocID="{9D427DDB-022D-470E-9D58-EE40886559D5}" presName="Image" presStyleLbl="alignImgPlace1" presStyleIdx="0" presStyleCnt="1">
-        <dgm:presLayoutVars>
-          <dgm:chMax val="0"/>
-          <dgm:chPref val="0"/>
-        </dgm:presLayoutVars>
-      </dgm:prSet>
-      <dgm:spPr/>
-    </dgm:pt>
-    <dgm:pt modelId="{A4F72FCD-8F05-4A43-BE47-DDA6B2CA3FF7}" type="pres">
-      <dgm:prSet presAssocID="{9D427DDB-022D-470E-9D58-EE40886559D5}" presName="ChildComposite" presStyleCnt="0"/>
-      <dgm:spPr/>
-    </dgm:pt>
-    <dgm:pt modelId="{6C3B6D9C-7F2E-40C5-8934-2DE0716820F8}" type="pres">
-      <dgm:prSet presAssocID="{9D427DDB-022D-470E-9D58-EE40886559D5}" presName="Child" presStyleLbl="node1" presStyleIdx="0" presStyleCnt="0">
-        <dgm:presLayoutVars>
-          <dgm:chMax val="0"/>
-          <dgm:chPref val="0"/>
-          <dgm:bulletEnabled val="1"/>
-        </dgm:presLayoutVars>
-      </dgm:prSet>
-      <dgm:spPr/>
-    </dgm:pt>
-    <dgm:pt modelId="{93BB3CE7-DA2F-4A11-B996-AFA715DEB9EA}" type="pres">
-      <dgm:prSet presAssocID="{9D427DDB-022D-470E-9D58-EE40886559D5}" presName="Parent" presStyleLbl="revTx" presStyleIdx="0" presStyleCnt="1">
-        <dgm:presLayoutVars>
-          <dgm:chMax val="1"/>
-          <dgm:chPref val="0"/>
-          <dgm:bulletEnabled val="1"/>
-        </dgm:presLayoutVars>
-      </dgm:prSet>
+    <dgm:pt modelId="{BCB5FC7C-47DA-4D00-B3A1-FA73E78A8E25}" type="sibTrans" cxnId="{AF8BCC53-BD3F-4D65-A05F-507ACAD3D6A8}">
+      <dgm:prSet/>
       <dgm:spPr/>
       <dgm:t>
         <a:bodyPr/>
@@ -6183,17 +6250,121 @@
         </a:p>
       </dgm:t>
     </dgm:pt>
+    <dgm:pt modelId="{8C6E309E-9F5F-48EA-8B3A-80526EB18C8E}">
+      <dgm:prSet phldrT="[Text]"/>
+      <dgm:spPr/>
+      <dgm:t>
+        <a:bodyPr/>
+        <a:lstStyle/>
+        <a:p>
+          <a:r>
+            <a:rPr lang="en-US" dirty="0" smtClean="0"/>
+            <a:t> </a:t>
+          </a:r>
+          <a:endParaRPr lang="en-US" dirty="0"/>
+        </a:p>
+      </dgm:t>
+    </dgm:pt>
+    <dgm:pt modelId="{ACE94DD4-9DA6-43DE-AA53-D6CC76C95D64}" type="parTrans" cxnId="{50E1BA82-6AF2-46F5-9947-090D6AF9CEE4}">
+      <dgm:prSet/>
+      <dgm:spPr/>
+      <dgm:t>
+        <a:bodyPr/>
+        <a:lstStyle/>
+        <a:p>
+          <a:endParaRPr lang="en-US"/>
+        </a:p>
+      </dgm:t>
+    </dgm:pt>
+    <dgm:pt modelId="{F1EE8137-7716-4A03-BD45-7DABC010ECE7}" type="sibTrans" cxnId="{50E1BA82-6AF2-46F5-9947-090D6AF9CEE4}">
+      <dgm:prSet/>
+      <dgm:spPr/>
+      <dgm:t>
+        <a:bodyPr/>
+        <a:lstStyle/>
+        <a:p>
+          <a:endParaRPr lang="en-US"/>
+        </a:p>
+      </dgm:t>
+    </dgm:pt>
+    <dgm:pt modelId="{36BBAB77-E2FD-470A-84F8-129311066E6C}" type="pres">
+      <dgm:prSet presAssocID="{CA8A986C-C7BB-4DC1-B3AB-516737DC7D35}" presName="Name0" presStyleCnt="0">
+        <dgm:presLayoutVars>
+          <dgm:dir/>
+          <dgm:resizeHandles val="exact"/>
+        </dgm:presLayoutVars>
+      </dgm:prSet>
+      <dgm:spPr/>
+    </dgm:pt>
+    <dgm:pt modelId="{FA7F38D9-77EA-4EFD-ACB1-33ACCEB1C372}" type="pres">
+      <dgm:prSet presAssocID="{CA8A986C-C7BB-4DC1-B3AB-516737DC7D35}" presName="vNodes" presStyleCnt="0"/>
+      <dgm:spPr/>
+    </dgm:pt>
+    <dgm:pt modelId="{2E4C88A1-26F4-4F95-AF53-8EAA0A806F61}" type="pres">
+      <dgm:prSet presAssocID="{B5C48993-20F8-4A74-BF02-C02A82D7301B}" presName="node" presStyleLbl="node1" presStyleIdx="0" presStyleCnt="3">
+        <dgm:presLayoutVars>
+          <dgm:bulletEnabled val="1"/>
+        </dgm:presLayoutVars>
+      </dgm:prSet>
+      <dgm:spPr/>
+    </dgm:pt>
+    <dgm:pt modelId="{DBC4C0B2-6243-43A6-A9A8-8C34C9A1A1C6}" type="pres">
+      <dgm:prSet presAssocID="{812CEEF4-D338-4A47-BEC4-7C11DBA0F48F}" presName="spacerT" presStyleCnt="0"/>
+      <dgm:spPr/>
+    </dgm:pt>
+    <dgm:pt modelId="{536455A6-88A7-4B1F-8414-C49DAD71BC02}" type="pres">
+      <dgm:prSet presAssocID="{812CEEF4-D338-4A47-BEC4-7C11DBA0F48F}" presName="sibTrans" presStyleLbl="sibTrans2D1" presStyleIdx="0" presStyleCnt="2"/>
+      <dgm:spPr/>
+    </dgm:pt>
+    <dgm:pt modelId="{3E4227C0-4980-42D0-ABDA-31615CE79F6E}" type="pres">
+      <dgm:prSet presAssocID="{812CEEF4-D338-4A47-BEC4-7C11DBA0F48F}" presName="spacerB" presStyleCnt="0"/>
+      <dgm:spPr/>
+    </dgm:pt>
+    <dgm:pt modelId="{DD8990EF-CAB1-4857-AF6E-C3A3BB7D097B}" type="pres">
+      <dgm:prSet presAssocID="{B38546DD-032C-4766-95AF-865E6335A94E}" presName="node" presStyleLbl="node1" presStyleIdx="1" presStyleCnt="3">
+        <dgm:presLayoutVars>
+          <dgm:bulletEnabled val="1"/>
+        </dgm:presLayoutVars>
+      </dgm:prSet>
+      <dgm:spPr/>
+    </dgm:pt>
+    <dgm:pt modelId="{C562497D-F186-4A77-A1D3-A4C4DA72DB47}" type="pres">
+      <dgm:prSet presAssocID="{CA8A986C-C7BB-4DC1-B3AB-516737DC7D35}" presName="sibTransLast" presStyleLbl="sibTrans2D1" presStyleIdx="1" presStyleCnt="2"/>
+      <dgm:spPr/>
+    </dgm:pt>
+    <dgm:pt modelId="{5096CE0D-CEAE-4460-8DD1-DB64AAABBA82}" type="pres">
+      <dgm:prSet presAssocID="{CA8A986C-C7BB-4DC1-B3AB-516737DC7D35}" presName="connectorText" presStyleLbl="sibTrans2D1" presStyleIdx="1" presStyleCnt="2"/>
+      <dgm:spPr/>
+    </dgm:pt>
+    <dgm:pt modelId="{A4138743-2217-43EB-BD8F-4DB3663DE82F}" type="pres">
+      <dgm:prSet presAssocID="{CA8A986C-C7BB-4DC1-B3AB-516737DC7D35}" presName="lastNode" presStyleLbl="node1" presStyleIdx="2" presStyleCnt="3">
+        <dgm:presLayoutVars>
+          <dgm:bulletEnabled val="1"/>
+        </dgm:presLayoutVars>
+      </dgm:prSet>
+      <dgm:spPr/>
+    </dgm:pt>
   </dgm:ptLst>
   <dgm:cxnLst>
-    <dgm:cxn modelId="{2C9D4079-390F-40D9-B807-592BD5726B01}" type="presOf" srcId="{373A95AD-8651-49D1-9C6D-D0522859B904}" destId="{A7F7F0AA-2966-4FF7-8732-B6640CF22F68}" srcOrd="0" destOrd="0" presId="urn:microsoft.com/office/officeart/2008/layout/CaptionedPictures"/>
-    <dgm:cxn modelId="{FA8D673A-26FE-4BE5-845B-FCC53ACFF307}" type="presOf" srcId="{9D427DDB-022D-470E-9D58-EE40886559D5}" destId="{93BB3CE7-DA2F-4A11-B996-AFA715DEB9EA}" srcOrd="0" destOrd="0" presId="urn:microsoft.com/office/officeart/2008/layout/CaptionedPictures"/>
-    <dgm:cxn modelId="{8BA3F032-CBCE-4ADB-9E03-F9D22A981CEC}" srcId="{373A95AD-8651-49D1-9C6D-D0522859B904}" destId="{9D427DDB-022D-470E-9D58-EE40886559D5}" srcOrd="0" destOrd="0" parTransId="{0B22ACFC-2594-4172-80B2-79DC4DE77EE4}" sibTransId="{A82BC04C-E6C2-4B1B-BEF5-1F979631D76D}"/>
-    <dgm:cxn modelId="{8201A912-FD26-46D2-B9B9-F63B5E4C656E}" type="presParOf" srcId="{A7F7F0AA-2966-4FF7-8732-B6640CF22F68}" destId="{2AFF3B5A-4F05-4100-8BD2-5B48AC960E1D}" srcOrd="0" destOrd="0" presId="urn:microsoft.com/office/officeart/2008/layout/CaptionedPictures"/>
-    <dgm:cxn modelId="{346EA3DD-F80E-4CA2-A6C0-ACB704DFB2CB}" type="presParOf" srcId="{2AFF3B5A-4F05-4100-8BD2-5B48AC960E1D}" destId="{77C87452-E8DB-496F-B69C-B6DE37D28F18}" srcOrd="0" destOrd="0" presId="urn:microsoft.com/office/officeart/2008/layout/CaptionedPictures"/>
-    <dgm:cxn modelId="{0D25726E-95C3-49D4-8B37-4AAB57E85AD0}" type="presParOf" srcId="{2AFF3B5A-4F05-4100-8BD2-5B48AC960E1D}" destId="{F209E5C1-4445-4553-B252-D64D994709F4}" srcOrd="1" destOrd="0" presId="urn:microsoft.com/office/officeart/2008/layout/CaptionedPictures"/>
-    <dgm:cxn modelId="{3DE7C354-A61A-491D-975E-E65BCF28AFA3}" type="presParOf" srcId="{2AFF3B5A-4F05-4100-8BD2-5B48AC960E1D}" destId="{A4F72FCD-8F05-4A43-BE47-DDA6B2CA3FF7}" srcOrd="2" destOrd="0" presId="urn:microsoft.com/office/officeart/2008/layout/CaptionedPictures"/>
-    <dgm:cxn modelId="{D153D66A-E112-4EB1-85CD-979B8446BA6F}" type="presParOf" srcId="{A4F72FCD-8F05-4A43-BE47-DDA6B2CA3FF7}" destId="{6C3B6D9C-7F2E-40C5-8934-2DE0716820F8}" srcOrd="0" destOrd="0" presId="urn:microsoft.com/office/officeart/2008/layout/CaptionedPictures"/>
-    <dgm:cxn modelId="{70FCAC6E-1D0C-405A-9FE2-BFE44A7E5747}" type="presParOf" srcId="{A4F72FCD-8F05-4A43-BE47-DDA6B2CA3FF7}" destId="{93BB3CE7-DA2F-4A11-B996-AFA715DEB9EA}" srcOrd="1" destOrd="0" presId="urn:microsoft.com/office/officeart/2008/layout/CaptionedPictures"/>
+    <dgm:cxn modelId="{9B750509-5038-47EF-A8B4-5943A9E3EED1}" type="presOf" srcId="{8C6E309E-9F5F-48EA-8B3A-80526EB18C8E}" destId="{A4138743-2217-43EB-BD8F-4DB3663DE82F}" srcOrd="0" destOrd="0" presId="urn:microsoft.com/office/officeart/2005/8/layout/equation2"/>
+    <dgm:cxn modelId="{7898DA11-D68F-4FB9-A101-CEC95DDCCB25}" type="presOf" srcId="{BCB5FC7C-47DA-4D00-B3A1-FA73E78A8E25}" destId="{C562497D-F186-4A77-A1D3-A4C4DA72DB47}" srcOrd="0" destOrd="0" presId="urn:microsoft.com/office/officeart/2005/8/layout/equation2"/>
+    <dgm:cxn modelId="{48E49103-B72B-4CA7-BFFA-4ABD6235BA3F}" type="presOf" srcId="{CA8A986C-C7BB-4DC1-B3AB-516737DC7D35}" destId="{36BBAB77-E2FD-470A-84F8-129311066E6C}" srcOrd="0" destOrd="0" presId="urn:microsoft.com/office/officeart/2005/8/layout/equation2"/>
+    <dgm:cxn modelId="{4CB984E8-5F40-4022-A9AB-55909620EE1B}" type="presOf" srcId="{BCB5FC7C-47DA-4D00-B3A1-FA73E78A8E25}" destId="{5096CE0D-CEAE-4460-8DD1-DB64AAABBA82}" srcOrd="1" destOrd="0" presId="urn:microsoft.com/office/officeart/2005/8/layout/equation2"/>
+    <dgm:cxn modelId="{50E1BA82-6AF2-46F5-9947-090D6AF9CEE4}" srcId="{CA8A986C-C7BB-4DC1-B3AB-516737DC7D35}" destId="{8C6E309E-9F5F-48EA-8B3A-80526EB18C8E}" srcOrd="2" destOrd="0" parTransId="{ACE94DD4-9DA6-43DE-AA53-D6CC76C95D64}" sibTransId="{F1EE8137-7716-4A03-BD45-7DABC010ECE7}"/>
+    <dgm:cxn modelId="{748628EC-4805-4881-B2E7-870528206504}" type="presOf" srcId="{B5C48993-20F8-4A74-BF02-C02A82D7301B}" destId="{2E4C88A1-26F4-4F95-AF53-8EAA0A806F61}" srcOrd="0" destOrd="0" presId="urn:microsoft.com/office/officeart/2005/8/layout/equation2"/>
+    <dgm:cxn modelId="{C5EF6A7D-C798-413D-9CD2-9656BE9D4AEC}" type="presOf" srcId="{B38546DD-032C-4766-95AF-865E6335A94E}" destId="{DD8990EF-CAB1-4857-AF6E-C3A3BB7D097B}" srcOrd="0" destOrd="0" presId="urn:microsoft.com/office/officeart/2005/8/layout/equation2"/>
+    <dgm:cxn modelId="{AF8BCC53-BD3F-4D65-A05F-507ACAD3D6A8}" srcId="{CA8A986C-C7BB-4DC1-B3AB-516737DC7D35}" destId="{B38546DD-032C-4766-95AF-865E6335A94E}" srcOrd="1" destOrd="0" parTransId="{285AD2CA-934E-4BD7-8562-AD0FD535307B}" sibTransId="{BCB5FC7C-47DA-4D00-B3A1-FA73E78A8E25}"/>
+    <dgm:cxn modelId="{A72113A3-8FBB-4A43-9BE7-C0EBB6ACCAE2}" srcId="{CA8A986C-C7BB-4DC1-B3AB-516737DC7D35}" destId="{B5C48993-20F8-4A74-BF02-C02A82D7301B}" srcOrd="0" destOrd="0" parTransId="{F26765A0-945D-4924-BB9C-D616EBFC7374}" sibTransId="{812CEEF4-D338-4A47-BEC4-7C11DBA0F48F}"/>
+    <dgm:cxn modelId="{F91E372C-D4E1-41B7-8B07-2EA5C11EA56E}" type="presOf" srcId="{812CEEF4-D338-4A47-BEC4-7C11DBA0F48F}" destId="{536455A6-88A7-4B1F-8414-C49DAD71BC02}" srcOrd="0" destOrd="0" presId="urn:microsoft.com/office/officeart/2005/8/layout/equation2"/>
+    <dgm:cxn modelId="{D96FBF25-57D4-4A0A-A2EF-572649117F29}" type="presParOf" srcId="{36BBAB77-E2FD-470A-84F8-129311066E6C}" destId="{FA7F38D9-77EA-4EFD-ACB1-33ACCEB1C372}" srcOrd="0" destOrd="0" presId="urn:microsoft.com/office/officeart/2005/8/layout/equation2"/>
+    <dgm:cxn modelId="{FBD88FC7-AB1F-406D-BE83-834455147831}" type="presParOf" srcId="{FA7F38D9-77EA-4EFD-ACB1-33ACCEB1C372}" destId="{2E4C88A1-26F4-4F95-AF53-8EAA0A806F61}" srcOrd="0" destOrd="0" presId="urn:microsoft.com/office/officeart/2005/8/layout/equation2"/>
+    <dgm:cxn modelId="{9E80EC40-89F7-42A8-A80E-803B884D4FEC}" type="presParOf" srcId="{FA7F38D9-77EA-4EFD-ACB1-33ACCEB1C372}" destId="{DBC4C0B2-6243-43A6-A9A8-8C34C9A1A1C6}" srcOrd="1" destOrd="0" presId="urn:microsoft.com/office/officeart/2005/8/layout/equation2"/>
+    <dgm:cxn modelId="{0DF81B33-8ACA-41F8-8F0C-EED345603EB3}" type="presParOf" srcId="{FA7F38D9-77EA-4EFD-ACB1-33ACCEB1C372}" destId="{536455A6-88A7-4B1F-8414-C49DAD71BC02}" srcOrd="2" destOrd="0" presId="urn:microsoft.com/office/officeart/2005/8/layout/equation2"/>
+    <dgm:cxn modelId="{B2C87986-3CD6-4014-BD66-8F78B8D89D50}" type="presParOf" srcId="{FA7F38D9-77EA-4EFD-ACB1-33ACCEB1C372}" destId="{3E4227C0-4980-42D0-ABDA-31615CE79F6E}" srcOrd="3" destOrd="0" presId="urn:microsoft.com/office/officeart/2005/8/layout/equation2"/>
+    <dgm:cxn modelId="{2C46011C-7306-4438-B7F8-47849FD45C28}" type="presParOf" srcId="{FA7F38D9-77EA-4EFD-ACB1-33ACCEB1C372}" destId="{DD8990EF-CAB1-4857-AF6E-C3A3BB7D097B}" srcOrd="4" destOrd="0" presId="urn:microsoft.com/office/officeart/2005/8/layout/equation2"/>
+    <dgm:cxn modelId="{CFEE47C2-49CB-4FFD-A178-EBF0366CF702}" type="presParOf" srcId="{36BBAB77-E2FD-470A-84F8-129311066E6C}" destId="{C562497D-F186-4A77-A1D3-A4C4DA72DB47}" srcOrd="1" destOrd="0" presId="urn:microsoft.com/office/officeart/2005/8/layout/equation2"/>
+    <dgm:cxn modelId="{1BAA6D94-3CF1-4CEA-8AA1-A3AA186E9D6D}" type="presParOf" srcId="{C562497D-F186-4A77-A1D3-A4C4DA72DB47}" destId="{5096CE0D-CEAE-4460-8DD1-DB64AAABBA82}" srcOrd="0" destOrd="0" presId="urn:microsoft.com/office/officeart/2005/8/layout/equation2"/>
+    <dgm:cxn modelId="{91B72A9D-C7B4-4D0C-A425-8C7CE3BADD88}" type="presParOf" srcId="{36BBAB77-E2FD-470A-84F8-129311066E6C}" destId="{A4138743-2217-43EB-BD8F-4DB3663DE82F}" srcOrd="2" destOrd="0" presId="urn:microsoft.com/office/officeart/2005/8/layout/equation2"/>
   </dgm:cxnLst>
   <dgm:bg/>
   <dgm:whole/>
@@ -9195,148 +9366,97 @@
       <dsp:cNvGrpSpPr/>
     </dsp:nvGrpSpPr>
     <dsp:grpSpPr/>
-    <dsp:sp modelId="{77C87452-E8DB-496F-B69C-B6DE37D28F18}">
+    <dsp:sp modelId="{2E4C88A1-26F4-4F95-AF53-8EAA0A806F61}">
       <dsp:nvSpPr>
         <dsp:cNvPr id="0" name=""/>
         <dsp:cNvSpPr/>
       </dsp:nvSpPr>
       <dsp:spPr>
         <a:xfrm>
-          <a:off x="678559" y="446"/>
-          <a:ext cx="776480" cy="913507"/>
+          <a:off x="276325" y="152"/>
+          <a:ext cx="333319" cy="333319"/>
         </a:xfrm>
-        <a:prstGeom prst="rect">
+        <a:prstGeom prst="ellipse">
           <a:avLst/>
         </a:prstGeom>
-        <a:solidFill>
-          <a:schemeClr val="accent2">
-            <a:alpha val="40000"/>
-            <a:tint val="40000"/>
-            <a:hueOff val="0"/>
-            <a:satOff val="0"/>
-            <a:lumOff val="0"/>
-            <a:alphaOff val="0"/>
-          </a:schemeClr>
-        </a:solidFill>
-        <a:ln w="9525" cap="flat" cmpd="sng" algn="ctr">
-          <a:solidFill>
-            <a:schemeClr val="accent2">
-              <a:hueOff val="0"/>
-              <a:satOff val="0"/>
-              <a:lumOff val="0"/>
-              <a:alphaOff val="0"/>
-            </a:schemeClr>
-          </a:solidFill>
-          <a:prstDash val="solid"/>
-        </a:ln>
-        <a:effectLst/>
-      </dsp:spPr>
-      <dsp:style>
-        <a:lnRef idx="1">
-          <a:scrgbClr r="0" g="0" b="0"/>
-        </a:lnRef>
-        <a:fillRef idx="1">
-          <a:scrgbClr r="0" g="0" b="0"/>
-        </a:fillRef>
-        <a:effectRef idx="0">
-          <a:scrgbClr r="0" g="0" b="0"/>
-        </a:effectRef>
-        <a:fontRef idx="minor"/>
-      </dsp:style>
-    </dsp:sp>
-    <dsp:sp modelId="{F209E5C1-4445-4553-B252-D64D994709F4}">
-      <dsp:nvSpPr>
-        <dsp:cNvPr id="0" name=""/>
-        <dsp:cNvSpPr/>
-      </dsp:nvSpPr>
-      <dsp:spPr>
-        <a:xfrm>
-          <a:off x="717383" y="36986"/>
-          <a:ext cx="698832" cy="593779"/>
-        </a:xfrm>
-        <a:prstGeom prst="rect">
-          <a:avLst/>
-        </a:prstGeom>
-        <a:solidFill>
-          <a:schemeClr val="accent2">
-            <a:tint val="40000"/>
-            <a:hueOff val="0"/>
-            <a:satOff val="0"/>
-            <a:lumOff val="0"/>
-            <a:alphaOff val="0"/>
-          </a:schemeClr>
-        </a:solidFill>
-        <a:ln w="9525" cap="flat" cmpd="sng" algn="ctr">
-          <a:solidFill>
-            <a:schemeClr val="accent2">
-              <a:shade val="80000"/>
-              <a:hueOff val="0"/>
-              <a:satOff val="0"/>
-              <a:lumOff val="0"/>
-              <a:alphaOff val="0"/>
-            </a:schemeClr>
-          </a:solidFill>
-          <a:prstDash val="solid"/>
+        <a:gradFill rotWithShape="0">
+          <a:gsLst>
+            <a:gs pos="0">
+              <a:schemeClr val="accent2">
+                <a:hueOff val="0"/>
+                <a:satOff val="0"/>
+                <a:lumOff val="0"/>
+                <a:alphaOff val="0"/>
+                <a:shade val="51000"/>
+                <a:satMod val="130000"/>
+              </a:schemeClr>
+            </a:gs>
+            <a:gs pos="80000">
+              <a:schemeClr val="accent2">
+                <a:hueOff val="0"/>
+                <a:satOff val="0"/>
+                <a:lumOff val="0"/>
+                <a:alphaOff val="0"/>
+                <a:shade val="93000"/>
+                <a:satMod val="130000"/>
+              </a:schemeClr>
+            </a:gs>
+            <a:gs pos="100000">
+              <a:schemeClr val="accent2">
+                <a:hueOff val="0"/>
+                <a:satOff val="0"/>
+                <a:lumOff val="0"/>
+                <a:alphaOff val="0"/>
+                <a:shade val="94000"/>
+                <a:satMod val="135000"/>
+              </a:schemeClr>
+            </a:gs>
+          </a:gsLst>
+          <a:lin ang="16200000" scaled="0"/>
+        </a:gradFill>
+        <a:ln>
+          <a:noFill/>
         </a:ln>
         <a:effectLst>
-          <a:outerShdw blurRad="40000" dist="20000" dir="5400000" rotWithShape="0">
+          <a:outerShdw blurRad="40000" dist="23000" dir="5400000" rotWithShape="0">
             <a:srgbClr val="000000">
-              <a:alpha val="38000"/>
+              <a:alpha val="35000"/>
             </a:srgbClr>
           </a:outerShdw>
         </a:effectLst>
-      </dsp:spPr>
-      <dsp:style>
-        <a:lnRef idx="1">
-          <a:scrgbClr r="0" g="0" b="0"/>
-        </a:lnRef>
-        <a:fillRef idx="1">
-          <a:scrgbClr r="0" g="0" b="0"/>
-        </a:fillRef>
-        <a:effectRef idx="1">
-          <a:scrgbClr r="0" g="0" b="0"/>
-        </a:effectRef>
-        <a:fontRef idx="minor"/>
-      </dsp:style>
-    </dsp:sp>
-    <dsp:sp modelId="{93BB3CE7-DA2F-4A11-B996-AFA715DEB9EA}">
-      <dsp:nvSpPr>
-        <dsp:cNvPr id="0" name=""/>
-        <dsp:cNvSpPr/>
-      </dsp:nvSpPr>
-      <dsp:spPr>
-        <a:xfrm>
-          <a:off x="717383" y="630766"/>
-          <a:ext cx="698832" cy="246646"/>
-        </a:xfrm>
-        <a:prstGeom prst="rect">
-          <a:avLst/>
-        </a:prstGeom>
-        <a:noFill/>
-        <a:ln>
-          <a:noFill/>
-        </a:ln>
-        <a:effectLst/>
+        <a:scene3d>
+          <a:camera prst="orthographicFront">
+            <a:rot lat="0" lon="0" rev="0"/>
+          </a:camera>
+          <a:lightRig rig="threePt" dir="t">
+            <a:rot lat="0" lon="0" rev="1200000"/>
+          </a:lightRig>
+        </a:scene3d>
+        <a:sp3d>
+          <a:bevelT w="63500" h="25400"/>
+        </a:sp3d>
       </dsp:spPr>
       <dsp:style>
         <a:lnRef idx="0">
           <a:scrgbClr r="0" g="0" b="0"/>
         </a:lnRef>
-        <a:fillRef idx="0">
+        <a:fillRef idx="3">
           <a:scrgbClr r="0" g="0" b="0"/>
         </a:fillRef>
-        <a:effectRef idx="0">
+        <a:effectRef idx="3">
           <a:scrgbClr r="0" g="0" b="0"/>
         </a:effectRef>
-        <a:fontRef idx="minor"/>
+        <a:fontRef idx="minor">
+          <a:schemeClr val="lt1"/>
+        </a:fontRef>
       </dsp:style>
       <dsp:txBody>
-        <a:bodyPr spcFirstLastPara="0" vert="horz" wrap="square" lIns="60960" tIns="60960" rIns="60960" bIns="60960" numCol="1" spcCol="1270" anchor="ctr" anchorCtr="0">
+        <a:bodyPr spcFirstLastPara="0" vert="horz" wrap="square" lIns="17780" tIns="17780" rIns="17780" bIns="17780" numCol="1" spcCol="1270" anchor="ctr" anchorCtr="0">
           <a:noAutofit/>
         </a:bodyPr>
         <a:lstStyle/>
         <a:p>
-          <a:pPr lvl="0" algn="ctr" defTabSz="711200">
+          <a:pPr lvl="0" algn="ctr" defTabSz="622300">
             <a:lnSpc>
               <a:spcPct val="90000"/>
             </a:lnSpc>
@@ -9348,15 +9468,462 @@
             </a:spcAft>
           </a:pPr>
           <a:r>
-            <a:rPr lang="en-US" sz="1600" kern="1200" dirty="0" smtClean="0"/>
+            <a:rPr lang="en-US" sz="1400" kern="1200" dirty="0" smtClean="0"/>
             <a:t> </a:t>
           </a:r>
-          <a:endParaRPr lang="en-US" sz="1600" kern="1200" dirty="0"/>
+          <a:endParaRPr lang="en-US" sz="1400" kern="1200" dirty="0"/>
         </a:p>
       </dsp:txBody>
       <dsp:txXfrm>
-        <a:off x="717383" y="630766"/>
-        <a:ext cx="698832" cy="246646"/>
+        <a:off x="325138" y="48965"/>
+        <a:ext cx="235693" cy="235693"/>
+      </dsp:txXfrm>
+    </dsp:sp>
+    <dsp:sp modelId="{536455A6-88A7-4B1F-8414-C49DAD71BC02}">
+      <dsp:nvSpPr>
+        <dsp:cNvPr id="0" name=""/>
+        <dsp:cNvSpPr/>
+      </dsp:nvSpPr>
+      <dsp:spPr>
+        <a:xfrm>
+          <a:off x="346322" y="360537"/>
+          <a:ext cx="193325" cy="193325"/>
+        </a:xfrm>
+        <a:prstGeom prst="mathPlus">
+          <a:avLst/>
+        </a:prstGeom>
+        <a:gradFill rotWithShape="0">
+          <a:gsLst>
+            <a:gs pos="0">
+              <a:schemeClr val="accent2">
+                <a:hueOff val="0"/>
+                <a:satOff val="0"/>
+                <a:lumOff val="0"/>
+                <a:alphaOff val="0"/>
+                <a:shade val="51000"/>
+                <a:satMod val="130000"/>
+              </a:schemeClr>
+            </a:gs>
+            <a:gs pos="80000">
+              <a:schemeClr val="accent2">
+                <a:hueOff val="0"/>
+                <a:satOff val="0"/>
+                <a:lumOff val="0"/>
+                <a:alphaOff val="0"/>
+                <a:shade val="93000"/>
+                <a:satMod val="130000"/>
+              </a:schemeClr>
+            </a:gs>
+            <a:gs pos="100000">
+              <a:schemeClr val="accent2">
+                <a:hueOff val="0"/>
+                <a:satOff val="0"/>
+                <a:lumOff val="0"/>
+                <a:alphaOff val="0"/>
+                <a:shade val="94000"/>
+                <a:satMod val="135000"/>
+              </a:schemeClr>
+            </a:gs>
+          </a:gsLst>
+          <a:lin ang="16200000" scaled="0"/>
+        </a:gradFill>
+        <a:ln>
+          <a:noFill/>
+        </a:ln>
+        <a:effectLst>
+          <a:outerShdw blurRad="40000" dist="23000" dir="5400000" rotWithShape="0">
+            <a:srgbClr val="000000">
+              <a:alpha val="35000"/>
+            </a:srgbClr>
+          </a:outerShdw>
+        </a:effectLst>
+        <a:scene3d>
+          <a:camera prst="orthographicFront">
+            <a:rot lat="0" lon="0" rev="0"/>
+          </a:camera>
+          <a:lightRig rig="threePt" dir="t">
+            <a:rot lat="0" lon="0" rev="1200000"/>
+          </a:lightRig>
+        </a:scene3d>
+        <a:sp3d>
+          <a:bevelT w="63500" h="25400"/>
+        </a:sp3d>
+      </dsp:spPr>
+      <dsp:style>
+        <a:lnRef idx="0">
+          <a:scrgbClr r="0" g="0" b="0"/>
+        </a:lnRef>
+        <a:fillRef idx="3">
+          <a:scrgbClr r="0" g="0" b="0"/>
+        </a:fillRef>
+        <a:effectRef idx="3">
+          <a:scrgbClr r="0" g="0" b="0"/>
+        </a:effectRef>
+        <a:fontRef idx="minor">
+          <a:schemeClr val="lt1"/>
+        </a:fontRef>
+      </dsp:style>
+      <dsp:txBody>
+        <a:bodyPr spcFirstLastPara="0" vert="horz" wrap="square" lIns="0" tIns="0" rIns="0" bIns="0" numCol="1" spcCol="1270" anchor="ctr" anchorCtr="0">
+          <a:noAutofit/>
+        </a:bodyPr>
+        <a:lstStyle/>
+        <a:p>
+          <a:pPr lvl="0" algn="ctr" defTabSz="222250">
+            <a:lnSpc>
+              <a:spcPct val="90000"/>
+            </a:lnSpc>
+            <a:spcBef>
+              <a:spcPct val="0"/>
+            </a:spcBef>
+            <a:spcAft>
+              <a:spcPct val="35000"/>
+            </a:spcAft>
+          </a:pPr>
+          <a:endParaRPr lang="en-US" sz="500" kern="1200"/>
+        </a:p>
+      </dsp:txBody>
+      <dsp:txXfrm>
+        <a:off x="371947" y="434464"/>
+        <a:ext cx="142075" cy="45471"/>
+      </dsp:txXfrm>
+    </dsp:sp>
+    <dsp:sp modelId="{DD8990EF-CAB1-4857-AF6E-C3A3BB7D097B}">
+      <dsp:nvSpPr>
+        <dsp:cNvPr id="0" name=""/>
+        <dsp:cNvSpPr/>
+      </dsp:nvSpPr>
+      <dsp:spPr>
+        <a:xfrm>
+          <a:off x="276325" y="580928"/>
+          <a:ext cx="333319" cy="333319"/>
+        </a:xfrm>
+        <a:prstGeom prst="ellipse">
+          <a:avLst/>
+        </a:prstGeom>
+        <a:gradFill rotWithShape="0">
+          <a:gsLst>
+            <a:gs pos="0">
+              <a:schemeClr val="accent3">
+                <a:hueOff val="0"/>
+                <a:satOff val="0"/>
+                <a:lumOff val="0"/>
+                <a:alphaOff val="0"/>
+                <a:shade val="51000"/>
+                <a:satMod val="130000"/>
+              </a:schemeClr>
+            </a:gs>
+            <a:gs pos="80000">
+              <a:schemeClr val="accent3">
+                <a:hueOff val="0"/>
+                <a:satOff val="0"/>
+                <a:lumOff val="0"/>
+                <a:alphaOff val="0"/>
+                <a:shade val="93000"/>
+                <a:satMod val="130000"/>
+              </a:schemeClr>
+            </a:gs>
+            <a:gs pos="100000">
+              <a:schemeClr val="accent3">
+                <a:hueOff val="0"/>
+                <a:satOff val="0"/>
+                <a:lumOff val="0"/>
+                <a:alphaOff val="0"/>
+                <a:shade val="94000"/>
+                <a:satMod val="135000"/>
+              </a:schemeClr>
+            </a:gs>
+          </a:gsLst>
+          <a:lin ang="16200000" scaled="0"/>
+        </a:gradFill>
+        <a:ln>
+          <a:noFill/>
+        </a:ln>
+        <a:effectLst>
+          <a:outerShdw blurRad="40000" dist="23000" dir="5400000" rotWithShape="0">
+            <a:srgbClr val="000000">
+              <a:alpha val="35000"/>
+            </a:srgbClr>
+          </a:outerShdw>
+        </a:effectLst>
+        <a:scene3d>
+          <a:camera prst="orthographicFront">
+            <a:rot lat="0" lon="0" rev="0"/>
+          </a:camera>
+          <a:lightRig rig="threePt" dir="t">
+            <a:rot lat="0" lon="0" rev="1200000"/>
+          </a:lightRig>
+        </a:scene3d>
+        <a:sp3d>
+          <a:bevelT w="63500" h="25400"/>
+        </a:sp3d>
+      </dsp:spPr>
+      <dsp:style>
+        <a:lnRef idx="0">
+          <a:scrgbClr r="0" g="0" b="0"/>
+        </a:lnRef>
+        <a:fillRef idx="3">
+          <a:scrgbClr r="0" g="0" b="0"/>
+        </a:fillRef>
+        <a:effectRef idx="3">
+          <a:scrgbClr r="0" g="0" b="0"/>
+        </a:effectRef>
+        <a:fontRef idx="minor">
+          <a:schemeClr val="lt1"/>
+        </a:fontRef>
+      </dsp:style>
+      <dsp:txBody>
+        <a:bodyPr spcFirstLastPara="0" vert="horz" wrap="square" lIns="17780" tIns="17780" rIns="17780" bIns="17780" numCol="1" spcCol="1270" anchor="ctr" anchorCtr="0">
+          <a:noAutofit/>
+        </a:bodyPr>
+        <a:lstStyle/>
+        <a:p>
+          <a:pPr lvl="0" algn="ctr" defTabSz="622300">
+            <a:lnSpc>
+              <a:spcPct val="90000"/>
+            </a:lnSpc>
+            <a:spcBef>
+              <a:spcPct val="0"/>
+            </a:spcBef>
+            <a:spcAft>
+              <a:spcPct val="35000"/>
+            </a:spcAft>
+          </a:pPr>
+          <a:r>
+            <a:rPr lang="en-US" sz="1400" kern="1200" dirty="0" smtClean="0"/>
+            <a:t> </a:t>
+          </a:r>
+          <a:endParaRPr lang="en-US" sz="1400" kern="1200" dirty="0"/>
+        </a:p>
+      </dsp:txBody>
+      <dsp:txXfrm>
+        <a:off x="325138" y="629741"/>
+        <a:ext cx="235693" cy="235693"/>
+      </dsp:txXfrm>
+    </dsp:sp>
+    <dsp:sp modelId="{C562497D-F186-4A77-A1D3-A4C4DA72DB47}">
+      <dsp:nvSpPr>
+        <dsp:cNvPr id="0" name=""/>
+        <dsp:cNvSpPr/>
+      </dsp:nvSpPr>
+      <dsp:spPr>
+        <a:xfrm>
+          <a:off x="659642" y="395202"/>
+          <a:ext cx="105995" cy="123994"/>
+        </a:xfrm>
+        <a:prstGeom prst="rightArrow">
+          <a:avLst>
+            <a:gd name="adj1" fmla="val 60000"/>
+            <a:gd name="adj2" fmla="val 50000"/>
+          </a:avLst>
+        </a:prstGeom>
+        <a:gradFill rotWithShape="0">
+          <a:gsLst>
+            <a:gs pos="0">
+              <a:schemeClr val="accent3">
+                <a:hueOff val="0"/>
+                <a:satOff val="0"/>
+                <a:lumOff val="0"/>
+                <a:alphaOff val="0"/>
+                <a:shade val="51000"/>
+                <a:satMod val="130000"/>
+              </a:schemeClr>
+            </a:gs>
+            <a:gs pos="80000">
+              <a:schemeClr val="accent3">
+                <a:hueOff val="0"/>
+                <a:satOff val="0"/>
+                <a:lumOff val="0"/>
+                <a:alphaOff val="0"/>
+                <a:shade val="93000"/>
+                <a:satMod val="130000"/>
+              </a:schemeClr>
+            </a:gs>
+            <a:gs pos="100000">
+              <a:schemeClr val="accent3">
+                <a:hueOff val="0"/>
+                <a:satOff val="0"/>
+                <a:lumOff val="0"/>
+                <a:alphaOff val="0"/>
+                <a:shade val="94000"/>
+                <a:satMod val="135000"/>
+              </a:schemeClr>
+            </a:gs>
+          </a:gsLst>
+          <a:lin ang="16200000" scaled="0"/>
+        </a:gradFill>
+        <a:ln>
+          <a:noFill/>
+        </a:ln>
+        <a:effectLst>
+          <a:outerShdw blurRad="40000" dist="23000" dir="5400000" rotWithShape="0">
+            <a:srgbClr val="000000">
+              <a:alpha val="35000"/>
+            </a:srgbClr>
+          </a:outerShdw>
+        </a:effectLst>
+        <a:scene3d>
+          <a:camera prst="orthographicFront">
+            <a:rot lat="0" lon="0" rev="0"/>
+          </a:camera>
+          <a:lightRig rig="threePt" dir="t">
+            <a:rot lat="0" lon="0" rev="1200000"/>
+          </a:lightRig>
+        </a:scene3d>
+        <a:sp3d>
+          <a:bevelT w="63500" h="25400"/>
+        </a:sp3d>
+      </dsp:spPr>
+      <dsp:style>
+        <a:lnRef idx="0">
+          <a:scrgbClr r="0" g="0" b="0"/>
+        </a:lnRef>
+        <a:fillRef idx="3">
+          <a:scrgbClr r="0" g="0" b="0"/>
+        </a:fillRef>
+        <a:effectRef idx="3">
+          <a:scrgbClr r="0" g="0" b="0"/>
+        </a:effectRef>
+        <a:fontRef idx="minor">
+          <a:schemeClr val="lt1"/>
+        </a:fontRef>
+      </dsp:style>
+      <dsp:txBody>
+        <a:bodyPr spcFirstLastPara="0" vert="horz" wrap="square" lIns="0" tIns="0" rIns="0" bIns="0" numCol="1" spcCol="1270" anchor="ctr" anchorCtr="0">
+          <a:noAutofit/>
+        </a:bodyPr>
+        <a:lstStyle/>
+        <a:p>
+          <a:pPr lvl="0" algn="ctr" defTabSz="222250">
+            <a:lnSpc>
+              <a:spcPct val="90000"/>
+            </a:lnSpc>
+            <a:spcBef>
+              <a:spcPct val="0"/>
+            </a:spcBef>
+            <a:spcAft>
+              <a:spcPct val="35000"/>
+            </a:spcAft>
+          </a:pPr>
+          <a:endParaRPr lang="en-US" sz="500" kern="1200"/>
+        </a:p>
+      </dsp:txBody>
+      <dsp:txXfrm>
+        <a:off x="659642" y="420001"/>
+        <a:ext cx="74197" cy="74396"/>
+      </dsp:txXfrm>
+    </dsp:sp>
+    <dsp:sp modelId="{A4138743-2217-43EB-BD8F-4DB3663DE82F}">
+      <dsp:nvSpPr>
+        <dsp:cNvPr id="0" name=""/>
+        <dsp:cNvSpPr/>
+      </dsp:nvSpPr>
+      <dsp:spPr>
+        <a:xfrm>
+          <a:off x="809636" y="123880"/>
+          <a:ext cx="666638" cy="666638"/>
+        </a:xfrm>
+        <a:prstGeom prst="ellipse">
+          <a:avLst/>
+        </a:prstGeom>
+        <a:gradFill rotWithShape="0">
+          <a:gsLst>
+            <a:gs pos="0">
+              <a:schemeClr val="accent4">
+                <a:hueOff val="0"/>
+                <a:satOff val="0"/>
+                <a:lumOff val="0"/>
+                <a:alphaOff val="0"/>
+                <a:shade val="51000"/>
+                <a:satMod val="130000"/>
+              </a:schemeClr>
+            </a:gs>
+            <a:gs pos="80000">
+              <a:schemeClr val="accent4">
+                <a:hueOff val="0"/>
+                <a:satOff val="0"/>
+                <a:lumOff val="0"/>
+                <a:alphaOff val="0"/>
+                <a:shade val="93000"/>
+                <a:satMod val="130000"/>
+              </a:schemeClr>
+            </a:gs>
+            <a:gs pos="100000">
+              <a:schemeClr val="accent4">
+                <a:hueOff val="0"/>
+                <a:satOff val="0"/>
+                <a:lumOff val="0"/>
+                <a:alphaOff val="0"/>
+                <a:shade val="94000"/>
+                <a:satMod val="135000"/>
+              </a:schemeClr>
+            </a:gs>
+          </a:gsLst>
+          <a:lin ang="16200000" scaled="0"/>
+        </a:gradFill>
+        <a:ln>
+          <a:noFill/>
+        </a:ln>
+        <a:effectLst>
+          <a:outerShdw blurRad="40000" dist="23000" dir="5400000" rotWithShape="0">
+            <a:srgbClr val="000000">
+              <a:alpha val="35000"/>
+            </a:srgbClr>
+          </a:outerShdw>
+        </a:effectLst>
+        <a:scene3d>
+          <a:camera prst="orthographicFront">
+            <a:rot lat="0" lon="0" rev="0"/>
+          </a:camera>
+          <a:lightRig rig="threePt" dir="t">
+            <a:rot lat="0" lon="0" rev="1200000"/>
+          </a:lightRig>
+        </a:scene3d>
+        <a:sp3d>
+          <a:bevelT w="63500" h="25400"/>
+        </a:sp3d>
+      </dsp:spPr>
+      <dsp:style>
+        <a:lnRef idx="0">
+          <a:scrgbClr r="0" g="0" b="0"/>
+        </a:lnRef>
+        <a:fillRef idx="3">
+          <a:scrgbClr r="0" g="0" b="0"/>
+        </a:fillRef>
+        <a:effectRef idx="3">
+          <a:scrgbClr r="0" g="0" b="0"/>
+        </a:effectRef>
+        <a:fontRef idx="minor">
+          <a:schemeClr val="lt1"/>
+        </a:fontRef>
+      </dsp:style>
+      <dsp:txBody>
+        <a:bodyPr spcFirstLastPara="0" vert="horz" wrap="square" lIns="35560" tIns="35560" rIns="35560" bIns="35560" numCol="1" spcCol="1270" anchor="ctr" anchorCtr="0">
+          <a:noAutofit/>
+        </a:bodyPr>
+        <a:lstStyle/>
+        <a:p>
+          <a:pPr lvl="0" algn="ctr" defTabSz="1244600">
+            <a:lnSpc>
+              <a:spcPct val="90000"/>
+            </a:lnSpc>
+            <a:spcBef>
+              <a:spcPct val="0"/>
+            </a:spcBef>
+            <a:spcAft>
+              <a:spcPct val="35000"/>
+            </a:spcAft>
+          </a:pPr>
+          <a:r>
+            <a:rPr lang="en-US" sz="2800" kern="1200" dirty="0" smtClean="0"/>
+            <a:t> </a:t>
+          </a:r>
+          <a:endParaRPr lang="en-US" sz="2800" kern="1200" dirty="0"/>
+        </a:p>
+      </dsp:txBody>
+      <dsp:txXfrm>
+        <a:off x="907263" y="221507"/>
+        <a:ext cx="471384" cy="471384"/>
       </dsp:txXfrm>
     </dsp:sp>
   </dsp:spTree>
@@ -14094,44 +14661,16 @@
 </file>
 
 <file path=ppt/diagrams/layout5.xml><?xml version="1.0" encoding="utf-8"?>
-<dgm:layoutDef xmlns:dgm="http://schemas.openxmlformats.org/drawingml/2006/diagram" xmlns:a="http://schemas.openxmlformats.org/drawingml/2006/main" uniqueId="urn:microsoft.com/office/officeart/2008/layout/CaptionedPictures">
+<dgm:layoutDef xmlns:dgm="http://schemas.openxmlformats.org/drawingml/2006/diagram" xmlns:a="http://schemas.openxmlformats.org/drawingml/2006/main" uniqueId="urn:microsoft.com/office/officeart/2005/8/layout/equation2">
   <dgm:title val=""/>
   <dgm:desc val=""/>
   <dgm:catLst>
-    <dgm:cat type="picture" pri="5000"/>
-    <dgm:cat type="pictureconvert" pri="5000"/>
+    <dgm:cat type="relationship" pri="18000"/>
+    <dgm:cat type="process" pri="26000"/>
   </dgm:catLst>
-  <dgm:sampData>
+  <dgm:sampData useDef="1">
     <dgm:dataModel>
-      <dgm:ptLst>
-        <dgm:pt modelId="0" type="doc"/>
-        <dgm:pt modelId="10">
-          <dgm:prSet phldr="1"/>
-        </dgm:pt>
-        <dgm:pt modelId="11">
-          <dgm:prSet phldr="1"/>
-        </dgm:pt>
-        <dgm:pt modelId="20">
-          <dgm:prSet phldr="1"/>
-        </dgm:pt>
-        <dgm:pt modelId="21">
-          <dgm:prSet phldr="1"/>
-        </dgm:pt>
-        <dgm:pt modelId="30">
-          <dgm:prSet phldr="1"/>
-        </dgm:pt>
-        <dgm:pt modelId="31">
-          <dgm:prSet phldr="1"/>
-        </dgm:pt>
-      </dgm:ptLst>
-      <dgm:cxnLst>
-        <dgm:cxn modelId="60" srcId="0" destId="10" srcOrd="0" destOrd="0"/>
-        <dgm:cxn modelId="12" srcId="10" destId="11" srcOrd="0" destOrd="0"/>
-        <dgm:cxn modelId="70" srcId="0" destId="20" srcOrd="1" destOrd="0"/>
-        <dgm:cxn modelId="22" srcId="20" destId="21" srcOrd="0" destOrd="0"/>
-        <dgm:cxn modelId="80" srcId="0" destId="30" srcOrd="2" destOrd="0"/>
-        <dgm:cxn modelId="32" srcId="30" destId="31" srcOrd="0" destOrd="0"/>
-      </dgm:cxnLst>
+      <dgm:ptLst/>
       <dgm:bg/>
       <dgm:whole/>
     </dgm:dataModel>
@@ -14140,24 +14679,12 @@
     <dgm:dataModel>
       <dgm:ptLst>
         <dgm:pt modelId="0" type="doc"/>
-        <dgm:pt modelId="10">
-          <dgm:prSet phldr="1"/>
-        </dgm:pt>
-        <dgm:pt modelId="11">
-          <dgm:prSet phldr="1"/>
-        </dgm:pt>
-        <dgm:pt modelId="20">
-          <dgm:prSet phldr="1"/>
-        </dgm:pt>
-        <dgm:pt modelId="21">
-          <dgm:prSet phldr="1"/>
-        </dgm:pt>
+        <dgm:pt modelId="1"/>
+        <dgm:pt modelId="2"/>
       </dgm:ptLst>
       <dgm:cxnLst>
-        <dgm:cxn modelId="60" srcId="0" destId="10" srcOrd="0" destOrd="0"/>
-        <dgm:cxn modelId="12" srcId="10" destId="11" srcOrd="0" destOrd="0"/>
-        <dgm:cxn modelId="70" srcId="0" destId="20" srcOrd="1" destOrd="0"/>
-        <dgm:cxn modelId="22" srcId="20" destId="21" srcOrd="0" destOrd="0"/>
+        <dgm:cxn modelId="3" srcId="0" destId="1" srcOrd="0" destOrd="0"/>
+        <dgm:cxn modelId="4" srcId="0" destId="2" srcOrd="1" destOrd="0"/>
       </dgm:cxnLst>
       <dgm:bg/>
       <dgm:whole/>
@@ -14167,40 +14694,16 @@
     <dgm:dataModel>
       <dgm:ptLst>
         <dgm:pt modelId="0" type="doc"/>
-        <dgm:pt modelId="10">
-          <dgm:prSet phldr="1"/>
-        </dgm:pt>
-        <dgm:pt modelId="11">
-          <dgm:prSet phldr="1"/>
-        </dgm:pt>
-        <dgm:pt modelId="20">
-          <dgm:prSet phldr="1"/>
-        </dgm:pt>
-        <dgm:pt modelId="21">
-          <dgm:prSet phldr="1"/>
-        </dgm:pt>
-        <dgm:pt modelId="30">
-          <dgm:prSet phldr="1"/>
-        </dgm:pt>
-        <dgm:pt modelId="31">
-          <dgm:prSet phldr="1"/>
-        </dgm:pt>
-        <dgm:pt modelId="40">
-          <dgm:prSet phldr="1"/>
-        </dgm:pt>
-        <dgm:pt modelId="41">
-          <dgm:prSet phldr="1"/>
-        </dgm:pt>
+        <dgm:pt modelId="1"/>
+        <dgm:pt modelId="2"/>
+        <dgm:pt modelId="3"/>
+        <dgm:pt modelId="4"/>
       </dgm:ptLst>
       <dgm:cxnLst>
-        <dgm:cxn modelId="60" srcId="0" destId="10" srcOrd="0" destOrd="0"/>
-        <dgm:cxn modelId="12" srcId="10" destId="11" srcOrd="0" destOrd="0"/>
-        <dgm:cxn modelId="70" srcId="0" destId="20" srcOrd="1" destOrd="0"/>
-        <dgm:cxn modelId="22" srcId="20" destId="21" srcOrd="0" destOrd="0"/>
-        <dgm:cxn modelId="80" srcId="0" destId="30" srcOrd="2" destOrd="0"/>
-        <dgm:cxn modelId="32" srcId="30" destId="31" srcOrd="0" destOrd="0"/>
-        <dgm:cxn modelId="90" srcId="0" destId="40" srcOrd="3" destOrd="0"/>
-        <dgm:cxn modelId="42" srcId="40" destId="41" srcOrd="0" destOrd="0"/>
+        <dgm:cxn modelId="5" srcId="0" destId="1" srcOrd="0" destOrd="0"/>
+        <dgm:cxn modelId="6" srcId="0" destId="2" srcOrd="1" destOrd="0"/>
+        <dgm:cxn modelId="7" srcId="0" destId="3" srcOrd="2" destOrd="0"/>
+        <dgm:cxn modelId="8" srcId="0" destId="4" srcOrd="3" destOrd="0"/>
       </dgm:cxnLst>
       <dgm:bg/>
       <dgm:whole/>
@@ -14208,205 +14711,216 @@
   </dgm:clrData>
   <dgm:layoutNode name="Name0">
     <dgm:varLst>
-      <dgm:chMax/>
-      <dgm:chPref/>
       <dgm:dir/>
+      <dgm:resizeHandles val="exact"/>
     </dgm:varLst>
     <dgm:choose name="Name1">
       <dgm:if name="Name2" func="var" arg="dir" op="equ" val="norm">
-        <dgm:alg type="snake">
-          <dgm:param type="off" val="ctr"/>
+        <dgm:alg type="lin">
+          <dgm:param type="linDir" val="fromL"/>
+          <dgm:param type="fallback" val="2D"/>
         </dgm:alg>
       </dgm:if>
       <dgm:else name="Name3">
-        <dgm:alg type="snake">
-          <dgm:param type="grDir" val="tR"/>
-          <dgm:param type="off" val="ctr"/>
+        <dgm:alg type="lin">
+          <dgm:param type="linDir" val="fromR"/>
+          <dgm:param type="fallback" val="2D"/>
         </dgm:alg>
       </dgm:else>
     </dgm:choose>
     <dgm:shape xmlns:r="http://schemas.openxmlformats.org/officeDocument/2006/relationships" r:blip="">
       <dgm:adjLst/>
     </dgm:shape>
-    <dgm:constrLst>
-      <dgm:constr type="primFontSz" for="des" forName="Parent" op="equ"/>
-      <dgm:constr type="primFontSz" for="des" forName="Child" refType="primFontSz" refFor="des" refForName="Parent" op="lte"/>
-      <dgm:constr type="w" for="ch" forName="composite" refType="w"/>
-      <dgm:constr type="h" for="ch" forName="composite" refType="h"/>
-      <dgm:constr type="sp" refType="w" refFor="ch" refForName="composite" op="equ" fact="0.1"/>
-      <dgm:constr type="w" for="ch" forName="sibTrans" refType="w" refFor="ch" refForName="composite" op="equ" fact="0.1"/>
-      <dgm:constr type="h" for="ch" forName="sibTrans" refType="w" refFor="ch" refForName="sibTrans" op="equ"/>
-    </dgm:constrLst>
-    <dgm:forEach name="nodesForEach" axis="ch" ptType="node">
-      <dgm:layoutNode name="composite">
-        <dgm:varLst>
-          <dgm:chMax val="1"/>
-          <dgm:chPref val="1"/>
-        </dgm:varLst>
-        <dgm:alg type="composite">
-          <dgm:param type="ar" val="0.85"/>
-        </dgm:alg>
-        <dgm:shape xmlns:r="http://schemas.openxmlformats.org/officeDocument/2006/relationships" r:blip="">
-          <dgm:adjLst/>
-        </dgm:shape>
+    <dgm:presOf/>
+    <dgm:choose name="Name4">
+      <dgm:if name="Name5" axis="ch" ptType="node" func="cnt" op="gte" val="3">
         <dgm:constrLst>
-          <dgm:constr type="l" for="ch" forName="Accent" refType="w" fact="0"/>
-          <dgm:constr type="t" for="ch" forName="Accent" refType="h" fact="0"/>
-          <dgm:constr type="w" for="ch" forName="Accent" refType="w"/>
-          <dgm:constr type="h" for="ch" forName="Accent" refType="h"/>
-          <dgm:constr type="l" for="ch" forName="Image" refType="w" fact="0.05"/>
-          <dgm:constr type="t" for="ch" forName="Image" refType="h" fact="0.04"/>
-          <dgm:constr type="w" for="ch" forName="Image" refType="w" fact="0.9"/>
-          <dgm:constr type="h" for="ch" forName="Image" refType="h" fact="0.65"/>
-          <dgm:constr type="l" for="ch" forName="ChildComposite" refType="w" fact="0.05"/>
-          <dgm:constr type="t" for="ch" forName="ChildComposite" refType="h" fact="0.69"/>
-          <dgm:constr type="w" for="ch" forName="ChildComposite" refType="w" fact="0.9"/>
-          <dgm:constr type="h" for="ch" forName="ChildComposite" refType="h" fact="0.27"/>
+          <dgm:constr type="h" for="des" forName="node" refType="w" fact="0.5"/>
+          <dgm:constr type="w" for="ch" forName="lastNode" refType="w"/>
+          <dgm:constr type="w" for="des" forName="node" refType="h" refFor="des" refForName="node"/>
+          <dgm:constr type="w" for="ch" forName="sibTransLast" refType="h" refFor="des" refForName="node" fact="0.6"/>
+          <dgm:constr type="h" for="des" forName="sibTrans" refType="h" refFor="des" refForName="node" op="equ" fact="0.58"/>
+          <dgm:constr type="w" for="des" forName="sibTrans" refType="h" refFor="des" refForName="sibTrans" op="equ"/>
+          <dgm:constr type="primFontSz" for="ch" forName="lastNode" op="equ" val="65"/>
+          <dgm:constr type="primFontSz" for="des" forName="node" op="equ" val="65"/>
+          <dgm:constr type="primFontSz" for="des" forName="sibTrans" val="55"/>
+          <dgm:constr type="primFontSz" for="des" forName="sibTrans" refType="primFontSz" refFor="des" refForName="node" op="lte" fact="0.8"/>
+          <dgm:constr type="primFontSz" for="des" forName="connectorText" refType="primFontSz" refFor="des" refForName="node" op="lte" fact="0.8"/>
+          <dgm:constr type="primFontSz" for="des" forName="connectorText" refType="primFontSz" refFor="des" refForName="sibTrans" op="equ"/>
+          <dgm:constr type="h" for="des" forName="spacerT" refType="h" refFor="des" refForName="sibTrans" fact="0.14"/>
+          <dgm:constr type="h" for="des" forName="spacerB" refType="h" refFor="des" refForName="sibTrans" fact="0.14"/>
         </dgm:constrLst>
-        <dgm:layoutNode name="Accent" styleLbl="trAlignAcc1">
-          <dgm:varLst>
-            <dgm:chMax val="0"/>
-            <dgm:chPref val="0"/>
-          </dgm:varLst>
-          <dgm:alg type="sp"/>
-          <dgm:shape xmlns:r="http://schemas.openxmlformats.org/officeDocument/2006/relationships" type="rect" r:blip="">
+      </dgm:if>
+      <dgm:else name="Name6">
+        <dgm:constrLst>
+          <dgm:constr type="h" for="des" forName="node" refType="w"/>
+          <dgm:constr type="w" for="ch" forName="lastNode" refType="w"/>
+          <dgm:constr type="w" for="des" forName="node" refType="h" refFor="des" refForName="node"/>
+          <dgm:constr type="w" for="ch" forName="sibTransLast" refType="h" refFor="des" refForName="node" fact="0.6"/>
+          <dgm:constr type="h" for="des" forName="sibTrans" refType="h" refFor="des" refForName="node" op="equ" fact="0.58"/>
+          <dgm:constr type="w" for="des" forName="sibTrans" refType="h" refFor="des" refForName="sibTrans" op="equ"/>
+          <dgm:constr type="primFontSz" for="des" forName="node" val="65"/>
+          <dgm:constr type="primFontSz" for="ch" forName="lastNode" refType="primFontSz" refFor="des" refForName="node" op="equ"/>
+          <dgm:constr type="primFontSz" for="des" forName="sibTrans" val="55"/>
+          <dgm:constr type="primFontSz" for="des" forName="connectorText" refType="primFontSz" refFor="des" refForName="node" op="lte" fact="0.8"/>
+          <dgm:constr type="primFontSz" for="des" forName="connectorText" refType="primFontSz" refFor="des" refForName="sibTrans" op="equ"/>
+          <dgm:constr type="h" for="des" forName="spacerT" refType="h" refFor="des" refForName="sibTrans" fact="0.14"/>
+          <dgm:constr type="h" for="des" forName="spacerB" refType="h" refFor="des" refForName="sibTrans" fact="0.14"/>
+        </dgm:constrLst>
+      </dgm:else>
+    </dgm:choose>
+    <dgm:ruleLst/>
+    <dgm:choose name="Name7">
+      <dgm:if name="Name8" axis="ch" ptType="node" func="cnt" op="gte" val="1">
+        <dgm:layoutNode name="vNodes">
+          <dgm:alg type="lin">
+            <dgm:param type="linDir" val="fromT"/>
+            <dgm:param type="fallback" val="2D"/>
+          </dgm:alg>
+          <dgm:shape xmlns:r="http://schemas.openxmlformats.org/officeDocument/2006/relationships" r:blip="">
             <dgm:adjLst/>
           </dgm:shape>
           <dgm:presOf/>
+          <dgm:constrLst/>
+          <dgm:ruleLst/>
+          <dgm:forEach name="Name9" axis="ch" ptType="node">
+            <dgm:choose name="Name10">
+              <dgm:if name="Name11" axis="self" func="revPos" op="neq" val="1">
+                <dgm:layoutNode name="node">
+                  <dgm:varLst>
+                    <dgm:bulletEnabled val="1"/>
+                  </dgm:varLst>
+                  <dgm:alg type="tx">
+                    <dgm:param type="txAnchorVertCh" val="mid"/>
+                  </dgm:alg>
+                  <dgm:shape xmlns:r="http://schemas.openxmlformats.org/officeDocument/2006/relationships" type="ellipse" r:blip="">
+                    <dgm:adjLst/>
+                  </dgm:shape>
+                  <dgm:presOf axis="desOrSelf" ptType="node"/>
+                  <dgm:constrLst>
+                    <dgm:constr type="tMarg" refType="primFontSz" fact="0.1"/>
+                    <dgm:constr type="bMarg" refType="primFontSz" fact="0.1"/>
+                    <dgm:constr type="lMarg" refType="primFontSz" fact="0.1"/>
+                    <dgm:constr type="rMarg" refType="primFontSz" fact="0.1"/>
+                  </dgm:constrLst>
+                  <dgm:ruleLst>
+                    <dgm:rule type="primFontSz" val="5" fact="NaN" max="NaN"/>
+                  </dgm:ruleLst>
+                </dgm:layoutNode>
+                <dgm:choose name="Name12">
+                  <dgm:if name="Name13" axis="self" ptType="node" func="revPos" op="gt" val="2">
+                    <dgm:forEach name="sibTransForEach" axis="followSib" ptType="sibTrans" cnt="1">
+                      <dgm:layoutNode name="spacerT">
+                        <dgm:alg type="sp"/>
+                        <dgm:shape xmlns:r="http://schemas.openxmlformats.org/officeDocument/2006/relationships" r:blip="">
+                          <dgm:adjLst/>
+                        </dgm:shape>
+                        <dgm:presOf axis="self"/>
+                        <dgm:constrLst/>
+                        <dgm:ruleLst/>
+                      </dgm:layoutNode>
+                      <dgm:layoutNode name="sibTrans">
+                        <dgm:alg type="tx"/>
+                        <dgm:shape xmlns:r="http://schemas.openxmlformats.org/officeDocument/2006/relationships" type="mathPlus" r:blip="">
+                          <dgm:adjLst/>
+                        </dgm:shape>
+                        <dgm:presOf axis="self"/>
+                        <dgm:constrLst>
+                          <dgm:constr type="h" refType="w"/>
+                          <dgm:constr type="lMarg"/>
+                          <dgm:constr type="rMarg"/>
+                          <dgm:constr type="tMarg"/>
+                          <dgm:constr type="bMarg"/>
+                        </dgm:constrLst>
+                        <dgm:ruleLst>
+                          <dgm:rule type="primFontSz" val="5" fact="NaN" max="NaN"/>
+                        </dgm:ruleLst>
+                      </dgm:layoutNode>
+                      <dgm:layoutNode name="spacerB">
+                        <dgm:alg type="sp"/>
+                        <dgm:shape xmlns:r="http://schemas.openxmlformats.org/officeDocument/2006/relationships" r:blip="">
+                          <dgm:adjLst/>
+                        </dgm:shape>
+                        <dgm:presOf axis="self"/>
+                        <dgm:constrLst/>
+                        <dgm:ruleLst/>
+                      </dgm:layoutNode>
+                    </dgm:forEach>
+                  </dgm:if>
+                  <dgm:else name="Name14"/>
+                </dgm:choose>
+              </dgm:if>
+              <dgm:else name="Name15"/>
+            </dgm:choose>
+          </dgm:forEach>
         </dgm:layoutNode>
-        <dgm:layoutNode name="Image" styleLbl="alignImgPlace1">
+        <dgm:choose name="Name16">
+          <dgm:if name="Name17" axis="ch" ptType="node" func="cnt" op="gt" val="1">
+            <dgm:layoutNode name="sibTransLast">
+              <dgm:alg type="conn">
+                <dgm:param type="begPts" val="auto"/>
+                <dgm:param type="endPts" val="auto"/>
+                <dgm:param type="srcNode" val="vNodes"/>
+                <dgm:param type="dstNode" val="lastNode"/>
+              </dgm:alg>
+              <dgm:shape xmlns:r="http://schemas.openxmlformats.org/officeDocument/2006/relationships" type="conn" r:blip="">
+                <dgm:adjLst/>
+              </dgm:shape>
+              <dgm:presOf axis="ch" ptType="sibTrans" st="-1" cnt="1"/>
+              <dgm:constrLst>
+                <dgm:constr type="h" refType="w" fact="0.62"/>
+                <dgm:constr type="connDist"/>
+                <dgm:constr type="begPad" refType="connDist" fact="0.25"/>
+                <dgm:constr type="endPad" refType="connDist" fact="0.22"/>
+              </dgm:constrLst>
+              <dgm:ruleLst/>
+              <dgm:layoutNode name="connectorText">
+                <dgm:alg type="tx">
+                  <dgm:param type="autoTxRot" val="grav"/>
+                </dgm:alg>
+                <dgm:shape xmlns:r="http://schemas.openxmlformats.org/officeDocument/2006/relationships" type="conn" r:blip="" hideGeom="1">
+                  <dgm:adjLst/>
+                </dgm:shape>
+                <dgm:presOf axis="ch desOrSelf" ptType="sibTrans sibTrans" st="-1 1" cnt="1 0"/>
+                <dgm:constrLst>
+                  <dgm:constr type="lMarg"/>
+                  <dgm:constr type="rMarg"/>
+                  <dgm:constr type="tMarg"/>
+                  <dgm:constr type="bMarg"/>
+                </dgm:constrLst>
+                <dgm:ruleLst>
+                  <dgm:rule type="primFontSz" val="5" fact="NaN" max="NaN"/>
+                </dgm:ruleLst>
+              </dgm:layoutNode>
+            </dgm:layoutNode>
+          </dgm:if>
+          <dgm:else name="Name18"/>
+        </dgm:choose>
+        <dgm:layoutNode name="lastNode">
           <dgm:varLst>
-            <dgm:chMax val="0"/>
-            <dgm:chPref val="0"/>
+            <dgm:bulletEnabled val="1"/>
           </dgm:varLst>
-          <dgm:alg type="sp"/>
-          <dgm:shape xmlns:r="http://schemas.openxmlformats.org/officeDocument/2006/relationships" type="rect" r:blip="" blipPhldr="1">
+          <dgm:alg type="tx">
+            <dgm:param type="txAnchorVertCh" val="mid"/>
+          </dgm:alg>
+          <dgm:shape xmlns:r="http://schemas.openxmlformats.org/officeDocument/2006/relationships" type="ellipse" r:blip="">
             <dgm:adjLst/>
           </dgm:shape>
-          <dgm:presOf/>
+          <dgm:presOf axis="ch desOrSelf" ptType="node node" st="-1 1" cnt="1 0"/>
+          <dgm:constrLst>
+            <dgm:constr type="h" refType="w"/>
+            <dgm:constr type="tMarg" refType="primFontSz" fact="0.1"/>
+            <dgm:constr type="bMarg" refType="primFontSz" fact="0.1"/>
+            <dgm:constr type="lMarg" refType="primFontSz" fact="0.1"/>
+            <dgm:constr type="rMarg" refType="primFontSz" fact="0.1"/>
+          </dgm:constrLst>
+          <dgm:ruleLst>
+            <dgm:rule type="primFontSz" val="5" fact="NaN" max="NaN"/>
+          </dgm:ruleLst>
         </dgm:layoutNode>
-        <dgm:layoutNode name="ChildComposite">
-          <dgm:alg type="composite"/>
-          <dgm:shape xmlns:r="http://schemas.openxmlformats.org/officeDocument/2006/relationships" r:blip="">
-            <dgm:adjLst/>
-          </dgm:shape>
-          <dgm:choose name="Name4">
-            <dgm:if name="Name5" axis="ch" ptType="node" func="cnt" op="gte" val="1">
-              <dgm:constrLst>
-                <dgm:constr type="l" for="ch" forName="Parent" refType="w" fact="0"/>
-                <dgm:constr type="t" for="ch" forName="Parent" refType="h" fact="0"/>
-                <dgm:constr type="w" for="ch" forName="Parent" refType="w"/>
-                <dgm:constr type="h" for="ch" forName="Parent" refType="h" fact="0.3704"/>
-                <dgm:constr type="l" for="ch" forName="Child" refType="w" fact="0"/>
-                <dgm:constr type="t" for="ch" forName="Child" refType="h" fact="0.3704"/>
-                <dgm:constr type="w" for="ch" forName="Child" refType="w"/>
-                <dgm:constr type="h" for="ch" forName="Child" refType="h" fact="0.6296"/>
-              </dgm:constrLst>
-            </dgm:if>
-            <dgm:else name="Name6">
-              <dgm:constrLst>
-                <dgm:constr type="l" for="ch" forName="Parent" refType="w" fact="0"/>
-                <dgm:constr type="t" for="ch" forName="Parent" refType="h" fact="0"/>
-                <dgm:constr type="w" for="ch" forName="Parent" refType="w"/>
-                <dgm:constr type="h" for="ch" forName="Parent" refType="h"/>
-                <dgm:constr type="l" for="ch" forName="Child" refType="w" fact="0"/>
-                <dgm:constr type="t" for="ch" forName="Child" refType="h" fact="0"/>
-                <dgm:constr type="w" for="ch" forName="Child" refType="w" fact="0"/>
-                <dgm:constr type="h" for="ch" forName="Child" refType="h" fact="0"/>
-              </dgm:constrLst>
-            </dgm:else>
-          </dgm:choose>
-          <dgm:layoutNode name="Child" styleLbl="node1">
-            <dgm:varLst>
-              <dgm:chMax val="0"/>
-              <dgm:chPref val="0"/>
-              <dgm:bulletEnabled val="1"/>
-            </dgm:varLst>
-            <dgm:choose name="Name7">
-              <dgm:if name="Name8" axis="ch" ptType="node" func="cnt" op="gt" val="1">
-                <dgm:alg type="tx">
-                  <dgm:param type="parTxLTRAlign" val="l"/>
-                  <dgm:param type="parTxRTLAlign" val="r"/>
-                  <dgm:param type="txAnchorVert" val="mid"/>
-                  <dgm:param type="txAnchorVertCh" val="mid"/>
-                </dgm:alg>
-              </dgm:if>
-              <dgm:else name="Name9">
-                <dgm:alg type="tx">
-                  <dgm:param type="parTxLTRAlign" val="ctr"/>
-                  <dgm:param type="parTxRTLAlign" val="ctr"/>
-                  <dgm:param type="shpTxLTRAlignCh" val="l"/>
-                  <dgm:param type="shpTxRTLAlignCh" val="r"/>
-                  <dgm:param type="txAnchorVert" val="mid"/>
-                  <dgm:param type="txAnchorVertCh" val="mid"/>
-                </dgm:alg>
-              </dgm:else>
-            </dgm:choose>
-            <dgm:choose name="Name10">
-              <dgm:if name="Name11" axis="ch" ptType="node" func="cnt" op="gte" val="1">
-                <dgm:shape xmlns:r="http://schemas.openxmlformats.org/officeDocument/2006/relationships" type="rect" r:blip="">
-                  <dgm:adjLst/>
-                </dgm:shape>
-              </dgm:if>
-              <dgm:else name="Name12">
-                <dgm:shape xmlns:r="http://schemas.openxmlformats.org/officeDocument/2006/relationships" type="rect" r:blip="" hideGeom="1">
-                  <dgm:adjLst/>
-                </dgm:shape>
-              </dgm:else>
-            </dgm:choose>
-            <dgm:choose name="Name13">
-              <dgm:if name="Name14" axis="ch" ptType="node" func="cnt" op="gte" val="1">
-                <dgm:presOf axis="des" ptType="node"/>
-              </dgm:if>
-              <dgm:else name="Name15">
-                <dgm:presOf/>
-              </dgm:else>
-            </dgm:choose>
-            <dgm:constrLst>
-              <dgm:constr type="lMarg" refType="primFontSz" fact="0.3"/>
-              <dgm:constr type="rMarg" refType="primFontSz" fact="0.3"/>
-              <dgm:constr type="tMarg" refType="primFontSz" fact="0.3"/>
-              <dgm:constr type="bMarg" refType="primFontSz" fact="0.3"/>
-            </dgm:constrLst>
-            <dgm:ruleLst>
-              <dgm:rule type="primFontSz" val="5" fact="NaN" max="NaN"/>
-            </dgm:ruleLst>
-          </dgm:layoutNode>
-          <dgm:layoutNode name="Parent" styleLbl="revTx">
-            <dgm:varLst>
-              <dgm:chMax val="1"/>
-              <dgm:chPref val="0"/>
-              <dgm:bulletEnabled val="1"/>
-            </dgm:varLst>
-            <dgm:alg type="tx">
-              <dgm:param type="shpTxLTRAlignCh" val="ctr"/>
-              <dgm:param type="txAnchorVert" val="mid"/>
-            </dgm:alg>
-            <dgm:shape xmlns:r="http://schemas.openxmlformats.org/officeDocument/2006/relationships" type="rect" r:blip="">
-              <dgm:adjLst/>
-            </dgm:shape>
-            <dgm:presOf axis="self" ptType="node"/>
-            <dgm:constrLst>
-              <dgm:constr type="lMarg" refType="primFontSz" fact="0.3"/>
-              <dgm:constr type="rMarg" refType="primFontSz" fact="0.3"/>
-              <dgm:constr type="tMarg" refType="primFontSz" fact="0.3"/>
-              <dgm:constr type="bMarg" refType="primFontSz" fact="0.3"/>
-            </dgm:constrLst>
-            <dgm:ruleLst>
-              <dgm:rule type="primFontSz" val="5" fact="NaN" max="NaN"/>
-            </dgm:ruleLst>
-          </dgm:layoutNode>
-        </dgm:layoutNode>
-      </dgm:layoutNode>
-      <dgm:forEach name="sibTransForEach" axis="followSib" ptType="sibTrans" cnt="1">
-        <dgm:layoutNode name="sibTrans">
-          <dgm:alg type="sp"/>
-          <dgm:shape xmlns:r="http://schemas.openxmlformats.org/officeDocument/2006/relationships" r:blip="">
-            <dgm:adjLst/>
-          </dgm:shape>
-        </dgm:layoutNode>
-      </dgm:forEach>
-    </dgm:forEach>
+      </dgm:if>
+      <dgm:else name="Name19"/>
+    </dgm:choose>
   </dgm:layoutNode>
 </dgm:layoutDef>
 </file>
@@ -18776,11 +19290,11 @@
 </file>
 
 <file path=ppt/diagrams/quickStyle5.xml><?xml version="1.0" encoding="utf-8"?>
-<dgm:styleDef xmlns:dgm="http://schemas.openxmlformats.org/drawingml/2006/diagram" xmlns:a="http://schemas.openxmlformats.org/drawingml/2006/main" uniqueId="urn:microsoft.com/office/officeart/2005/8/quickstyle/simple3">
+<dgm:styleDef xmlns:dgm="http://schemas.openxmlformats.org/drawingml/2006/diagram" xmlns:a="http://schemas.openxmlformats.org/drawingml/2006/main" uniqueId="urn:microsoft.com/office/officeart/2005/8/quickstyle/simple5">
   <dgm:title val=""/>
   <dgm:desc val=""/>
   <dgm:catLst>
-    <dgm:cat type="simple" pri="10300"/>
+    <dgm:cat type="simple" pri="10500"/>
   </dgm:catLst>
   <dgm:scene3d>
     <a:camera prst="orthographicFront"/>
@@ -18789,68 +19303,62 @@
   <dgm:styleLbl name="node0">
     <dgm:scene3d>
       <a:camera prst="orthographicFront"/>
-      <a:lightRig rig="flat" dir="t"/>
+      <a:lightRig rig="threePt" dir="t"/>
     </dgm:scene3d>
-    <dgm:sp3d prstMaterial="dkEdge">
-      <a:bevelT w="8200" h="38100"/>
-    </dgm:sp3d>
+    <dgm:sp3d/>
     <dgm:txPr/>
     <dgm:style>
       <a:lnRef idx="0">
         <a:scrgbClr r="0" g="0" b="0"/>
       </a:lnRef>
-      <a:fillRef idx="2">
+      <a:fillRef idx="3">
         <a:scrgbClr r="0" g="0" b="0"/>
       </a:fillRef>
-      <a:effectRef idx="1">
+      <a:effectRef idx="3">
         <a:scrgbClr r="0" g="0" b="0"/>
       </a:effectRef>
       <a:fontRef idx="minor">
-        <a:schemeClr val="dk1"/>
+        <a:schemeClr val="lt1"/>
       </a:fontRef>
     </dgm:style>
   </dgm:styleLbl>
   <dgm:styleLbl name="lnNode1">
     <dgm:scene3d>
       <a:camera prst="orthographicFront"/>
-      <a:lightRig rig="flat" dir="t"/>
+      <a:lightRig rig="threePt" dir="t"/>
     </dgm:scene3d>
-    <dgm:sp3d prstMaterial="dkEdge">
-      <a:bevelT w="8200" h="38100"/>
-    </dgm:sp3d>
+    <dgm:sp3d/>
     <dgm:txPr/>
     <dgm:style>
-      <a:lnRef idx="1">
+      <a:lnRef idx="0">
         <a:scrgbClr r="0" g="0" b="0"/>
       </a:lnRef>
-      <a:fillRef idx="2">
+      <a:fillRef idx="3">
         <a:scrgbClr r="0" g="0" b="0"/>
       </a:fillRef>
-      <a:effectRef idx="0">
+      <a:effectRef idx="3">
         <a:scrgbClr r="0" g="0" b="0"/>
       </a:effectRef>
       <a:fontRef idx="minor">
-        <a:schemeClr val="dk1"/>
+        <a:schemeClr val="lt1"/>
       </a:fontRef>
     </dgm:style>
   </dgm:styleLbl>
   <dgm:styleLbl name="vennNode1">
     <dgm:scene3d>
       <a:camera prst="orthographicFront"/>
-      <a:lightRig rig="flat" dir="t"/>
+      <a:lightRig rig="threePt" dir="t"/>
     </dgm:scene3d>
-    <dgm:sp3d prstMaterial="dkEdge">
-      <a:bevelT w="8200" h="38100"/>
-    </dgm:sp3d>
+    <dgm:sp3d/>
     <dgm:txPr/>
     <dgm:style>
       <a:lnRef idx="0">
         <a:scrgbClr r="0" g="0" b="0"/>
       </a:lnRef>
-      <a:fillRef idx="2">
+      <a:fillRef idx="3">
         <a:scrgbClr r="0" g="0" b="0"/>
       </a:fillRef>
-      <a:effectRef idx="0">
+      <a:effectRef idx="3">
         <a:scrgbClr r="0" g="0" b="0"/>
       </a:effectRef>
       <a:fontRef idx="minor">
@@ -18869,110 +19377,102 @@
       <a:lnRef idx="1">
         <a:scrgbClr r="0" g="0" b="0"/>
       </a:lnRef>
-      <a:fillRef idx="2">
+      <a:fillRef idx="3">
         <a:scrgbClr r="0" g="0" b="0"/>
       </a:fillRef>
-      <a:effectRef idx="1">
+      <a:effectRef idx="3">
         <a:scrgbClr r="0" g="0" b="0"/>
       </a:effectRef>
       <a:fontRef idx="minor">
-        <a:schemeClr val="dk1"/>
+        <a:schemeClr val="lt1"/>
       </a:fontRef>
     </dgm:style>
   </dgm:styleLbl>
   <dgm:styleLbl name="node1">
     <dgm:scene3d>
       <a:camera prst="orthographicFront"/>
-      <a:lightRig rig="flat" dir="t"/>
+      <a:lightRig rig="threePt" dir="t"/>
     </dgm:scene3d>
-    <dgm:sp3d prstMaterial="dkEdge">
-      <a:bevelT w="8200" h="38100"/>
-    </dgm:sp3d>
+    <dgm:sp3d/>
     <dgm:txPr/>
     <dgm:style>
       <a:lnRef idx="0">
         <a:scrgbClr r="0" g="0" b="0"/>
       </a:lnRef>
-      <a:fillRef idx="2">
+      <a:fillRef idx="3">
         <a:scrgbClr r="0" g="0" b="0"/>
       </a:fillRef>
-      <a:effectRef idx="1">
+      <a:effectRef idx="3">
         <a:scrgbClr r="0" g="0" b="0"/>
       </a:effectRef>
       <a:fontRef idx="minor">
-        <a:schemeClr val="dk1"/>
+        <a:schemeClr val="lt1"/>
       </a:fontRef>
     </dgm:style>
   </dgm:styleLbl>
   <dgm:styleLbl name="node2">
     <dgm:scene3d>
       <a:camera prst="orthographicFront"/>
-      <a:lightRig rig="flat" dir="t"/>
+      <a:lightRig rig="threePt" dir="t"/>
     </dgm:scene3d>
-    <dgm:sp3d prstMaterial="dkEdge">
-      <a:bevelT w="8200" h="38100"/>
-    </dgm:sp3d>
+    <dgm:sp3d/>
     <dgm:txPr/>
     <dgm:style>
       <a:lnRef idx="0">
         <a:scrgbClr r="0" g="0" b="0"/>
       </a:lnRef>
-      <a:fillRef idx="2">
+      <a:fillRef idx="3">
         <a:scrgbClr r="0" g="0" b="0"/>
       </a:fillRef>
-      <a:effectRef idx="1">
+      <a:effectRef idx="3">
         <a:scrgbClr r="0" g="0" b="0"/>
       </a:effectRef>
       <a:fontRef idx="minor">
-        <a:schemeClr val="dk1"/>
+        <a:schemeClr val="lt1"/>
       </a:fontRef>
     </dgm:style>
   </dgm:styleLbl>
   <dgm:styleLbl name="node3">
     <dgm:scene3d>
       <a:camera prst="orthographicFront"/>
-      <a:lightRig rig="flat" dir="t"/>
+      <a:lightRig rig="threePt" dir="t"/>
     </dgm:scene3d>
-    <dgm:sp3d prstMaterial="dkEdge">
-      <a:bevelT w="8200" h="38100"/>
-    </dgm:sp3d>
+    <dgm:sp3d/>
     <dgm:txPr/>
     <dgm:style>
       <a:lnRef idx="0">
         <a:scrgbClr r="0" g="0" b="0"/>
       </a:lnRef>
-      <a:fillRef idx="2">
+      <a:fillRef idx="3">
         <a:scrgbClr r="0" g="0" b="0"/>
       </a:fillRef>
-      <a:effectRef idx="1">
+      <a:effectRef idx="3">
         <a:scrgbClr r="0" g="0" b="0"/>
       </a:effectRef>
       <a:fontRef idx="minor">
-        <a:schemeClr val="dk1"/>
+        <a:schemeClr val="lt1"/>
       </a:fontRef>
     </dgm:style>
   </dgm:styleLbl>
   <dgm:styleLbl name="node4">
     <dgm:scene3d>
       <a:camera prst="orthographicFront"/>
-      <a:lightRig rig="flat" dir="t"/>
+      <a:lightRig rig="threePt" dir="t"/>
     </dgm:scene3d>
-    <dgm:sp3d prstMaterial="dkEdge">
-      <a:bevelT w="8200" h="38100"/>
-    </dgm:sp3d>
+    <dgm:sp3d/>
     <dgm:txPr/>
     <dgm:style>
       <a:lnRef idx="0">
         <a:scrgbClr r="0" g="0" b="0"/>
       </a:lnRef>
-      <a:fillRef idx="2">
+      <a:fillRef idx="3">
         <a:scrgbClr r="0" g="0" b="0"/>
       </a:fillRef>
-      <a:effectRef idx="1">
+      <a:effectRef idx="3">
         <a:scrgbClr r="0" g="0" b="0"/>
       </a:effectRef>
       <a:fontRef idx="minor">
-        <a:schemeClr val="dk1"/>
+        <a:schemeClr val="lt1"/>
       </a:fontRef>
     </dgm:style>
   </dgm:styleLbl>
@@ -18984,13 +19484,13 @@
     <dgm:sp3d/>
     <dgm:txPr/>
     <dgm:style>
-      <a:lnRef idx="1">
+      <a:lnRef idx="0">
         <a:scrgbClr r="0" g="0" b="0"/>
       </a:lnRef>
       <a:fillRef idx="1">
         <a:scrgbClr r="0" g="0" b="0"/>
       </a:fillRef>
-      <a:effectRef idx="1">
+      <a:effectRef idx="3">
         <a:scrgbClr r="0" g="0" b="0"/>
       </a:effectRef>
       <a:fontRef idx="minor"/>
@@ -19004,13 +19504,13 @@
     <dgm:sp3d/>
     <dgm:txPr/>
     <dgm:style>
-      <a:lnRef idx="1">
+      <a:lnRef idx="0">
         <a:scrgbClr r="0" g="0" b="0"/>
       </a:lnRef>
       <a:fillRef idx="1">
         <a:scrgbClr r="0" g="0" b="0"/>
       </a:fillRef>
-      <a:effectRef idx="1">
+      <a:effectRef idx="3">
         <a:scrgbClr r="0" g="0" b="0"/>
       </a:effectRef>
       <a:fontRef idx="minor"/>
@@ -19024,13 +19524,13 @@
     <dgm:sp3d/>
     <dgm:txPr/>
     <dgm:style>
-      <a:lnRef idx="1">
+      <a:lnRef idx="0">
         <a:scrgbClr r="0" g="0" b="0"/>
       </a:lnRef>
       <a:fillRef idx="1">
         <a:scrgbClr r="0" g="0" b="0"/>
       </a:fillRef>
-      <a:effectRef idx="1">
+      <a:effectRef idx="3">
         <a:scrgbClr r="0" g="0" b="0"/>
       </a:effectRef>
       <a:fontRef idx="minor"/>
@@ -19047,14 +19547,14 @@
       <a:lnRef idx="0">
         <a:scrgbClr r="0" g="0" b="0"/>
       </a:lnRef>
-      <a:fillRef idx="2">
+      <a:fillRef idx="3">
         <a:scrgbClr r="0" g="0" b="0"/>
       </a:fillRef>
-      <a:effectRef idx="1">
+      <a:effectRef idx="3">
         <a:scrgbClr r="0" g="0" b="0"/>
       </a:effectRef>
       <a:fontRef idx="minor">
-        <a:schemeClr val="dk1"/>
+        <a:schemeClr val="lt1"/>
       </a:fontRef>
     </dgm:style>
   </dgm:styleLbl>
@@ -19069,14 +19569,14 @@
       <a:lnRef idx="0">
         <a:scrgbClr r="0" g="0" b="0"/>
       </a:lnRef>
-      <a:fillRef idx="2">
+      <a:fillRef idx="3">
         <a:scrgbClr r="0" g="0" b="0"/>
       </a:fillRef>
-      <a:effectRef idx="1">
+      <a:effectRef idx="3">
         <a:scrgbClr r="0" g="0" b="0"/>
       </a:effectRef>
       <a:fontRef idx="minor">
-        <a:schemeClr val="dk1"/>
+        <a:schemeClr val="lt1"/>
       </a:fontRef>
     </dgm:style>
   </dgm:styleLbl>
@@ -19091,14 +19591,14 @@
       <a:lnRef idx="0">
         <a:scrgbClr r="0" g="0" b="0"/>
       </a:lnRef>
-      <a:fillRef idx="2">
+      <a:fillRef idx="3">
         <a:scrgbClr r="0" g="0" b="0"/>
       </a:fillRef>
-      <a:effectRef idx="1">
+      <a:effectRef idx="3">
         <a:scrgbClr r="0" g="0" b="0"/>
       </a:effectRef>
       <a:fontRef idx="minor">
-        <a:schemeClr val="dk1"/>
+        <a:schemeClr val="lt1"/>
       </a:fontRef>
     </dgm:style>
   </dgm:styleLbl>
@@ -19133,7 +19633,7 @@
       <a:lnRef idx="1">
         <a:scrgbClr r="0" g="0" b="0"/>
       </a:lnRef>
-      <a:fillRef idx="2">
+      <a:fillRef idx="0">
         <a:scrgbClr r="0" g="0" b="0"/>
       </a:fillRef>
       <a:effectRef idx="1">
@@ -19145,120 +19645,110 @@
   <dgm:styleLbl name="asst0">
     <dgm:scene3d>
       <a:camera prst="orthographicFront"/>
-      <a:lightRig rig="flat" dir="t"/>
+      <a:lightRig rig="threePt" dir="t"/>
     </dgm:scene3d>
-    <dgm:sp3d prstMaterial="dkEdge">
-      <a:bevelT w="8200" h="38100"/>
-    </dgm:sp3d>
+    <dgm:sp3d/>
     <dgm:txPr/>
     <dgm:style>
       <a:lnRef idx="0">
         <a:scrgbClr r="0" g="0" b="0"/>
       </a:lnRef>
-      <a:fillRef idx="2">
+      <a:fillRef idx="3">
         <a:scrgbClr r="0" g="0" b="0"/>
       </a:fillRef>
-      <a:effectRef idx="1">
+      <a:effectRef idx="3">
         <a:scrgbClr r="0" g="0" b="0"/>
       </a:effectRef>
       <a:fontRef idx="minor">
-        <a:schemeClr val="dk1"/>
+        <a:schemeClr val="lt1"/>
       </a:fontRef>
     </dgm:style>
   </dgm:styleLbl>
   <dgm:styleLbl name="asst1">
     <dgm:scene3d>
       <a:camera prst="orthographicFront"/>
-      <a:lightRig rig="flat" dir="t"/>
+      <a:lightRig rig="threePt" dir="t"/>
     </dgm:scene3d>
-    <dgm:sp3d prstMaterial="dkEdge">
-      <a:bevelT w="8200" h="38100"/>
-    </dgm:sp3d>
+    <dgm:sp3d/>
     <dgm:txPr/>
     <dgm:style>
       <a:lnRef idx="0">
         <a:scrgbClr r="0" g="0" b="0"/>
       </a:lnRef>
-      <a:fillRef idx="2">
+      <a:fillRef idx="3">
         <a:scrgbClr r="0" g="0" b="0"/>
       </a:fillRef>
-      <a:effectRef idx="1">
+      <a:effectRef idx="3">
         <a:scrgbClr r="0" g="0" b="0"/>
       </a:effectRef>
       <a:fontRef idx="minor">
-        <a:schemeClr val="dk1"/>
+        <a:schemeClr val="lt1"/>
       </a:fontRef>
     </dgm:style>
   </dgm:styleLbl>
   <dgm:styleLbl name="asst2">
     <dgm:scene3d>
       <a:camera prst="orthographicFront"/>
-      <a:lightRig rig="flat" dir="t"/>
+      <a:lightRig rig="threePt" dir="t"/>
     </dgm:scene3d>
-    <dgm:sp3d prstMaterial="dkEdge">
-      <a:bevelT w="8200" h="38100"/>
-    </dgm:sp3d>
+    <dgm:sp3d/>
     <dgm:txPr/>
     <dgm:style>
       <a:lnRef idx="0">
         <a:scrgbClr r="0" g="0" b="0"/>
       </a:lnRef>
-      <a:fillRef idx="2">
+      <a:fillRef idx="3">
         <a:scrgbClr r="0" g="0" b="0"/>
       </a:fillRef>
-      <a:effectRef idx="1">
+      <a:effectRef idx="3">
         <a:scrgbClr r="0" g="0" b="0"/>
       </a:effectRef>
       <a:fontRef idx="minor">
-        <a:schemeClr val="dk1"/>
+        <a:schemeClr val="lt1"/>
       </a:fontRef>
     </dgm:style>
   </dgm:styleLbl>
   <dgm:styleLbl name="asst3">
     <dgm:scene3d>
       <a:camera prst="orthographicFront"/>
-      <a:lightRig rig="flat" dir="t"/>
+      <a:lightRig rig="threePt" dir="t"/>
     </dgm:scene3d>
-    <dgm:sp3d prstMaterial="dkEdge">
-      <a:bevelT w="8200" h="38100"/>
-    </dgm:sp3d>
+    <dgm:sp3d/>
     <dgm:txPr/>
     <dgm:style>
       <a:lnRef idx="0">
         <a:scrgbClr r="0" g="0" b="0"/>
       </a:lnRef>
-      <a:fillRef idx="2">
+      <a:fillRef idx="3">
         <a:scrgbClr r="0" g="0" b="0"/>
       </a:fillRef>
-      <a:effectRef idx="1">
+      <a:effectRef idx="3">
         <a:scrgbClr r="0" g="0" b="0"/>
       </a:effectRef>
       <a:fontRef idx="minor">
-        <a:schemeClr val="dk1"/>
+        <a:schemeClr val="lt1"/>
       </a:fontRef>
     </dgm:style>
   </dgm:styleLbl>
   <dgm:styleLbl name="asst4">
     <dgm:scene3d>
       <a:camera prst="orthographicFront"/>
-      <a:lightRig rig="flat" dir="t"/>
+      <a:lightRig rig="threePt" dir="t"/>
     </dgm:scene3d>
-    <dgm:sp3d prstMaterial="dkEdge">
-      <a:bevelT w="8200" h="38100"/>
-    </dgm:sp3d>
+    <dgm:sp3d/>
     <dgm:txPr/>
     <dgm:style>
       <a:lnRef idx="0">
         <a:scrgbClr r="0" g="0" b="0"/>
       </a:lnRef>
-      <a:fillRef idx="2">
+      <a:fillRef idx="3">
         <a:scrgbClr r="0" g="0" b="0"/>
       </a:fillRef>
-      <a:effectRef idx="1">
+      <a:effectRef idx="3">
         <a:scrgbClr r="0" g="0" b="0"/>
       </a:effectRef>
       <a:fontRef idx="minor">
-        <a:schemeClr val="dk1"/>
+        <a:schemeClr val="lt1"/>
       </a:fontRef>
     </dgm:style>
   </dgm:styleLbl>
@@ -19270,17 +19760,17 @@
     <dgm:sp3d/>
     <dgm:txPr/>
     <dgm:style>
-      <a:lnRef idx="1">
+      <a:lnRef idx="0">
         <a:scrgbClr r="0" g="0" b="0"/>
       </a:lnRef>
-      <a:fillRef idx="2">
+      <a:fillRef idx="3">
         <a:scrgbClr r="0" g="0" b="0"/>
       </a:fillRef>
-      <a:effectRef idx="1">
+      <a:effectRef idx="3">
         <a:scrgbClr r="0" g="0" b="0"/>
       </a:effectRef>
       <a:fontRef idx="minor">
-        <a:schemeClr val="dk1"/>
+        <a:schemeClr val="lt1"/>
       </a:fontRef>
     </dgm:style>
   </dgm:styleLbl>
@@ -19292,17 +19782,17 @@
     <dgm:sp3d/>
     <dgm:txPr/>
     <dgm:style>
-      <a:lnRef idx="1">
+      <a:lnRef idx="0">
         <a:scrgbClr r="0" g="0" b="0"/>
       </a:lnRef>
-      <a:fillRef idx="2">
+      <a:fillRef idx="3">
         <a:scrgbClr r="0" g="0" b="0"/>
       </a:fillRef>
-      <a:effectRef idx="1">
+      <a:effectRef idx="3">
         <a:scrgbClr r="0" g="0" b="0"/>
       </a:effectRef>
       <a:fontRef idx="minor">
-        <a:schemeClr val="dk1"/>
+        <a:schemeClr val="lt1"/>
       </a:fontRef>
     </dgm:style>
   </dgm:styleLbl>
@@ -19314,17 +19804,17 @@
     <dgm:sp3d/>
     <dgm:txPr/>
     <dgm:style>
-      <a:lnRef idx="1">
+      <a:lnRef idx="0">
         <a:scrgbClr r="0" g="0" b="0"/>
       </a:lnRef>
-      <a:fillRef idx="2">
+      <a:fillRef idx="3">
         <a:scrgbClr r="0" g="0" b="0"/>
       </a:fillRef>
-      <a:effectRef idx="1">
+      <a:effectRef idx="3">
         <a:scrgbClr r="0" g="0" b="0"/>
       </a:effectRef>
       <a:fontRef idx="minor">
-        <a:schemeClr val="dk1"/>
+        <a:schemeClr val="lt1"/>
       </a:fontRef>
     </dgm:style>
   </dgm:styleLbl>
@@ -19336,17 +19826,17 @@
     <dgm:sp3d/>
     <dgm:txPr/>
     <dgm:style>
-      <a:lnRef idx="1">
+      <a:lnRef idx="0">
         <a:scrgbClr r="0" g="0" b="0"/>
       </a:lnRef>
-      <a:fillRef idx="2">
+      <a:fillRef idx="3">
         <a:scrgbClr r="0" g="0" b="0"/>
       </a:fillRef>
-      <a:effectRef idx="1">
+      <a:effectRef idx="3">
         <a:scrgbClr r="0" g="0" b="0"/>
       </a:effectRef>
       <a:fontRef idx="minor">
-        <a:schemeClr val="dk1"/>
+        <a:schemeClr val="lt1"/>
       </a:fontRef>
     </dgm:style>
   </dgm:styleLbl>
@@ -19444,7 +19934,7 @@
       <a:fillRef idx="1">
         <a:scrgbClr r="0" g="0" b="0"/>
       </a:fillRef>
-      <a:effectRef idx="0">
+      <a:effectRef idx="2">
         <a:scrgbClr r="0" g="0" b="0"/>
       </a:effectRef>
       <a:fontRef idx="minor"/>
@@ -19464,7 +19954,7 @@
       <a:fillRef idx="1">
         <a:scrgbClr r="0" g="0" b="0"/>
       </a:fillRef>
-      <a:effectRef idx="0">
+      <a:effectRef idx="2">
         <a:scrgbClr r="0" g="0" b="0"/>
       </a:effectRef>
       <a:fontRef idx="minor"/>
@@ -19484,7 +19974,7 @@
       <a:fillRef idx="1">
         <a:scrgbClr r="0" g="0" b="0"/>
       </a:fillRef>
-      <a:effectRef idx="0">
+      <a:effectRef idx="2">
         <a:scrgbClr r="0" g="0" b="0"/>
       </a:effectRef>
       <a:fontRef idx="minor"/>
@@ -19524,7 +20014,7 @@
       <a:fillRef idx="1">
         <a:scrgbClr r="0" g="0" b="0"/>
       </a:fillRef>
-      <a:effectRef idx="0">
+      <a:effectRef idx="2">
         <a:scrgbClr r="0" g="0" b="0"/>
       </a:effectRef>
       <a:fontRef idx="minor"/>
@@ -19541,10 +20031,10 @@
       <a:lnRef idx="1">
         <a:scrgbClr r="0" g="0" b="0"/>
       </a:lnRef>
-      <a:fillRef idx="2">
+      <a:fillRef idx="1">
         <a:scrgbClr r="0" g="0" b="0"/>
       </a:fillRef>
-      <a:effectRef idx="0">
+      <a:effectRef idx="2">
         <a:scrgbClr r="0" g="0" b="0"/>
       </a:effectRef>
       <a:fontRef idx="minor"/>
@@ -19564,7 +20054,7 @@
       <a:fillRef idx="1">
         <a:scrgbClr r="0" g="0" b="0"/>
       </a:fillRef>
-      <a:effectRef idx="0">
+      <a:effectRef idx="3">
         <a:scrgbClr r="0" g="0" b="0"/>
       </a:effectRef>
       <a:fontRef idx="minor"/>
@@ -19584,7 +20074,7 @@
       <a:fillRef idx="1">
         <a:scrgbClr r="0" g="0" b="0"/>
       </a:fillRef>
-      <a:effectRef idx="0">
+      <a:effectRef idx="3">
         <a:scrgbClr r="0" g="0" b="0"/>
       </a:effectRef>
       <a:fontRef idx="minor"/>
@@ -19604,7 +20094,7 @@
       <a:fillRef idx="1">
         <a:scrgbClr r="0" g="0" b="0"/>
       </a:fillRef>
-      <a:effectRef idx="0">
+      <a:effectRef idx="2">
         <a:scrgbClr r="0" g="0" b="0"/>
       </a:effectRef>
       <a:fontRef idx="minor"/>
@@ -19624,7 +20114,7 @@
       <a:fillRef idx="1">
         <a:scrgbClr r="0" g="0" b="0"/>
       </a:fillRef>
-      <a:effectRef idx="0">
+      <a:effectRef idx="2">
         <a:scrgbClr r="0" g="0" b="0"/>
       </a:effectRef>
       <a:fontRef idx="minor"/>
@@ -19644,7 +20134,7 @@
       <a:fillRef idx="1">
         <a:scrgbClr r="0" g="0" b="0"/>
       </a:fillRef>
-      <a:effectRef idx="0">
+      <a:effectRef idx="2">
         <a:scrgbClr r="0" g="0" b="0"/>
       </a:effectRef>
       <a:fontRef idx="minor"/>
@@ -19664,7 +20154,7 @@
       <a:fillRef idx="1">
         <a:scrgbClr r="0" g="0" b="0"/>
       </a:fillRef>
-      <a:effectRef idx="0">
+      <a:effectRef idx="2">
         <a:scrgbClr r="0" g="0" b="0"/>
       </a:effectRef>
       <a:fontRef idx="minor"/>
@@ -19684,7 +20174,7 @@
       <a:fillRef idx="1">
         <a:scrgbClr r="0" g="0" b="0"/>
       </a:fillRef>
-      <a:effectRef idx="0">
+      <a:effectRef idx="2">
         <a:scrgbClr r="0" g="0" b="0"/>
       </a:effectRef>
       <a:fontRef idx="minor"/>
@@ -19704,7 +20194,7 @@
       <a:fillRef idx="1">
         <a:scrgbClr r="0" g="0" b="0"/>
       </a:fillRef>
-      <a:effectRef idx="0">
+      <a:effectRef idx="2">
         <a:scrgbClr r="0" g="0" b="0"/>
       </a:effectRef>
       <a:fontRef idx="minor"/>
@@ -19724,7 +20214,7 @@
       <a:fillRef idx="1">
         <a:scrgbClr r="0" g="0" b="0"/>
       </a:fillRef>
-      <a:effectRef idx="0">
+      <a:effectRef idx="2">
         <a:scrgbClr r="0" g="0" b="0"/>
       </a:effectRef>
       <a:fontRef idx="minor"/>
@@ -19744,7 +20234,7 @@
       <a:fillRef idx="1">
         <a:scrgbClr r="0" g="0" b="0"/>
       </a:fillRef>
-      <a:effectRef idx="1">
+      <a:effectRef idx="2">
         <a:scrgbClr r="0" g="0" b="0"/>
       </a:effectRef>
       <a:fontRef idx="minor"/>
@@ -19764,7 +20254,7 @@
       <a:fillRef idx="1">
         <a:scrgbClr r="0" g="0" b="0"/>
       </a:fillRef>
-      <a:effectRef idx="1">
+      <a:effectRef idx="3">
         <a:scrgbClr r="0" g="0" b="0"/>
       </a:effectRef>
       <a:fontRef idx="minor"/>
@@ -19793,20 +20283,18 @@
   <dgm:styleLbl name="fgShp">
     <dgm:scene3d>
       <a:camera prst="orthographicFront"/>
-      <a:lightRig rig="flat" dir="t"/>
+      <a:lightRig rig="threePt" dir="t"/>
     </dgm:scene3d>
-    <dgm:sp3d prstMaterial="dkEdge">
-      <a:bevelT w="8200" h="38100"/>
-    </dgm:sp3d>
+    <dgm:sp3d/>
     <dgm:txPr/>
     <dgm:style>
-      <a:lnRef idx="1">
+      <a:lnRef idx="0">
         <a:scrgbClr r="0" g="0" b="0"/>
       </a:lnRef>
-      <a:fillRef idx="2">
+      <a:fillRef idx="3">
         <a:scrgbClr r="0" g="0" b="0"/>
       </a:fillRef>
-      <a:effectRef idx="1">
+      <a:effectRef idx="3">
         <a:scrgbClr r="0" g="0" b="0"/>
       </a:effectRef>
       <a:fontRef idx="minor"/>
@@ -23649,14 +24137,14 @@
           <p:nvPr>
             <p:extLst>
               <p:ext uri="{D42A27DB-BD31-4B8C-83A1-F6EECF244321}">
-                <p14:modId xmlns:p14="http://schemas.microsoft.com/office/powerpoint/2010/main" val="1565728087"/>
+                <p14:modId xmlns:p14="http://schemas.microsoft.com/office/powerpoint/2010/main" val="411328218"/>
               </p:ext>
             </p:extLst>
           </p:nvPr>
         </p:nvGraphicFramePr>
         <p:xfrm>
-          <a:off x="381000" y="0"/>
-          <a:ext cx="2133600" cy="914400"/>
+          <a:off x="533400" y="0"/>
+          <a:ext cx="1752600" cy="914400"/>
         </p:xfrm>
         <a:graphic>
           <a:graphicData uri="http://schemas.openxmlformats.org/drawingml/2006/diagram">
@@ -23666,14 +24154,14 @@
       </p:graphicFrame>
       <p:sp>
         <p:nvSpPr>
-          <p:cNvPr id="4" name="Rectangle 3"/>
+          <p:cNvPr id="3" name="Rectangle 2"/>
           <p:cNvSpPr/>
           <p:nvPr/>
         </p:nvSpPr>
         <p:spPr>
           <a:xfrm>
-            <a:off x="381000" y="-152400"/>
-            <a:ext cx="967370" cy="358382"/>
+            <a:off x="-129170" y="152400"/>
+            <a:ext cx="967370" cy="304800"/>
           </a:xfrm>
           <a:prstGeom prst="rect">
             <a:avLst/>
@@ -23681,31 +24169,13 @@
         </p:spPr>
         <p:style>
           <a:lnRef idx="0">
-            <a:schemeClr val="dk1">
-              <a:alpha val="0"/>
-              <a:hueOff val="0"/>
-              <a:satOff val="0"/>
-              <a:lumOff val="0"/>
-              <a:alphaOff val="0"/>
-            </a:schemeClr>
+            <a:scrgbClr r="0" g="0" b="0"/>
           </a:lnRef>
           <a:fillRef idx="0">
-            <a:schemeClr val="lt1">
-              <a:alpha val="0"/>
-              <a:hueOff val="0"/>
-              <a:satOff val="0"/>
-              <a:lumOff val="0"/>
-              <a:alphaOff val="0"/>
-            </a:schemeClr>
+            <a:scrgbClr r="0" g="0" b="0"/>
           </a:fillRef>
           <a:effectRef idx="0">
-            <a:schemeClr val="lt1">
-              <a:alpha val="0"/>
-              <a:hueOff val="0"/>
-              <a:satOff val="0"/>
-              <a:lumOff val="0"/>
-              <a:alphaOff val="0"/>
-            </a:schemeClr>
+            <a:scrgbClr r="0" g="0" b="0"/>
           </a:effectRef>
           <a:fontRef idx="minor">
             <a:schemeClr val="tx1">
@@ -23716,348 +24186,41 @@
             </a:schemeClr>
           </a:fontRef>
         </p:style>
-      </p:sp>
-      <p:grpSp>
-        <p:nvGrpSpPr>
-          <p:cNvPr id="6" name="Group 5"/>
-          <p:cNvGrpSpPr/>
-          <p:nvPr/>
-        </p:nvGrpSpPr>
-        <p:grpSpPr>
-          <a:xfrm>
-            <a:off x="838200" y="529227"/>
-            <a:ext cx="967370" cy="385173"/>
-            <a:chOff x="-52325" y="44306"/>
-            <a:chExt cx="967370" cy="385173"/>
-          </a:xfrm>
-        </p:grpSpPr>
-        <p:sp>
-          <p:nvSpPr>
-            <p:cNvPr id="7" name="Rectangle 6"/>
-            <p:cNvSpPr/>
-            <p:nvPr/>
-          </p:nvSpPr>
-          <p:spPr>
-            <a:xfrm>
-              <a:off x="-52325" y="71097"/>
-              <a:ext cx="967370" cy="358382"/>
-            </a:xfrm>
-            <a:prstGeom prst="rect">
-              <a:avLst/>
-            </a:prstGeom>
-          </p:spPr>
-          <p:style>
-            <a:lnRef idx="0">
-              <a:schemeClr val="dk1">
-                <a:alpha val="0"/>
-                <a:hueOff val="0"/>
-                <a:satOff val="0"/>
-                <a:lumOff val="0"/>
-                <a:alphaOff val="0"/>
-              </a:schemeClr>
-            </a:lnRef>
-            <a:fillRef idx="0">
-              <a:schemeClr val="lt1">
-                <a:alpha val="0"/>
-                <a:hueOff val="0"/>
-                <a:satOff val="0"/>
-                <a:lumOff val="0"/>
-                <a:alphaOff val="0"/>
-              </a:schemeClr>
-            </a:fillRef>
-            <a:effectRef idx="0">
-              <a:schemeClr val="lt1">
-                <a:alpha val="0"/>
-                <a:hueOff val="0"/>
-                <a:satOff val="0"/>
-                <a:lumOff val="0"/>
-                <a:alphaOff val="0"/>
-              </a:schemeClr>
-            </a:effectRef>
-            <a:fontRef idx="minor">
-              <a:schemeClr val="tx1">
-                <a:hueOff val="0"/>
-                <a:satOff val="0"/>
-                <a:lumOff val="0"/>
-                <a:alphaOff val="0"/>
-              </a:schemeClr>
-            </a:fontRef>
-          </p:style>
-        </p:sp>
-        <p:sp>
-          <p:nvSpPr>
-            <p:cNvPr id="8" name="Rectangle 7"/>
-            <p:cNvSpPr/>
-            <p:nvPr/>
-          </p:nvSpPr>
-          <p:spPr>
-            <a:xfrm>
-              <a:off x="202760" y="44306"/>
-              <a:ext cx="609600" cy="358382"/>
-            </a:xfrm>
-            <a:prstGeom prst="rect">
-              <a:avLst/>
-            </a:prstGeom>
-          </p:spPr>
-          <p:style>
-            <a:lnRef idx="0">
-              <a:scrgbClr r="0" g="0" b="0"/>
-            </a:lnRef>
-            <a:fillRef idx="0">
-              <a:scrgbClr r="0" g="0" b="0"/>
-            </a:fillRef>
-            <a:effectRef idx="0">
-              <a:scrgbClr r="0" g="0" b="0"/>
-            </a:effectRef>
-            <a:fontRef idx="minor">
-              <a:schemeClr val="tx1">
-                <a:hueOff val="0"/>
-                <a:satOff val="0"/>
-                <a:lumOff val="0"/>
-                <a:alphaOff val="0"/>
-              </a:schemeClr>
-            </a:fontRef>
-          </p:style>
-          <p:txBody>
-            <a:bodyPr spcFirstLastPara="0" vert="horz" wrap="square" lIns="20320" tIns="20320" rIns="20320" bIns="2032" numCol="1" spcCol="1270" anchor="b" anchorCtr="0">
-              <a:noAutofit/>
-            </a:bodyPr>
-            <a:lstStyle/>
-            <a:p>
-              <a:pPr lvl="0" algn="r" defTabSz="711200">
-                <a:lnSpc>
-                  <a:spcPct val="90000"/>
-                </a:lnSpc>
-                <a:spcBef>
-                  <a:spcPct val="0"/>
-                </a:spcBef>
-                <a:spcAft>
-                  <a:spcPct val="35000"/>
-                </a:spcAft>
-              </a:pPr>
-              <a:r>
-                <a:rPr lang="en-US" sz="1600" kern="1200" dirty="0" smtClean="0"/>
-                <a:t>Home</a:t>
-              </a:r>
-              <a:endParaRPr lang="en-US" sz="1600" kern="1200" dirty="0"/>
-            </a:p>
-          </p:txBody>
-        </p:sp>
-      </p:grpSp>
-      <p:sp>
-        <p:nvSpPr>
-          <p:cNvPr id="3" name="Homepage"/>
-          <p:cNvSpPr>
-            <a:spLocks noEditPoints="1" noChangeArrowheads="1"/>
-          </p:cNvSpPr>
-          <p:nvPr/>
-        </p:nvSpPr>
-        <p:spPr bwMode="auto">
-          <a:xfrm>
-            <a:off x="1219201" y="76201"/>
-            <a:ext cx="381000" cy="457200"/>
-          </a:xfrm>
-          <a:custGeom>
-            <a:avLst/>
-            <a:gdLst>
-              <a:gd name="T0" fmla="*/ 0 w 21600"/>
-              <a:gd name="T1" fmla="*/ 0 h 21600"/>
-              <a:gd name="T2" fmla="*/ 10800 w 21600"/>
-              <a:gd name="T3" fmla="*/ 0 h 21600"/>
-              <a:gd name="T4" fmla="*/ 21600 w 21600"/>
-              <a:gd name="T5" fmla="*/ 0 h 21600"/>
-              <a:gd name="T6" fmla="*/ 21600 w 21600"/>
-              <a:gd name="T7" fmla="*/ 10800 h 21600"/>
-              <a:gd name="T8" fmla="*/ 21600 w 21600"/>
-              <a:gd name="T9" fmla="*/ 21600 h 21600"/>
-              <a:gd name="T10" fmla="*/ 10800 w 21600"/>
-              <a:gd name="T11" fmla="*/ 21600 h 21600"/>
-              <a:gd name="T12" fmla="*/ 0 w 21600"/>
-              <a:gd name="T13" fmla="*/ 10800 h 21600"/>
-              <a:gd name="T14" fmla="*/ 999 w 21600"/>
-              <a:gd name="T15" fmla="*/ 12174 h 21600"/>
-              <a:gd name="T16" fmla="*/ 20813 w 21600"/>
-              <a:gd name="T17" fmla="*/ 17149 h 21600"/>
-            </a:gdLst>
-            <a:ahLst/>
-            <a:cxnLst>
-              <a:cxn ang="0">
-                <a:pos x="T0" y="T1"/>
-              </a:cxn>
-              <a:cxn ang="0">
-                <a:pos x="T2" y="T3"/>
-              </a:cxn>
-              <a:cxn ang="0">
-                <a:pos x="T4" y="T5"/>
-              </a:cxn>
-              <a:cxn ang="0">
-                <a:pos x="T6" y="T7"/>
-              </a:cxn>
-              <a:cxn ang="0">
-                <a:pos x="T8" y="T9"/>
-              </a:cxn>
-              <a:cxn ang="0">
-                <a:pos x="T10" y="T11"/>
-              </a:cxn>
-              <a:cxn ang="0">
-                <a:pos x="T12" y="T13"/>
-              </a:cxn>
-            </a:cxnLst>
-            <a:rect l="T14" t="T15" r="T16" b="T17"/>
-            <a:pathLst>
-              <a:path w="21600" h="21600" extrusionOk="0">
-                <a:moveTo>
-                  <a:pt x="10757" y="21632"/>
-                </a:moveTo>
-                <a:lnTo>
-                  <a:pt x="5187" y="21632"/>
-                </a:lnTo>
-                <a:lnTo>
-                  <a:pt x="85" y="17509"/>
-                </a:lnTo>
-                <a:lnTo>
-                  <a:pt x="85" y="10849"/>
-                </a:lnTo>
-                <a:lnTo>
-                  <a:pt x="85" y="81"/>
-                </a:lnTo>
-                <a:lnTo>
-                  <a:pt x="10757" y="81"/>
-                </a:lnTo>
-                <a:lnTo>
-                  <a:pt x="21706" y="81"/>
-                </a:lnTo>
-                <a:lnTo>
-                  <a:pt x="21706" y="10652"/>
-                </a:lnTo>
-                <a:lnTo>
-                  <a:pt x="21706" y="21632"/>
-                </a:lnTo>
-                <a:lnTo>
-                  <a:pt x="10757" y="21632"/>
-                </a:lnTo>
-                <a:close/>
-              </a:path>
-              <a:path w="21600" h="21600" extrusionOk="0">
-                <a:moveTo>
-                  <a:pt x="85" y="17509"/>
-                </a:moveTo>
-                <a:lnTo>
-                  <a:pt x="5187" y="17509"/>
-                </a:lnTo>
-                <a:lnTo>
-                  <a:pt x="5187" y="21632"/>
-                </a:lnTo>
-                <a:lnTo>
-                  <a:pt x="85" y="17509"/>
-                </a:lnTo>
-                <a:close/>
-              </a:path>
-              <a:path w="21600" h="21600" extrusionOk="0">
-                <a:moveTo>
-                  <a:pt x="5251" y="7101"/>
-                </a:moveTo>
-                <a:lnTo>
-                  <a:pt x="5251" y="11160"/>
-                </a:lnTo>
-                <a:lnTo>
-                  <a:pt x="16306" y="11160"/>
-                </a:lnTo>
-                <a:lnTo>
-                  <a:pt x="16306" y="7052"/>
-                </a:lnTo>
-                <a:lnTo>
-                  <a:pt x="16901" y="6561"/>
-                </a:lnTo>
-                <a:lnTo>
-                  <a:pt x="15264" y="5236"/>
-                </a:lnTo>
-                <a:lnTo>
-                  <a:pt x="15264" y="1636"/>
-                </a:lnTo>
-                <a:lnTo>
-                  <a:pt x="13478" y="1636"/>
-                </a:lnTo>
-                <a:lnTo>
-                  <a:pt x="13478" y="3698"/>
-                </a:lnTo>
-                <a:lnTo>
-                  <a:pt x="11182" y="1669"/>
-                </a:lnTo>
-                <a:lnTo>
-                  <a:pt x="4847" y="6561"/>
-                </a:lnTo>
-                <a:lnTo>
-                  <a:pt x="5251" y="7101"/>
-                </a:lnTo>
-                <a:close/>
-              </a:path>
-              <a:path w="21600" h="21600" extrusionOk="0">
-                <a:moveTo>
-                  <a:pt x="9396" y="11160"/>
-                </a:moveTo>
-                <a:lnTo>
-                  <a:pt x="9396" y="7772"/>
-                </a:lnTo>
-                <a:lnTo>
-                  <a:pt x="11820" y="7772"/>
-                </a:lnTo>
-                <a:lnTo>
-                  <a:pt x="11820" y="11160"/>
-                </a:lnTo>
-                <a:lnTo>
-                  <a:pt x="9396" y="11160"/>
-                </a:lnTo>
-                <a:close/>
-              </a:path>
-            </a:pathLst>
-          </a:custGeom>
-          <a:solidFill>
-            <a:srgbClr val="D8EBB3"/>
-          </a:solidFill>
-          <a:ln w="9525">
-            <a:solidFill>
-              <a:srgbClr val="000000"/>
-            </a:solidFill>
-            <a:miter lim="800000"/>
-            <a:headEnd/>
-            <a:tailEnd/>
-          </a:ln>
-          <a:effectLst>
-            <a:outerShdw dist="107763" dir="2700000" algn="ctr" rotWithShape="0">
-              <a:srgbClr val="808080"/>
-            </a:outerShdw>
-          </a:effectLst>
-        </p:spPr>
         <p:txBody>
-          <a:bodyPr vert="horz" wrap="square" lIns="91440" tIns="45720" rIns="91440" bIns="45720" numCol="1" anchor="t" anchorCtr="0" compatLnSpc="1">
-            <a:prstTxWarp prst="textNoShape">
-              <a:avLst/>
-            </a:prstTxWarp>
+          <a:bodyPr spcFirstLastPara="0" vert="horz" wrap="square" lIns="20320" tIns="20320" rIns="20320" bIns="2032" numCol="1" spcCol="1270" anchor="b" anchorCtr="0">
+            <a:noAutofit/>
           </a:bodyPr>
           <a:lstStyle/>
           <a:p>
-            <a:endParaRPr lang="en-US"/>
+            <a:pPr lvl="0" algn="r" defTabSz="711200">
+              <a:lnSpc>
+                <a:spcPct val="90000"/>
+              </a:lnSpc>
+              <a:spcBef>
+                <a:spcPct val="0"/>
+              </a:spcBef>
+              <a:spcAft>
+                <a:spcPct val="35000"/>
+              </a:spcAft>
+            </a:pPr>
+            <a:r>
+              <a:rPr lang="en-US" sz="1600" kern="1200" dirty="0" smtClean="0"/>
+              <a:t>Videos</a:t>
+            </a:r>
+            <a:endParaRPr lang="en-US" sz="1600" kern="1200" dirty="0"/>
           </a:p>
         </p:txBody>
       </p:sp>
     </p:spTree>
     <p:extLst>
       <p:ext uri="{BB962C8B-B14F-4D97-AF65-F5344CB8AC3E}">
-        <p14:creationId xmlns:p14="http://schemas.microsoft.com/office/powerpoint/2010/main" val="1106808826"/>
+        <p14:creationId xmlns:p14="http://schemas.microsoft.com/office/powerpoint/2010/main" val="297939564"/>
       </p:ext>
     </p:extLst>
   </p:cSld>
   <p:clrMapOvr>
     <a:masterClrMapping/>
   </p:clrMapOvr>
-  <p:timing>
-    <p:tnLst>
-      <p:par>
-        <p:cTn id="1" dur="indefinite" restart="never" nodeType="tmRoot"/>
-      </p:par>
-    </p:tnLst>
-  </p:timing>
 </p:sld>
 </file>
 
